--- a/設定wifi ap_repeater.pptx
+++ b/設定wifi ap_repeater.pptx
@@ -2,7 +2,7 @@
 <file path=ppt/presentation.xml><?xml version="1.0" encoding="utf-8"?>
 <p:presentation xmlns:a="http://schemas.openxmlformats.org/drawingml/2006/main" xmlns:r="http://schemas.openxmlformats.org/officeDocument/2006/relationships" xmlns:p="http://schemas.openxmlformats.org/presentationml/2006/main" saveSubsetFonts="1">
   <p:sldMasterIdLst>
-    <p:sldMasterId id="2147483648" r:id="rId1"/>
+    <p:sldMasterId id="2147483660" r:id="rId1"/>
   </p:sldMasterIdLst>
   <p:sldIdLst>
     <p:sldId id="256" r:id="rId2"/>
@@ -143,7 +143,7 @@
       </p:grpSpPr>
       <p:sp>
         <p:nvSpPr>
-          <p:cNvPr id="2" name="標題 1"/>
+          <p:cNvPr id="2" name="Title 1"/>
           <p:cNvSpPr>
             <a:spLocks noGrp="1"/>
           </p:cNvSpPr>
@@ -153,25 +153,36 @@
         </p:nvSpPr>
         <p:spPr>
           <a:xfrm>
-            <a:off x="685800" y="2130425"/>
-            <a:ext cx="7772400" cy="1470025"/>
+            <a:off x="685800" y="1905000"/>
+            <a:ext cx="7543800" cy="2593975"/>
           </a:xfrm>
         </p:spPr>
         <p:txBody>
-          <a:bodyPr/>
-          <a:lstStyle/>
+          <a:bodyPr anchor="b"/>
+          <a:lstStyle>
+            <a:lvl1pPr>
+              <a:defRPr sz="6600">
+                <a:ln>
+                  <a:noFill/>
+                </a:ln>
+                <a:solidFill>
+                  <a:schemeClr val="tx2"/>
+                </a:solidFill>
+              </a:defRPr>
+            </a:lvl1pPr>
+          </a:lstStyle>
           <a:p>
             <a:r>
               <a:rPr lang="zh-TW" altLang="en-US" smtClean="0"/>
               <a:t>按一下以編輯母片標題樣式</a:t>
             </a:r>
-            <a:endParaRPr lang="zh-TW" altLang="en-US"/>
-          </a:p>
-        </p:txBody>
-      </p:sp>
-      <p:sp>
-        <p:nvSpPr>
-          <p:cNvPr id="3" name="副標題 2"/>
+            <a:endParaRPr lang="en-US" dirty="0"/>
+          </a:p>
+        </p:txBody>
+      </p:sp>
+      <p:sp>
+        <p:nvSpPr>
+          <p:cNvPr id="3" name="Subtitle 2"/>
           <p:cNvSpPr>
             <a:spLocks noGrp="1"/>
           </p:cNvSpPr>
@@ -181,16 +192,18 @@
         </p:nvSpPr>
         <p:spPr>
           <a:xfrm>
-            <a:off x="1371600" y="3886200"/>
-            <a:ext cx="6400800" cy="1752600"/>
+            <a:off x="685800" y="4572000"/>
+            <a:ext cx="6461760" cy="1066800"/>
           </a:xfrm>
         </p:spPr>
         <p:txBody>
-          <a:bodyPr/>
+          <a:bodyPr anchor="t">
+            <a:normAutofit/>
+          </a:bodyPr>
           <a:lstStyle>
-            <a:lvl1pPr marL="0" indent="0" algn="ctr">
-              <a:buNone/>
-              <a:defRPr>
+            <a:lvl1pPr marL="0" indent="0" algn="l">
+              <a:buNone/>
+              <a:defRPr sz="2000">
                 <a:solidFill>
                   <a:schemeClr val="tx1">
                     <a:tint val="75000"/>
@@ -284,13 +297,13 @@
               <a:rPr lang="zh-TW" altLang="en-US" smtClean="0"/>
               <a:t>按一下以編輯母片副標題樣式</a:t>
             </a:r>
-            <a:endParaRPr lang="zh-TW" altLang="en-US"/>
-          </a:p>
-        </p:txBody>
-      </p:sp>
-      <p:sp>
-        <p:nvSpPr>
-          <p:cNvPr id="4" name="日期版面配置區 3"/>
+            <a:endParaRPr lang="en-US" dirty="0"/>
+          </a:p>
+        </p:txBody>
+      </p:sp>
+      <p:sp>
+        <p:nvSpPr>
+          <p:cNvPr id="4" name="Date Placeholder 3"/>
           <p:cNvSpPr>
             <a:spLocks noGrp="1"/>
           </p:cNvSpPr>
@@ -305,7 +318,7 @@
           <a:p>
             <a:fld id="{5BBEAD13-0566-4C6C-97E7-55F17F24B09F}" type="datetimeFigureOut">
               <a:rPr lang="zh-TW" altLang="en-US" smtClean="0"/>
-              <a:t>2018/4/21</a:t>
+              <a:t>2018/4/25</a:t>
             </a:fld>
             <a:endParaRPr lang="zh-TW" altLang="en-US"/>
           </a:p>
@@ -313,7 +326,7 @@
       </p:sp>
       <p:sp>
         <p:nvSpPr>
-          <p:cNvPr id="5" name="頁尾版面配置區 4"/>
+          <p:cNvPr id="5" name="Footer Placeholder 4"/>
           <p:cNvSpPr>
             <a:spLocks noGrp="1"/>
           </p:cNvSpPr>
@@ -332,7 +345,7 @@
       </p:sp>
       <p:sp>
         <p:nvSpPr>
-          <p:cNvPr id="6" name="投影片編號版面配置區 5"/>
+          <p:cNvPr id="6" name="Slide Number Placeholder 5"/>
           <p:cNvSpPr>
             <a:spLocks noGrp="1"/>
           </p:cNvSpPr>
@@ -380,7 +393,7 @@
       </p:grpSpPr>
       <p:sp>
         <p:nvSpPr>
-          <p:cNvPr id="2" name="標題 1"/>
+          <p:cNvPr id="2" name="Title 1"/>
           <p:cNvSpPr>
             <a:spLocks noGrp="1"/>
           </p:cNvSpPr>
@@ -397,13 +410,13 @@
               <a:rPr lang="zh-TW" altLang="en-US" smtClean="0"/>
               <a:t>按一下以編輯母片標題樣式</a:t>
             </a:r>
-            <a:endParaRPr lang="zh-TW" altLang="en-US"/>
-          </a:p>
-        </p:txBody>
-      </p:sp>
-      <p:sp>
-        <p:nvSpPr>
-          <p:cNvPr id="3" name="直排文字版面配置區 2"/>
+            <a:endParaRPr lang="en-US"/>
+          </a:p>
+        </p:txBody>
+      </p:sp>
+      <p:sp>
+        <p:nvSpPr>
+          <p:cNvPr id="3" name="Vertical Text Placeholder 2"/>
           <p:cNvSpPr>
             <a:spLocks noGrp="1"/>
           </p:cNvSpPr>
@@ -449,13 +462,13 @@
               <a:rPr lang="zh-TW" altLang="en-US" smtClean="0"/>
               <a:t>第五層</a:t>
             </a:r>
-            <a:endParaRPr lang="zh-TW" altLang="en-US"/>
-          </a:p>
-        </p:txBody>
-      </p:sp>
-      <p:sp>
-        <p:nvSpPr>
-          <p:cNvPr id="4" name="日期版面配置區 3"/>
+            <a:endParaRPr lang="en-US"/>
+          </a:p>
+        </p:txBody>
+      </p:sp>
+      <p:sp>
+        <p:nvSpPr>
+          <p:cNvPr id="4" name="Date Placeholder 3"/>
           <p:cNvSpPr>
             <a:spLocks noGrp="1"/>
           </p:cNvSpPr>
@@ -470,7 +483,7 @@
           <a:p>
             <a:fld id="{5BBEAD13-0566-4C6C-97E7-55F17F24B09F}" type="datetimeFigureOut">
               <a:rPr lang="zh-TW" altLang="en-US" smtClean="0"/>
-              <a:t>2018/4/21</a:t>
+              <a:t>2018/4/25</a:t>
             </a:fld>
             <a:endParaRPr lang="zh-TW" altLang="en-US"/>
           </a:p>
@@ -478,7 +491,7 @@
       </p:sp>
       <p:sp>
         <p:nvSpPr>
-          <p:cNvPr id="5" name="頁尾版面配置區 4"/>
+          <p:cNvPr id="5" name="Footer Placeholder 4"/>
           <p:cNvSpPr>
             <a:spLocks noGrp="1"/>
           </p:cNvSpPr>
@@ -497,7 +510,7 @@
       </p:sp>
       <p:sp>
         <p:nvSpPr>
-          <p:cNvPr id="6" name="投影片編號版面配置區 5"/>
+          <p:cNvPr id="6" name="Slide Number Placeholder 5"/>
           <p:cNvSpPr>
             <a:spLocks noGrp="1"/>
           </p:cNvSpPr>
@@ -545,7 +558,7 @@
       </p:grpSpPr>
       <p:sp>
         <p:nvSpPr>
-          <p:cNvPr id="2" name="直排標題 1"/>
+          <p:cNvPr id="2" name="Vertical Title 1"/>
           <p:cNvSpPr>
             <a:spLocks noGrp="1"/>
           </p:cNvSpPr>
@@ -556,24 +569,24 @@
         <p:spPr>
           <a:xfrm>
             <a:off x="6629400" y="274638"/>
-            <a:ext cx="2057400" cy="5851525"/>
+            <a:ext cx="1752600" cy="5851525"/>
           </a:xfrm>
         </p:spPr>
         <p:txBody>
-          <a:bodyPr vert="eaVert"/>
+          <a:bodyPr vert="eaVert" anchor="b" anchorCtr="0"/>
           <a:lstStyle/>
           <a:p>
             <a:r>
               <a:rPr lang="zh-TW" altLang="en-US" smtClean="0"/>
               <a:t>按一下以編輯母片標題樣式</a:t>
             </a:r>
-            <a:endParaRPr lang="zh-TW" altLang="en-US"/>
-          </a:p>
-        </p:txBody>
-      </p:sp>
-      <p:sp>
-        <p:nvSpPr>
-          <p:cNvPr id="3" name="直排文字版面配置區 2"/>
+            <a:endParaRPr lang="en-US" dirty="0"/>
+          </a:p>
+        </p:txBody>
+      </p:sp>
+      <p:sp>
+        <p:nvSpPr>
+          <p:cNvPr id="3" name="Vertical Text Placeholder 2"/>
           <p:cNvSpPr>
             <a:spLocks noGrp="1"/>
           </p:cNvSpPr>
@@ -624,13 +637,13 @@
               <a:rPr lang="zh-TW" altLang="en-US" smtClean="0"/>
               <a:t>第五層</a:t>
             </a:r>
-            <a:endParaRPr lang="zh-TW" altLang="en-US"/>
-          </a:p>
-        </p:txBody>
-      </p:sp>
-      <p:sp>
-        <p:nvSpPr>
-          <p:cNvPr id="4" name="日期版面配置區 3"/>
+            <a:endParaRPr lang="en-US"/>
+          </a:p>
+        </p:txBody>
+      </p:sp>
+      <p:sp>
+        <p:nvSpPr>
+          <p:cNvPr id="4" name="Date Placeholder 3"/>
           <p:cNvSpPr>
             <a:spLocks noGrp="1"/>
           </p:cNvSpPr>
@@ -645,7 +658,7 @@
           <a:p>
             <a:fld id="{5BBEAD13-0566-4C6C-97E7-55F17F24B09F}" type="datetimeFigureOut">
               <a:rPr lang="zh-TW" altLang="en-US" smtClean="0"/>
-              <a:t>2018/4/21</a:t>
+              <a:t>2018/4/25</a:t>
             </a:fld>
             <a:endParaRPr lang="zh-TW" altLang="en-US"/>
           </a:p>
@@ -653,7 +666,7 @@
       </p:sp>
       <p:sp>
         <p:nvSpPr>
-          <p:cNvPr id="5" name="頁尾版面配置區 4"/>
+          <p:cNvPr id="5" name="Footer Placeholder 4"/>
           <p:cNvSpPr>
             <a:spLocks noGrp="1"/>
           </p:cNvSpPr>
@@ -672,7 +685,7 @@
       </p:sp>
       <p:sp>
         <p:nvSpPr>
-          <p:cNvPr id="6" name="投影片編號版面配置區 5"/>
+          <p:cNvPr id="6" name="Slide Number Placeholder 5"/>
           <p:cNvSpPr>
             <a:spLocks noGrp="1"/>
           </p:cNvSpPr>
@@ -720,7 +733,7 @@
       </p:grpSpPr>
       <p:sp>
         <p:nvSpPr>
-          <p:cNvPr id="2" name="標題 1"/>
+          <p:cNvPr id="2" name="Title 1"/>
           <p:cNvSpPr>
             <a:spLocks noGrp="1"/>
           </p:cNvSpPr>
@@ -737,13 +750,13 @@
               <a:rPr lang="zh-TW" altLang="en-US" smtClean="0"/>
               <a:t>按一下以編輯母片標題樣式</a:t>
             </a:r>
-            <a:endParaRPr lang="zh-TW" altLang="en-US"/>
-          </a:p>
-        </p:txBody>
-      </p:sp>
-      <p:sp>
-        <p:nvSpPr>
-          <p:cNvPr id="3" name="內容版面配置區 2"/>
+            <a:endParaRPr lang="en-US"/>
+          </a:p>
+        </p:txBody>
+      </p:sp>
+      <p:sp>
+        <p:nvSpPr>
+          <p:cNvPr id="3" name="Content Placeholder 2"/>
           <p:cNvSpPr>
             <a:spLocks noGrp="1"/>
           </p:cNvSpPr>
@@ -789,13 +802,13 @@
               <a:rPr lang="zh-TW" altLang="en-US" smtClean="0"/>
               <a:t>第五層</a:t>
             </a:r>
-            <a:endParaRPr lang="zh-TW" altLang="en-US"/>
-          </a:p>
-        </p:txBody>
-      </p:sp>
-      <p:sp>
-        <p:nvSpPr>
-          <p:cNvPr id="4" name="日期版面配置區 3"/>
+            <a:endParaRPr lang="en-US"/>
+          </a:p>
+        </p:txBody>
+      </p:sp>
+      <p:sp>
+        <p:nvSpPr>
+          <p:cNvPr id="4" name="Date Placeholder 3"/>
           <p:cNvSpPr>
             <a:spLocks noGrp="1"/>
           </p:cNvSpPr>
@@ -810,7 +823,7 @@
           <a:p>
             <a:fld id="{5BBEAD13-0566-4C6C-97E7-55F17F24B09F}" type="datetimeFigureOut">
               <a:rPr lang="zh-TW" altLang="en-US" smtClean="0"/>
-              <a:t>2018/4/21</a:t>
+              <a:t>2018/4/25</a:t>
             </a:fld>
             <a:endParaRPr lang="zh-TW" altLang="en-US"/>
           </a:p>
@@ -818,7 +831,7 @@
       </p:sp>
       <p:sp>
         <p:nvSpPr>
-          <p:cNvPr id="5" name="頁尾版面配置區 4"/>
+          <p:cNvPr id="5" name="Footer Placeholder 4"/>
           <p:cNvSpPr>
             <a:spLocks noGrp="1"/>
           </p:cNvSpPr>
@@ -837,7 +850,7 @@
       </p:sp>
       <p:sp>
         <p:nvSpPr>
-          <p:cNvPr id="6" name="投影片編號版面配置區 5"/>
+          <p:cNvPr id="6" name="Slide Number Placeholder 5"/>
           <p:cNvSpPr>
             <a:spLocks noGrp="1"/>
           </p:cNvSpPr>
@@ -868,7 +881,7 @@
 
 <file path=ppt/slideLayouts/slideLayout3.xml><?xml version="1.0" encoding="utf-8"?>
 <p:sldLayout xmlns:a="http://schemas.openxmlformats.org/drawingml/2006/main" xmlns:r="http://schemas.openxmlformats.org/officeDocument/2006/relationships" xmlns:p="http://schemas.openxmlformats.org/presentationml/2006/main" type="secHead" preserve="1">
-  <p:cSld name="區段標題">
+  <p:cSld name="章節標題">
     <p:spTree>
       <p:nvGrpSpPr>
         <p:cNvPr id="1" name=""/>
@@ -885,7 +898,7 @@
       </p:grpSpPr>
       <p:sp>
         <p:nvSpPr>
-          <p:cNvPr id="2" name="標題 1"/>
+          <p:cNvPr id="2" name="Title 1"/>
           <p:cNvSpPr>
             <a:spLocks noGrp="1"/>
           </p:cNvSpPr>
@@ -895,15 +908,15 @@
         </p:nvSpPr>
         <p:spPr>
           <a:xfrm>
-            <a:off x="722313" y="4406900"/>
-            <a:ext cx="7772400" cy="1362075"/>
+            <a:off x="722313" y="5486400"/>
+            <a:ext cx="7659687" cy="1168400"/>
           </a:xfrm>
         </p:spPr>
         <p:txBody>
           <a:bodyPr anchor="t"/>
           <a:lstStyle>
             <a:lvl1pPr algn="l">
-              <a:defRPr sz="4000" b="1" cap="all"/>
+              <a:defRPr sz="3600" b="0" cap="all"/>
             </a:lvl1pPr>
           </a:lstStyle>
           <a:p>
@@ -911,13 +924,13 @@
               <a:rPr lang="zh-TW" altLang="en-US" smtClean="0"/>
               <a:t>按一下以編輯母片標題樣式</a:t>
             </a:r>
-            <a:endParaRPr lang="zh-TW" altLang="en-US"/>
-          </a:p>
-        </p:txBody>
-      </p:sp>
-      <p:sp>
-        <p:nvSpPr>
-          <p:cNvPr id="3" name="文字版面配置區 2"/>
+            <a:endParaRPr lang="en-US" dirty="0"/>
+          </a:p>
+        </p:txBody>
+      </p:sp>
+      <p:sp>
+        <p:nvSpPr>
+          <p:cNvPr id="3" name="Text Placeholder 2"/>
           <p:cNvSpPr>
             <a:spLocks noGrp="1"/>
           </p:cNvSpPr>
@@ -927,8 +940,8 @@
         </p:nvSpPr>
         <p:spPr>
           <a:xfrm>
-            <a:off x="722313" y="2906713"/>
-            <a:ext cx="7772400" cy="1500187"/>
+            <a:off x="722313" y="3852863"/>
+            <a:ext cx="6135687" cy="1633538"/>
           </a:xfrm>
         </p:spPr>
         <p:txBody>
@@ -1036,7 +1049,7 @@
       </p:sp>
       <p:sp>
         <p:nvSpPr>
-          <p:cNvPr id="4" name="日期版面配置區 3"/>
+          <p:cNvPr id="4" name="Date Placeholder 3"/>
           <p:cNvSpPr>
             <a:spLocks noGrp="1"/>
           </p:cNvSpPr>
@@ -1051,7 +1064,7 @@
           <a:p>
             <a:fld id="{5BBEAD13-0566-4C6C-97E7-55F17F24B09F}" type="datetimeFigureOut">
               <a:rPr lang="zh-TW" altLang="en-US" smtClean="0"/>
-              <a:t>2018/4/21</a:t>
+              <a:t>2018/4/25</a:t>
             </a:fld>
             <a:endParaRPr lang="zh-TW" altLang="en-US"/>
           </a:p>
@@ -1059,7 +1072,7 @@
       </p:sp>
       <p:sp>
         <p:nvSpPr>
-          <p:cNvPr id="5" name="頁尾版面配置區 4"/>
+          <p:cNvPr id="5" name="Footer Placeholder 4"/>
           <p:cNvSpPr>
             <a:spLocks noGrp="1"/>
           </p:cNvSpPr>
@@ -1078,7 +1091,7 @@
       </p:sp>
       <p:sp>
         <p:nvSpPr>
-          <p:cNvPr id="6" name="投影片編號版面配置區 5"/>
+          <p:cNvPr id="6" name="Slide Number Placeholder 5"/>
           <p:cNvSpPr>
             <a:spLocks noGrp="1"/>
           </p:cNvSpPr>
@@ -1126,7 +1139,7 @@
       </p:grpSpPr>
       <p:sp>
         <p:nvSpPr>
-          <p:cNvPr id="2" name="標題 1"/>
+          <p:cNvPr id="2" name="Title 1"/>
           <p:cNvSpPr>
             <a:spLocks noGrp="1"/>
           </p:cNvSpPr>
@@ -1143,13 +1156,13 @@
               <a:rPr lang="zh-TW" altLang="en-US" smtClean="0"/>
               <a:t>按一下以編輯母片標題樣式</a:t>
             </a:r>
-            <a:endParaRPr lang="zh-TW" altLang="en-US"/>
-          </a:p>
-        </p:txBody>
-      </p:sp>
-      <p:sp>
-        <p:nvSpPr>
-          <p:cNvPr id="3" name="內容版面配置區 2"/>
+            <a:endParaRPr lang="en-US"/>
+          </a:p>
+        </p:txBody>
+      </p:sp>
+      <p:sp>
+        <p:nvSpPr>
+          <p:cNvPr id="3" name="Content Placeholder 2"/>
           <p:cNvSpPr>
             <a:spLocks noGrp="1"/>
           </p:cNvSpPr>
@@ -1159,8 +1172,8 @@
         </p:nvSpPr>
         <p:spPr>
           <a:xfrm>
-            <a:off x="457200" y="1600200"/>
-            <a:ext cx="4038600" cy="4525963"/>
+            <a:off x="457200" y="1536192"/>
+            <a:ext cx="3657600" cy="4590288"/>
           </a:xfrm>
         </p:spPr>
         <p:txBody>
@@ -1228,13 +1241,13 @@
               <a:rPr lang="zh-TW" altLang="en-US" smtClean="0"/>
               <a:t>第五層</a:t>
             </a:r>
-            <a:endParaRPr lang="zh-TW" altLang="en-US"/>
-          </a:p>
-        </p:txBody>
-      </p:sp>
-      <p:sp>
-        <p:nvSpPr>
-          <p:cNvPr id="4" name="內容版面配置區 3"/>
+            <a:endParaRPr lang="en-US" dirty="0"/>
+          </a:p>
+        </p:txBody>
+      </p:sp>
+      <p:sp>
+        <p:nvSpPr>
+          <p:cNvPr id="4" name="Content Placeholder 3"/>
           <p:cNvSpPr>
             <a:spLocks noGrp="1"/>
           </p:cNvSpPr>
@@ -1244,8 +1257,8 @@
         </p:nvSpPr>
         <p:spPr>
           <a:xfrm>
-            <a:off x="4648200" y="1600200"/>
-            <a:ext cx="4038600" cy="4525963"/>
+            <a:off x="4419600" y="1536192"/>
+            <a:ext cx="3657600" cy="4590288"/>
           </a:xfrm>
         </p:spPr>
         <p:txBody>
@@ -1313,13 +1326,13 @@
               <a:rPr lang="zh-TW" altLang="en-US" smtClean="0"/>
               <a:t>第五層</a:t>
             </a:r>
-            <a:endParaRPr lang="zh-TW" altLang="en-US"/>
-          </a:p>
-        </p:txBody>
-      </p:sp>
-      <p:sp>
-        <p:nvSpPr>
-          <p:cNvPr id="5" name="日期版面配置區 4"/>
+            <a:endParaRPr lang="en-US" dirty="0"/>
+          </a:p>
+        </p:txBody>
+      </p:sp>
+      <p:sp>
+        <p:nvSpPr>
+          <p:cNvPr id="5" name="Date Placeholder 4"/>
           <p:cNvSpPr>
             <a:spLocks noGrp="1"/>
           </p:cNvSpPr>
@@ -1334,7 +1347,7 @@
           <a:p>
             <a:fld id="{5BBEAD13-0566-4C6C-97E7-55F17F24B09F}" type="datetimeFigureOut">
               <a:rPr lang="zh-TW" altLang="en-US" smtClean="0"/>
-              <a:t>2018/4/21</a:t>
+              <a:t>2018/4/25</a:t>
             </a:fld>
             <a:endParaRPr lang="zh-TW" altLang="en-US"/>
           </a:p>
@@ -1342,7 +1355,7 @@
       </p:sp>
       <p:sp>
         <p:nvSpPr>
-          <p:cNvPr id="6" name="頁尾版面配置區 5"/>
+          <p:cNvPr id="6" name="Footer Placeholder 5"/>
           <p:cNvSpPr>
             <a:spLocks noGrp="1"/>
           </p:cNvSpPr>
@@ -1361,7 +1374,7 @@
       </p:sp>
       <p:sp>
         <p:nvSpPr>
-          <p:cNvPr id="7" name="投影片編號版面配置區 6"/>
+          <p:cNvPr id="7" name="Slide Number Placeholder 6"/>
           <p:cNvSpPr>
             <a:spLocks noGrp="1"/>
           </p:cNvSpPr>
@@ -1409,7 +1422,7 @@
       </p:grpSpPr>
       <p:sp>
         <p:nvSpPr>
-          <p:cNvPr id="2" name="標題 1"/>
+          <p:cNvPr id="2" name="Title 1"/>
           <p:cNvSpPr>
             <a:spLocks noGrp="1"/>
           </p:cNvSpPr>
@@ -1430,13 +1443,13 @@
               <a:rPr lang="zh-TW" altLang="en-US" smtClean="0"/>
               <a:t>按一下以編輯母片標題樣式</a:t>
             </a:r>
-            <a:endParaRPr lang="zh-TW" altLang="en-US"/>
-          </a:p>
-        </p:txBody>
-      </p:sp>
-      <p:sp>
-        <p:nvSpPr>
-          <p:cNvPr id="3" name="文字版面配置區 2"/>
+            <a:endParaRPr lang="en-US"/>
+          </a:p>
+        </p:txBody>
+      </p:sp>
+      <p:sp>
+        <p:nvSpPr>
+          <p:cNvPr id="3" name="Text Placeholder 2"/>
           <p:cNvSpPr>
             <a:spLocks noGrp="1"/>
           </p:cNvSpPr>
@@ -1447,15 +1460,21 @@
         <p:spPr>
           <a:xfrm>
             <a:off x="457200" y="1535113"/>
-            <a:ext cx="4040188" cy="639762"/>
+            <a:ext cx="3657600" cy="639762"/>
           </a:xfrm>
         </p:spPr>
         <p:txBody>
-          <a:bodyPr anchor="b"/>
+          <a:bodyPr anchor="b">
+            <a:noAutofit/>
+          </a:bodyPr>
           <a:lstStyle>
-            <a:lvl1pPr marL="0" indent="0">
-              <a:buNone/>
-              <a:defRPr sz="2400" b="1"/>
+            <a:lvl1pPr marL="0" indent="0" algn="ctr">
+              <a:buNone/>
+              <a:defRPr sz="2000" b="1">
+                <a:solidFill>
+                  <a:schemeClr val="tx2"/>
+                </a:solidFill>
+              </a:defRPr>
             </a:lvl1pPr>
             <a:lvl2pPr marL="457200" indent="0">
               <a:buNone/>
@@ -1501,7 +1520,7 @@
       </p:sp>
       <p:sp>
         <p:nvSpPr>
-          <p:cNvPr id="4" name="內容版面配置區 3"/>
+          <p:cNvPr id="4" name="Content Placeholder 3"/>
           <p:cNvSpPr>
             <a:spLocks noGrp="1"/>
           </p:cNvSpPr>
@@ -1512,7 +1531,7 @@
         <p:spPr>
           <a:xfrm>
             <a:off x="457200" y="2174875"/>
-            <a:ext cx="4040188" cy="3951288"/>
+            <a:ext cx="3657600" cy="3951288"/>
           </a:xfrm>
         </p:spPr>
         <p:txBody>
@@ -1580,13 +1599,13 @@
               <a:rPr lang="zh-TW" altLang="en-US" smtClean="0"/>
               <a:t>第五層</a:t>
             </a:r>
-            <a:endParaRPr lang="zh-TW" altLang="en-US"/>
-          </a:p>
-        </p:txBody>
-      </p:sp>
-      <p:sp>
-        <p:nvSpPr>
-          <p:cNvPr id="5" name="文字版面配置區 4"/>
+            <a:endParaRPr lang="en-US" dirty="0"/>
+          </a:p>
+        </p:txBody>
+      </p:sp>
+      <p:sp>
+        <p:nvSpPr>
+          <p:cNvPr id="5" name="Text Placeholder 4"/>
           <p:cNvSpPr>
             <a:spLocks noGrp="1"/>
           </p:cNvSpPr>
@@ -1596,16 +1615,22 @@
         </p:nvSpPr>
         <p:spPr>
           <a:xfrm>
-            <a:off x="4645025" y="1535113"/>
-            <a:ext cx="4041775" cy="639762"/>
+            <a:off x="4419600" y="1535113"/>
+            <a:ext cx="3657600" cy="639762"/>
           </a:xfrm>
         </p:spPr>
         <p:txBody>
-          <a:bodyPr anchor="b"/>
+          <a:bodyPr anchor="b">
+            <a:noAutofit/>
+          </a:bodyPr>
           <a:lstStyle>
-            <a:lvl1pPr marL="0" indent="0">
-              <a:buNone/>
-              <a:defRPr sz="2400" b="1"/>
+            <a:lvl1pPr marL="0" indent="0" algn="ctr">
+              <a:buNone/>
+              <a:defRPr sz="2000" b="1">
+                <a:solidFill>
+                  <a:schemeClr val="tx2"/>
+                </a:solidFill>
+              </a:defRPr>
             </a:lvl1pPr>
             <a:lvl2pPr marL="457200" indent="0">
               <a:buNone/>
@@ -1651,7 +1676,7 @@
       </p:sp>
       <p:sp>
         <p:nvSpPr>
-          <p:cNvPr id="6" name="內容版面配置區 5"/>
+          <p:cNvPr id="6" name="Content Placeholder 5"/>
           <p:cNvSpPr>
             <a:spLocks noGrp="1"/>
           </p:cNvSpPr>
@@ -1661,8 +1686,8 @@
         </p:nvSpPr>
         <p:spPr>
           <a:xfrm>
-            <a:off x="4645025" y="2174875"/>
-            <a:ext cx="4041775" cy="3951288"/>
+            <a:off x="4419600" y="2174875"/>
+            <a:ext cx="3657600" cy="3951288"/>
           </a:xfrm>
         </p:spPr>
         <p:txBody>
@@ -1730,13 +1755,13 @@
               <a:rPr lang="zh-TW" altLang="en-US" smtClean="0"/>
               <a:t>第五層</a:t>
             </a:r>
-            <a:endParaRPr lang="zh-TW" altLang="en-US"/>
-          </a:p>
-        </p:txBody>
-      </p:sp>
-      <p:sp>
-        <p:nvSpPr>
-          <p:cNvPr id="7" name="日期版面配置區 6"/>
+            <a:endParaRPr lang="en-US"/>
+          </a:p>
+        </p:txBody>
+      </p:sp>
+      <p:sp>
+        <p:nvSpPr>
+          <p:cNvPr id="7" name="Date Placeholder 6"/>
           <p:cNvSpPr>
             <a:spLocks noGrp="1"/>
           </p:cNvSpPr>
@@ -1751,7 +1776,7 @@
           <a:p>
             <a:fld id="{5BBEAD13-0566-4C6C-97E7-55F17F24B09F}" type="datetimeFigureOut">
               <a:rPr lang="zh-TW" altLang="en-US" smtClean="0"/>
-              <a:t>2018/4/21</a:t>
+              <a:t>2018/4/25</a:t>
             </a:fld>
             <a:endParaRPr lang="zh-TW" altLang="en-US"/>
           </a:p>
@@ -1759,7 +1784,7 @@
       </p:sp>
       <p:sp>
         <p:nvSpPr>
-          <p:cNvPr id="8" name="頁尾版面配置區 7"/>
+          <p:cNvPr id="8" name="Footer Placeholder 7"/>
           <p:cNvSpPr>
             <a:spLocks noGrp="1"/>
           </p:cNvSpPr>
@@ -1778,7 +1803,7 @@
       </p:sp>
       <p:sp>
         <p:nvSpPr>
-          <p:cNvPr id="9" name="投影片編號版面配置區 8"/>
+          <p:cNvPr id="9" name="Slide Number Placeholder 8"/>
           <p:cNvSpPr>
             <a:spLocks noGrp="1"/>
           </p:cNvSpPr>
@@ -1826,7 +1851,7 @@
       </p:grpSpPr>
       <p:sp>
         <p:nvSpPr>
-          <p:cNvPr id="2" name="標題 1"/>
+          <p:cNvPr id="2" name="Title 1"/>
           <p:cNvSpPr>
             <a:spLocks noGrp="1"/>
           </p:cNvSpPr>
@@ -1843,13 +1868,13 @@
               <a:rPr lang="zh-TW" altLang="en-US" smtClean="0"/>
               <a:t>按一下以編輯母片標題樣式</a:t>
             </a:r>
-            <a:endParaRPr lang="zh-TW" altLang="en-US"/>
-          </a:p>
-        </p:txBody>
-      </p:sp>
-      <p:sp>
-        <p:nvSpPr>
-          <p:cNvPr id="3" name="日期版面配置區 2"/>
+            <a:endParaRPr lang="en-US"/>
+          </a:p>
+        </p:txBody>
+      </p:sp>
+      <p:sp>
+        <p:nvSpPr>
+          <p:cNvPr id="3" name="Date Placeholder 2"/>
           <p:cNvSpPr>
             <a:spLocks noGrp="1"/>
           </p:cNvSpPr>
@@ -1864,7 +1889,7 @@
           <a:p>
             <a:fld id="{5BBEAD13-0566-4C6C-97E7-55F17F24B09F}" type="datetimeFigureOut">
               <a:rPr lang="zh-TW" altLang="en-US" smtClean="0"/>
-              <a:t>2018/4/21</a:t>
+              <a:t>2018/4/25</a:t>
             </a:fld>
             <a:endParaRPr lang="zh-TW" altLang="en-US"/>
           </a:p>
@@ -1872,7 +1897,7 @@
       </p:sp>
       <p:sp>
         <p:nvSpPr>
-          <p:cNvPr id="4" name="頁尾版面配置區 3"/>
+          <p:cNvPr id="4" name="Footer Placeholder 3"/>
           <p:cNvSpPr>
             <a:spLocks noGrp="1"/>
           </p:cNvSpPr>
@@ -1891,7 +1916,7 @@
       </p:sp>
       <p:sp>
         <p:nvSpPr>
-          <p:cNvPr id="5" name="投影片編號版面配置區 4"/>
+          <p:cNvPr id="5" name="Slide Number Placeholder 4"/>
           <p:cNvSpPr>
             <a:spLocks noGrp="1"/>
           </p:cNvSpPr>
@@ -1939,7 +1964,7 @@
       </p:grpSpPr>
       <p:sp>
         <p:nvSpPr>
-          <p:cNvPr id="2" name="日期版面配置區 1"/>
+          <p:cNvPr id="2" name="Date Placeholder 1"/>
           <p:cNvSpPr>
             <a:spLocks noGrp="1"/>
           </p:cNvSpPr>
@@ -1954,7 +1979,7 @@
           <a:p>
             <a:fld id="{5BBEAD13-0566-4C6C-97E7-55F17F24B09F}" type="datetimeFigureOut">
               <a:rPr lang="zh-TW" altLang="en-US" smtClean="0"/>
-              <a:t>2018/4/21</a:t>
+              <a:t>2018/4/25</a:t>
             </a:fld>
             <a:endParaRPr lang="zh-TW" altLang="en-US"/>
           </a:p>
@@ -1962,7 +1987,7 @@
       </p:sp>
       <p:sp>
         <p:nvSpPr>
-          <p:cNvPr id="3" name="頁尾版面配置區 2"/>
+          <p:cNvPr id="3" name="Footer Placeholder 2"/>
           <p:cNvSpPr>
             <a:spLocks noGrp="1"/>
           </p:cNvSpPr>
@@ -1981,7 +2006,7 @@
       </p:sp>
       <p:sp>
         <p:nvSpPr>
-          <p:cNvPr id="4" name="投影片編號版面配置區 3"/>
+          <p:cNvPr id="4" name="Slide Number Placeholder 3"/>
           <p:cNvSpPr>
             <a:spLocks noGrp="1"/>
           </p:cNvSpPr>
@@ -2029,7 +2054,7 @@
       </p:grpSpPr>
       <p:sp>
         <p:nvSpPr>
-          <p:cNvPr id="2" name="標題 1"/>
+          <p:cNvPr id="2" name="Title 1"/>
           <p:cNvSpPr>
             <a:spLocks noGrp="1"/>
           </p:cNvSpPr>
@@ -2039,15 +2064,15 @@
         </p:nvSpPr>
         <p:spPr>
           <a:xfrm>
-            <a:off x="457200" y="273050"/>
-            <a:ext cx="3008313" cy="1162050"/>
+            <a:off x="304801" y="5495544"/>
+            <a:ext cx="7772400" cy="594360"/>
           </a:xfrm>
         </p:spPr>
         <p:txBody>
           <a:bodyPr anchor="b"/>
           <a:lstStyle>
-            <a:lvl1pPr algn="l">
-              <a:defRPr sz="2000" b="1"/>
+            <a:lvl1pPr algn="ctr">
+              <a:defRPr sz="2200" b="1"/>
             </a:lvl1pPr>
           </a:lstStyle>
           <a:p>
@@ -2055,117 +2080,34 @@
               <a:rPr lang="zh-TW" altLang="en-US" smtClean="0"/>
               <a:t>按一下以編輯母片標題樣式</a:t>
             </a:r>
-            <a:endParaRPr lang="zh-TW" altLang="en-US"/>
-          </a:p>
-        </p:txBody>
-      </p:sp>
-      <p:sp>
-        <p:nvSpPr>
-          <p:cNvPr id="3" name="內容版面配置區 2"/>
-          <p:cNvSpPr>
-            <a:spLocks noGrp="1"/>
-          </p:cNvSpPr>
-          <p:nvPr>
-            <p:ph idx="1"/>
+            <a:endParaRPr lang="en-US" dirty="0"/>
+          </a:p>
+        </p:txBody>
+      </p:sp>
+      <p:sp>
+        <p:nvSpPr>
+          <p:cNvPr id="4" name="Text Placeholder 3"/>
+          <p:cNvSpPr>
+            <a:spLocks noGrp="1"/>
+          </p:cNvSpPr>
+          <p:nvPr>
+            <p:ph type="body" sz="half" idx="2"/>
           </p:nvPr>
         </p:nvSpPr>
         <p:spPr>
           <a:xfrm>
-            <a:off x="3575050" y="273050"/>
-            <a:ext cx="5111750" cy="5853113"/>
+            <a:off x="304799" y="6096000"/>
+            <a:ext cx="7772401" cy="609600"/>
           </a:xfrm>
         </p:spPr>
         <p:txBody>
-          <a:bodyPr/>
+          <a:bodyPr>
+            <a:normAutofit/>
+          </a:bodyPr>
           <a:lstStyle>
-            <a:lvl1pPr>
-              <a:defRPr sz="3200"/>
-            </a:lvl1pPr>
-            <a:lvl2pPr>
-              <a:defRPr sz="2800"/>
-            </a:lvl2pPr>
-            <a:lvl3pPr>
-              <a:defRPr sz="2400"/>
-            </a:lvl3pPr>
-            <a:lvl4pPr>
-              <a:defRPr sz="2000"/>
-            </a:lvl4pPr>
-            <a:lvl5pPr>
-              <a:defRPr sz="2000"/>
-            </a:lvl5pPr>
-            <a:lvl6pPr>
-              <a:defRPr sz="2000"/>
-            </a:lvl6pPr>
-            <a:lvl7pPr>
-              <a:defRPr sz="2000"/>
-            </a:lvl7pPr>
-            <a:lvl8pPr>
-              <a:defRPr sz="2000"/>
-            </a:lvl8pPr>
-            <a:lvl9pPr>
-              <a:defRPr sz="2000"/>
-            </a:lvl9pPr>
-          </a:lstStyle>
-          <a:p>
-            <a:pPr lvl="0"/>
-            <a:r>
-              <a:rPr lang="zh-TW" altLang="en-US" smtClean="0"/>
-              <a:t>按一下以編輯母片文字樣式</a:t>
-            </a:r>
-          </a:p>
-          <a:p>
-            <a:pPr lvl="1"/>
-            <a:r>
-              <a:rPr lang="zh-TW" altLang="en-US" smtClean="0"/>
-              <a:t>第二層</a:t>
-            </a:r>
-          </a:p>
-          <a:p>
-            <a:pPr lvl="2"/>
-            <a:r>
-              <a:rPr lang="zh-TW" altLang="en-US" smtClean="0"/>
-              <a:t>第三層</a:t>
-            </a:r>
-          </a:p>
-          <a:p>
-            <a:pPr lvl="3"/>
-            <a:r>
-              <a:rPr lang="zh-TW" altLang="en-US" smtClean="0"/>
-              <a:t>第四層</a:t>
-            </a:r>
-          </a:p>
-          <a:p>
-            <a:pPr lvl="4"/>
-            <a:r>
-              <a:rPr lang="zh-TW" altLang="en-US" smtClean="0"/>
-              <a:t>第五層</a:t>
-            </a:r>
-            <a:endParaRPr lang="zh-TW" altLang="en-US"/>
-          </a:p>
-        </p:txBody>
-      </p:sp>
-      <p:sp>
-        <p:nvSpPr>
-          <p:cNvPr id="4" name="文字版面配置區 3"/>
-          <p:cNvSpPr>
-            <a:spLocks noGrp="1"/>
-          </p:cNvSpPr>
-          <p:nvPr>
-            <p:ph type="body" sz="half" idx="2"/>
-          </p:nvPr>
-        </p:nvSpPr>
-        <p:spPr>
-          <a:xfrm>
-            <a:off x="457200" y="1435100"/>
-            <a:ext cx="3008313" cy="4691063"/>
-          </a:xfrm>
-        </p:spPr>
-        <p:txBody>
-          <a:bodyPr/>
-          <a:lstStyle>
-            <a:lvl1pPr marL="0" indent="0">
-              <a:buNone/>
-              <a:defRPr sz="1400"/>
+            <a:lvl1pPr marL="0" indent="0" algn="ctr">
+              <a:buNone/>
+              <a:defRPr sz="1600"/>
             </a:lvl1pPr>
             <a:lvl2pPr marL="457200" indent="0">
               <a:buNone/>
@@ -2211,7 +2153,7 @@
       </p:sp>
       <p:sp>
         <p:nvSpPr>
-          <p:cNvPr id="5" name="日期版面配置區 4"/>
+          <p:cNvPr id="5" name="Date Placeholder 4"/>
           <p:cNvSpPr>
             <a:spLocks noGrp="1"/>
           </p:cNvSpPr>
@@ -2226,7 +2168,7 @@
           <a:p>
             <a:fld id="{5BBEAD13-0566-4C6C-97E7-55F17F24B09F}" type="datetimeFigureOut">
               <a:rPr lang="zh-TW" altLang="en-US" smtClean="0"/>
-              <a:t>2018/4/21</a:t>
+              <a:t>2018/4/25</a:t>
             </a:fld>
             <a:endParaRPr lang="zh-TW" altLang="en-US"/>
           </a:p>
@@ -2234,7 +2176,7 @@
       </p:sp>
       <p:sp>
         <p:nvSpPr>
-          <p:cNvPr id="6" name="頁尾版面配置區 5"/>
+          <p:cNvPr id="6" name="Footer Placeholder 5"/>
           <p:cNvSpPr>
             <a:spLocks noGrp="1"/>
           </p:cNvSpPr>
@@ -2253,7 +2195,7 @@
       </p:sp>
       <p:sp>
         <p:nvSpPr>
-          <p:cNvPr id="7" name="投影片編號版面配置區 6"/>
+          <p:cNvPr id="7" name="Slide Number Placeholder 6"/>
           <p:cNvSpPr>
             <a:spLocks noGrp="1"/>
           </p:cNvSpPr>
@@ -2271,6 +2213,63 @@
               <a:t>‹#›</a:t>
             </a:fld>
             <a:endParaRPr lang="zh-TW" altLang="en-US"/>
+          </a:p>
+        </p:txBody>
+      </p:sp>
+      <p:sp>
+        <p:nvSpPr>
+          <p:cNvPr id="9" name="Content Placeholder 8"/>
+          <p:cNvSpPr>
+            <a:spLocks noGrp="1"/>
+          </p:cNvSpPr>
+          <p:nvPr>
+            <p:ph sz="quarter" idx="13"/>
+          </p:nvPr>
+        </p:nvSpPr>
+        <p:spPr>
+          <a:xfrm>
+            <a:off x="304800" y="381000"/>
+            <a:ext cx="7772400" cy="4942840"/>
+          </a:xfrm>
+        </p:spPr>
+        <p:txBody>
+          <a:bodyPr/>
+          <a:lstStyle/>
+          <a:p>
+            <a:pPr lvl="0"/>
+            <a:r>
+              <a:rPr lang="zh-TW" altLang="en-US" smtClean="0"/>
+              <a:t>按一下以編輯母片文字樣式</a:t>
+            </a:r>
+          </a:p>
+          <a:p>
+            <a:pPr lvl="1"/>
+            <a:r>
+              <a:rPr lang="zh-TW" altLang="en-US" smtClean="0"/>
+              <a:t>第二層</a:t>
+            </a:r>
+          </a:p>
+          <a:p>
+            <a:pPr lvl="2"/>
+            <a:r>
+              <a:rPr lang="zh-TW" altLang="en-US" smtClean="0"/>
+              <a:t>第三層</a:t>
+            </a:r>
+          </a:p>
+          <a:p>
+            <a:pPr lvl="3"/>
+            <a:r>
+              <a:rPr lang="zh-TW" altLang="en-US" smtClean="0"/>
+              <a:t>第四層</a:t>
+            </a:r>
+          </a:p>
+          <a:p>
+            <a:pPr lvl="4"/>
+            <a:r>
+              <a:rPr lang="zh-TW" altLang="en-US" smtClean="0"/>
+              <a:t>第五層</a:t>
+            </a:r>
+            <a:endParaRPr lang="en-US"/>
           </a:p>
         </p:txBody>
       </p:sp>
@@ -2301,7 +2300,7 @@
       </p:grpSpPr>
       <p:sp>
         <p:nvSpPr>
-          <p:cNvPr id="2" name="標題 1"/>
+          <p:cNvPr id="2" name="Title 1"/>
           <p:cNvSpPr>
             <a:spLocks noGrp="1"/>
           </p:cNvSpPr>
@@ -2311,15 +2310,22 @@
         </p:nvSpPr>
         <p:spPr>
           <a:xfrm>
-            <a:off x="1792288" y="4800600"/>
-            <a:ext cx="5486400" cy="566738"/>
+            <a:off x="301752" y="5495278"/>
+            <a:ext cx="7772400" cy="594626"/>
           </a:xfrm>
         </p:spPr>
         <p:txBody>
           <a:bodyPr anchor="b"/>
           <a:lstStyle>
-            <a:lvl1pPr algn="l">
-              <a:defRPr sz="2000" b="1"/>
+            <a:lvl1pPr algn="ctr">
+              <a:defRPr sz="2200" b="1">
+                <a:ln>
+                  <a:noFill/>
+                </a:ln>
+                <a:solidFill>
+                  <a:schemeClr val="tx2"/>
+                </a:solidFill>
+              </a:defRPr>
             </a:lvl1pPr>
           </a:lstStyle>
           <a:p>
@@ -2327,13 +2333,13 @@
               <a:rPr lang="zh-TW" altLang="en-US" smtClean="0"/>
               <a:t>按一下以編輯母片標題樣式</a:t>
             </a:r>
-            <a:endParaRPr lang="zh-TW" altLang="en-US"/>
-          </a:p>
-        </p:txBody>
-      </p:sp>
-      <p:sp>
-        <p:nvSpPr>
-          <p:cNvPr id="3" name="圖片版面配置區 2"/>
+            <a:endParaRPr lang="en-US" dirty="0"/>
+          </a:p>
+        </p:txBody>
+      </p:sp>
+      <p:sp>
+        <p:nvSpPr>
+          <p:cNvPr id="3" name="Picture Placeholder 2"/>
           <p:cNvSpPr>
             <a:spLocks noGrp="1"/>
           </p:cNvSpPr>
@@ -2343,8 +2349,8 @@
         </p:nvSpPr>
         <p:spPr>
           <a:xfrm>
-            <a:off x="1792288" y="612775"/>
-            <a:ext cx="5486400" cy="4114800"/>
+            <a:off x="0" y="0"/>
+            <a:ext cx="8458200" cy="5486400"/>
           </a:xfrm>
         </p:spPr>
         <p:txBody>
@@ -2388,13 +2394,17 @@
             </a:lvl9pPr>
           </a:lstStyle>
           <a:p>
-            <a:endParaRPr lang="zh-TW" altLang="en-US"/>
-          </a:p>
-        </p:txBody>
-      </p:sp>
-      <p:sp>
-        <p:nvSpPr>
-          <p:cNvPr id="4" name="文字版面配置區 3"/>
+            <a:r>
+              <a:rPr lang="zh-TW" altLang="en-US" smtClean="0"/>
+              <a:t>按一下圖示以新增圖片</a:t>
+            </a:r>
+            <a:endParaRPr lang="en-US" dirty="0"/>
+          </a:p>
+        </p:txBody>
+      </p:sp>
+      <p:sp>
+        <p:nvSpPr>
+          <p:cNvPr id="4" name="Text Placeholder 3"/>
           <p:cNvSpPr>
             <a:spLocks noGrp="1"/>
           </p:cNvSpPr>
@@ -2404,16 +2414,18 @@
         </p:nvSpPr>
         <p:spPr>
           <a:xfrm>
-            <a:off x="1792288" y="5367338"/>
-            <a:ext cx="5486400" cy="804862"/>
+            <a:off x="301752" y="6096000"/>
+            <a:ext cx="7772400" cy="612648"/>
           </a:xfrm>
         </p:spPr>
         <p:txBody>
-          <a:bodyPr/>
+          <a:bodyPr>
+            <a:normAutofit/>
+          </a:bodyPr>
           <a:lstStyle>
-            <a:lvl1pPr marL="0" indent="0">
-              <a:buNone/>
-              <a:defRPr sz="1400"/>
+            <a:lvl1pPr marL="0" indent="0" algn="ctr">
+              <a:buNone/>
+              <a:defRPr sz="1600"/>
             </a:lvl1pPr>
             <a:lvl2pPr marL="457200" indent="0">
               <a:buNone/>
@@ -2459,7 +2471,7 @@
       </p:sp>
       <p:sp>
         <p:nvSpPr>
-          <p:cNvPr id="5" name="日期版面配置區 4"/>
+          <p:cNvPr id="8" name="Date Placeholder 7"/>
           <p:cNvSpPr>
             <a:spLocks noGrp="1"/>
           </p:cNvSpPr>
@@ -2474,7 +2486,7 @@
           <a:p>
             <a:fld id="{5BBEAD13-0566-4C6C-97E7-55F17F24B09F}" type="datetimeFigureOut">
               <a:rPr lang="zh-TW" altLang="en-US" smtClean="0"/>
-              <a:t>2018/4/21</a:t>
+              <a:t>2018/4/25</a:t>
             </a:fld>
             <a:endParaRPr lang="zh-TW" altLang="en-US"/>
           </a:p>
@@ -2482,12 +2494,12 @@
       </p:sp>
       <p:sp>
         <p:nvSpPr>
-          <p:cNvPr id="6" name="頁尾版面配置區 5"/>
-          <p:cNvSpPr>
-            <a:spLocks noGrp="1"/>
-          </p:cNvSpPr>
-          <p:nvPr>
-            <p:ph type="ftr" sz="quarter" idx="11"/>
+          <p:cNvPr id="9" name="Slide Number Placeholder 8"/>
+          <p:cNvSpPr>
+            <a:spLocks noGrp="1"/>
+          </p:cNvSpPr>
+          <p:nvPr>
+            <p:ph type="sldNum" sz="quarter" idx="11"/>
           </p:nvPr>
         </p:nvSpPr>
         <p:spPr/>
@@ -2495,18 +2507,22 @@
           <a:bodyPr/>
           <a:lstStyle/>
           <a:p>
+            <a:fld id="{73DA0BB7-265A-403C-9275-D587AB510EDC}" type="slidenum">
+              <a:rPr lang="zh-TW" altLang="en-US" smtClean="0"/>
+              <a:t>‹#›</a:t>
+            </a:fld>
             <a:endParaRPr lang="zh-TW" altLang="en-US"/>
           </a:p>
         </p:txBody>
       </p:sp>
       <p:sp>
         <p:nvSpPr>
-          <p:cNvPr id="7" name="投影片編號版面配置區 6"/>
-          <p:cNvSpPr>
-            <a:spLocks noGrp="1"/>
-          </p:cNvSpPr>
-          <p:nvPr>
-            <p:ph type="sldNum" sz="quarter" idx="12"/>
+          <p:cNvPr id="10" name="Footer Placeholder 9"/>
+          <p:cNvSpPr>
+            <a:spLocks noGrp="1"/>
+          </p:cNvSpPr>
+          <p:nvPr>
+            <p:ph type="ftr" sz="quarter" idx="12"/>
           </p:nvPr>
         </p:nvSpPr>
         <p:spPr/>
@@ -2514,10 +2530,6 @@
           <a:bodyPr/>
           <a:lstStyle/>
           <a:p>
-            <a:fld id="{73DA0BB7-265A-403C-9275-D587AB510EDC}" type="slidenum">
-              <a:rPr lang="zh-TW" altLang="en-US" smtClean="0"/>
-              <a:t>‹#›</a:t>
-            </a:fld>
             <a:endParaRPr lang="zh-TW" altLang="en-US"/>
           </a:p>
         </p:txBody>
@@ -2534,7 +2546,7 @@
 <p:sldMaster xmlns:a="http://schemas.openxmlformats.org/drawingml/2006/main" xmlns:r="http://schemas.openxmlformats.org/officeDocument/2006/relationships" xmlns:p="http://schemas.openxmlformats.org/presentationml/2006/main">
   <p:cSld>
     <p:bg>
-      <p:bgRef idx="1001">
+      <p:bgRef idx="1002">
         <a:schemeClr val="bg1"/>
       </p:bgRef>
     </p:bg>
@@ -2554,7 +2566,7 @@
       </p:grpSpPr>
       <p:sp>
         <p:nvSpPr>
-          <p:cNvPr id="2" name="標題版面配置區 1"/>
+          <p:cNvPr id="2" name="Title Placeholder 1"/>
           <p:cNvSpPr>
             <a:spLocks noGrp="1"/>
           </p:cNvSpPr>
@@ -2565,7 +2577,7 @@
         <p:spPr>
           <a:xfrm>
             <a:off x="457200" y="274638"/>
-            <a:ext cx="8229600" cy="1143000"/>
+            <a:ext cx="7620000" cy="1143000"/>
           </a:xfrm>
           <a:prstGeom prst="rect">
             <a:avLst/>
@@ -2573,7 +2585,7 @@
         </p:spPr>
         <p:txBody>
           <a:bodyPr vert="horz" lIns="91440" tIns="45720" rIns="91440" bIns="45720" rtlCol="0" anchor="ctr">
-            <a:normAutofit/>
+            <a:noAutofit/>
           </a:bodyPr>
           <a:lstStyle/>
           <a:p>
@@ -2581,13 +2593,13 @@
               <a:rPr lang="zh-TW" altLang="en-US" smtClean="0"/>
               <a:t>按一下以編輯母片標題樣式</a:t>
             </a:r>
-            <a:endParaRPr lang="zh-TW" altLang="en-US"/>
-          </a:p>
-        </p:txBody>
-      </p:sp>
-      <p:sp>
-        <p:nvSpPr>
-          <p:cNvPr id="3" name="文字版面配置區 2"/>
+            <a:endParaRPr lang="en-US" dirty="0"/>
+          </a:p>
+        </p:txBody>
+      </p:sp>
+      <p:sp>
+        <p:nvSpPr>
+          <p:cNvPr id="3" name="Text Placeholder 2"/>
           <p:cNvSpPr>
             <a:spLocks noGrp="1"/>
           </p:cNvSpPr>
@@ -2598,7 +2610,7 @@
         <p:spPr>
           <a:xfrm>
             <a:off x="457200" y="1600200"/>
-            <a:ext cx="8229600" cy="4525963"/>
+            <a:ext cx="7620000" cy="4800600"/>
           </a:xfrm>
           <a:prstGeom prst="rect">
             <a:avLst/>
@@ -2643,24 +2655,162 @@
               <a:rPr lang="zh-TW" altLang="en-US" smtClean="0"/>
               <a:t>第五層</a:t>
             </a:r>
-            <a:endParaRPr lang="zh-TW" altLang="en-US"/>
-          </a:p>
-        </p:txBody>
-      </p:sp>
-      <p:sp>
-        <p:nvSpPr>
-          <p:cNvPr id="4" name="日期版面配置區 3"/>
-          <p:cNvSpPr>
-            <a:spLocks noGrp="1"/>
-          </p:cNvSpPr>
-          <p:nvPr>
-            <p:ph type="dt" sz="half" idx="2"/>
-          </p:nvPr>
+            <a:endParaRPr lang="en-US" dirty="0"/>
+          </a:p>
+        </p:txBody>
+      </p:sp>
+      <p:sp>
+        <p:nvSpPr>
+          <p:cNvPr id="7" name="Rectangle 6"/>
+          <p:cNvSpPr/>
+          <p:nvPr/>
         </p:nvSpPr>
         <p:spPr>
           <a:xfrm>
-            <a:off x="457200" y="6356350"/>
-            <a:ext cx="2133600" cy="365125"/>
+            <a:off x="8458200" y="0"/>
+            <a:ext cx="685800" cy="6858000"/>
+          </a:xfrm>
+          <a:prstGeom prst="rect">
+            <a:avLst/>
+          </a:prstGeom>
+          <a:solidFill>
+            <a:schemeClr val="tx2"/>
+          </a:solidFill>
+          <a:ln>
+            <a:noFill/>
+          </a:ln>
+        </p:spPr>
+        <p:style>
+          <a:lnRef idx="2">
+            <a:schemeClr val="accent1">
+              <a:shade val="50000"/>
+            </a:schemeClr>
+          </a:lnRef>
+          <a:fillRef idx="1">
+            <a:schemeClr val="accent1"/>
+          </a:fillRef>
+          <a:effectRef idx="0">
+            <a:schemeClr val="accent1"/>
+          </a:effectRef>
+          <a:fontRef idx="minor">
+            <a:schemeClr val="lt1"/>
+          </a:fontRef>
+        </p:style>
+        <p:txBody>
+          <a:bodyPr rtlCol="0" anchor="ctr"/>
+          <a:lstStyle/>
+          <a:p>
+            <a:pPr algn="ctr"/>
+            <a:endParaRPr lang="en-US"/>
+          </a:p>
+        </p:txBody>
+      </p:sp>
+      <p:sp>
+        <p:nvSpPr>
+          <p:cNvPr id="8" name="Rectangle 7"/>
+          <p:cNvSpPr/>
+          <p:nvPr/>
+        </p:nvSpPr>
+        <p:spPr>
+          <a:xfrm>
+            <a:off x="8458200" y="5486400"/>
+            <a:ext cx="685800" cy="685800"/>
+          </a:xfrm>
+          <a:prstGeom prst="rect">
+            <a:avLst/>
+          </a:prstGeom>
+          <a:solidFill>
+            <a:schemeClr val="accent1"/>
+          </a:solidFill>
+          <a:ln>
+            <a:noFill/>
+          </a:ln>
+        </p:spPr>
+        <p:style>
+          <a:lnRef idx="2">
+            <a:schemeClr val="accent1">
+              <a:shade val="50000"/>
+            </a:schemeClr>
+          </a:lnRef>
+          <a:fillRef idx="1">
+            <a:schemeClr val="accent1"/>
+          </a:fillRef>
+          <a:effectRef idx="0">
+            <a:schemeClr val="accent1"/>
+          </a:effectRef>
+          <a:fontRef idx="minor">
+            <a:schemeClr val="lt1"/>
+          </a:fontRef>
+        </p:style>
+        <p:txBody>
+          <a:bodyPr rtlCol="0" anchor="ctr"/>
+          <a:lstStyle/>
+          <a:p>
+            <a:pPr algn="ctr"/>
+            <a:endParaRPr lang="en-US"/>
+          </a:p>
+        </p:txBody>
+      </p:sp>
+      <p:sp>
+        <p:nvSpPr>
+          <p:cNvPr id="6" name="Slide Number Placeholder 5"/>
+          <p:cNvSpPr>
+            <a:spLocks noGrp="1"/>
+          </p:cNvSpPr>
+          <p:nvPr>
+            <p:ph type="sldNum" sz="quarter" idx="4"/>
+          </p:nvPr>
+        </p:nvSpPr>
+        <p:spPr>
+          <a:xfrm>
+            <a:off x="8531788" y="5648960"/>
+            <a:ext cx="548640" cy="396240"/>
+          </a:xfrm>
+          <a:prstGeom prst="bracketPair">
+            <a:avLst>
+              <a:gd name="adj" fmla="val 17949"/>
+            </a:avLst>
+          </a:prstGeom>
+          <a:ln w="19050">
+            <a:solidFill>
+              <a:srgbClr val="FFFFFF"/>
+            </a:solidFill>
+          </a:ln>
+        </p:spPr>
+        <p:txBody>
+          <a:bodyPr vert="horz" lIns="0" tIns="0" rIns="0" bIns="0" rtlCol="0" anchor="ctr"/>
+          <a:lstStyle>
+            <a:lvl1pPr algn="ctr">
+              <a:defRPr sz="1800">
+                <a:solidFill>
+                  <a:srgbClr val="FFFFFF"/>
+                </a:solidFill>
+              </a:defRPr>
+            </a:lvl1pPr>
+          </a:lstStyle>
+          <a:p>
+            <a:fld id="{73DA0BB7-265A-403C-9275-D587AB510EDC}" type="slidenum">
+              <a:rPr lang="zh-TW" altLang="en-US" smtClean="0"/>
+              <a:t>‹#›</a:t>
+            </a:fld>
+            <a:endParaRPr lang="zh-TW" altLang="en-US"/>
+          </a:p>
+        </p:txBody>
+      </p:sp>
+      <p:sp>
+        <p:nvSpPr>
+          <p:cNvPr id="5" name="Footer Placeholder 4"/>
+          <p:cNvSpPr>
+            <a:spLocks noGrp="1"/>
+          </p:cNvSpPr>
+          <p:nvPr>
+            <p:ph type="ftr" sz="quarter" idx="3"/>
+          </p:nvPr>
+        </p:nvSpPr>
+        <p:spPr>
+          <a:xfrm rot="16200000">
+            <a:off x="7586910" y="4048760"/>
+            <a:ext cx="2367281" cy="365760"/>
           </a:xfrm>
           <a:prstGeom prst="rect">
             <a:avLst/>
@@ -2669,39 +2819,33 @@
         <p:txBody>
           <a:bodyPr vert="horz" lIns="91440" tIns="45720" rIns="91440" bIns="45720" rtlCol="0" anchor="ctr"/>
           <a:lstStyle>
-            <a:lvl1pPr algn="l">
+            <a:lvl1pPr algn="r">
               <a:defRPr sz="1200">
                 <a:solidFill>
-                  <a:schemeClr val="tx1">
-                    <a:tint val="75000"/>
-                  </a:schemeClr>
+                  <a:schemeClr val="bg2"/>
                 </a:solidFill>
               </a:defRPr>
             </a:lvl1pPr>
           </a:lstStyle>
           <a:p>
-            <a:fld id="{5BBEAD13-0566-4C6C-97E7-55F17F24B09F}" type="datetimeFigureOut">
-              <a:rPr lang="zh-TW" altLang="en-US" smtClean="0"/>
-              <a:t>2018/4/21</a:t>
-            </a:fld>
             <a:endParaRPr lang="zh-TW" altLang="en-US"/>
           </a:p>
         </p:txBody>
       </p:sp>
       <p:sp>
         <p:nvSpPr>
-          <p:cNvPr id="5" name="頁尾版面配置區 4"/>
-          <p:cNvSpPr>
-            <a:spLocks noGrp="1"/>
-          </p:cNvSpPr>
-          <p:nvPr>
-            <p:ph type="ftr" sz="quarter" idx="3"/>
+          <p:cNvPr id="4" name="Date Placeholder 3"/>
+          <p:cNvSpPr>
+            <a:spLocks noGrp="1"/>
+          </p:cNvSpPr>
+          <p:nvPr>
+            <p:ph type="dt" sz="half" idx="2"/>
           </p:nvPr>
         </p:nvSpPr>
         <p:spPr>
-          <a:xfrm>
-            <a:off x="3124200" y="6356350"/>
-            <a:ext cx="2895600" cy="365125"/>
+          <a:xfrm rot="16200000">
+            <a:off x="7551351" y="1645920"/>
+            <a:ext cx="2438399" cy="365760"/>
           </a:xfrm>
           <a:prstGeom prst="rect">
             <a:avLst/>
@@ -2710,57 +2854,18 @@
         <p:txBody>
           <a:bodyPr vert="horz" lIns="91440" tIns="45720" rIns="91440" bIns="45720" rtlCol="0" anchor="ctr"/>
           <a:lstStyle>
-            <a:lvl1pPr algn="ctr">
+            <a:lvl1pPr algn="l">
               <a:defRPr sz="1200">
                 <a:solidFill>
-                  <a:schemeClr val="tx1">
-                    <a:tint val="75000"/>
-                  </a:schemeClr>
+                  <a:schemeClr val="bg2"/>
                 </a:solidFill>
               </a:defRPr>
             </a:lvl1pPr>
           </a:lstStyle>
           <a:p>
-            <a:endParaRPr lang="zh-TW" altLang="en-US"/>
-          </a:p>
-        </p:txBody>
-      </p:sp>
-      <p:sp>
-        <p:nvSpPr>
-          <p:cNvPr id="6" name="投影片編號版面配置區 5"/>
-          <p:cNvSpPr>
-            <a:spLocks noGrp="1"/>
-          </p:cNvSpPr>
-          <p:nvPr>
-            <p:ph type="sldNum" sz="quarter" idx="4"/>
-          </p:nvPr>
-        </p:nvSpPr>
-        <p:spPr>
-          <a:xfrm>
-            <a:off x="6553200" y="6356350"/>
-            <a:ext cx="2133600" cy="365125"/>
-          </a:xfrm>
-          <a:prstGeom prst="rect">
-            <a:avLst/>
-          </a:prstGeom>
-        </p:spPr>
-        <p:txBody>
-          <a:bodyPr vert="horz" lIns="91440" tIns="45720" rIns="91440" bIns="45720" rtlCol="0" anchor="ctr"/>
-          <a:lstStyle>
-            <a:lvl1pPr algn="r">
-              <a:defRPr sz="1200">
-                <a:solidFill>
-                  <a:schemeClr val="tx1">
-                    <a:tint val="75000"/>
-                  </a:schemeClr>
-                </a:solidFill>
-              </a:defRPr>
-            </a:lvl1pPr>
-          </a:lstStyle>
-          <a:p>
-            <a:fld id="{73DA0BB7-265A-403C-9275-D587AB510EDC}" type="slidenum">
-              <a:rPr lang="zh-TW" altLang="en-US" smtClean="0"/>
-              <a:t>‹#›</a:t>
+            <a:fld id="{5BBEAD13-0566-4C6C-97E7-55F17F24B09F}" type="datetimeFigureOut">
+              <a:rPr lang="zh-TW" altLang="en-US" smtClean="0"/>
+              <a:t>2018/4/25</a:t>
             </a:fld>
             <a:endParaRPr lang="zh-TW" altLang="en-US"/>
           </a:p>
@@ -2770,29 +2875,33 @@
   </p:cSld>
   <p:clrMap bg1="lt1" tx1="dk1" bg2="lt2" tx2="dk2" accent1="accent1" accent2="accent2" accent3="accent3" accent4="accent4" accent5="accent5" accent6="accent6" hlink="hlink" folHlink="folHlink"/>
   <p:sldLayoutIdLst>
-    <p:sldLayoutId id="2147483649" r:id="rId1"/>
-    <p:sldLayoutId id="2147483650" r:id="rId2"/>
-    <p:sldLayoutId id="2147483651" r:id="rId3"/>
-    <p:sldLayoutId id="2147483652" r:id="rId4"/>
-    <p:sldLayoutId id="2147483653" r:id="rId5"/>
-    <p:sldLayoutId id="2147483654" r:id="rId6"/>
-    <p:sldLayoutId id="2147483655" r:id="rId7"/>
-    <p:sldLayoutId id="2147483656" r:id="rId8"/>
-    <p:sldLayoutId id="2147483657" r:id="rId9"/>
-    <p:sldLayoutId id="2147483658" r:id="rId10"/>
-    <p:sldLayoutId id="2147483659" r:id="rId11"/>
+    <p:sldLayoutId id="2147483661" r:id="rId1"/>
+    <p:sldLayoutId id="2147483662" r:id="rId2"/>
+    <p:sldLayoutId id="2147483663" r:id="rId3"/>
+    <p:sldLayoutId id="2147483664" r:id="rId4"/>
+    <p:sldLayoutId id="2147483665" r:id="rId5"/>
+    <p:sldLayoutId id="2147483666" r:id="rId6"/>
+    <p:sldLayoutId id="2147483667" r:id="rId7"/>
+    <p:sldLayoutId id="2147483668" r:id="rId8"/>
+    <p:sldLayoutId id="2147483669" r:id="rId9"/>
+    <p:sldLayoutId id="2147483670" r:id="rId10"/>
+    <p:sldLayoutId id="2147483671" r:id="rId11"/>
   </p:sldLayoutIdLst>
   <p:txStyles>
     <p:titleStyle>
-      <a:lvl1pPr algn="ctr" defTabSz="914400" rtl="0" eaLnBrk="1" latinLnBrk="0" hangingPunct="1">
+      <a:lvl1pPr algn="l" defTabSz="914400" rtl="0" eaLnBrk="1" latinLnBrk="0" hangingPunct="1">
         <a:spcBef>
           <a:spcPct val="0"/>
         </a:spcBef>
         <a:buNone/>
-        <a:defRPr sz="4400" kern="1200">
+        <a:defRPr sz="4600" kern="1200" cap="none" spc="-100" baseline="0">
+          <a:ln>
+            <a:noFill/>
+          </a:ln>
           <a:solidFill>
-            <a:schemeClr val="tx1"/>
+            <a:schemeClr val="tx2"/>
           </a:solidFill>
+          <a:effectLst/>
           <a:latin typeface="+mj-lt"/>
           <a:ea typeface="+mj-ea"/>
           <a:cs typeface="+mj-cs"/>
@@ -2800,13 +2909,16 @@
       </a:lvl1pPr>
     </p:titleStyle>
     <p:bodyStyle>
-      <a:lvl1pPr marL="342900" indent="-342900" algn="l" defTabSz="914400" rtl="0" eaLnBrk="1" latinLnBrk="0" hangingPunct="1">
+      <a:lvl1pPr marL="342900" indent="-228600" algn="l" defTabSz="914400" rtl="0" eaLnBrk="1" latinLnBrk="0" hangingPunct="1">
         <a:spcBef>
           <a:spcPct val="20000"/>
         </a:spcBef>
+        <a:buClr>
+          <a:schemeClr val="accent1"/>
+        </a:buClr>
         <a:buFont typeface="Arial" pitchFamily="34" charset="0"/>
         <a:buChar char="•"/>
-        <a:defRPr sz="3200" kern="1200">
+        <a:defRPr sz="2200" kern="1200">
           <a:solidFill>
             <a:schemeClr val="tx1"/>
           </a:solidFill>
@@ -2815,70 +2927,13 @@
           <a:cs typeface="+mn-cs"/>
         </a:defRPr>
       </a:lvl1pPr>
-      <a:lvl2pPr marL="742950" indent="-285750" algn="l" defTabSz="914400" rtl="0" eaLnBrk="1" latinLnBrk="0" hangingPunct="1">
+      <a:lvl2pPr marL="640080" indent="-228600" algn="l" defTabSz="914400" rtl="0" eaLnBrk="1" latinLnBrk="0" hangingPunct="1">
         <a:spcBef>
           <a:spcPct val="20000"/>
         </a:spcBef>
-        <a:buFont typeface="Arial" pitchFamily="34" charset="0"/>
-        <a:buChar char="–"/>
-        <a:defRPr sz="2800" kern="1200">
-          <a:solidFill>
-            <a:schemeClr val="tx1"/>
-          </a:solidFill>
-          <a:latin typeface="+mn-lt"/>
-          <a:ea typeface="+mn-ea"/>
-          <a:cs typeface="+mn-cs"/>
-        </a:defRPr>
-      </a:lvl2pPr>
-      <a:lvl3pPr marL="1143000" indent="-228600" algn="l" defTabSz="914400" rtl="0" eaLnBrk="1" latinLnBrk="0" hangingPunct="1">
-        <a:spcBef>
-          <a:spcPct val="20000"/>
-        </a:spcBef>
-        <a:buFont typeface="Arial" pitchFamily="34" charset="0"/>
-        <a:buChar char="•"/>
-        <a:defRPr sz="2400" kern="1200">
-          <a:solidFill>
-            <a:schemeClr val="tx1"/>
-          </a:solidFill>
-          <a:latin typeface="+mn-lt"/>
-          <a:ea typeface="+mn-ea"/>
-          <a:cs typeface="+mn-cs"/>
-        </a:defRPr>
-      </a:lvl3pPr>
-      <a:lvl4pPr marL="1600200" indent="-228600" algn="l" defTabSz="914400" rtl="0" eaLnBrk="1" latinLnBrk="0" hangingPunct="1">
-        <a:spcBef>
-          <a:spcPct val="20000"/>
-        </a:spcBef>
-        <a:buFont typeface="Arial" pitchFamily="34" charset="0"/>
-        <a:buChar char="–"/>
-        <a:defRPr sz="2000" kern="1200">
-          <a:solidFill>
-            <a:schemeClr val="tx1"/>
-          </a:solidFill>
-          <a:latin typeface="+mn-lt"/>
-          <a:ea typeface="+mn-ea"/>
-          <a:cs typeface="+mn-cs"/>
-        </a:defRPr>
-      </a:lvl4pPr>
-      <a:lvl5pPr marL="2057400" indent="-228600" algn="l" defTabSz="914400" rtl="0" eaLnBrk="1" latinLnBrk="0" hangingPunct="1">
-        <a:spcBef>
-          <a:spcPct val="20000"/>
-        </a:spcBef>
-        <a:buFont typeface="Arial" pitchFamily="34" charset="0"/>
-        <a:buChar char="»"/>
-        <a:defRPr sz="2000" kern="1200">
-          <a:solidFill>
-            <a:schemeClr val="tx1"/>
-          </a:solidFill>
-          <a:latin typeface="+mn-lt"/>
-          <a:ea typeface="+mn-ea"/>
-          <a:cs typeface="+mn-cs"/>
-        </a:defRPr>
-      </a:lvl5pPr>
-      <a:lvl6pPr marL="2514600" indent="-228600" algn="l" defTabSz="914400" rtl="0" eaLnBrk="1" latinLnBrk="0" hangingPunct="1">
-        <a:spcBef>
-          <a:spcPct val="20000"/>
-        </a:spcBef>
+        <a:buClr>
+          <a:schemeClr val="accent2"/>
+        </a:buClr>
         <a:buFont typeface="Arial" pitchFamily="34" charset="0"/>
         <a:buChar char="•"/>
         <a:defRPr sz="2000" kern="1200">
@@ -2889,14 +2944,89 @@
           <a:ea typeface="+mn-ea"/>
           <a:cs typeface="+mn-cs"/>
         </a:defRPr>
-      </a:lvl6pPr>
-      <a:lvl7pPr marL="2971800" indent="-228600" algn="l" defTabSz="914400" rtl="0" eaLnBrk="1" latinLnBrk="0" hangingPunct="1">
+      </a:lvl2pPr>
+      <a:lvl3pPr marL="1005840" indent="-228600" algn="l" defTabSz="914400" rtl="0" eaLnBrk="1" latinLnBrk="0" hangingPunct="1">
         <a:spcBef>
           <a:spcPct val="20000"/>
         </a:spcBef>
+        <a:buClr>
+          <a:schemeClr val="accent3"/>
+        </a:buClr>
         <a:buFont typeface="Arial" pitchFamily="34" charset="0"/>
         <a:buChar char="•"/>
-        <a:defRPr sz="2000" kern="1200">
+        <a:defRPr sz="1800" kern="1200">
+          <a:solidFill>
+            <a:schemeClr val="tx1"/>
+          </a:solidFill>
+          <a:latin typeface="+mn-lt"/>
+          <a:ea typeface="+mn-ea"/>
+          <a:cs typeface="+mn-cs"/>
+        </a:defRPr>
+      </a:lvl3pPr>
+      <a:lvl4pPr marL="1280160" indent="-228600" algn="l" defTabSz="914400" rtl="0" eaLnBrk="1" latinLnBrk="0" hangingPunct="1">
+        <a:spcBef>
+          <a:spcPct val="20000"/>
+        </a:spcBef>
+        <a:buClr>
+          <a:schemeClr val="accent4"/>
+        </a:buClr>
+        <a:buFont typeface="Arial" pitchFamily="34" charset="0"/>
+        <a:buChar char="•"/>
+        <a:defRPr sz="1600" kern="1200">
+          <a:solidFill>
+            <a:schemeClr val="tx1"/>
+          </a:solidFill>
+          <a:latin typeface="+mn-lt"/>
+          <a:ea typeface="+mn-ea"/>
+          <a:cs typeface="+mn-cs"/>
+        </a:defRPr>
+      </a:lvl4pPr>
+      <a:lvl5pPr marL="1554480" indent="-228600" algn="l" defTabSz="914400" rtl="0" eaLnBrk="1" latinLnBrk="0" hangingPunct="1">
+        <a:spcBef>
+          <a:spcPct val="20000"/>
+        </a:spcBef>
+        <a:buClr>
+          <a:schemeClr val="accent5"/>
+        </a:buClr>
+        <a:buFont typeface="Arial" pitchFamily="34" charset="0"/>
+        <a:buChar char="•"/>
+        <a:defRPr sz="1400" kern="1200" baseline="0">
+          <a:solidFill>
+            <a:schemeClr val="tx1"/>
+          </a:solidFill>
+          <a:latin typeface="+mn-lt"/>
+          <a:ea typeface="+mn-ea"/>
+          <a:cs typeface="+mn-cs"/>
+        </a:defRPr>
+      </a:lvl5pPr>
+      <a:lvl6pPr marL="1737360" indent="-182880" algn="l" defTabSz="914400" rtl="0" eaLnBrk="1" latinLnBrk="0" hangingPunct="1">
+        <a:spcBef>
+          <a:spcPct val="20000"/>
+        </a:spcBef>
+        <a:buClr>
+          <a:schemeClr val="accent1"/>
+        </a:buClr>
+        <a:buFont typeface="Arial" pitchFamily="34" charset="0"/>
+        <a:buChar char="•"/>
+        <a:defRPr sz="1400" kern="1200" baseline="0">
+          <a:solidFill>
+            <a:schemeClr val="tx1"/>
+          </a:solidFill>
+          <a:latin typeface="+mn-lt"/>
+          <a:ea typeface="+mn-ea"/>
+          <a:cs typeface="+mn-cs"/>
+        </a:defRPr>
+      </a:lvl6pPr>
+      <a:lvl7pPr marL="1920240" indent="-182880" algn="l" defTabSz="914400" rtl="0" eaLnBrk="1" latinLnBrk="0" hangingPunct="1">
+        <a:spcBef>
+          <a:spcPct val="20000"/>
+        </a:spcBef>
+        <a:buClr>
+          <a:schemeClr val="accent2"/>
+        </a:buClr>
+        <a:buFont typeface="Arial" pitchFamily="34" charset="0"/>
+        <a:buChar char="•"/>
+        <a:defRPr sz="1400" kern="1200">
           <a:solidFill>
             <a:schemeClr val="tx1"/>
           </a:solidFill>
@@ -2905,13 +3035,16 @@
           <a:cs typeface="+mn-cs"/>
         </a:defRPr>
       </a:lvl7pPr>
-      <a:lvl8pPr marL="3429000" indent="-228600" algn="l" defTabSz="914400" rtl="0" eaLnBrk="1" latinLnBrk="0" hangingPunct="1">
+      <a:lvl8pPr marL="2103120" indent="-182880" algn="l" defTabSz="914400" rtl="0" eaLnBrk="1" latinLnBrk="0" hangingPunct="1">
         <a:spcBef>
           <a:spcPct val="20000"/>
         </a:spcBef>
+        <a:buClr>
+          <a:schemeClr val="accent3"/>
+        </a:buClr>
         <a:buFont typeface="Arial" pitchFamily="34" charset="0"/>
         <a:buChar char="•"/>
-        <a:defRPr sz="2000" kern="1200">
+        <a:defRPr sz="1400" kern="1200">
           <a:solidFill>
             <a:schemeClr val="tx1"/>
           </a:solidFill>
@@ -2920,13 +3053,16 @@
           <a:cs typeface="+mn-cs"/>
         </a:defRPr>
       </a:lvl8pPr>
-      <a:lvl9pPr marL="3886200" indent="-228600" algn="l" defTabSz="914400" rtl="0" eaLnBrk="1" latinLnBrk="0" hangingPunct="1">
+      <a:lvl9pPr marL="2286000" indent="-182880" algn="l" defTabSz="914400" rtl="0" eaLnBrk="1" latinLnBrk="0" hangingPunct="1">
         <a:spcBef>
           <a:spcPct val="20000"/>
         </a:spcBef>
+        <a:buClr>
+          <a:schemeClr val="accent4"/>
+        </a:buClr>
         <a:buFont typeface="Arial" pitchFamily="34" charset="0"/>
         <a:buChar char="•"/>
-        <a:defRPr sz="2000" kern="1200">
+        <a:defRPr sz="1400" kern="1200">
           <a:solidFill>
             <a:schemeClr val="tx1"/>
           </a:solidFill>
@@ -2938,7 +3074,7 @@
     </p:bodyStyle>
     <p:otherStyle>
       <a:defPPr>
-        <a:defRPr lang="zh-TW"/>
+        <a:defRPr lang="en-US"/>
       </a:defPPr>
       <a:lvl1pPr marL="0" algn="l" defTabSz="914400" rtl="0" eaLnBrk="1" latinLnBrk="0" hangingPunct="1">
         <a:defRPr sz="1800" kern="1200">
@@ -3070,32 +3206,56 @@
           <a:lstStyle/>
           <a:p>
             <a:r>
-              <a:rPr lang="en-US" altLang="zh-TW" dirty="0" smtClean="0"/>
+              <a:rPr lang="en-US" altLang="zh-TW" dirty="0" smtClean="0">
+                <a:latin typeface="微軟正黑體" pitchFamily="34" charset="-120"/>
+                <a:ea typeface="微軟正黑體" pitchFamily="34" charset="-120"/>
+              </a:rPr>
               <a:t>Mode: </a:t>
             </a:r>
             <a:br>
-              <a:rPr lang="en-US" altLang="zh-TW" dirty="0" smtClean="0"/>
+              <a:rPr lang="en-US" altLang="zh-TW" dirty="0" smtClean="0">
+                <a:latin typeface="微軟正黑體" pitchFamily="34" charset="-120"/>
+                <a:ea typeface="微軟正黑體" pitchFamily="34" charset="-120"/>
+              </a:rPr>
             </a:br>
             <a:r>
-              <a:rPr lang="en-US" altLang="zh-TW" dirty="0" smtClean="0"/>
+              <a:rPr lang="en-US" altLang="zh-TW" dirty="0" smtClean="0">
+                <a:latin typeface="微軟正黑體" pitchFamily="34" charset="-120"/>
+                <a:ea typeface="微軟正黑體" pitchFamily="34" charset="-120"/>
+              </a:rPr>
               <a:t>eth -&gt; wan</a:t>
             </a:r>
             <a:br>
-              <a:rPr lang="en-US" altLang="zh-TW" dirty="0" smtClean="0"/>
+              <a:rPr lang="en-US" altLang="zh-TW" dirty="0" smtClean="0">
+                <a:latin typeface="微軟正黑體" pitchFamily="34" charset="-120"/>
+                <a:ea typeface="微軟正黑體" pitchFamily="34" charset="-120"/>
+              </a:rPr>
             </a:br>
             <a:r>
-              <a:rPr lang="en-US" altLang="zh-TW" dirty="0" err="1" smtClean="0"/>
+              <a:rPr lang="en-US" altLang="zh-TW" dirty="0" err="1" smtClean="0">
+                <a:latin typeface="微軟正黑體" pitchFamily="34" charset="-120"/>
+                <a:ea typeface="微軟正黑體" pitchFamily="34" charset="-120"/>
+              </a:rPr>
               <a:t>WiFi</a:t>
             </a:r>
             <a:r>
-              <a:rPr lang="en-US" altLang="zh-TW" dirty="0" smtClean="0"/>
+              <a:rPr lang="en-US" altLang="zh-TW" dirty="0" smtClean="0">
+                <a:latin typeface="微軟正黑體" pitchFamily="34" charset="-120"/>
+                <a:ea typeface="微軟正黑體" pitchFamily="34" charset="-120"/>
+              </a:rPr>
               <a:t> -&gt;</a:t>
             </a:r>
             <a:r>
-              <a:rPr lang="en-US" altLang="zh-TW" dirty="0" err="1" smtClean="0"/>
+              <a:rPr lang="en-US" altLang="zh-TW" dirty="0" err="1" smtClean="0">
+                <a:latin typeface="微軟正黑體" pitchFamily="34" charset="-120"/>
+                <a:ea typeface="微軟正黑體" pitchFamily="34" charset="-120"/>
+              </a:rPr>
               <a:t>Ap</a:t>
             </a:r>
-            <a:endParaRPr lang="zh-TW" altLang="en-US" dirty="0"/>
+            <a:endParaRPr lang="zh-TW" altLang="en-US" dirty="0">
+              <a:latin typeface="微軟正黑體" pitchFamily="34" charset="-120"/>
+              <a:ea typeface="微軟正黑體" pitchFamily="34" charset="-120"/>
+            </a:endParaRPr>
           </a:p>
         </p:txBody>
       </p:sp>
@@ -3152,10 +3312,44 @@
           <a:lstStyle/>
           <a:p>
             <a:r>
-              <a:rPr lang="en-US" altLang="zh-TW" dirty="0" smtClean="0"/>
-              <a:t>routing</a:t>
-            </a:r>
-            <a:endParaRPr lang="zh-TW" altLang="en-US" dirty="0"/>
+              <a:rPr lang="en-US" altLang="zh-TW" sz="3600" dirty="0" smtClean="0">
+                <a:latin typeface="微軟正黑體" pitchFamily="34" charset="-120"/>
+                <a:ea typeface="微軟正黑體" pitchFamily="34" charset="-120"/>
+              </a:rPr>
+              <a:t>Routing</a:t>
+            </a:r>
+            <a:r>
+              <a:rPr lang="zh-TW" altLang="en-US" sz="3600" dirty="0" smtClean="0">
+                <a:latin typeface="微軟正黑體" pitchFamily="34" charset="-120"/>
+                <a:ea typeface="微軟正黑體" pitchFamily="34" charset="-120"/>
+              </a:rPr>
+              <a:t> 將</a:t>
+            </a:r>
+            <a:r>
+              <a:rPr lang="en-US" altLang="zh-TW" sz="3600" dirty="0" smtClean="0">
+                <a:latin typeface="微軟正黑體" pitchFamily="34" charset="-120"/>
+                <a:ea typeface="微軟正黑體" pitchFamily="34" charset="-120"/>
+              </a:rPr>
+              <a:t>eth0 </a:t>
+            </a:r>
+            <a:r>
+              <a:rPr lang="zh-TW" altLang="en-US" sz="3600" dirty="0" smtClean="0">
+                <a:latin typeface="微軟正黑體" pitchFamily="34" charset="-120"/>
+                <a:ea typeface="微軟正黑體" pitchFamily="34" charset="-120"/>
+              </a:rPr>
+              <a:t>流量轉至</a:t>
+            </a:r>
+            <a:r>
+              <a:rPr lang="en-US" altLang="zh-TW" sz="3600" dirty="0" smtClean="0">
+                <a:latin typeface="微軟正黑體" pitchFamily="34" charset="-120"/>
+                <a:ea typeface="微軟正黑體" pitchFamily="34" charset="-120"/>
+              </a:rPr>
+              <a:t>wlan0</a:t>
+            </a:r>
+            <a:endParaRPr lang="zh-TW" altLang="en-US" sz="3600" dirty="0">
+              <a:latin typeface="微軟正黑體" pitchFamily="34" charset="-120"/>
+              <a:ea typeface="微軟正黑體" pitchFamily="34" charset="-120"/>
+            </a:endParaRPr>
           </a:p>
         </p:txBody>
       </p:sp>
@@ -3169,92 +3363,221 @@
             <p:ph idx="1"/>
           </p:nvPr>
         </p:nvSpPr>
-        <p:spPr/>
+        <p:spPr>
+          <a:xfrm>
+            <a:off x="107504" y="1600200"/>
+            <a:ext cx="8784976" cy="4800600"/>
+          </a:xfrm>
+        </p:spPr>
         <p:txBody>
           <a:bodyPr>
             <a:normAutofit/>
           </a:bodyPr>
           <a:lstStyle/>
           <a:p>
-            <a:r>
-              <a:rPr lang="en-US" altLang="zh-TW" sz="2000" dirty="0" err="1"/>
+            <a:pPr marL="114300" indent="0">
+              <a:buNone/>
+            </a:pPr>
+            <a:r>
+              <a:rPr lang="en-US" altLang="zh-TW" sz="1400" dirty="0" err="1">
+                <a:latin typeface="微軟正黑體" pitchFamily="34" charset="-120"/>
+                <a:ea typeface="微軟正黑體" pitchFamily="34" charset="-120"/>
+              </a:rPr>
               <a:t>sudo</a:t>
             </a:r>
             <a:r>
-              <a:rPr lang="en-US" altLang="zh-TW" sz="2000" dirty="0"/>
+              <a:rPr lang="en-US" altLang="zh-TW" sz="1400" dirty="0">
+                <a:latin typeface="微軟正黑體" pitchFamily="34" charset="-120"/>
+                <a:ea typeface="微軟正黑體" pitchFamily="34" charset="-120"/>
+              </a:rPr>
               <a:t> </a:t>
             </a:r>
             <a:r>
-              <a:rPr lang="en-US" altLang="zh-TW" sz="2000" dirty="0" err="1"/>
+              <a:rPr lang="en-US" altLang="zh-TW" sz="1400" dirty="0" err="1">
+                <a:latin typeface="微軟正黑體" pitchFamily="34" charset="-120"/>
+                <a:ea typeface="微軟正黑體" pitchFamily="34" charset="-120"/>
+              </a:rPr>
               <a:t>iptables</a:t>
             </a:r>
             <a:r>
-              <a:rPr lang="en-US" altLang="zh-TW" sz="2000" dirty="0"/>
+              <a:rPr lang="en-US" altLang="zh-TW" sz="1400" dirty="0">
+                <a:latin typeface="微軟正黑體" pitchFamily="34" charset="-120"/>
+                <a:ea typeface="微軟正黑體" pitchFamily="34" charset="-120"/>
+              </a:rPr>
               <a:t> -t </a:t>
             </a:r>
             <a:r>
-              <a:rPr lang="en-US" altLang="zh-TW" sz="2000" dirty="0" err="1"/>
+              <a:rPr lang="en-US" altLang="zh-TW" sz="1400" dirty="0" err="1">
+                <a:latin typeface="微軟正黑體" pitchFamily="34" charset="-120"/>
+                <a:ea typeface="微軟正黑體" pitchFamily="34" charset="-120"/>
+              </a:rPr>
               <a:t>nat</a:t>
             </a:r>
             <a:r>
-              <a:rPr lang="en-US" altLang="zh-TW" sz="2000" dirty="0"/>
+              <a:rPr lang="en-US" altLang="zh-TW" sz="1400" dirty="0">
+                <a:latin typeface="微軟正黑體" pitchFamily="34" charset="-120"/>
+                <a:ea typeface="微軟正黑體" pitchFamily="34" charset="-120"/>
+              </a:rPr>
               <a:t> -A POSTROUTING -o eth0 -j MASQUERADE </a:t>
             </a:r>
           </a:p>
           <a:p>
-            <a:r>
-              <a:rPr lang="en-US" altLang="zh-TW" sz="2000" dirty="0" err="1"/>
+            <a:pPr marL="114300" indent="0">
+              <a:buNone/>
+            </a:pPr>
+            <a:r>
+              <a:rPr lang="en-US" altLang="zh-TW" sz="1400" dirty="0" err="1">
+                <a:latin typeface="微軟正黑體" pitchFamily="34" charset="-120"/>
+                <a:ea typeface="微軟正黑體" pitchFamily="34" charset="-120"/>
+              </a:rPr>
               <a:t>sudo</a:t>
             </a:r>
             <a:r>
-              <a:rPr lang="en-US" altLang="zh-TW" sz="2000" dirty="0"/>
+              <a:rPr lang="en-US" altLang="zh-TW" sz="1400" dirty="0">
+                <a:latin typeface="微軟正黑體" pitchFamily="34" charset="-120"/>
+                <a:ea typeface="微軟正黑體" pitchFamily="34" charset="-120"/>
+              </a:rPr>
               <a:t> </a:t>
             </a:r>
             <a:r>
-              <a:rPr lang="en-US" altLang="zh-TW" sz="2000" dirty="0" err="1"/>
+              <a:rPr lang="en-US" altLang="zh-TW" sz="1400" dirty="0" err="1">
+                <a:latin typeface="微軟正黑體" pitchFamily="34" charset="-120"/>
+                <a:ea typeface="微軟正黑體" pitchFamily="34" charset="-120"/>
+              </a:rPr>
               <a:t>iptables</a:t>
             </a:r>
             <a:r>
-              <a:rPr lang="en-US" altLang="zh-TW" sz="2000" dirty="0"/>
+              <a:rPr lang="en-US" altLang="zh-TW" sz="1400" dirty="0">
+                <a:latin typeface="微軟正黑體" pitchFamily="34" charset="-120"/>
+                <a:ea typeface="微軟正黑體" pitchFamily="34" charset="-120"/>
+              </a:rPr>
               <a:t> -A FORWARD -i eth0 -o wlan0 -m state --state RELATED,ESTABLISHED -j ACCEPT </a:t>
             </a:r>
           </a:p>
           <a:p>
-            <a:r>
-              <a:rPr lang="en-US" altLang="zh-TW" sz="2000" dirty="0" err="1"/>
+            <a:pPr marL="114300" indent="0">
+              <a:buNone/>
+            </a:pPr>
+            <a:r>
+              <a:rPr lang="en-US" altLang="zh-TW" sz="1400" dirty="0" err="1">
+                <a:latin typeface="微軟正黑體" pitchFamily="34" charset="-120"/>
+                <a:ea typeface="微軟正黑體" pitchFamily="34" charset="-120"/>
+              </a:rPr>
               <a:t>sudo</a:t>
             </a:r>
             <a:r>
-              <a:rPr lang="en-US" altLang="zh-TW" sz="2000" dirty="0"/>
+              <a:rPr lang="en-US" altLang="zh-TW" sz="1400" dirty="0">
+                <a:latin typeface="微軟正黑體" pitchFamily="34" charset="-120"/>
+                <a:ea typeface="微軟正黑體" pitchFamily="34" charset="-120"/>
+              </a:rPr>
               <a:t> </a:t>
             </a:r>
             <a:r>
-              <a:rPr lang="en-US" altLang="zh-TW" sz="2000" dirty="0" err="1"/>
+              <a:rPr lang="en-US" altLang="zh-TW" sz="1400" dirty="0" err="1">
+                <a:latin typeface="微軟正黑體" pitchFamily="34" charset="-120"/>
+                <a:ea typeface="微軟正黑體" pitchFamily="34" charset="-120"/>
+              </a:rPr>
               <a:t>iptables</a:t>
             </a:r>
             <a:r>
-              <a:rPr lang="en-US" altLang="zh-TW" sz="2000" dirty="0"/>
+              <a:rPr lang="en-US" altLang="zh-TW" sz="1400" dirty="0">
+                <a:latin typeface="微軟正黑體" pitchFamily="34" charset="-120"/>
+                <a:ea typeface="微軟正黑體" pitchFamily="34" charset="-120"/>
+              </a:rPr>
               <a:t> -A FORWARD -i wlan0 -o eth0 -j ACCEPT </a:t>
             </a:r>
           </a:p>
           <a:p>
-            <a:endParaRPr lang="en-US" altLang="zh-TW" sz="2000" dirty="0" smtClean="0"/>
-          </a:p>
-          <a:p>
-            <a:endParaRPr lang="en-US" altLang="zh-TW" sz="2000" dirty="0"/>
-          </a:p>
-          <a:p>
-            <a:endParaRPr lang="en-US" altLang="zh-TW" sz="2000" dirty="0" smtClean="0"/>
-          </a:p>
-          <a:p>
-            <a:endParaRPr lang="en-US" altLang="zh-TW" sz="2000" dirty="0"/>
-          </a:p>
-          <a:p>
-            <a:r>
-              <a:rPr lang="fr-FR" altLang="zh-TW" sz="2000" dirty="0"/>
-              <a:t>sudo sh -c "iptables-save &gt; /etc/iptables.ipv4.nat"</a:t>
-            </a:r>
-            <a:endParaRPr lang="zh-TW" altLang="en-US" sz="2000" dirty="0"/>
+            <a:pPr marL="114300" indent="0">
+              <a:buNone/>
+            </a:pPr>
+            <a:endParaRPr lang="en-US" altLang="zh-TW" sz="1400" dirty="0" smtClean="0">
+              <a:latin typeface="微軟正黑體" pitchFamily="34" charset="-120"/>
+              <a:ea typeface="微軟正黑體" pitchFamily="34" charset="-120"/>
+            </a:endParaRPr>
+          </a:p>
+          <a:p>
+            <a:pPr marL="114300" indent="0">
+              <a:buNone/>
+            </a:pPr>
+            <a:endParaRPr lang="en-US" altLang="zh-TW" sz="1400" dirty="0">
+              <a:latin typeface="微軟正黑體" pitchFamily="34" charset="-120"/>
+              <a:ea typeface="微軟正黑體" pitchFamily="34" charset="-120"/>
+            </a:endParaRPr>
+          </a:p>
+          <a:p>
+            <a:pPr marL="114300" indent="0">
+              <a:buNone/>
+            </a:pPr>
+            <a:endParaRPr lang="en-US" altLang="zh-TW" sz="1400" dirty="0" smtClean="0">
+              <a:latin typeface="微軟正黑體" pitchFamily="34" charset="-120"/>
+              <a:ea typeface="微軟正黑體" pitchFamily="34" charset="-120"/>
+            </a:endParaRPr>
+          </a:p>
+          <a:p>
+            <a:pPr marL="114300" indent="0">
+              <a:buNone/>
+            </a:pPr>
+            <a:endParaRPr lang="en-US" altLang="zh-TW" sz="1400" dirty="0">
+              <a:latin typeface="微軟正黑體" pitchFamily="34" charset="-120"/>
+              <a:ea typeface="微軟正黑體" pitchFamily="34" charset="-120"/>
+            </a:endParaRPr>
+          </a:p>
+          <a:p>
+            <a:pPr marL="114300" indent="0">
+              <a:buNone/>
+            </a:pPr>
+            <a:r>
+              <a:rPr lang="fr-FR" altLang="zh-TW" sz="1400" dirty="0">
+                <a:latin typeface="微軟正黑體" pitchFamily="34" charset="-120"/>
+                <a:ea typeface="微軟正黑體" pitchFamily="34" charset="-120"/>
+              </a:rPr>
+              <a:t>sudo sh -c "iptables-save &gt; /</a:t>
+            </a:r>
+            <a:r>
+              <a:rPr lang="fr-FR" altLang="zh-TW" sz="1400" dirty="0" smtClean="0">
+                <a:latin typeface="微軟正黑體" pitchFamily="34" charset="-120"/>
+                <a:ea typeface="微軟正黑體" pitchFamily="34" charset="-120"/>
+              </a:rPr>
+              <a:t>etc/iptables.ipv4.nat« </a:t>
+            </a:r>
+          </a:p>
+          <a:p>
+            <a:pPr marL="114300" indent="0">
+              <a:buNone/>
+            </a:pPr>
+            <a:r>
+              <a:rPr lang="zh-TW" altLang="en-US" sz="1400" dirty="0" smtClean="0">
+                <a:latin typeface="微軟正黑體" pitchFamily="34" charset="-120"/>
+                <a:ea typeface="微軟正黑體" pitchFamily="34" charset="-120"/>
+              </a:rPr>
+              <a:t>儲存</a:t>
+            </a:r>
+            <a:r>
+              <a:rPr lang="en-US" altLang="zh-TW" sz="1400" dirty="0" err="1" smtClean="0">
+                <a:latin typeface="微軟正黑體" pitchFamily="34" charset="-120"/>
+                <a:ea typeface="微軟正黑體" pitchFamily="34" charset="-120"/>
+              </a:rPr>
+              <a:t>iptables</a:t>
+            </a:r>
+            <a:r>
+              <a:rPr lang="en-US" altLang="zh-TW" sz="1400" dirty="0" smtClean="0">
+                <a:latin typeface="微軟正黑體" pitchFamily="34" charset="-120"/>
+                <a:ea typeface="微軟正黑體" pitchFamily="34" charset="-120"/>
+              </a:rPr>
+              <a:t>  </a:t>
+            </a:r>
+            <a:r>
+              <a:rPr lang="zh-TW" altLang="en-US" sz="1400" dirty="0" smtClean="0">
+                <a:latin typeface="微軟正黑體" pitchFamily="34" charset="-120"/>
+                <a:ea typeface="微軟正黑體" pitchFamily="34" charset="-120"/>
+              </a:rPr>
+              <a:t>設定</a:t>
+            </a:r>
+            <a:endParaRPr lang="zh-TW" altLang="en-US" sz="1400" dirty="0">
+              <a:latin typeface="微軟正黑體" pitchFamily="34" charset="-120"/>
+              <a:ea typeface="微軟正黑體" pitchFamily="34" charset="-120"/>
+            </a:endParaRPr>
           </a:p>
         </p:txBody>
       </p:sp>
@@ -3311,26 +3634,44 @@
           <a:lstStyle/>
           <a:p>
             <a:r>
-              <a:rPr lang="en-US" altLang="zh-TW" dirty="0" err="1" smtClean="0"/>
+              <a:rPr lang="en-US" altLang="zh-TW" dirty="0" err="1" smtClean="0">
+                <a:latin typeface="微軟正黑體" pitchFamily="34" charset="-120"/>
+                <a:ea typeface="微軟正黑體" pitchFamily="34" charset="-120"/>
+              </a:rPr>
               <a:t>nano</a:t>
             </a:r>
             <a:r>
-              <a:rPr lang="en-US" altLang="zh-TW" dirty="0"/>
+              <a:rPr lang="en-US" altLang="zh-TW" dirty="0">
+                <a:latin typeface="微軟正黑體" pitchFamily="34" charset="-120"/>
+                <a:ea typeface="微軟正黑體" pitchFamily="34" charset="-120"/>
+              </a:rPr>
               <a:t>  /</a:t>
             </a:r>
             <a:r>
-              <a:rPr lang="en-US" altLang="zh-TW" dirty="0" err="1"/>
+              <a:rPr lang="en-US" altLang="zh-TW" dirty="0" err="1">
+                <a:latin typeface="微軟正黑體" pitchFamily="34" charset="-120"/>
+                <a:ea typeface="微軟正黑體" pitchFamily="34" charset="-120"/>
+              </a:rPr>
               <a:t>etc</a:t>
             </a:r>
             <a:r>
-              <a:rPr lang="en-US" altLang="zh-TW" dirty="0"/>
+              <a:rPr lang="en-US" altLang="zh-TW" dirty="0">
+                <a:latin typeface="微軟正黑體" pitchFamily="34" charset="-120"/>
+                <a:ea typeface="微軟正黑體" pitchFamily="34" charset="-120"/>
+              </a:rPr>
               <a:t>/</a:t>
             </a:r>
             <a:r>
-              <a:rPr lang="en-US" altLang="zh-TW" dirty="0" err="1"/>
+              <a:rPr lang="en-US" altLang="zh-TW" dirty="0" err="1">
+                <a:latin typeface="微軟正黑體" pitchFamily="34" charset="-120"/>
+                <a:ea typeface="微軟正黑體" pitchFamily="34" charset="-120"/>
+              </a:rPr>
               <a:t>rc.local</a:t>
             </a:r>
-            <a:endParaRPr lang="zh-TW" altLang="en-US" dirty="0"/>
+            <a:endParaRPr lang="zh-TW" altLang="en-US" dirty="0">
+              <a:latin typeface="微軟正黑體" pitchFamily="34" charset="-120"/>
+              <a:ea typeface="微軟正黑體" pitchFamily="34" charset="-120"/>
+            </a:endParaRPr>
           </a:p>
         </p:txBody>
       </p:sp>
@@ -3350,37 +3691,104 @@
           <a:lstStyle/>
           <a:p>
             <a:r>
-              <a:rPr lang="zh-TW" altLang="en-US" dirty="0" smtClean="0"/>
+              <a:rPr lang="zh-TW" altLang="en-US" dirty="0" smtClean="0">
+                <a:latin typeface="微軟正黑體" pitchFamily="34" charset="-120"/>
+                <a:ea typeface="微軟正黑體" pitchFamily="34" charset="-120"/>
+              </a:rPr>
               <a:t>在</a:t>
             </a:r>
             <a:r>
-              <a:rPr lang="en-US" altLang="zh-TW" dirty="0" smtClean="0"/>
+              <a:rPr lang="en-US" altLang="zh-TW" dirty="0" smtClean="0">
+                <a:latin typeface="微軟正黑體" pitchFamily="34" charset="-120"/>
+                <a:ea typeface="微軟正黑體" pitchFamily="34" charset="-120"/>
+              </a:rPr>
               <a:t>exit 0 </a:t>
             </a:r>
             <a:r>
-              <a:rPr lang="zh-TW" altLang="en-US" dirty="0" smtClean="0"/>
+              <a:rPr lang="zh-TW" altLang="en-US" dirty="0" smtClean="0">
+                <a:latin typeface="微軟正黑體" pitchFamily="34" charset="-120"/>
+                <a:ea typeface="微軟正黑體" pitchFamily="34" charset="-120"/>
+              </a:rPr>
               <a:t>上面一行貼</a:t>
             </a:r>
-            <a:endParaRPr lang="en-US" altLang="zh-TW" dirty="0" smtClean="0"/>
-          </a:p>
-          <a:p>
-            <a:r>
-              <a:rPr lang="en-US" altLang="zh-TW" dirty="0" err="1"/>
+            <a:endParaRPr lang="en-US" altLang="zh-TW" dirty="0" smtClean="0">
+              <a:latin typeface="微軟正黑體" pitchFamily="34" charset="-120"/>
+              <a:ea typeface="微軟正黑體" pitchFamily="34" charset="-120"/>
+            </a:endParaRPr>
+          </a:p>
+          <a:p>
+            <a:r>
+              <a:rPr lang="en-US" altLang="zh-TW" dirty="0" err="1">
+                <a:latin typeface="微軟正黑體" pitchFamily="34" charset="-120"/>
+                <a:ea typeface="微軟正黑體" pitchFamily="34" charset="-120"/>
+              </a:rPr>
               <a:t>iptables</a:t>
             </a:r>
             <a:r>
-              <a:rPr lang="en-US" altLang="zh-TW" dirty="0"/>
+              <a:rPr lang="en-US" altLang="zh-TW" dirty="0">
+                <a:latin typeface="微軟正黑體" pitchFamily="34" charset="-120"/>
+                <a:ea typeface="微軟正黑體" pitchFamily="34" charset="-120"/>
+              </a:rPr>
               <a:t>-restore &lt; /</a:t>
             </a:r>
             <a:r>
-              <a:rPr lang="en-US" altLang="zh-TW" dirty="0" err="1"/>
+              <a:rPr lang="en-US" altLang="zh-TW" dirty="0" err="1">
+                <a:latin typeface="微軟正黑體" pitchFamily="34" charset="-120"/>
+                <a:ea typeface="微軟正黑體" pitchFamily="34" charset="-120"/>
+              </a:rPr>
               <a:t>etc</a:t>
             </a:r>
             <a:r>
-              <a:rPr lang="en-US" altLang="zh-TW" dirty="0"/>
+              <a:rPr lang="en-US" altLang="zh-TW" dirty="0">
+                <a:latin typeface="微軟正黑體" pitchFamily="34" charset="-120"/>
+                <a:ea typeface="微軟正黑體" pitchFamily="34" charset="-120"/>
+              </a:rPr>
               <a:t>/iptables.ipv4.nat </a:t>
             </a:r>
-            <a:endParaRPr lang="zh-TW" altLang="en-US" dirty="0"/>
+            <a:endParaRPr lang="en-US" altLang="zh-TW" dirty="0" smtClean="0">
+              <a:latin typeface="微軟正黑體" pitchFamily="34" charset="-120"/>
+              <a:ea typeface="微軟正黑體" pitchFamily="34" charset="-120"/>
+            </a:endParaRPr>
+          </a:p>
+          <a:p>
+            <a:endParaRPr lang="en-US" altLang="zh-TW" dirty="0">
+              <a:latin typeface="微軟正黑體" pitchFamily="34" charset="-120"/>
+              <a:ea typeface="微軟正黑體" pitchFamily="34" charset="-120"/>
+            </a:endParaRPr>
+          </a:p>
+          <a:p>
+            <a:r>
+              <a:rPr lang="zh-TW" altLang="en-US" dirty="0" smtClean="0">
+                <a:latin typeface="微軟正黑體" pitchFamily="34" charset="-120"/>
+                <a:ea typeface="微軟正黑體" pitchFamily="34" charset="-120"/>
+              </a:rPr>
+              <a:t>讓</a:t>
+            </a:r>
+            <a:r>
+              <a:rPr lang="en-US" altLang="zh-TW" dirty="0" err="1" smtClean="0">
+                <a:latin typeface="微軟正黑體" pitchFamily="34" charset="-120"/>
+                <a:ea typeface="微軟正黑體" pitchFamily="34" charset="-120"/>
+              </a:rPr>
+              <a:t>iptables</a:t>
+            </a:r>
+            <a:r>
+              <a:rPr lang="en-US" altLang="zh-TW" dirty="0" smtClean="0">
+                <a:latin typeface="微軟正黑體" pitchFamily="34" charset="-120"/>
+                <a:ea typeface="微軟正黑體" pitchFamily="34" charset="-120"/>
+              </a:rPr>
+              <a:t> </a:t>
+            </a:r>
+            <a:r>
+              <a:rPr lang="zh-TW" altLang="en-US" dirty="0" smtClean="0">
+                <a:latin typeface="微軟正黑體" pitchFamily="34" charset="-120"/>
+                <a:ea typeface="微軟正黑體" pitchFamily="34" charset="-120"/>
+              </a:rPr>
+              <a:t>重開機後自動讀取</a:t>
+            </a:r>
+            <a:endParaRPr lang="zh-TW" altLang="en-US" dirty="0">
+              <a:latin typeface="微軟正黑體" pitchFamily="34" charset="-120"/>
+              <a:ea typeface="微軟正黑體" pitchFamily="34" charset="-120"/>
+            </a:endParaRPr>
           </a:p>
         </p:txBody>
       </p:sp>
@@ -3456,54 +3864,112 @@
           <a:lstStyle/>
           <a:p>
             <a:r>
-              <a:rPr lang="en-US" altLang="zh-TW" dirty="0" err="1"/>
+              <a:rPr lang="en-US" altLang="zh-TW" dirty="0" err="1">
+                <a:latin typeface="微軟正黑體" pitchFamily="34" charset="-120"/>
+                <a:ea typeface="微軟正黑體" pitchFamily="34" charset="-120"/>
+              </a:rPr>
               <a:t>sudo</a:t>
             </a:r>
             <a:r>
-              <a:rPr lang="en-US" altLang="zh-TW" dirty="0"/>
+              <a:rPr lang="en-US" altLang="zh-TW" dirty="0">
+                <a:latin typeface="微軟正黑體" pitchFamily="34" charset="-120"/>
+                <a:ea typeface="微軟正黑體" pitchFamily="34" charset="-120"/>
+              </a:rPr>
               <a:t> service </a:t>
             </a:r>
             <a:r>
-              <a:rPr lang="en-US" altLang="zh-TW" dirty="0" err="1"/>
+              <a:rPr lang="en-US" altLang="zh-TW" dirty="0" err="1">
+                <a:latin typeface="微軟正黑體" pitchFamily="34" charset="-120"/>
+                <a:ea typeface="微軟正黑體" pitchFamily="34" charset="-120"/>
+              </a:rPr>
               <a:t>hostapd</a:t>
             </a:r>
             <a:r>
-              <a:rPr lang="en-US" altLang="zh-TW" dirty="0"/>
+              <a:rPr lang="en-US" altLang="zh-TW" dirty="0">
+                <a:latin typeface="微軟正黑體" pitchFamily="34" charset="-120"/>
+                <a:ea typeface="微軟正黑體" pitchFamily="34" charset="-120"/>
+              </a:rPr>
               <a:t> start </a:t>
             </a:r>
           </a:p>
           <a:p>
             <a:r>
-              <a:rPr lang="en-US" altLang="zh-TW" dirty="0" err="1"/>
+              <a:rPr lang="en-US" altLang="zh-TW" dirty="0" err="1">
+                <a:latin typeface="微軟正黑體" pitchFamily="34" charset="-120"/>
+                <a:ea typeface="微軟正黑體" pitchFamily="34" charset="-120"/>
+              </a:rPr>
               <a:t>sudo</a:t>
             </a:r>
             <a:r>
-              <a:rPr lang="en-US" altLang="zh-TW" dirty="0"/>
+              <a:rPr lang="en-US" altLang="zh-TW" dirty="0">
+                <a:latin typeface="微軟正黑體" pitchFamily="34" charset="-120"/>
+                <a:ea typeface="微軟正黑體" pitchFamily="34" charset="-120"/>
+              </a:rPr>
               <a:t> service </a:t>
             </a:r>
             <a:r>
-              <a:rPr lang="en-US" altLang="zh-TW" dirty="0" err="1"/>
+              <a:rPr lang="en-US" altLang="zh-TW" dirty="0" err="1">
+                <a:latin typeface="微軟正黑體" pitchFamily="34" charset="-120"/>
+                <a:ea typeface="微軟正黑體" pitchFamily="34" charset="-120"/>
+              </a:rPr>
               <a:t>dnsmasq</a:t>
             </a:r>
             <a:r>
-              <a:rPr lang="en-US" altLang="zh-TW" dirty="0"/>
+              <a:rPr lang="en-US" altLang="zh-TW" dirty="0">
+                <a:latin typeface="微軟正黑體" pitchFamily="34" charset="-120"/>
+                <a:ea typeface="微軟正黑體" pitchFamily="34" charset="-120"/>
+              </a:rPr>
               <a:t> start </a:t>
             </a:r>
           </a:p>
           <a:p>
             <a:r>
-              <a:rPr lang="en-US" altLang="zh-TW" dirty="0" err="1"/>
+              <a:rPr lang="en-US" altLang="zh-TW" dirty="0" err="1">
+                <a:latin typeface="微軟正黑體" pitchFamily="34" charset="-120"/>
+                <a:ea typeface="微軟正黑體" pitchFamily="34" charset="-120"/>
+              </a:rPr>
               <a:t>s</a:t>
             </a:r>
             <a:r>
-              <a:rPr lang="en-US" altLang="zh-TW" dirty="0" err="1" smtClean="0"/>
+              <a:rPr lang="en-US" altLang="zh-TW" dirty="0" err="1" smtClean="0">
+                <a:latin typeface="微軟正黑體" pitchFamily="34" charset="-120"/>
+                <a:ea typeface="微軟正黑體" pitchFamily="34" charset="-120"/>
+              </a:rPr>
               <a:t>udo</a:t>
             </a:r>
             <a:r>
-              <a:rPr lang="en-US" altLang="zh-TW" dirty="0" smtClean="0"/>
-              <a:t> reboot</a:t>
-            </a:r>
-            <a:endParaRPr lang="zh-TW" altLang="en-US" dirty="0"/>
+              <a:rPr lang="en-US" altLang="zh-TW" dirty="0" smtClean="0">
+                <a:latin typeface="微軟正黑體" pitchFamily="34" charset="-120"/>
+                <a:ea typeface="微軟正黑體" pitchFamily="34" charset="-120"/>
+              </a:rPr>
+              <a:t> </a:t>
+            </a:r>
+            <a:r>
+              <a:rPr lang="en-US" altLang="zh-TW" dirty="0" smtClean="0">
+                <a:latin typeface="微軟正黑體" pitchFamily="34" charset="-120"/>
+                <a:ea typeface="微軟正黑體" pitchFamily="34" charset="-120"/>
+              </a:rPr>
+              <a:t>reboot</a:t>
+            </a:r>
+          </a:p>
+          <a:p>
+            <a:endParaRPr lang="en-US" altLang="zh-TW" dirty="0">
+              <a:latin typeface="微軟正黑體" pitchFamily="34" charset="-120"/>
+              <a:ea typeface="微軟正黑體" pitchFamily="34" charset="-120"/>
+            </a:endParaRPr>
+          </a:p>
+          <a:p>
+            <a:r>
+              <a:rPr lang="zh-TW" altLang="en-US" dirty="0" smtClean="0">
+                <a:latin typeface="微軟正黑體" pitchFamily="34" charset="-120"/>
+                <a:ea typeface="微軟正黑體" pitchFamily="34" charset="-120"/>
+              </a:rPr>
+              <a:t>重啟服務，重開機</a:t>
+            </a:r>
+            <a:endParaRPr lang="zh-TW" altLang="en-US" dirty="0">
+              <a:latin typeface="微軟正黑體" pitchFamily="34" charset="-120"/>
+              <a:ea typeface="微軟正黑體" pitchFamily="34" charset="-120"/>
+            </a:endParaRPr>
           </a:p>
         </p:txBody>
       </p:sp>
@@ -3556,39 +4022,56 @@
         </p:nvSpPr>
         <p:spPr/>
         <p:txBody>
-          <a:bodyPr/>
+          <a:bodyPr>
+            <a:normAutofit/>
+          </a:bodyPr>
           <a:lstStyle/>
           <a:p>
-            <a:pPr marL="0" indent="0" algn="ctr">
-              <a:buNone/>
-            </a:pPr>
-            <a:r>
-              <a:rPr lang="en-US" altLang="zh-TW" dirty="0" smtClean="0"/>
+            <a:pPr marL="0" indent="0">
+              <a:buNone/>
+            </a:pPr>
+            <a:r>
+              <a:rPr lang="en-US" altLang="zh-TW" sz="3200" dirty="0" smtClean="0">
+                <a:latin typeface="微軟正黑體" pitchFamily="34" charset="-120"/>
+                <a:ea typeface="微軟正黑體" pitchFamily="34" charset="-120"/>
+              </a:rPr>
               <a:t>Mode:2</a:t>
             </a:r>
           </a:p>
           <a:p>
-            <a:pPr marL="0" indent="0" algn="ctr">
-              <a:buNone/>
-            </a:pPr>
-            <a:r>
-              <a:rPr lang="en-US" altLang="zh-TW" dirty="0" err="1" smtClean="0"/>
+            <a:pPr marL="0" indent="0">
+              <a:buNone/>
+            </a:pPr>
+            <a:r>
+              <a:rPr lang="en-US" altLang="zh-TW" sz="3200" dirty="0" err="1" smtClean="0">
+                <a:latin typeface="微軟正黑體" pitchFamily="34" charset="-120"/>
+                <a:ea typeface="微軟正黑體" pitchFamily="34" charset="-120"/>
+              </a:rPr>
               <a:t>Wifi</a:t>
             </a:r>
             <a:r>
-              <a:rPr lang="en-US" altLang="zh-TW" dirty="0" smtClean="0"/>
+              <a:rPr lang="en-US" altLang="zh-TW" sz="3200" dirty="0" smtClean="0">
+                <a:latin typeface="微軟正黑體" pitchFamily="34" charset="-120"/>
+                <a:ea typeface="微軟正黑體" pitchFamily="34" charset="-120"/>
+              </a:rPr>
               <a:t> -&gt;wan</a:t>
             </a:r>
           </a:p>
           <a:p>
-            <a:pPr marL="0" indent="0" algn="ctr">
-              <a:buNone/>
-            </a:pPr>
-            <a:r>
-              <a:rPr lang="en-US" altLang="zh-TW" dirty="0" smtClean="0"/>
+            <a:pPr marL="0" indent="0">
+              <a:buNone/>
+            </a:pPr>
+            <a:r>
+              <a:rPr lang="en-US" altLang="zh-TW" sz="3200" dirty="0" smtClean="0">
+                <a:latin typeface="微軟正黑體" pitchFamily="34" charset="-120"/>
+                <a:ea typeface="微軟正黑體" pitchFamily="34" charset="-120"/>
+              </a:rPr>
               <a:t>LAN-&gt;AP for eth0</a:t>
             </a:r>
-            <a:endParaRPr lang="zh-TW" altLang="en-US" dirty="0"/>
+            <a:endParaRPr lang="zh-TW" altLang="en-US" sz="3200" dirty="0">
+              <a:latin typeface="微軟正黑體" pitchFamily="34" charset="-120"/>
+              <a:ea typeface="微軟正黑體" pitchFamily="34" charset="-120"/>
+            </a:endParaRPr>
           </a:p>
         </p:txBody>
       </p:sp>
@@ -3644,7 +4127,31 @@
           <a:bodyPr/>
           <a:lstStyle/>
           <a:p>
-            <a:endParaRPr lang="zh-TW" altLang="en-US" dirty="0"/>
+            <a:r>
+              <a:rPr lang="zh-TW" altLang="en-US" dirty="0" smtClean="0">
+                <a:latin typeface="微軟正黑體" pitchFamily="34" charset="-120"/>
+                <a:ea typeface="微軟正黑體" pitchFamily="34" charset="-120"/>
+              </a:rPr>
+              <a:t>安裝分配</a:t>
+            </a:r>
+            <a:r>
+              <a:rPr lang="en-US" altLang="zh-TW" dirty="0" smtClean="0">
+                <a:latin typeface="微軟正黑體" pitchFamily="34" charset="-120"/>
+                <a:ea typeface="微軟正黑體" pitchFamily="34" charset="-120"/>
+              </a:rPr>
+              <a:t>DHCP </a:t>
+            </a:r>
+            <a:r>
+              <a:rPr lang="zh-TW" altLang="en-US" dirty="0" smtClean="0">
+                <a:latin typeface="微軟正黑體" pitchFamily="34" charset="-120"/>
+                <a:ea typeface="微軟正黑體" pitchFamily="34" charset="-120"/>
+              </a:rPr>
+              <a:t>的套件</a:t>
+            </a:r>
+            <a:endParaRPr lang="zh-TW" altLang="en-US" dirty="0">
+              <a:latin typeface="微軟正黑體" pitchFamily="34" charset="-120"/>
+              <a:ea typeface="微軟正黑體" pitchFamily="34" charset="-120"/>
+            </a:endParaRPr>
           </a:p>
         </p:txBody>
       </p:sp>
@@ -3660,38 +4167,91 @@
         </p:nvSpPr>
         <p:spPr/>
         <p:txBody>
-          <a:bodyPr/>
+          <a:bodyPr>
+            <a:normAutofit/>
+          </a:bodyPr>
           <a:lstStyle/>
           <a:p>
-            <a:r>
-              <a:rPr lang="en-US" altLang="zh-TW" dirty="0" err="1"/>
-              <a:t>s</a:t>
-            </a:r>
-            <a:r>
-              <a:rPr lang="en-US" altLang="zh-TW" dirty="0" err="1" smtClean="0"/>
-              <a:t>udo</a:t>
-            </a:r>
-            <a:r>
-              <a:rPr lang="en-US" altLang="zh-TW" dirty="0" smtClean="0"/>
-              <a:t> apt-get install </a:t>
-            </a:r>
-            <a:r>
-              <a:rPr lang="en-US" altLang="zh-TW" dirty="0" err="1" smtClean="0"/>
+            <a:pPr marL="114300" indent="0">
+              <a:buNone/>
+            </a:pPr>
+            <a:r>
+              <a:rPr lang="en-US" altLang="zh-TW" sz="2800" dirty="0" smtClean="0">
+                <a:latin typeface="微軟正黑體" pitchFamily="34" charset="-120"/>
+                <a:ea typeface="微軟正黑體" pitchFamily="34" charset="-120"/>
+              </a:rPr>
+              <a:t>apt-get update </a:t>
+            </a:r>
+          </a:p>
+          <a:p>
+            <a:pPr marL="114300" indent="0">
+              <a:buNone/>
+            </a:pPr>
+            <a:r>
+              <a:rPr lang="en-US" altLang="zh-TW" sz="2800" dirty="0" smtClean="0">
+                <a:latin typeface="微軟正黑體" pitchFamily="34" charset="-120"/>
+                <a:ea typeface="微軟正黑體" pitchFamily="34" charset="-120"/>
+              </a:rPr>
+              <a:t>apt-get upgrade -y</a:t>
+            </a:r>
+          </a:p>
+          <a:p>
+            <a:pPr marL="114300" indent="0">
+              <a:buNone/>
+            </a:pPr>
+            <a:r>
+              <a:rPr lang="en-US" altLang="zh-TW" sz="2800" dirty="0" err="1" smtClean="0">
+                <a:latin typeface="微軟正黑體" pitchFamily="34" charset="-120"/>
+                <a:ea typeface="微軟正黑體" pitchFamily="34" charset="-120"/>
+              </a:rPr>
+              <a:t>sudo</a:t>
+            </a:r>
+            <a:r>
+              <a:rPr lang="en-US" altLang="zh-TW" sz="2800" dirty="0" smtClean="0">
+                <a:latin typeface="微軟正黑體" pitchFamily="34" charset="-120"/>
+                <a:ea typeface="微軟正黑體" pitchFamily="34" charset="-120"/>
+              </a:rPr>
+              <a:t> </a:t>
+            </a:r>
+            <a:r>
+              <a:rPr lang="en-US" altLang="zh-TW" sz="2800" dirty="0" smtClean="0">
+                <a:latin typeface="微軟正黑體" pitchFamily="34" charset="-120"/>
+                <a:ea typeface="微軟正黑體" pitchFamily="34" charset="-120"/>
+              </a:rPr>
+              <a:t>apt-get install </a:t>
+            </a:r>
+            <a:r>
+              <a:rPr lang="en-US" altLang="zh-TW" sz="2800" dirty="0" err="1" smtClean="0">
+                <a:latin typeface="微軟正黑體" pitchFamily="34" charset="-120"/>
+                <a:ea typeface="微軟正黑體" pitchFamily="34" charset="-120"/>
+              </a:rPr>
               <a:t>isc</a:t>
             </a:r>
             <a:r>
-              <a:rPr lang="en-US" altLang="zh-TW" dirty="0" smtClean="0"/>
+              <a:rPr lang="en-US" altLang="zh-TW" sz="2800" dirty="0" smtClean="0">
+                <a:latin typeface="微軟正黑體" pitchFamily="34" charset="-120"/>
+                <a:ea typeface="微軟正黑體" pitchFamily="34" charset="-120"/>
+              </a:rPr>
               <a:t>-</a:t>
             </a:r>
             <a:r>
-              <a:rPr lang="en-US" altLang="zh-TW" dirty="0" err="1" smtClean="0"/>
+              <a:rPr lang="en-US" altLang="zh-TW" sz="2800" dirty="0" err="1" smtClean="0">
+                <a:latin typeface="微軟正黑體" pitchFamily="34" charset="-120"/>
+                <a:ea typeface="微軟正黑體" pitchFamily="34" charset="-120"/>
+              </a:rPr>
               <a:t>dhcp</a:t>
             </a:r>
             <a:r>
-              <a:rPr lang="en-US" altLang="zh-TW" dirty="0" smtClean="0"/>
+              <a:rPr lang="en-US" altLang="zh-TW" sz="2800" dirty="0" smtClean="0">
+                <a:latin typeface="微軟正黑體" pitchFamily="34" charset="-120"/>
+                <a:ea typeface="微軟正黑體" pitchFamily="34" charset="-120"/>
+              </a:rPr>
               <a:t>-server</a:t>
             </a:r>
-            <a:endParaRPr lang="zh-TW" altLang="en-US" dirty="0"/>
+            <a:endParaRPr lang="zh-TW" altLang="en-US" sz="2800" dirty="0">
+              <a:latin typeface="微軟正黑體" pitchFamily="34" charset="-120"/>
+              <a:ea typeface="微軟正黑體" pitchFamily="34" charset="-120"/>
+            </a:endParaRPr>
           </a:p>
         </p:txBody>
       </p:sp>
@@ -3742,36 +4302,188 @@
             <p:ph type="title"/>
           </p:nvPr>
         </p:nvSpPr>
-        <p:spPr/>
-        <p:txBody>
-          <a:bodyPr/>
+        <p:spPr>
+          <a:xfrm>
+            <a:off x="467544" y="1124744"/>
+            <a:ext cx="8229600" cy="1143000"/>
+          </a:xfrm>
+        </p:spPr>
+        <p:txBody>
+          <a:bodyPr>
+            <a:noAutofit/>
+          </a:bodyPr>
           <a:lstStyle/>
           <a:p>
             <a:r>
-              <a:rPr lang="en-US" altLang="zh-TW" dirty="0" err="1" smtClean="0"/>
+              <a:rPr lang="en-US" altLang="zh-TW" sz="2000" dirty="0" smtClean="0">
+                <a:latin typeface="微軟正黑體" pitchFamily="34" charset="-120"/>
+                <a:ea typeface="微軟正黑體" pitchFamily="34" charset="-120"/>
+              </a:rPr>
+              <a:t/>
+            </a:r>
+            <a:br>
+              <a:rPr lang="en-US" altLang="zh-TW" sz="2000" dirty="0" smtClean="0">
+                <a:latin typeface="微軟正黑體" pitchFamily="34" charset="-120"/>
+                <a:ea typeface="微軟正黑體" pitchFamily="34" charset="-120"/>
+              </a:rPr>
+            </a:br>
+            <a:r>
+              <a:rPr lang="en-US" altLang="zh-TW" sz="2000" dirty="0">
+                <a:latin typeface="微軟正黑體" pitchFamily="34" charset="-120"/>
+                <a:ea typeface="微軟正黑體" pitchFamily="34" charset="-120"/>
+              </a:rPr>
+              <a:t/>
+            </a:r>
+            <a:br>
+              <a:rPr lang="en-US" altLang="zh-TW" sz="2000" dirty="0">
+                <a:latin typeface="微軟正黑體" pitchFamily="34" charset="-120"/>
+                <a:ea typeface="微軟正黑體" pitchFamily="34" charset="-120"/>
+              </a:rPr>
+            </a:br>
+            <a:r>
+              <a:rPr lang="en-US" altLang="zh-TW" sz="2000" dirty="0" smtClean="0">
+                <a:latin typeface="微軟正黑體" pitchFamily="34" charset="-120"/>
+                <a:ea typeface="微軟正黑體" pitchFamily="34" charset="-120"/>
+              </a:rPr>
+              <a:t/>
+            </a:r>
+            <a:br>
+              <a:rPr lang="en-US" altLang="zh-TW" sz="2000" dirty="0" smtClean="0">
+                <a:latin typeface="微軟正黑體" pitchFamily="34" charset="-120"/>
+                <a:ea typeface="微軟正黑體" pitchFamily="34" charset="-120"/>
+              </a:rPr>
+            </a:br>
+            <a:r>
+              <a:rPr lang="en-US" altLang="zh-TW" sz="2000" dirty="0">
+                <a:latin typeface="微軟正黑體" pitchFamily="34" charset="-120"/>
+                <a:ea typeface="微軟正黑體" pitchFamily="34" charset="-120"/>
+              </a:rPr>
+              <a:t/>
+            </a:r>
+            <a:br>
+              <a:rPr lang="en-US" altLang="zh-TW" sz="2000" dirty="0">
+                <a:latin typeface="微軟正黑體" pitchFamily="34" charset="-120"/>
+                <a:ea typeface="微軟正黑體" pitchFamily="34" charset="-120"/>
+              </a:rPr>
+            </a:br>
+            <a:r>
+              <a:rPr lang="en-US" altLang="zh-TW" sz="2000" dirty="0" err="1" smtClean="0">
+                <a:latin typeface="微軟正黑體" pitchFamily="34" charset="-120"/>
+                <a:ea typeface="微軟正黑體" pitchFamily="34" charset="-120"/>
+              </a:rPr>
               <a:t>nano</a:t>
             </a:r>
             <a:r>
-              <a:rPr lang="en-US" altLang="zh-TW" dirty="0" smtClean="0"/>
-              <a:t> /</a:t>
-            </a:r>
-            <a:r>
-              <a:rPr lang="en-US" altLang="zh-TW" dirty="0" err="1" smtClean="0"/>
+              <a:rPr lang="en-US" altLang="zh-TW" sz="2000" dirty="0" smtClean="0">
+                <a:latin typeface="微軟正黑體" pitchFamily="34" charset="-120"/>
+                <a:ea typeface="微軟正黑體" pitchFamily="34" charset="-120"/>
+              </a:rPr>
+              <a:t> </a:t>
+            </a:r>
+            <a:r>
+              <a:rPr lang="en-US" altLang="zh-TW" sz="2000" dirty="0" smtClean="0">
+                <a:latin typeface="微軟正黑體" pitchFamily="34" charset="-120"/>
+                <a:ea typeface="微軟正黑體" pitchFamily="34" charset="-120"/>
+              </a:rPr>
+              <a:t>/</a:t>
+            </a:r>
+            <a:r>
+              <a:rPr lang="en-US" altLang="zh-TW" sz="2000" dirty="0" err="1" smtClean="0">
+                <a:latin typeface="微軟正黑體" pitchFamily="34" charset="-120"/>
+                <a:ea typeface="微軟正黑體" pitchFamily="34" charset="-120"/>
+              </a:rPr>
               <a:t>etc</a:t>
             </a:r>
             <a:r>
-              <a:rPr lang="en-US" altLang="zh-TW" dirty="0" smtClean="0"/>
+              <a:rPr lang="en-US" altLang="zh-TW" sz="2000" dirty="0" smtClean="0">
+                <a:latin typeface="微軟正黑體" pitchFamily="34" charset="-120"/>
+                <a:ea typeface="微軟正黑體" pitchFamily="34" charset="-120"/>
+              </a:rPr>
               <a:t>/</a:t>
             </a:r>
             <a:r>
-              <a:rPr lang="en-US" altLang="zh-TW" dirty="0" err="1" smtClean="0"/>
+              <a:rPr lang="en-US" altLang="zh-TW" sz="2000" dirty="0" err="1" smtClean="0">
+                <a:latin typeface="微軟正黑體" pitchFamily="34" charset="-120"/>
+                <a:ea typeface="微軟正黑體" pitchFamily="34" charset="-120"/>
+              </a:rPr>
               <a:t>dhcpcd.conf</a:t>
             </a:r>
             <a:r>
-              <a:rPr lang="en-US" altLang="zh-TW" dirty="0" smtClean="0"/>
+              <a:rPr lang="en-US" altLang="zh-TW" sz="2000" dirty="0" smtClean="0">
+                <a:latin typeface="微軟正黑體" pitchFamily="34" charset="-120"/>
+                <a:ea typeface="微軟正黑體" pitchFamily="34" charset="-120"/>
+              </a:rPr>
               <a:t> </a:t>
             </a:r>
-            <a:endParaRPr lang="zh-TW" altLang="en-US" dirty="0"/>
+            <a:br>
+              <a:rPr lang="en-US" altLang="zh-TW" sz="2000" dirty="0" smtClean="0">
+                <a:latin typeface="微軟正黑體" pitchFamily="34" charset="-120"/>
+                <a:ea typeface="微軟正黑體" pitchFamily="34" charset="-120"/>
+              </a:rPr>
+            </a:br>
+            <a:r>
+              <a:rPr lang="zh-TW" altLang="en-US" sz="2000" dirty="0" smtClean="0">
+                <a:latin typeface="微軟正黑體" pitchFamily="34" charset="-120"/>
+                <a:ea typeface="微軟正黑體" pitchFamily="34" charset="-120"/>
+              </a:rPr>
+              <a:t>設定乙太網卡固定</a:t>
+            </a:r>
+            <a:r>
+              <a:rPr lang="en-US" altLang="zh-TW" sz="2000" dirty="0" smtClean="0">
+                <a:latin typeface="微軟正黑體" pitchFamily="34" charset="-120"/>
+                <a:ea typeface="微軟正黑體" pitchFamily="34" charset="-120"/>
+              </a:rPr>
+              <a:t>IP</a:t>
+            </a:r>
+            <a:br>
+              <a:rPr lang="en-US" altLang="zh-TW" sz="2000" dirty="0" smtClean="0">
+                <a:latin typeface="微軟正黑體" pitchFamily="34" charset="-120"/>
+                <a:ea typeface="微軟正黑體" pitchFamily="34" charset="-120"/>
+              </a:rPr>
+            </a:br>
+            <a:r>
+              <a:rPr lang="en-US" altLang="zh-TW" sz="2000" dirty="0" smtClean="0">
+                <a:latin typeface="微軟正黑體" pitchFamily="34" charset="-120"/>
+                <a:ea typeface="微軟正黑體" pitchFamily="34" charset="-120"/>
+              </a:rPr>
+              <a:t/>
+            </a:r>
+            <a:br>
+              <a:rPr lang="en-US" altLang="zh-TW" sz="2000" dirty="0" smtClean="0">
+                <a:latin typeface="微軟正黑體" pitchFamily="34" charset="-120"/>
+                <a:ea typeface="微軟正黑體" pitchFamily="34" charset="-120"/>
+              </a:rPr>
+            </a:br>
+            <a:r>
+              <a:rPr lang="en-US" altLang="zh-TW" sz="2000" dirty="0">
+                <a:latin typeface="微軟正黑體" pitchFamily="34" charset="-120"/>
+                <a:ea typeface="微軟正黑體" pitchFamily="34" charset="-120"/>
+              </a:rPr>
+              <a:t/>
+            </a:r>
+            <a:br>
+              <a:rPr lang="en-US" altLang="zh-TW" sz="2000" dirty="0">
+                <a:latin typeface="微軟正黑體" pitchFamily="34" charset="-120"/>
+                <a:ea typeface="微軟正黑體" pitchFamily="34" charset="-120"/>
+              </a:rPr>
+            </a:br>
+            <a:r>
+              <a:rPr lang="en-US" altLang="zh-TW" sz="2000" dirty="0" smtClean="0">
+                <a:latin typeface="微軟正黑體" pitchFamily="34" charset="-120"/>
+                <a:ea typeface="微軟正黑體" pitchFamily="34" charset="-120"/>
+              </a:rPr>
+              <a:t/>
+            </a:r>
+            <a:br>
+              <a:rPr lang="en-US" altLang="zh-TW" sz="2000" dirty="0" smtClean="0">
+                <a:latin typeface="微軟正黑體" pitchFamily="34" charset="-120"/>
+                <a:ea typeface="微軟正黑體" pitchFamily="34" charset="-120"/>
+              </a:rPr>
+            </a:br>
+            <a:endParaRPr lang="zh-TW" altLang="en-US" sz="2000" dirty="0">
+              <a:latin typeface="微軟正黑體" pitchFamily="34" charset="-120"/>
+              <a:ea typeface="微軟正黑體" pitchFamily="34" charset="-120"/>
+            </a:endParaRPr>
           </a:p>
         </p:txBody>
       </p:sp>
@@ -3785,7 +4497,12 @@
             <p:ph idx="1"/>
           </p:nvPr>
         </p:nvSpPr>
-        <p:spPr/>
+        <p:spPr>
+          <a:xfrm>
+            <a:off x="467544" y="2420888"/>
+            <a:ext cx="8229600" cy="4525963"/>
+          </a:xfrm>
+        </p:spPr>
         <p:txBody>
           <a:bodyPr>
             <a:normAutofit/>
@@ -3857,6 +4574,54 @@
               <a:buNone/>
             </a:pPr>
             <a:endParaRPr lang="en-US" altLang="zh-TW" dirty="0" smtClean="0"/>
+          </a:p>
+          <a:p>
+            <a:pPr marL="0" indent="0">
+              <a:buNone/>
+            </a:pPr>
+            <a:r>
+              <a:rPr lang="en-US" altLang="zh-TW" sz="2400" dirty="0">
+                <a:latin typeface="微軟正黑體" pitchFamily="34" charset="-120"/>
+                <a:ea typeface="微軟正黑體" pitchFamily="34" charset="-120"/>
+              </a:rPr>
+              <a:t> </a:t>
+            </a:r>
+            <a:r>
+              <a:rPr lang="en-US" altLang="zh-TW" sz="1600" dirty="0" err="1">
+                <a:latin typeface="微軟正黑體" pitchFamily="34" charset="-120"/>
+                <a:ea typeface="微軟正黑體" pitchFamily="34" charset="-120"/>
+              </a:rPr>
+              <a:t>ifconfig</a:t>
+            </a:r>
+            <a:r>
+              <a:rPr lang="zh-TW" altLang="en-US" sz="1600" dirty="0">
+                <a:latin typeface="微軟正黑體" pitchFamily="34" charset="-120"/>
+                <a:ea typeface="微軟正黑體" pitchFamily="34" charset="-120"/>
+              </a:rPr>
+              <a:t> </a:t>
+            </a:r>
+            <a:r>
+              <a:rPr lang="en-US" altLang="zh-TW" sz="1600" dirty="0">
+                <a:latin typeface="微軟正黑體" pitchFamily="34" charset="-120"/>
+                <a:ea typeface="微軟正黑體" pitchFamily="34" charset="-120"/>
+              </a:rPr>
+              <a:t> eth0 192.168.4.1 </a:t>
+            </a:r>
+            <a:r>
+              <a:rPr lang="en-US" altLang="zh-TW" sz="1600" dirty="0" err="1">
+                <a:latin typeface="微軟正黑體" pitchFamily="34" charset="-120"/>
+                <a:ea typeface="微軟正黑體" pitchFamily="34" charset="-120"/>
+              </a:rPr>
+              <a:t>netmask</a:t>
+            </a:r>
+            <a:r>
+              <a:rPr lang="en-US" altLang="zh-TW" sz="1600" dirty="0">
+                <a:latin typeface="微軟正黑體" pitchFamily="34" charset="-120"/>
+                <a:ea typeface="微軟正黑體" pitchFamily="34" charset="-120"/>
+              </a:rPr>
+              <a:t> 255.255.255.0 broadcast 192.168.4.255</a:t>
+            </a:r>
+            <a:endParaRPr lang="en-US" altLang="zh-TW" sz="1600" dirty="0" smtClean="0"/>
           </a:p>
         </p:txBody>
       </p:sp>
@@ -3883,7 +4648,7 @@
         </p:blipFill>
         <p:spPr bwMode="auto">
           <a:xfrm>
-            <a:off x="611560" y="3957638"/>
+            <a:off x="589980" y="3937173"/>
             <a:ext cx="5981700" cy="1057275"/>
           </a:xfrm>
           <a:prstGeom prst="rect">
@@ -3977,71 +4742,119 @@
           <a:lstStyle/>
           <a:p>
             <a:r>
+              <a:rPr lang="en-US" altLang="zh-TW" sz="3600" dirty="0" err="1" smtClean="0">
+                <a:latin typeface="微軟正黑體" pitchFamily="34" charset="-120"/>
+                <a:ea typeface="微軟正黑體" pitchFamily="34" charset="-120"/>
+              </a:rPr>
+              <a:t>nano</a:t>
+            </a:r>
+            <a:r>
+              <a:rPr lang="en-US" altLang="zh-TW" sz="3600" dirty="0" smtClean="0">
+                <a:latin typeface="微軟正黑體" pitchFamily="34" charset="-120"/>
+                <a:ea typeface="微軟正黑體" pitchFamily="34" charset="-120"/>
+              </a:rPr>
+              <a:t> </a:t>
+            </a:r>
+            <a:r>
+              <a:rPr lang="en-US" altLang="zh-TW" sz="3600" dirty="0">
+                <a:latin typeface="微軟正黑體" pitchFamily="34" charset="-120"/>
+                <a:ea typeface="微軟正黑體" pitchFamily="34" charset="-120"/>
+              </a:rPr>
+              <a:t>/</a:t>
+            </a:r>
+            <a:r>
+              <a:rPr lang="en-US" altLang="zh-TW" sz="3600" dirty="0" err="1">
+                <a:latin typeface="微軟正黑體" pitchFamily="34" charset="-120"/>
+                <a:ea typeface="微軟正黑體" pitchFamily="34" charset="-120"/>
+              </a:rPr>
+              <a:t>etc</a:t>
+            </a:r>
+            <a:r>
+              <a:rPr lang="en-US" altLang="zh-TW" sz="3600" dirty="0">
+                <a:latin typeface="微軟正黑體" pitchFamily="34" charset="-120"/>
+                <a:ea typeface="微軟正黑體" pitchFamily="34" charset="-120"/>
+              </a:rPr>
+              <a:t>/default/</a:t>
+            </a:r>
+            <a:r>
+              <a:rPr lang="en-US" altLang="zh-TW" sz="3600" dirty="0" err="1">
+                <a:latin typeface="微軟正黑體" pitchFamily="34" charset="-120"/>
+                <a:ea typeface="微軟正黑體" pitchFamily="34" charset="-120"/>
+              </a:rPr>
+              <a:t>isc</a:t>
+            </a:r>
+            <a:r>
+              <a:rPr lang="en-US" altLang="zh-TW" sz="3600" dirty="0">
+                <a:latin typeface="微軟正黑體" pitchFamily="34" charset="-120"/>
+                <a:ea typeface="微軟正黑體" pitchFamily="34" charset="-120"/>
+              </a:rPr>
+              <a:t>-</a:t>
+            </a:r>
+            <a:r>
+              <a:rPr lang="en-US" altLang="zh-TW" sz="3600" dirty="0" err="1">
+                <a:latin typeface="微軟正黑體" pitchFamily="34" charset="-120"/>
+                <a:ea typeface="微軟正黑體" pitchFamily="34" charset="-120"/>
+              </a:rPr>
+              <a:t>dhcp</a:t>
+            </a:r>
+            <a:r>
+              <a:rPr lang="en-US" altLang="zh-TW" sz="3600" dirty="0">
+                <a:latin typeface="微軟正黑體" pitchFamily="34" charset="-120"/>
+                <a:ea typeface="微軟正黑體" pitchFamily="34" charset="-120"/>
+              </a:rPr>
+              <a:t>-server</a:t>
+            </a:r>
+            <a:endParaRPr lang="zh-TW" altLang="en-US" sz="3600" dirty="0">
+              <a:latin typeface="微軟正黑體" pitchFamily="34" charset="-120"/>
+              <a:ea typeface="微軟正黑體" pitchFamily="34" charset="-120"/>
+            </a:endParaRPr>
+          </a:p>
+        </p:txBody>
+      </p:sp>
+      <p:sp>
+        <p:nvSpPr>
+          <p:cNvPr id="3" name="內容版面配置區 2"/>
+          <p:cNvSpPr>
+            <a:spLocks noGrp="1"/>
+          </p:cNvSpPr>
+          <p:nvPr>
+            <p:ph idx="1"/>
+          </p:nvPr>
+        </p:nvSpPr>
+        <p:spPr/>
+        <p:txBody>
+          <a:bodyPr/>
+          <a:lstStyle/>
+          <a:p>
+            <a:pPr marL="0" indent="0">
+              <a:buNone/>
+            </a:pPr>
+            <a:r>
+              <a:rPr lang="en-US" altLang="zh-TW" dirty="0" smtClean="0"/>
+              <a:t>INTERFACESv4=“eth0”</a:t>
+            </a:r>
+          </a:p>
+          <a:p>
+            <a:pPr marL="0" indent="0">
+              <a:buNone/>
+            </a:pPr>
+            <a:r>
+              <a:rPr lang="zh-TW" altLang="en-US" dirty="0"/>
+              <a:t>將綁定的網卡設</a:t>
+            </a:r>
+            <a:r>
+              <a:rPr lang="zh-TW" altLang="en-US" dirty="0" smtClean="0"/>
+              <a:t>為發配</a:t>
+            </a:r>
+            <a:r>
               <a:rPr lang="en-US" altLang="zh-TW" dirty="0" err="1" smtClean="0"/>
-              <a:t>nano</a:t>
+              <a:t>dhcp</a:t>
             </a:r>
             <a:r>
               <a:rPr lang="en-US" altLang="zh-TW" dirty="0" smtClean="0"/>
               <a:t> </a:t>
             </a:r>
-            <a:r>
-              <a:rPr lang="en-US" altLang="zh-TW" dirty="0"/>
-              <a:t>/</a:t>
-            </a:r>
-            <a:r>
-              <a:rPr lang="en-US" altLang="zh-TW" dirty="0" err="1"/>
-              <a:t>etc</a:t>
-            </a:r>
-            <a:r>
-              <a:rPr lang="en-US" altLang="zh-TW" dirty="0"/>
-              <a:t>/default/</a:t>
-            </a:r>
-            <a:r>
-              <a:rPr lang="en-US" altLang="zh-TW" dirty="0" err="1"/>
-              <a:t>isc</a:t>
-            </a:r>
-            <a:r>
-              <a:rPr lang="en-US" altLang="zh-TW" dirty="0"/>
-              <a:t>-</a:t>
-            </a:r>
-            <a:r>
-              <a:rPr lang="en-US" altLang="zh-TW" dirty="0" err="1"/>
-              <a:t>dhcp</a:t>
-            </a:r>
-            <a:r>
-              <a:rPr lang="en-US" altLang="zh-TW" dirty="0"/>
-              <a:t>-server</a:t>
-            </a:r>
-            <a:endParaRPr lang="zh-TW" altLang="en-US" dirty="0"/>
-          </a:p>
-        </p:txBody>
-      </p:sp>
-      <p:sp>
-        <p:nvSpPr>
-          <p:cNvPr id="3" name="內容版面配置區 2"/>
-          <p:cNvSpPr>
-            <a:spLocks noGrp="1"/>
-          </p:cNvSpPr>
-          <p:nvPr>
-            <p:ph idx="1"/>
-          </p:nvPr>
-        </p:nvSpPr>
-        <p:spPr/>
-        <p:txBody>
-          <a:bodyPr/>
-          <a:lstStyle/>
-          <a:p>
-            <a:pPr marL="0" indent="0">
-              <a:buNone/>
-            </a:pPr>
-            <a:r>
-              <a:rPr lang="en-US" altLang="zh-TW" dirty="0"/>
-              <a:t>INTERFACESv4="</a:t>
-            </a:r>
-            <a:r>
-              <a:rPr lang="en-US" altLang="zh-TW" dirty="0" smtClean="0"/>
-              <a:t>eth0“</a:t>
-            </a:r>
+            <a:endParaRPr lang="en-US" altLang="zh-TW" dirty="0" smtClean="0"/>
           </a:p>
           <a:p>
             <a:pPr marL="0" indent="0">
@@ -4192,24 +5005,229 @@
           <a:lstStyle/>
           <a:p>
             <a:r>
+              <a:rPr lang="en-US" altLang="zh-TW" sz="4000" dirty="0" err="1">
+                <a:latin typeface="微軟正黑體" pitchFamily="34" charset="-120"/>
+                <a:ea typeface="微軟正黑體" pitchFamily="34" charset="-120"/>
+              </a:rPr>
+              <a:t>n</a:t>
+            </a:r>
+            <a:r>
+              <a:rPr lang="en-US" altLang="zh-TW" sz="4000" dirty="0" err="1" smtClean="0">
+                <a:latin typeface="微軟正黑體" pitchFamily="34" charset="-120"/>
+                <a:ea typeface="微軟正黑體" pitchFamily="34" charset="-120"/>
+              </a:rPr>
+              <a:t>ano</a:t>
+            </a:r>
+            <a:r>
+              <a:rPr lang="en-US" altLang="zh-TW" sz="4000" dirty="0" smtClean="0">
+                <a:latin typeface="微軟正黑體" pitchFamily="34" charset="-120"/>
+                <a:ea typeface="微軟正黑體" pitchFamily="34" charset="-120"/>
+              </a:rPr>
+              <a:t> /</a:t>
+            </a:r>
+            <a:r>
+              <a:rPr lang="en-US" altLang="zh-TW" sz="4000" dirty="0" err="1" smtClean="0">
+                <a:latin typeface="微軟正黑體" pitchFamily="34" charset="-120"/>
+                <a:ea typeface="微軟正黑體" pitchFamily="34" charset="-120"/>
+              </a:rPr>
+              <a:t>etc</a:t>
+            </a:r>
+            <a:r>
+              <a:rPr lang="en-US" altLang="zh-TW" sz="4000" dirty="0" smtClean="0">
+                <a:latin typeface="微軟正黑體" pitchFamily="34" charset="-120"/>
+                <a:ea typeface="微軟正黑體" pitchFamily="34" charset="-120"/>
+              </a:rPr>
+              <a:t>/</a:t>
+            </a:r>
+            <a:r>
+              <a:rPr lang="en-US" altLang="zh-TW" sz="4000" dirty="0" err="1" smtClean="0">
+                <a:latin typeface="微軟正黑體" pitchFamily="34" charset="-120"/>
+                <a:ea typeface="微軟正黑體" pitchFamily="34" charset="-120"/>
+              </a:rPr>
+              <a:t>dhcp</a:t>
+            </a:r>
+            <a:r>
+              <a:rPr lang="en-US" altLang="zh-TW" sz="4000" dirty="0" smtClean="0">
+                <a:latin typeface="微軟正黑體" pitchFamily="34" charset="-120"/>
+                <a:ea typeface="微軟正黑體" pitchFamily="34" charset="-120"/>
+              </a:rPr>
+              <a:t>/</a:t>
+            </a:r>
+            <a:r>
+              <a:rPr lang="en-US" altLang="zh-TW" sz="4000" dirty="0" err="1" smtClean="0">
+                <a:latin typeface="微軟正黑體" pitchFamily="34" charset="-120"/>
+                <a:ea typeface="微軟正黑體" pitchFamily="34" charset="-120"/>
+              </a:rPr>
+              <a:t>dhcpd.conf</a:t>
+            </a:r>
+            <a:endParaRPr lang="zh-TW" altLang="en-US" sz="4000" dirty="0">
+              <a:latin typeface="微軟正黑體" pitchFamily="34" charset="-120"/>
+              <a:ea typeface="微軟正黑體" pitchFamily="34" charset="-120"/>
+            </a:endParaRPr>
+          </a:p>
+        </p:txBody>
+      </p:sp>
+      <p:sp>
+        <p:nvSpPr>
+          <p:cNvPr id="3" name="內容版面配置區 2"/>
+          <p:cNvSpPr>
+            <a:spLocks noGrp="1"/>
+          </p:cNvSpPr>
+          <p:nvPr>
+            <p:ph idx="1"/>
+          </p:nvPr>
+        </p:nvSpPr>
+        <p:spPr/>
+        <p:txBody>
+          <a:bodyPr>
+            <a:normAutofit/>
+          </a:bodyPr>
+          <a:lstStyle/>
+          <a:p>
+            <a:pPr marL="0" indent="0">
+              <a:buNone/>
+            </a:pPr>
+            <a:r>
+              <a:rPr lang="en-US" altLang="zh-TW" dirty="0"/>
+              <a:t>subnet 192.168.4.0 </a:t>
+            </a:r>
+            <a:r>
               <a:rPr lang="en-US" altLang="zh-TW" dirty="0" err="1"/>
-              <a:t>n</a:t>
-            </a:r>
-            <a:r>
-              <a:rPr lang="en-US" altLang="zh-TW" dirty="0" err="1" smtClean="0"/>
-              <a:t>ano</a:t>
-            </a:r>
+              <a:t>netmask</a:t>
+            </a:r>
+            <a:r>
+              <a:rPr lang="en-US" altLang="zh-TW" dirty="0"/>
+              <a:t> 255.255.255.0 {</a:t>
+            </a:r>
+          </a:p>
+          <a:p>
+            <a:pPr marL="0" indent="0">
+              <a:buNone/>
+            </a:pPr>
+            <a:r>
+              <a:rPr lang="en-US" altLang="zh-TW" dirty="0"/>
+              <a:t>  range 192.168.4.2 192.168.4.250;  # </a:t>
+            </a:r>
+            <a:r>
+              <a:rPr lang="zh-TW" altLang="en-US" dirty="0"/>
+              <a:t>開放配發的 </a:t>
+            </a:r>
+            <a:r>
+              <a:rPr lang="en-US" altLang="zh-TW" dirty="0"/>
+              <a:t>IP </a:t>
+            </a:r>
+            <a:r>
+              <a:rPr lang="zh-TW" altLang="en-US" dirty="0"/>
+              <a:t>範圍</a:t>
+            </a:r>
+          </a:p>
+          <a:p>
+            <a:pPr marL="0" indent="0">
+              <a:buNone/>
+            </a:pPr>
+            <a:r>
+              <a:rPr lang="zh-TW" altLang="en-US" dirty="0"/>
+              <a:t>  </a:t>
+            </a:r>
+            <a:r>
+              <a:rPr lang="en-US" altLang="zh-TW" dirty="0"/>
+              <a:t>option routers 192.168.4.1;  # </a:t>
+            </a:r>
+            <a:r>
+              <a:rPr lang="zh-TW" altLang="en-US" dirty="0"/>
+              <a:t>預設通訊閘道</a:t>
+            </a:r>
+          </a:p>
+          <a:p>
+            <a:pPr marL="0" indent="0">
+              <a:buNone/>
+            </a:pPr>
+            <a:r>
+              <a:rPr lang="zh-TW" altLang="en-US" dirty="0"/>
+              <a:t>  </a:t>
+            </a:r>
+            <a:r>
+              <a:rPr lang="en-US" altLang="zh-TW" dirty="0"/>
+              <a:t>option broadcast-address 192.168.4.255;  # </a:t>
+            </a:r>
+            <a:r>
+              <a:rPr lang="zh-TW" altLang="en-US" dirty="0"/>
+              <a:t>廣播位址</a:t>
+            </a:r>
+          </a:p>
+          <a:p>
+            <a:pPr marL="0" indent="0">
+              <a:buNone/>
+            </a:pPr>
+            <a:r>
+              <a:rPr lang="zh-TW" altLang="en-US" dirty="0"/>
+              <a:t>  </a:t>
+            </a:r>
+            <a:r>
+              <a:rPr lang="en-US" altLang="zh-TW" dirty="0"/>
+              <a:t>default-lease-time 600;  # </a:t>
+            </a:r>
+            <a:r>
+              <a:rPr lang="zh-TW" altLang="en-US" dirty="0"/>
+              <a:t>預設租約時間，單位為秒</a:t>
+            </a:r>
+          </a:p>
+          <a:p>
+            <a:pPr marL="0" indent="0">
+              <a:buNone/>
+            </a:pPr>
+            <a:r>
+              <a:rPr lang="zh-TW" altLang="en-US" dirty="0"/>
+              <a:t>  </a:t>
+            </a:r>
+            <a:r>
+              <a:rPr lang="en-US" altLang="zh-TW" dirty="0"/>
+              <a:t>max-lease-time 7200;  # </a:t>
+            </a:r>
+            <a:r>
+              <a:rPr lang="zh-TW" altLang="en-US" dirty="0"/>
+              <a:t>最長租約時間，單位為秒</a:t>
+            </a:r>
+          </a:p>
+          <a:p>
+            <a:pPr marL="0" indent="0">
+              <a:buNone/>
+            </a:pPr>
+            <a:r>
+              <a:rPr lang="zh-TW" altLang="en-US" dirty="0"/>
+              <a:t>  </a:t>
+            </a:r>
+            <a:r>
+              <a:rPr lang="en-US" altLang="zh-TW" dirty="0"/>
+              <a:t>option domain-name-servers 8.8.8.8;  # DNS </a:t>
+            </a:r>
+            <a:r>
+              <a:rPr lang="zh-TW" altLang="en-US" dirty="0"/>
+              <a:t>伺服器</a:t>
+            </a:r>
+          </a:p>
+          <a:p>
+            <a:pPr marL="0" indent="0">
+              <a:buNone/>
+            </a:pPr>
             <a:r>
               <a:rPr lang="en-US" altLang="zh-TW" dirty="0" smtClean="0"/>
-              <a:t> /</a:t>
-            </a:r>
-            <a:r>
-              <a:rPr lang="en-US" altLang="zh-TW" dirty="0" err="1" smtClean="0"/>
-              <a:t>etc</a:t>
-            </a:r>
-            <a:r>
-              <a:rPr lang="en-US" altLang="zh-TW" dirty="0" smtClean="0"/>
-              <a:t>/</a:t>
+              <a:t>}</a:t>
+            </a:r>
+          </a:p>
+          <a:p>
+            <a:pPr marL="0" indent="0">
+              <a:buNone/>
+            </a:pPr>
+            <a:endParaRPr lang="en-US" altLang="zh-TW" dirty="0"/>
+          </a:p>
+          <a:p>
+            <a:pPr marL="0" indent="0">
+              <a:buNone/>
+            </a:pPr>
+            <a:r>
+              <a:rPr lang="zh-TW" altLang="en-US" dirty="0" smtClean="0"/>
+              <a:t>設定發配</a:t>
             </a:r>
             <a:r>
               <a:rPr lang="en-US" altLang="zh-TW" dirty="0" err="1" smtClean="0"/>
@@ -4217,162 +5235,19 @@
             </a:r>
             <a:r>
               <a:rPr lang="en-US" altLang="zh-TW" dirty="0" smtClean="0"/>
-              <a:t>/</a:t>
+              <a:t> </a:t>
+            </a:r>
+            <a:r>
+              <a:rPr lang="zh-TW" altLang="en-US" dirty="0" smtClean="0"/>
+              <a:t>的租約和</a:t>
             </a:r>
             <a:r>
               <a:rPr lang="en-US" altLang="zh-TW" dirty="0" err="1" smtClean="0"/>
-              <a:t>dhcpd.conf</a:t>
-            </a:r>
-            <a:endParaRPr lang="zh-TW" altLang="en-US" dirty="0"/>
-          </a:p>
-        </p:txBody>
-      </p:sp>
-      <p:sp>
-        <p:nvSpPr>
-          <p:cNvPr id="3" name="內容版面配置區 2"/>
-          <p:cNvSpPr>
-            <a:spLocks noGrp="1"/>
-          </p:cNvSpPr>
-          <p:nvPr>
-            <p:ph idx="1"/>
-          </p:nvPr>
-        </p:nvSpPr>
-        <p:spPr/>
-        <p:txBody>
-          <a:bodyPr>
-            <a:normAutofit fontScale="85000" lnSpcReduction="10000"/>
-          </a:bodyPr>
-          <a:lstStyle/>
-          <a:p>
-            <a:pPr marL="0" indent="0">
-              <a:buNone/>
-            </a:pPr>
-            <a:r>
-              <a:rPr lang="en-US" altLang="zh-TW" dirty="0"/>
-              <a:t>subnet 192.168.4.0 </a:t>
-            </a:r>
-            <a:r>
-              <a:rPr lang="en-US" altLang="zh-TW" dirty="0" err="1"/>
-              <a:t>netmask</a:t>
-            </a:r>
-            <a:r>
-              <a:rPr lang="en-US" altLang="zh-TW" dirty="0"/>
-              <a:t> 255.255.255.0 {</a:t>
-            </a:r>
-          </a:p>
-          <a:p>
-            <a:pPr marL="0" indent="0">
-              <a:buNone/>
-            </a:pPr>
-            <a:r>
-              <a:rPr lang="en-US" altLang="zh-TW" dirty="0"/>
-              <a:t>  range 192.168.4.2 192.168.4.250;  # </a:t>
-            </a:r>
-            <a:r>
-              <a:rPr lang="zh-TW" altLang="en-US" dirty="0"/>
-              <a:t>開放配發的 </a:t>
-            </a:r>
-            <a:r>
-              <a:rPr lang="en-US" altLang="zh-TW" dirty="0"/>
-              <a:t>IP </a:t>
-            </a:r>
-            <a:r>
-              <a:rPr lang="zh-TW" altLang="en-US" dirty="0"/>
+              <a:t>ip</a:t>
+            </a:r>
+            <a:r>
+              <a:rPr lang="zh-TW" altLang="en-US" dirty="0" smtClean="0"/>
               <a:t>範圍</a:t>
-            </a:r>
-          </a:p>
-          <a:p>
-            <a:pPr marL="0" indent="0">
-              <a:buNone/>
-            </a:pPr>
-            <a:r>
-              <a:rPr lang="zh-TW" altLang="en-US" dirty="0"/>
-              <a:t>  </a:t>
-            </a:r>
-            <a:r>
-              <a:rPr lang="en-US" altLang="zh-TW" dirty="0"/>
-              <a:t>option routers 192.168.4.1;  # </a:t>
-            </a:r>
-            <a:r>
-              <a:rPr lang="zh-TW" altLang="en-US" dirty="0"/>
-              <a:t>預設通訊閘道</a:t>
-            </a:r>
-          </a:p>
-          <a:p>
-            <a:pPr marL="0" indent="0">
-              <a:buNone/>
-            </a:pPr>
-            <a:r>
-              <a:rPr lang="zh-TW" altLang="en-US" dirty="0"/>
-              <a:t>  </a:t>
-            </a:r>
-            <a:r>
-              <a:rPr lang="en-US" altLang="zh-TW" dirty="0"/>
-              <a:t>option broadcast-address 192.168.4.255;  # </a:t>
-            </a:r>
-            <a:r>
-              <a:rPr lang="zh-TW" altLang="en-US" dirty="0"/>
-              <a:t>廣播位址</a:t>
-            </a:r>
-          </a:p>
-          <a:p>
-            <a:pPr marL="0" indent="0">
-              <a:buNone/>
-            </a:pPr>
-            <a:r>
-              <a:rPr lang="zh-TW" altLang="en-US" dirty="0"/>
-              <a:t>  </a:t>
-            </a:r>
-            <a:r>
-              <a:rPr lang="en-US" altLang="zh-TW" dirty="0"/>
-              <a:t>default-lease-time 600;  # </a:t>
-            </a:r>
-            <a:r>
-              <a:rPr lang="zh-TW" altLang="en-US" dirty="0"/>
-              <a:t>預設租約時間，單位為秒</a:t>
-            </a:r>
-          </a:p>
-          <a:p>
-            <a:pPr marL="0" indent="0">
-              <a:buNone/>
-            </a:pPr>
-            <a:r>
-              <a:rPr lang="zh-TW" altLang="en-US" dirty="0"/>
-              <a:t>  </a:t>
-            </a:r>
-            <a:r>
-              <a:rPr lang="en-US" altLang="zh-TW" dirty="0"/>
-              <a:t>max-lease-time 7200;  # </a:t>
-            </a:r>
-            <a:r>
-              <a:rPr lang="zh-TW" altLang="en-US" dirty="0"/>
-              <a:t>最長租約時間，單位為秒</a:t>
-            </a:r>
-          </a:p>
-          <a:p>
-            <a:pPr marL="0" indent="0">
-              <a:buNone/>
-            </a:pPr>
-            <a:r>
-              <a:rPr lang="zh-TW" altLang="en-US" dirty="0"/>
-              <a:t>  </a:t>
-            </a:r>
-            <a:r>
-              <a:rPr lang="en-US" altLang="zh-TW" dirty="0"/>
-              <a:t>option domain-name-servers 8.8.8.8;  # DNS </a:t>
-            </a:r>
-            <a:r>
-              <a:rPr lang="zh-TW" altLang="en-US" dirty="0"/>
-              <a:t>伺服器</a:t>
-            </a:r>
-          </a:p>
-          <a:p>
-            <a:pPr marL="0" indent="0">
-              <a:buNone/>
-            </a:pPr>
-            <a:r>
-              <a:rPr lang="en-US" altLang="zh-TW" dirty="0" smtClean="0"/>
-              <a:t>}</a:t>
             </a:r>
             <a:endParaRPr lang="en-US" altLang="zh-TW" dirty="0"/>
           </a:p>
@@ -4388,6 +5263,13 @@
   <p:clrMapOvr>
     <a:masterClrMapping/>
   </p:clrMapOvr>
+  <p:timing>
+    <p:tnLst>
+      <p:par>
+        <p:cTn id="1" dur="indefinite" restart="never" nodeType="tmRoot"/>
+      </p:par>
+    </p:tnLst>
+  </p:timing>
 </p:sld>
 </file>
 
@@ -4444,169 +5326,470 @@
           </a:bodyPr>
           <a:lstStyle/>
           <a:p>
-            <a:r>
-              <a:rPr lang="en-US" altLang="zh-TW" sz="2000" dirty="0"/>
+            <a:pPr marL="0" indent="0">
+              <a:buNone/>
+            </a:pPr>
+            <a:r>
+              <a:rPr lang="en-US" altLang="zh-TW" sz="1800" dirty="0" smtClean="0">
+                <a:latin typeface="微軟正黑體" pitchFamily="34" charset="-120"/>
+                <a:ea typeface="微軟正黑體" pitchFamily="34" charset="-120"/>
+              </a:rPr>
               <a:t>/</a:t>
             </a:r>
             <a:r>
-              <a:rPr lang="en-US" altLang="zh-TW" sz="2000" dirty="0" err="1"/>
+              <a:rPr lang="en-US" altLang="zh-TW" sz="1800" dirty="0" err="1">
+                <a:latin typeface="微軟正黑體" pitchFamily="34" charset="-120"/>
+                <a:ea typeface="微軟正黑體" pitchFamily="34" charset="-120"/>
+              </a:rPr>
               <a:t>etc</a:t>
             </a:r>
             <a:r>
-              <a:rPr lang="en-US" altLang="zh-TW" sz="2000" dirty="0"/>
+              <a:rPr lang="en-US" altLang="zh-TW" sz="1800" dirty="0">
+                <a:latin typeface="微軟正黑體" pitchFamily="34" charset="-120"/>
+                <a:ea typeface="微軟正黑體" pitchFamily="34" charset="-120"/>
+              </a:rPr>
               <a:t>/</a:t>
             </a:r>
             <a:r>
-              <a:rPr lang="en-US" altLang="zh-TW" sz="2000" dirty="0" err="1"/>
+              <a:rPr lang="en-US" altLang="zh-TW" sz="1800" dirty="0" err="1">
+                <a:latin typeface="微軟正黑體" pitchFamily="34" charset="-120"/>
+                <a:ea typeface="微軟正黑體" pitchFamily="34" charset="-120"/>
+              </a:rPr>
               <a:t>init.d</a:t>
             </a:r>
             <a:r>
-              <a:rPr lang="en-US" altLang="zh-TW" sz="2000" dirty="0"/>
+              <a:rPr lang="en-US" altLang="zh-TW" sz="1800" dirty="0">
+                <a:latin typeface="微軟正黑體" pitchFamily="34" charset="-120"/>
+                <a:ea typeface="微軟正黑體" pitchFamily="34" charset="-120"/>
+              </a:rPr>
               <a:t>/</a:t>
             </a:r>
             <a:r>
-              <a:rPr lang="en-US" altLang="zh-TW" sz="2000" dirty="0" err="1"/>
+              <a:rPr lang="en-US" altLang="zh-TW" sz="1800" dirty="0" err="1">
+                <a:latin typeface="微軟正黑體" pitchFamily="34" charset="-120"/>
+                <a:ea typeface="微軟正黑體" pitchFamily="34" charset="-120"/>
+              </a:rPr>
               <a:t>isc</a:t>
             </a:r>
             <a:r>
-              <a:rPr lang="en-US" altLang="zh-TW" sz="2000" dirty="0"/>
+              <a:rPr lang="en-US" altLang="zh-TW" sz="1800" dirty="0">
+                <a:latin typeface="微軟正黑體" pitchFamily="34" charset="-120"/>
+                <a:ea typeface="微軟正黑體" pitchFamily="34" charset="-120"/>
+              </a:rPr>
               <a:t>-</a:t>
             </a:r>
             <a:r>
-              <a:rPr lang="en-US" altLang="zh-TW" sz="2000" dirty="0" err="1"/>
+              <a:rPr lang="en-US" altLang="zh-TW" sz="1800" dirty="0" err="1">
+                <a:latin typeface="微軟正黑體" pitchFamily="34" charset="-120"/>
+                <a:ea typeface="微軟正黑體" pitchFamily="34" charset="-120"/>
+              </a:rPr>
               <a:t>dhcp</a:t>
             </a:r>
             <a:r>
-              <a:rPr lang="en-US" altLang="zh-TW" sz="2000" dirty="0"/>
-              <a:t>-server restart</a:t>
-            </a:r>
+              <a:rPr lang="en-US" altLang="zh-TW" sz="1800" dirty="0">
+                <a:latin typeface="微軟正黑體" pitchFamily="34" charset="-120"/>
+                <a:ea typeface="微軟正黑體" pitchFamily="34" charset="-120"/>
+              </a:rPr>
+              <a:t>-server </a:t>
+            </a:r>
+            <a:r>
+              <a:rPr lang="en-US" altLang="zh-TW" sz="1800" dirty="0" smtClean="0">
+                <a:latin typeface="微軟正黑體" pitchFamily="34" charset="-120"/>
+                <a:ea typeface="微軟正黑體" pitchFamily="34" charset="-120"/>
+              </a:rPr>
+              <a:t>restart</a:t>
+            </a:r>
+            <a:r>
+              <a:rPr lang="zh-TW" altLang="en-US" sz="1800" dirty="0" smtClean="0">
+                <a:latin typeface="微軟正黑體" pitchFamily="34" charset="-120"/>
+                <a:ea typeface="微軟正黑體" pitchFamily="34" charset="-120"/>
+              </a:rPr>
+              <a:t>  </a:t>
+            </a:r>
+            <a:r>
+              <a:rPr lang="en-US" altLang="zh-TW" sz="1800" dirty="0" smtClean="0">
+                <a:latin typeface="微軟正黑體" pitchFamily="34" charset="-120"/>
+                <a:ea typeface="微軟正黑體" pitchFamily="34" charset="-120"/>
+              </a:rPr>
+              <a:t>(</a:t>
+            </a:r>
+            <a:r>
+              <a:rPr lang="zh-TW" altLang="en-US" sz="1800" dirty="0" smtClean="0">
+                <a:latin typeface="微軟正黑體" pitchFamily="34" charset="-120"/>
+                <a:ea typeface="微軟正黑體" pitchFamily="34" charset="-120"/>
+              </a:rPr>
+              <a:t>重啟</a:t>
+            </a:r>
+            <a:r>
+              <a:rPr lang="en-US" altLang="zh-TW" sz="1800" dirty="0" err="1" smtClean="0">
+                <a:latin typeface="微軟正黑體" pitchFamily="34" charset="-120"/>
+                <a:ea typeface="微軟正黑體" pitchFamily="34" charset="-120"/>
+              </a:rPr>
+              <a:t>dhcp</a:t>
+            </a:r>
+            <a:r>
+              <a:rPr lang="zh-TW" altLang="en-US" sz="1800" dirty="0" smtClean="0">
+                <a:latin typeface="微軟正黑體" pitchFamily="34" charset="-120"/>
+                <a:ea typeface="微軟正黑體" pitchFamily="34" charset="-120"/>
+              </a:rPr>
+              <a:t>服務</a:t>
+            </a:r>
+            <a:r>
+              <a:rPr lang="en-US" altLang="zh-TW" sz="1800" dirty="0" smtClean="0">
+                <a:latin typeface="微軟正黑體" pitchFamily="34" charset="-120"/>
+                <a:ea typeface="微軟正黑體" pitchFamily="34" charset="-120"/>
+              </a:rPr>
+              <a:t>)</a:t>
+            </a:r>
+            <a:endParaRPr lang="en-US" altLang="zh-TW" sz="1800" dirty="0">
+              <a:latin typeface="微軟正黑體" pitchFamily="34" charset="-120"/>
+              <a:ea typeface="微軟正黑體" pitchFamily="34" charset="-120"/>
+            </a:endParaRPr>
           </a:p>
           <a:p>
             <a:pPr marL="0" indent="0">
               <a:buNone/>
             </a:pPr>
-            <a:endParaRPr lang="en-US" altLang="zh-TW" sz="2000" dirty="0"/>
-          </a:p>
-          <a:p>
-            <a:r>
-              <a:rPr lang="en-US" altLang="zh-TW" sz="2000" dirty="0" smtClean="0"/>
+            <a:endParaRPr lang="en-US" altLang="zh-TW" sz="1800" dirty="0">
+              <a:latin typeface="微軟正黑體" pitchFamily="34" charset="-120"/>
+              <a:ea typeface="微軟正黑體" pitchFamily="34" charset="-120"/>
+            </a:endParaRPr>
+          </a:p>
+          <a:p>
+            <a:pPr marL="0" indent="0">
+              <a:buNone/>
+            </a:pPr>
+            <a:r>
+              <a:rPr lang="en-US" altLang="zh-TW" sz="1800" dirty="0" smtClean="0">
+                <a:latin typeface="微軟正黑體" pitchFamily="34" charset="-120"/>
+                <a:ea typeface="微軟正黑體" pitchFamily="34" charset="-120"/>
+              </a:rPr>
               <a:t>echo </a:t>
             </a:r>
             <a:r>
-              <a:rPr lang="en-US" altLang="zh-TW" sz="2000" dirty="0"/>
+              <a:rPr lang="en-US" altLang="zh-TW" sz="1800" dirty="0">
+                <a:latin typeface="微軟正黑體" pitchFamily="34" charset="-120"/>
+                <a:ea typeface="微軟正黑體" pitchFamily="34" charset="-120"/>
+              </a:rPr>
               <a:t>1 &gt; /</a:t>
             </a:r>
             <a:r>
-              <a:rPr lang="en-US" altLang="zh-TW" sz="2000" dirty="0" err="1"/>
+              <a:rPr lang="en-US" altLang="zh-TW" sz="1800" dirty="0" err="1">
+                <a:latin typeface="微軟正黑體" pitchFamily="34" charset="-120"/>
+                <a:ea typeface="微軟正黑體" pitchFamily="34" charset="-120"/>
+              </a:rPr>
               <a:t>proc</a:t>
             </a:r>
             <a:r>
-              <a:rPr lang="en-US" altLang="zh-TW" sz="2000" dirty="0"/>
+              <a:rPr lang="en-US" altLang="zh-TW" sz="1800" dirty="0">
+                <a:latin typeface="微軟正黑體" pitchFamily="34" charset="-120"/>
+                <a:ea typeface="微軟正黑體" pitchFamily="34" charset="-120"/>
+              </a:rPr>
               <a:t>/sys/net/ipv4/</a:t>
             </a:r>
             <a:r>
-              <a:rPr lang="en-US" altLang="zh-TW" sz="2000" dirty="0" err="1"/>
+              <a:rPr lang="en-US" altLang="zh-TW" sz="1800" dirty="0" err="1">
+                <a:latin typeface="微軟正黑體" pitchFamily="34" charset="-120"/>
+                <a:ea typeface="微軟正黑體" pitchFamily="34" charset="-120"/>
+              </a:rPr>
               <a:t>ip_forward</a:t>
             </a:r>
             <a:r>
-              <a:rPr lang="en-US" altLang="zh-TW" sz="2000" dirty="0"/>
+              <a:rPr lang="en-US" altLang="zh-TW" sz="1800" dirty="0">
+                <a:latin typeface="微軟正黑體" pitchFamily="34" charset="-120"/>
+                <a:ea typeface="微軟正黑體" pitchFamily="34" charset="-120"/>
+              </a:rPr>
               <a:t> </a:t>
             </a:r>
-            <a:endParaRPr lang="en-US" altLang="zh-TW" sz="2000" dirty="0" smtClean="0"/>
-          </a:p>
-          <a:p>
-            <a:endParaRPr lang="en-US" altLang="zh-TW" sz="2000" dirty="0"/>
-          </a:p>
-          <a:p>
-            <a:r>
-              <a:rPr lang="en-US" altLang="zh-TW" sz="2000" dirty="0" err="1" smtClean="0"/>
+            <a:r>
+              <a:rPr lang="en-US" altLang="zh-TW" sz="1800" dirty="0" smtClean="0">
+                <a:latin typeface="微軟正黑體" pitchFamily="34" charset="-120"/>
+                <a:ea typeface="微軟正黑體" pitchFamily="34" charset="-120"/>
+              </a:rPr>
+              <a:t> </a:t>
+            </a:r>
+            <a:r>
+              <a:rPr lang="zh-TW" altLang="en-US" sz="1800" dirty="0" smtClean="0">
+                <a:latin typeface="微軟正黑體" pitchFamily="34" charset="-120"/>
+                <a:ea typeface="微軟正黑體" pitchFamily="34" charset="-120"/>
+              </a:rPr>
+              <a:t> </a:t>
+            </a:r>
+            <a:r>
+              <a:rPr lang="en-US" altLang="zh-TW" sz="1800" dirty="0" smtClean="0">
+                <a:latin typeface="微軟正黑體" pitchFamily="34" charset="-120"/>
+                <a:ea typeface="微軟正黑體" pitchFamily="34" charset="-120"/>
+              </a:rPr>
+              <a:t>(</a:t>
+            </a:r>
+            <a:r>
+              <a:rPr lang="zh-TW" altLang="en-US" sz="1800" dirty="0" smtClean="0">
+                <a:latin typeface="微軟正黑體" pitchFamily="34" charset="-120"/>
+                <a:ea typeface="微軟正黑體" pitchFamily="34" charset="-120"/>
+              </a:rPr>
+              <a:t>開啟封包轉送</a:t>
+            </a:r>
+            <a:r>
+              <a:rPr lang="en-US" altLang="zh-TW" sz="1800" dirty="0" smtClean="0">
+                <a:latin typeface="微軟正黑體" pitchFamily="34" charset="-120"/>
+                <a:ea typeface="微軟正黑體" pitchFamily="34" charset="-120"/>
+              </a:rPr>
+              <a:t>)</a:t>
+            </a:r>
+            <a:endParaRPr lang="en-US" altLang="zh-TW" sz="1800" dirty="0" smtClean="0">
+              <a:latin typeface="微軟正黑體" pitchFamily="34" charset="-120"/>
+              <a:ea typeface="微軟正黑體" pitchFamily="34" charset="-120"/>
+            </a:endParaRPr>
+          </a:p>
+          <a:p>
+            <a:pPr marL="0" indent="0">
+              <a:buNone/>
+            </a:pPr>
+            <a:endParaRPr lang="en-US" altLang="zh-TW" sz="1800" dirty="0">
+              <a:latin typeface="微軟正黑體" pitchFamily="34" charset="-120"/>
+              <a:ea typeface="微軟正黑體" pitchFamily="34" charset="-120"/>
+            </a:endParaRPr>
+          </a:p>
+          <a:p>
+            <a:pPr marL="0" indent="0">
+              <a:buNone/>
+            </a:pPr>
+            <a:r>
+              <a:rPr lang="en-US" altLang="zh-TW" sz="1200" dirty="0" err="1" smtClean="0">
+                <a:latin typeface="微軟正黑體" pitchFamily="34" charset="-120"/>
+                <a:ea typeface="微軟正黑體" pitchFamily="34" charset="-120"/>
+              </a:rPr>
               <a:t>iptables</a:t>
             </a:r>
             <a:r>
-              <a:rPr lang="en-US" altLang="zh-TW" sz="2000" dirty="0" smtClean="0"/>
+              <a:rPr lang="en-US" altLang="zh-TW" sz="1200" dirty="0" smtClean="0">
+                <a:latin typeface="微軟正黑體" pitchFamily="34" charset="-120"/>
+                <a:ea typeface="微軟正黑體" pitchFamily="34" charset="-120"/>
+              </a:rPr>
               <a:t> </a:t>
             </a:r>
             <a:r>
-              <a:rPr lang="en-US" altLang="zh-TW" sz="2000" dirty="0"/>
+              <a:rPr lang="en-US" altLang="zh-TW" sz="1200" dirty="0">
+                <a:latin typeface="微軟正黑體" pitchFamily="34" charset="-120"/>
+                <a:ea typeface="微軟正黑體" pitchFamily="34" charset="-120"/>
+              </a:rPr>
               <a:t>-A FORWARD -i </a:t>
             </a:r>
             <a:r>
-              <a:rPr lang="en-US" altLang="zh-TW" sz="2000" dirty="0" smtClean="0"/>
+              <a:rPr lang="en-US" altLang="zh-TW" sz="1200" dirty="0" smtClean="0">
+                <a:latin typeface="微軟正黑體" pitchFamily="34" charset="-120"/>
+                <a:ea typeface="微軟正黑體" pitchFamily="34" charset="-120"/>
+              </a:rPr>
               <a:t>eth0 -o </a:t>
             </a:r>
             <a:r>
-              <a:rPr lang="en-US" altLang="zh-TW" sz="2000" dirty="0"/>
+              <a:rPr lang="en-US" altLang="zh-TW" sz="1200" dirty="0">
+                <a:latin typeface="微軟正黑體" pitchFamily="34" charset="-120"/>
+                <a:ea typeface="微軟正黑體" pitchFamily="34" charset="-120"/>
+              </a:rPr>
               <a:t>wlan0 -j ACCEPT </a:t>
             </a:r>
-            <a:endParaRPr lang="en-US" altLang="zh-TW" sz="2000" dirty="0" smtClean="0"/>
-          </a:p>
-          <a:p>
-            <a:endParaRPr lang="en-US" altLang="zh-TW" sz="2000" dirty="0" smtClean="0"/>
-          </a:p>
-          <a:p>
-            <a:r>
-              <a:rPr lang="en-US" altLang="zh-TW" sz="2000" dirty="0" err="1" smtClean="0"/>
+            <a:endParaRPr lang="en-US" altLang="zh-TW" sz="1200" dirty="0" smtClean="0">
+              <a:latin typeface="微軟正黑體" pitchFamily="34" charset="-120"/>
+              <a:ea typeface="微軟正黑體" pitchFamily="34" charset="-120"/>
+            </a:endParaRPr>
+          </a:p>
+          <a:p>
+            <a:pPr marL="0" indent="0">
+              <a:buNone/>
+            </a:pPr>
+            <a:endParaRPr lang="en-US" altLang="zh-TW" sz="1200" dirty="0" smtClean="0">
+              <a:latin typeface="微軟正黑體" pitchFamily="34" charset="-120"/>
+              <a:ea typeface="微軟正黑體" pitchFamily="34" charset="-120"/>
+            </a:endParaRPr>
+          </a:p>
+          <a:p>
+            <a:pPr marL="0" indent="0">
+              <a:buNone/>
+            </a:pPr>
+            <a:r>
+              <a:rPr lang="en-US" altLang="zh-TW" sz="1200" dirty="0" err="1" smtClean="0">
+                <a:latin typeface="微軟正黑體" pitchFamily="34" charset="-120"/>
+                <a:ea typeface="微軟正黑體" pitchFamily="34" charset="-120"/>
+              </a:rPr>
               <a:t>iptables</a:t>
             </a:r>
             <a:r>
-              <a:rPr lang="en-US" altLang="zh-TW" sz="2000" dirty="0" smtClean="0"/>
+              <a:rPr lang="en-US" altLang="zh-TW" sz="1200" dirty="0" smtClean="0">
+                <a:latin typeface="微軟正黑體" pitchFamily="34" charset="-120"/>
+                <a:ea typeface="微軟正黑體" pitchFamily="34" charset="-120"/>
+              </a:rPr>
               <a:t> </a:t>
             </a:r>
             <a:r>
-              <a:rPr lang="en-US" altLang="zh-TW" sz="2000" dirty="0"/>
+              <a:rPr lang="en-US" altLang="zh-TW" sz="1200" dirty="0">
+                <a:latin typeface="微軟正黑體" pitchFamily="34" charset="-120"/>
+                <a:ea typeface="微軟正黑體" pitchFamily="34" charset="-120"/>
+              </a:rPr>
               <a:t>-A FORWARD -i wlan0 -o </a:t>
             </a:r>
             <a:r>
-              <a:rPr lang="en-US" altLang="zh-TW" sz="2000" dirty="0" smtClean="0"/>
+              <a:rPr lang="en-US" altLang="zh-TW" sz="1200" dirty="0" smtClean="0">
+                <a:latin typeface="微軟正黑體" pitchFamily="34" charset="-120"/>
+                <a:ea typeface="微軟正黑體" pitchFamily="34" charset="-120"/>
+              </a:rPr>
               <a:t>eth0 </a:t>
             </a:r>
             <a:r>
-              <a:rPr lang="en-US" altLang="zh-TW" sz="2000" dirty="0"/>
+              <a:rPr lang="en-US" altLang="zh-TW" sz="1200" dirty="0">
+                <a:latin typeface="微軟正黑體" pitchFamily="34" charset="-120"/>
+                <a:ea typeface="微軟正黑體" pitchFamily="34" charset="-120"/>
+              </a:rPr>
               <a:t>-m state --</a:t>
             </a:r>
             <a:r>
-              <a:rPr lang="en-US" altLang="zh-TW" sz="2000" dirty="0" smtClean="0"/>
+              <a:rPr lang="en-US" altLang="zh-TW" sz="1200" dirty="0" smtClean="0">
+                <a:latin typeface="微軟正黑體" pitchFamily="34" charset="-120"/>
+                <a:ea typeface="微軟正黑體" pitchFamily="34" charset="-120"/>
+              </a:rPr>
               <a:t>state ESTABLISHED,RELATED  </a:t>
             </a:r>
             <a:r>
-              <a:rPr lang="en-US" altLang="zh-TW" sz="2000" dirty="0"/>
+              <a:rPr lang="en-US" altLang="zh-TW" sz="1200" dirty="0">
+                <a:latin typeface="微軟正黑體" pitchFamily="34" charset="-120"/>
+                <a:ea typeface="微軟正黑體" pitchFamily="34" charset="-120"/>
+              </a:rPr>
               <a:t>-j ACCEPT </a:t>
             </a:r>
-            <a:endParaRPr lang="en-US" altLang="zh-TW" sz="2000" dirty="0" smtClean="0"/>
-          </a:p>
-          <a:p>
-            <a:endParaRPr lang="en-US" altLang="zh-TW" sz="2000" dirty="0"/>
-          </a:p>
-          <a:p>
-            <a:r>
-              <a:rPr lang="en-US" altLang="zh-TW" sz="2000" dirty="0" err="1" smtClean="0"/>
+            <a:endParaRPr lang="en-US" altLang="zh-TW" sz="1200" dirty="0" smtClean="0">
+              <a:latin typeface="微軟正黑體" pitchFamily="34" charset="-120"/>
+              <a:ea typeface="微軟正黑體" pitchFamily="34" charset="-120"/>
+            </a:endParaRPr>
+          </a:p>
+          <a:p>
+            <a:pPr marL="0" indent="0">
+              <a:buNone/>
+            </a:pPr>
+            <a:endParaRPr lang="en-US" altLang="zh-TW" sz="1200" dirty="0">
+              <a:latin typeface="微軟正黑體" pitchFamily="34" charset="-120"/>
+              <a:ea typeface="微軟正黑體" pitchFamily="34" charset="-120"/>
+            </a:endParaRPr>
+          </a:p>
+          <a:p>
+            <a:pPr marL="0" indent="0">
+              <a:buNone/>
+            </a:pPr>
+            <a:r>
+              <a:rPr lang="en-US" altLang="zh-TW" sz="1200" dirty="0" err="1" smtClean="0">
+                <a:latin typeface="微軟正黑體" pitchFamily="34" charset="-120"/>
+                <a:ea typeface="微軟正黑體" pitchFamily="34" charset="-120"/>
+              </a:rPr>
               <a:t>iptables</a:t>
             </a:r>
             <a:r>
-              <a:rPr lang="en-US" altLang="zh-TW" sz="2000" dirty="0" smtClean="0"/>
+              <a:rPr lang="en-US" altLang="zh-TW" sz="1200" dirty="0" smtClean="0">
+                <a:latin typeface="微軟正黑體" pitchFamily="34" charset="-120"/>
+                <a:ea typeface="微軟正黑體" pitchFamily="34" charset="-120"/>
+              </a:rPr>
               <a:t> –t  </a:t>
             </a:r>
             <a:r>
-              <a:rPr lang="en-US" altLang="zh-TW" sz="2000" dirty="0" err="1" smtClean="0"/>
+              <a:rPr lang="en-US" altLang="zh-TW" sz="1200" dirty="0" err="1" smtClean="0">
+                <a:latin typeface="微軟正黑體" pitchFamily="34" charset="-120"/>
+                <a:ea typeface="微軟正黑體" pitchFamily="34" charset="-120"/>
+              </a:rPr>
               <a:t>nat</a:t>
             </a:r>
             <a:r>
-              <a:rPr lang="en-US" altLang="zh-TW" sz="2000" dirty="0" smtClean="0"/>
+              <a:rPr lang="en-US" altLang="zh-TW" sz="1200" dirty="0" smtClean="0">
+                <a:latin typeface="微軟正黑體" pitchFamily="34" charset="-120"/>
+                <a:ea typeface="微軟正黑體" pitchFamily="34" charset="-120"/>
+              </a:rPr>
               <a:t>  </a:t>
             </a:r>
             <a:r>
-              <a:rPr lang="en-US" altLang="zh-TW" sz="2000" dirty="0"/>
+              <a:rPr lang="en-US" altLang="zh-TW" sz="1200" dirty="0">
+                <a:latin typeface="微軟正黑體" pitchFamily="34" charset="-120"/>
+                <a:ea typeface="微軟正黑體" pitchFamily="34" charset="-120"/>
+              </a:rPr>
               <a:t>-</a:t>
             </a:r>
             <a:r>
-              <a:rPr lang="en-US" altLang="zh-TW" sz="2000" dirty="0" smtClean="0"/>
+              <a:rPr lang="en-US" altLang="zh-TW" sz="1200" dirty="0" smtClean="0">
+                <a:latin typeface="微軟正黑體" pitchFamily="34" charset="-120"/>
+                <a:ea typeface="微軟正黑體" pitchFamily="34" charset="-120"/>
+              </a:rPr>
               <a:t>A    </a:t>
             </a:r>
             <a:r>
-              <a:rPr lang="en-US" altLang="zh-TW" sz="2000" dirty="0"/>
-              <a:t>POSTROUTING -o wlan0 -j MASQUERADE</a:t>
-            </a:r>
-            <a:endParaRPr lang="zh-TW" altLang="en-US" sz="2000" dirty="0"/>
+              <a:rPr lang="en-US" altLang="zh-TW" sz="1200" dirty="0">
+                <a:latin typeface="微軟正黑體" pitchFamily="34" charset="-120"/>
+                <a:ea typeface="微軟正黑體" pitchFamily="34" charset="-120"/>
+              </a:rPr>
+              <a:t>POSTROUTING -o wlan0 -j </a:t>
+            </a:r>
+            <a:r>
+              <a:rPr lang="en-US" altLang="zh-TW" sz="1200" dirty="0" smtClean="0">
+                <a:latin typeface="微軟正黑體" pitchFamily="34" charset="-120"/>
+                <a:ea typeface="微軟正黑體" pitchFamily="34" charset="-120"/>
+              </a:rPr>
+              <a:t>MASQUERADE</a:t>
+            </a:r>
+          </a:p>
+          <a:p>
+            <a:pPr marL="0" indent="0">
+              <a:buNone/>
+            </a:pPr>
+            <a:endParaRPr lang="en-US" altLang="zh-TW" sz="1800" dirty="0">
+              <a:latin typeface="微軟正黑體" pitchFamily="34" charset="-120"/>
+              <a:ea typeface="微軟正黑體" pitchFamily="34" charset="-120"/>
+            </a:endParaRPr>
+          </a:p>
+          <a:p>
+            <a:pPr marL="0" indent="0">
+              <a:buNone/>
+            </a:pPr>
+            <a:r>
+              <a:rPr lang="zh-TW" altLang="en-US" sz="1800" dirty="0" smtClean="0">
+                <a:latin typeface="微軟正黑體" pitchFamily="34" charset="-120"/>
+                <a:ea typeface="微軟正黑體" pitchFamily="34" charset="-120"/>
+              </a:rPr>
+              <a:t>防火牆</a:t>
+            </a:r>
+            <a:r>
+              <a:rPr lang="en-US" altLang="zh-TW" sz="1800" dirty="0" smtClean="0">
+                <a:latin typeface="微軟正黑體" pitchFamily="34" charset="-120"/>
+                <a:ea typeface="微軟正黑體" pitchFamily="34" charset="-120"/>
+              </a:rPr>
+              <a:t>- </a:t>
+            </a:r>
+            <a:r>
+              <a:rPr lang="zh-TW" altLang="en-US" sz="1800" dirty="0" smtClean="0">
+                <a:latin typeface="微軟正黑體" pitchFamily="34" charset="-120"/>
+                <a:ea typeface="微軟正黑體" pitchFamily="34" charset="-120"/>
+              </a:rPr>
+              <a:t>將</a:t>
+            </a:r>
+            <a:r>
+              <a:rPr lang="en-US" altLang="zh-TW" sz="1800" dirty="0" err="1" smtClean="0">
+                <a:latin typeface="微軟正黑體" pitchFamily="34" charset="-120"/>
+                <a:ea typeface="微軟正黑體" pitchFamily="34" charset="-120"/>
+              </a:rPr>
+              <a:t>wifi</a:t>
+            </a:r>
+            <a:r>
+              <a:rPr lang="zh-TW" altLang="en-US" sz="1800" dirty="0" smtClean="0">
+                <a:latin typeface="微軟正黑體" pitchFamily="34" charset="-120"/>
+                <a:ea typeface="微軟正黑體" pitchFamily="34" charset="-120"/>
+              </a:rPr>
+              <a:t>的流量轉送給</a:t>
+            </a:r>
+            <a:r>
+              <a:rPr lang="en-US" altLang="zh-TW" sz="1800" dirty="0" smtClean="0">
+                <a:latin typeface="微軟正黑體" pitchFamily="34" charset="-120"/>
+                <a:ea typeface="微軟正黑體" pitchFamily="34" charset="-120"/>
+              </a:rPr>
+              <a:t>eth0</a:t>
+            </a:r>
+            <a:endParaRPr lang="zh-TW" altLang="en-US" sz="1800" dirty="0">
+              <a:latin typeface="微軟正黑體" pitchFamily="34" charset="-120"/>
+              <a:ea typeface="微軟正黑體" pitchFamily="34" charset="-120"/>
+            </a:endParaRPr>
           </a:p>
         </p:txBody>
       </p:sp>
@@ -4659,10 +5842,15 @@
         </p:nvSpPr>
         <p:spPr/>
         <p:txBody>
-          <a:bodyPr/>
+          <a:bodyPr>
+            <a:normAutofit/>
+          </a:bodyPr>
           <a:lstStyle/>
           <a:p>
-            <a:endParaRPr lang="zh-TW" altLang="en-US"/>
+            <a:endParaRPr lang="zh-TW" altLang="en-US" dirty="0">
+              <a:latin typeface="微軟正黑體" pitchFamily="34" charset="-120"/>
+              <a:ea typeface="微軟正黑體" pitchFamily="34" charset="-120"/>
+            </a:endParaRPr>
           </a:p>
         </p:txBody>
       </p:sp>
@@ -4678,47 +5866,249 @@
         </p:nvSpPr>
         <p:spPr/>
         <p:txBody>
-          <a:bodyPr/>
+          <a:bodyPr>
+            <a:normAutofit/>
+          </a:bodyPr>
           <a:lstStyle/>
           <a:p>
-            <a:r>
-              <a:rPr lang="en-US" altLang="zh-TW" dirty="0" err="1" smtClean="0"/>
+            <a:pPr marL="0" indent="0">
+              <a:buNone/>
+            </a:pPr>
+            <a:r>
+              <a:rPr lang="en-US" altLang="zh-TW" sz="2800" dirty="0" err="1" smtClean="0">
+                <a:latin typeface="微軟正黑體" pitchFamily="34" charset="-120"/>
+                <a:ea typeface="微軟正黑體" pitchFamily="34" charset="-120"/>
+              </a:rPr>
               <a:t>sudo</a:t>
             </a:r>
             <a:r>
-              <a:rPr lang="en-US" altLang="zh-TW" dirty="0" smtClean="0"/>
-              <a:t> apt-get update &amp;&amp; apt-get upgrade -y</a:t>
-            </a:r>
-          </a:p>
-          <a:p>
-            <a:r>
-              <a:rPr lang="en-US" altLang="zh-TW" dirty="0" err="1" smtClean="0"/>
+              <a:rPr lang="en-US" altLang="zh-TW" sz="2800" dirty="0" smtClean="0">
+                <a:latin typeface="微軟正黑體" pitchFamily="34" charset="-120"/>
+                <a:ea typeface="微軟正黑體" pitchFamily="34" charset="-120"/>
+              </a:rPr>
+              <a:t> apt-get update </a:t>
+            </a:r>
+            <a:endParaRPr lang="en-US" altLang="zh-TW" sz="2800" dirty="0">
+              <a:latin typeface="微軟正黑體" pitchFamily="34" charset="-120"/>
+              <a:ea typeface="微軟正黑體" pitchFamily="34" charset="-120"/>
+            </a:endParaRPr>
+          </a:p>
+          <a:p>
+            <a:pPr marL="0" indent="0">
+              <a:buNone/>
+            </a:pPr>
+            <a:r>
+              <a:rPr lang="en-US" altLang="zh-TW" sz="2800" dirty="0" smtClean="0">
+                <a:latin typeface="微軟正黑體" pitchFamily="34" charset="-120"/>
+                <a:ea typeface="微軟正黑體" pitchFamily="34" charset="-120"/>
+              </a:rPr>
+              <a:t>apt-get upgrade –y</a:t>
+            </a:r>
+          </a:p>
+          <a:p>
+            <a:pPr marL="0" indent="0">
+              <a:buNone/>
+            </a:pPr>
+            <a:r>
+              <a:rPr lang="zh-TW" altLang="en-US" sz="2800" dirty="0">
+                <a:latin typeface="微軟正黑體" pitchFamily="34" charset="-120"/>
+                <a:ea typeface="微軟正黑體" pitchFamily="34" charset="-120"/>
+              </a:rPr>
+              <a:t>更新套</a:t>
+            </a:r>
+            <a:r>
+              <a:rPr lang="zh-TW" altLang="en-US" sz="2800" dirty="0" smtClean="0">
+                <a:latin typeface="微軟正黑體" pitchFamily="34" charset="-120"/>
+                <a:ea typeface="微軟正黑體" pitchFamily="34" charset="-120"/>
+              </a:rPr>
+              <a:t>件</a:t>
+            </a:r>
+            <a:r>
+              <a:rPr lang="en-US" altLang="zh-TW" sz="2800" dirty="0">
+                <a:latin typeface="微軟正黑體" pitchFamily="34" charset="-120"/>
+                <a:ea typeface="微軟正黑體" pitchFamily="34" charset="-120"/>
+              </a:rPr>
+              <a:t/>
+            </a:r>
+            <a:br>
+              <a:rPr lang="en-US" altLang="zh-TW" sz="2800" dirty="0">
+                <a:latin typeface="微軟正黑體" pitchFamily="34" charset="-120"/>
+                <a:ea typeface="微軟正黑體" pitchFamily="34" charset="-120"/>
+              </a:rPr>
+            </a:br>
+            <a:endParaRPr lang="en-US" altLang="zh-TW" sz="2800" dirty="0" smtClean="0">
+              <a:latin typeface="微軟正黑體" pitchFamily="34" charset="-120"/>
+              <a:ea typeface="微軟正黑體" pitchFamily="34" charset="-120"/>
+            </a:endParaRPr>
+          </a:p>
+          <a:p>
+            <a:pPr marL="0" indent="0">
+              <a:buNone/>
+            </a:pPr>
+            <a:r>
+              <a:rPr lang="en-US" altLang="zh-TW" sz="2800" dirty="0" err="1" smtClean="0">
+                <a:latin typeface="微軟正黑體" pitchFamily="34" charset="-120"/>
+                <a:ea typeface="微軟正黑體" pitchFamily="34" charset="-120"/>
+              </a:rPr>
               <a:t>sudo</a:t>
             </a:r>
             <a:r>
-              <a:rPr lang="en-US" altLang="zh-TW" dirty="0" smtClean="0"/>
+              <a:rPr lang="en-US" altLang="zh-TW" sz="2800" dirty="0" smtClean="0">
+                <a:latin typeface="微軟正黑體" pitchFamily="34" charset="-120"/>
+                <a:ea typeface="微軟正黑體" pitchFamily="34" charset="-120"/>
+              </a:rPr>
               <a:t> </a:t>
             </a:r>
             <a:r>
-              <a:rPr lang="en-US" altLang="zh-TW" dirty="0"/>
+              <a:rPr lang="en-US" altLang="zh-TW" sz="2800" dirty="0">
+                <a:latin typeface="微軟正黑體" pitchFamily="34" charset="-120"/>
+                <a:ea typeface="微軟正黑體" pitchFamily="34" charset="-120"/>
+              </a:rPr>
               <a:t>apt-get install </a:t>
             </a:r>
             <a:r>
-              <a:rPr lang="en-US" altLang="zh-TW" dirty="0" err="1"/>
+              <a:rPr lang="en-US" altLang="zh-TW" sz="2800" dirty="0" err="1">
+                <a:latin typeface="微軟正黑體" pitchFamily="34" charset="-120"/>
+                <a:ea typeface="微軟正黑體" pitchFamily="34" charset="-120"/>
+              </a:rPr>
               <a:t>dnsmasq</a:t>
             </a:r>
             <a:r>
-              <a:rPr lang="en-US" altLang="zh-TW" dirty="0"/>
+              <a:rPr lang="en-US" altLang="zh-TW" sz="2800" dirty="0">
+                <a:latin typeface="微軟正黑體" pitchFamily="34" charset="-120"/>
+                <a:ea typeface="微軟正黑體" pitchFamily="34" charset="-120"/>
+              </a:rPr>
               <a:t> </a:t>
             </a:r>
             <a:r>
-              <a:rPr lang="en-US" altLang="zh-TW" dirty="0" err="1"/>
+              <a:rPr lang="en-US" altLang="zh-TW" sz="2800" dirty="0" err="1">
+                <a:latin typeface="微軟正黑體" pitchFamily="34" charset="-120"/>
+                <a:ea typeface="微軟正黑體" pitchFamily="34" charset="-120"/>
+              </a:rPr>
               <a:t>hostapd</a:t>
             </a:r>
-            <a:endParaRPr lang="en-US" altLang="zh-TW" dirty="0"/>
-          </a:p>
-          <a:p>
-            <a:endParaRPr lang="zh-TW" altLang="en-US" dirty="0"/>
+            <a:endParaRPr lang="en-US" altLang="zh-TW" sz="2800" dirty="0">
+              <a:latin typeface="微軟正黑體" pitchFamily="34" charset="-120"/>
+              <a:ea typeface="微軟正黑體" pitchFamily="34" charset="-120"/>
+            </a:endParaRPr>
+          </a:p>
+          <a:p>
+            <a:pPr marL="0" indent="0">
+              <a:buNone/>
+            </a:pPr>
+            <a:r>
+              <a:rPr lang="zh-TW" altLang="en-US" sz="2800" dirty="0" smtClean="0">
+                <a:latin typeface="微軟正黑體" pitchFamily="34" charset="-120"/>
+                <a:ea typeface="微軟正黑體" pitchFamily="34" charset="-120"/>
+              </a:rPr>
+              <a:t>安裝</a:t>
+            </a:r>
+            <a:endParaRPr lang="en-US" altLang="zh-TW" sz="2800" dirty="0" smtClean="0">
+              <a:latin typeface="微軟正黑體" pitchFamily="34" charset="-120"/>
+              <a:ea typeface="微軟正黑體" pitchFamily="34" charset="-120"/>
+            </a:endParaRPr>
+          </a:p>
+          <a:p>
+            <a:pPr marL="0" indent="0">
+              <a:buNone/>
+            </a:pPr>
+            <a:r>
+              <a:rPr lang="en-US" altLang="zh-TW" sz="2800" dirty="0" err="1" smtClean="0">
+                <a:latin typeface="微軟正黑體" pitchFamily="34" charset="-120"/>
+                <a:ea typeface="微軟正黑體" pitchFamily="34" charset="-120"/>
+              </a:rPr>
+              <a:t>dnsmasq</a:t>
+            </a:r>
+            <a:r>
+              <a:rPr lang="en-US" altLang="zh-TW" sz="2800" dirty="0" smtClean="0">
+                <a:latin typeface="微軟正黑體" pitchFamily="34" charset="-120"/>
+                <a:ea typeface="微軟正黑體" pitchFamily="34" charset="-120"/>
+              </a:rPr>
+              <a:t> </a:t>
+            </a:r>
+            <a:r>
+              <a:rPr lang="en-US" altLang="zh-TW" sz="2800" dirty="0" err="1">
+                <a:latin typeface="微軟正黑體" pitchFamily="34" charset="-120"/>
+                <a:ea typeface="微軟正黑體" pitchFamily="34" charset="-120"/>
+              </a:rPr>
+              <a:t>dns</a:t>
+            </a:r>
+            <a:r>
+              <a:rPr lang="en-US" altLang="zh-TW" sz="2800" dirty="0">
+                <a:latin typeface="微軟正黑體" pitchFamily="34" charset="-120"/>
+                <a:ea typeface="微軟正黑體" pitchFamily="34" charset="-120"/>
+              </a:rPr>
+              <a:t> </a:t>
+            </a:r>
+            <a:r>
+              <a:rPr lang="zh-TW" altLang="en-US" sz="2800" dirty="0">
+                <a:latin typeface="微軟正黑體" pitchFamily="34" charset="-120"/>
+                <a:ea typeface="微軟正黑體" pitchFamily="34" charset="-120"/>
+              </a:rPr>
+              <a:t>服務</a:t>
+            </a:r>
+            <a:r>
+              <a:rPr lang="en-US" altLang="zh-TW" sz="2800" dirty="0">
+                <a:latin typeface="微軟正黑體" pitchFamily="34" charset="-120"/>
+                <a:ea typeface="微軟正黑體" pitchFamily="34" charset="-120"/>
+              </a:rPr>
+              <a:t/>
+            </a:r>
+            <a:br>
+              <a:rPr lang="en-US" altLang="zh-TW" sz="2800" dirty="0">
+                <a:latin typeface="微軟正黑體" pitchFamily="34" charset="-120"/>
+                <a:ea typeface="微軟正黑體" pitchFamily="34" charset="-120"/>
+              </a:rPr>
+            </a:br>
+            <a:r>
+              <a:rPr lang="en-US" altLang="zh-TW" sz="2800" dirty="0" err="1">
+                <a:latin typeface="微軟正黑體" pitchFamily="34" charset="-120"/>
+                <a:ea typeface="微軟正黑體" pitchFamily="34" charset="-120"/>
+              </a:rPr>
+              <a:t>hostapd</a:t>
+            </a:r>
+            <a:r>
+              <a:rPr lang="en-US" altLang="zh-TW" sz="2800" dirty="0">
+                <a:latin typeface="微軟正黑體" pitchFamily="34" charset="-120"/>
+                <a:ea typeface="微軟正黑體" pitchFamily="34" charset="-120"/>
+              </a:rPr>
+              <a:t> </a:t>
+            </a:r>
+            <a:r>
+              <a:rPr lang="en-US" altLang="zh-TW" sz="2800" dirty="0" smtClean="0">
+                <a:latin typeface="微軟正黑體" pitchFamily="34" charset="-120"/>
+                <a:ea typeface="微軟正黑體" pitchFamily="34" charset="-120"/>
+              </a:rPr>
+              <a:t> </a:t>
+            </a:r>
+            <a:r>
+              <a:rPr lang="zh-TW" altLang="en-US" sz="2800" dirty="0" smtClean="0">
+                <a:latin typeface="微軟正黑體" pitchFamily="34" charset="-120"/>
+                <a:ea typeface="微軟正黑體" pitchFamily="34" charset="-120"/>
+              </a:rPr>
+              <a:t>開</a:t>
+            </a:r>
+            <a:r>
+              <a:rPr lang="zh-TW" altLang="en-US" sz="2800" dirty="0">
+                <a:latin typeface="微軟正黑體" pitchFamily="34" charset="-120"/>
+                <a:ea typeface="微軟正黑體" pitchFamily="34" charset="-120"/>
+              </a:rPr>
+              <a:t>啟</a:t>
+            </a:r>
+            <a:r>
+              <a:rPr lang="en-US" altLang="zh-TW" sz="2800" dirty="0">
+                <a:latin typeface="微軟正黑體" pitchFamily="34" charset="-120"/>
+                <a:ea typeface="微軟正黑體" pitchFamily="34" charset="-120"/>
+              </a:rPr>
+              <a:t>AP</a:t>
+            </a:r>
+            <a:r>
+              <a:rPr lang="zh-TW" altLang="en-US" sz="2800" dirty="0">
+                <a:latin typeface="微軟正黑體" pitchFamily="34" charset="-120"/>
+                <a:ea typeface="微軟正黑體" pitchFamily="34" charset="-120"/>
+              </a:rPr>
+              <a:t>服務</a:t>
+            </a:r>
           </a:p>
         </p:txBody>
       </p:sp>
@@ -4819,30 +6209,74 @@
           </a:bodyPr>
           <a:lstStyle/>
           <a:p>
-            <a:r>
-              <a:rPr lang="en-US" altLang="zh-TW" dirty="0"/>
+            <a:pPr marL="0" indent="0">
+              <a:buNone/>
+            </a:pPr>
+            <a:r>
+              <a:rPr lang="en-US" altLang="zh-TW" sz="2400" dirty="0">
+                <a:latin typeface="微軟正黑體" pitchFamily="34" charset="-120"/>
+                <a:ea typeface="微軟正黑體" pitchFamily="34" charset="-120"/>
+              </a:rPr>
               <a:t>interface wlan0</a:t>
             </a:r>
           </a:p>
           <a:p>
-            <a:r>
-              <a:rPr lang="en-US" altLang="zh-TW" dirty="0"/>
+            <a:pPr marL="0" indent="0">
+              <a:buNone/>
+            </a:pPr>
+            <a:r>
+              <a:rPr lang="en-US" altLang="zh-TW" sz="2400" dirty="0">
+                <a:latin typeface="微軟正黑體" pitchFamily="34" charset="-120"/>
+                <a:ea typeface="微軟正黑體" pitchFamily="34" charset="-120"/>
+              </a:rPr>
               <a:t>static </a:t>
             </a:r>
             <a:r>
-              <a:rPr lang="en-US" altLang="zh-TW" dirty="0" err="1" smtClean="0"/>
+              <a:rPr lang="en-US" altLang="zh-TW" sz="2400" dirty="0" err="1" smtClean="0">
+                <a:latin typeface="微軟正黑體" pitchFamily="34" charset="-120"/>
+                <a:ea typeface="微軟正黑體" pitchFamily="34" charset="-120"/>
+              </a:rPr>
               <a:t>ip_address</a:t>
             </a:r>
             <a:r>
-              <a:rPr lang="en-US" altLang="zh-TW" dirty="0" smtClean="0"/>
+              <a:rPr lang="en-US" altLang="zh-TW" sz="2400" dirty="0" smtClean="0">
+                <a:latin typeface="微軟正黑體" pitchFamily="34" charset="-120"/>
+                <a:ea typeface="微軟正黑體" pitchFamily="34" charset="-120"/>
+              </a:rPr>
               <a:t>=192.168.4.1/24</a:t>
             </a:r>
           </a:p>
           <a:p>
-            <a:endParaRPr lang="en-US" altLang="zh-TW" dirty="0"/>
-          </a:p>
-          <a:p>
-            <a:endParaRPr lang="zh-TW" altLang="en-US" dirty="0"/>
+            <a:pPr marL="0" indent="0">
+              <a:buNone/>
+            </a:pPr>
+            <a:r>
+              <a:rPr lang="zh-TW" altLang="en-US" sz="2400" dirty="0" smtClean="0">
+                <a:latin typeface="微軟正黑體" pitchFamily="34" charset="-120"/>
+                <a:ea typeface="微軟正黑體" pitchFamily="34" charset="-120"/>
+              </a:rPr>
+              <a:t>設定無線網卡固定</a:t>
+            </a:r>
+            <a:r>
+              <a:rPr lang="en-US" altLang="zh-TW" sz="2400" dirty="0" smtClean="0">
+                <a:latin typeface="微軟正黑體" pitchFamily="34" charset="-120"/>
+                <a:ea typeface="微軟正黑體" pitchFamily="34" charset="-120"/>
+              </a:rPr>
+              <a:t>IP </a:t>
+            </a:r>
+            <a:endParaRPr lang="en-US" altLang="zh-TW" sz="2400" dirty="0">
+              <a:latin typeface="微軟正黑體" pitchFamily="34" charset="-120"/>
+              <a:ea typeface="微軟正黑體" pitchFamily="34" charset="-120"/>
+            </a:endParaRPr>
+          </a:p>
+          <a:p>
+            <a:pPr marL="0" indent="0">
+              <a:buNone/>
+            </a:pPr>
+            <a:endParaRPr lang="zh-TW" altLang="en-US" sz="2400" dirty="0">
+              <a:latin typeface="微軟正黑體" pitchFamily="34" charset="-120"/>
+              <a:ea typeface="微軟正黑體" pitchFamily="34" charset="-120"/>
+            </a:endParaRPr>
           </a:p>
         </p:txBody>
       </p:sp>
@@ -4899,22 +6333,37 @@
           <a:lstStyle/>
           <a:p>
             <a:r>
-              <a:rPr lang="en-US" altLang="zh-TW" dirty="0" err="1" smtClean="0"/>
+              <a:rPr lang="en-US" altLang="zh-TW" sz="4000" dirty="0" err="1" smtClean="0">
+                <a:latin typeface="微軟正黑體" pitchFamily="34" charset="-120"/>
+                <a:ea typeface="微軟正黑體" pitchFamily="34" charset="-120"/>
+              </a:rPr>
               <a:t>nano</a:t>
             </a:r>
             <a:r>
-              <a:rPr lang="en-US" altLang="zh-TW" dirty="0" smtClean="0"/>
+              <a:rPr lang="en-US" altLang="zh-TW" sz="4000" dirty="0" smtClean="0">
+                <a:latin typeface="微軟正黑體" pitchFamily="34" charset="-120"/>
+                <a:ea typeface="微軟正黑體" pitchFamily="34" charset="-120"/>
+              </a:rPr>
               <a:t> /</a:t>
             </a:r>
             <a:r>
-              <a:rPr lang="en-US" altLang="zh-TW" dirty="0" err="1" smtClean="0"/>
+              <a:rPr lang="en-US" altLang="zh-TW" sz="4000" dirty="0" err="1" smtClean="0">
+                <a:latin typeface="微軟正黑體" pitchFamily="34" charset="-120"/>
+                <a:ea typeface="微軟正黑體" pitchFamily="34" charset="-120"/>
+              </a:rPr>
               <a:t>etc</a:t>
             </a:r>
             <a:r>
-              <a:rPr lang="en-US" altLang="zh-TW" dirty="0" smtClean="0"/>
+              <a:rPr lang="en-US" altLang="zh-TW" sz="4000" dirty="0" smtClean="0">
+                <a:latin typeface="微軟正黑體" pitchFamily="34" charset="-120"/>
+                <a:ea typeface="微軟正黑體" pitchFamily="34" charset="-120"/>
+              </a:rPr>
               <a:t>/network/interfaces</a:t>
             </a:r>
-            <a:endParaRPr lang="zh-TW" altLang="en-US" dirty="0"/>
+            <a:endParaRPr lang="zh-TW" altLang="en-US" sz="4000" dirty="0">
+              <a:latin typeface="微軟正黑體" pitchFamily="34" charset="-120"/>
+              <a:ea typeface="微軟正黑體" pitchFamily="34" charset="-120"/>
+            </a:endParaRPr>
           </a:p>
         </p:txBody>
       </p:sp>
@@ -4937,19 +6386,31 @@
               <a:buNone/>
             </a:pPr>
             <a:r>
-              <a:rPr lang="en-US" altLang="zh-TW" dirty="0"/>
+              <a:rPr lang="en-US" altLang="zh-TW" dirty="0">
+                <a:latin typeface="微軟正黑體" pitchFamily="34" charset="-120"/>
+                <a:ea typeface="微軟正黑體" pitchFamily="34" charset="-120"/>
+              </a:rPr>
               <a:t>a</a:t>
             </a:r>
             <a:r>
-              <a:rPr lang="en-US" altLang="zh-TW" dirty="0" smtClean="0"/>
+              <a:rPr lang="en-US" altLang="zh-TW" dirty="0" smtClean="0">
+                <a:latin typeface="微軟正黑體" pitchFamily="34" charset="-120"/>
+                <a:ea typeface="微軟正黑體" pitchFamily="34" charset="-120"/>
+              </a:rPr>
               <a:t>llow-</a:t>
             </a:r>
             <a:r>
-              <a:rPr lang="en-US" altLang="zh-TW" dirty="0" err="1" smtClean="0"/>
+              <a:rPr lang="en-US" altLang="zh-TW" dirty="0" err="1" smtClean="0">
+                <a:latin typeface="微軟正黑體" pitchFamily="34" charset="-120"/>
+                <a:ea typeface="微軟正黑體" pitchFamily="34" charset="-120"/>
+              </a:rPr>
               <a:t>hotplug</a:t>
             </a:r>
             <a:r>
-              <a:rPr lang="en-US" altLang="zh-TW" dirty="0" smtClean="0"/>
+              <a:rPr lang="en-US" altLang="zh-TW" dirty="0" smtClean="0">
+                <a:latin typeface="微軟正黑體" pitchFamily="34" charset="-120"/>
+                <a:ea typeface="微軟正黑體" pitchFamily="34" charset="-120"/>
+              </a:rPr>
               <a:t> wlan0</a:t>
             </a:r>
           </a:p>
@@ -4958,26 +6419,116 @@
               <a:buNone/>
             </a:pPr>
             <a:r>
-              <a:rPr lang="en-US" altLang="zh-TW" dirty="0" err="1"/>
+              <a:rPr lang="en-US" altLang="zh-TW" dirty="0" err="1">
+                <a:latin typeface="微軟正黑體" pitchFamily="34" charset="-120"/>
+                <a:ea typeface="微軟正黑體" pitchFamily="34" charset="-120"/>
+              </a:rPr>
               <a:t>i</a:t>
             </a:r>
             <a:r>
-              <a:rPr lang="en-US" altLang="zh-TW" dirty="0" err="1" smtClean="0"/>
+              <a:rPr lang="en-US" altLang="zh-TW" dirty="0" err="1" smtClean="0">
+                <a:latin typeface="微軟正黑體" pitchFamily="34" charset="-120"/>
+                <a:ea typeface="微軟正黑體" pitchFamily="34" charset="-120"/>
+              </a:rPr>
               <a:t>face</a:t>
             </a:r>
             <a:r>
-              <a:rPr lang="en-US" altLang="zh-TW" dirty="0" smtClean="0"/>
+              <a:rPr lang="en-US" altLang="zh-TW" dirty="0" smtClean="0">
+                <a:latin typeface="微軟正黑體" pitchFamily="34" charset="-120"/>
+                <a:ea typeface="微軟正黑體" pitchFamily="34" charset="-120"/>
+              </a:rPr>
               <a:t> wlan0 </a:t>
             </a:r>
             <a:r>
-              <a:rPr lang="en-US" altLang="zh-TW" dirty="0" err="1" smtClean="0"/>
+              <a:rPr lang="en-US" altLang="zh-TW" dirty="0" err="1" smtClean="0">
+                <a:latin typeface="微軟正黑體" pitchFamily="34" charset="-120"/>
+                <a:ea typeface="微軟正黑體" pitchFamily="34" charset="-120"/>
+              </a:rPr>
               <a:t>inet</a:t>
             </a:r>
             <a:r>
-              <a:rPr lang="en-US" altLang="zh-TW" dirty="0" smtClean="0"/>
+              <a:rPr lang="en-US" altLang="zh-TW" dirty="0" smtClean="0">
+                <a:latin typeface="微軟正黑體" pitchFamily="34" charset="-120"/>
+                <a:ea typeface="微軟正黑體" pitchFamily="34" charset="-120"/>
+              </a:rPr>
               <a:t> manual</a:t>
             </a:r>
-            <a:endParaRPr lang="zh-TW" altLang="en-US" dirty="0"/>
+          </a:p>
+          <a:p>
+            <a:pPr marL="0" indent="0">
+              <a:buNone/>
+            </a:pPr>
+            <a:endParaRPr lang="en-US" altLang="zh-TW" dirty="0">
+              <a:latin typeface="微軟正黑體" pitchFamily="34" charset="-120"/>
+              <a:ea typeface="微軟正黑體" pitchFamily="34" charset="-120"/>
+            </a:endParaRPr>
+          </a:p>
+          <a:p>
+            <a:pPr marL="0" indent="0">
+              <a:buNone/>
+            </a:pPr>
+            <a:r>
+              <a:rPr lang="zh-TW" altLang="en-US" dirty="0" smtClean="0">
+                <a:latin typeface="微軟正黑體" pitchFamily="34" charset="-120"/>
+                <a:ea typeface="微軟正黑體" pitchFamily="34" charset="-120"/>
+              </a:rPr>
+              <a:t>設定無線網卡 可成為</a:t>
+            </a:r>
+            <a:r>
+              <a:rPr lang="en-US" altLang="zh-TW" dirty="0" smtClean="0">
+                <a:latin typeface="微軟正黑體" pitchFamily="34" charset="-120"/>
+                <a:ea typeface="微軟正黑體" pitchFamily="34" charset="-120"/>
+              </a:rPr>
+              <a:t>AP</a:t>
+            </a:r>
+            <a:r>
+              <a:rPr lang="zh-TW" altLang="en-US" dirty="0">
+                <a:latin typeface="微軟正黑體" pitchFamily="34" charset="-120"/>
+                <a:ea typeface="微軟正黑體" pitchFamily="34" charset="-120"/>
+              </a:rPr>
+              <a:t>使</a:t>
+            </a:r>
+            <a:r>
+              <a:rPr lang="zh-TW" altLang="en-US" dirty="0" smtClean="0">
+                <a:latin typeface="微軟正黑體" pitchFamily="34" charset="-120"/>
+                <a:ea typeface="微軟正黑體" pitchFamily="34" charset="-120"/>
+              </a:rPr>
+              <a:t>用</a:t>
+            </a:r>
+            <a:endParaRPr lang="en-US" altLang="zh-TW" dirty="0" smtClean="0">
+              <a:latin typeface="微軟正黑體" pitchFamily="34" charset="-120"/>
+              <a:ea typeface="微軟正黑體" pitchFamily="34" charset="-120"/>
+            </a:endParaRPr>
+          </a:p>
+          <a:p>
+            <a:pPr marL="0" indent="0">
+              <a:buNone/>
+            </a:pPr>
+            <a:r>
+              <a:rPr lang="zh-TW" altLang="en-US" dirty="0">
+                <a:latin typeface="微軟正黑體" pitchFamily="34" charset="-120"/>
+                <a:ea typeface="微軟正黑體" pitchFamily="34" charset="-120"/>
+              </a:rPr>
+              <a:t>並手動設定網</a:t>
+            </a:r>
+            <a:r>
+              <a:rPr lang="zh-TW" altLang="en-US" dirty="0" smtClean="0">
+                <a:latin typeface="微軟正黑體" pitchFamily="34" charset="-120"/>
+                <a:ea typeface="微軟正黑體" pitchFamily="34" charset="-120"/>
+              </a:rPr>
+              <a:t>卡</a:t>
+            </a:r>
+            <a:r>
+              <a:rPr lang="en-US" altLang="zh-TW" dirty="0" smtClean="0">
+                <a:latin typeface="微軟正黑體" pitchFamily="34" charset="-120"/>
+                <a:ea typeface="微軟正黑體" pitchFamily="34" charset="-120"/>
+              </a:rPr>
+              <a:t>IP</a:t>
+            </a:r>
+            <a:endParaRPr lang="zh-TW" altLang="en-US" dirty="0">
+              <a:latin typeface="微軟正黑體" pitchFamily="34" charset="-120"/>
+              <a:ea typeface="微軟正黑體" pitchFamily="34" charset="-120"/>
+            </a:endParaRPr>
           </a:p>
         </p:txBody>
       </p:sp>
@@ -5053,22 +6604,53 @@
           <a:lstStyle/>
           <a:p>
             <a:r>
-              <a:rPr lang="en-US" altLang="zh-TW" dirty="0" err="1"/>
+              <a:rPr lang="en-US" altLang="zh-TW" dirty="0" err="1">
+                <a:latin typeface="微軟正黑體" pitchFamily="34" charset="-120"/>
+                <a:ea typeface="微軟正黑體" pitchFamily="34" charset="-120"/>
+              </a:rPr>
               <a:t>sudo</a:t>
             </a:r>
             <a:r>
-              <a:rPr lang="en-US" altLang="zh-TW" dirty="0"/>
+              <a:rPr lang="en-US" altLang="zh-TW" dirty="0">
+                <a:latin typeface="微軟正黑體" pitchFamily="34" charset="-120"/>
+                <a:ea typeface="微軟正黑體" pitchFamily="34" charset="-120"/>
+              </a:rPr>
               <a:t> service </a:t>
             </a:r>
             <a:r>
-              <a:rPr lang="en-US" altLang="zh-TW" dirty="0" err="1"/>
+              <a:rPr lang="en-US" altLang="zh-TW" dirty="0" err="1">
+                <a:latin typeface="微軟正黑體" pitchFamily="34" charset="-120"/>
+                <a:ea typeface="微軟正黑體" pitchFamily="34" charset="-120"/>
+              </a:rPr>
               <a:t>dhcpcd</a:t>
             </a:r>
             <a:r>
-              <a:rPr lang="en-US" altLang="zh-TW" dirty="0"/>
-              <a:t> restart</a:t>
-            </a:r>
-            <a:endParaRPr lang="zh-TW" altLang="en-US" dirty="0"/>
+              <a:rPr lang="en-US" altLang="zh-TW" dirty="0">
+                <a:latin typeface="微軟正黑體" pitchFamily="34" charset="-120"/>
+                <a:ea typeface="微軟正黑體" pitchFamily="34" charset="-120"/>
+              </a:rPr>
+              <a:t> </a:t>
+            </a:r>
+            <a:r>
+              <a:rPr lang="en-US" altLang="zh-TW" dirty="0" smtClean="0">
+                <a:latin typeface="微軟正黑體" pitchFamily="34" charset="-120"/>
+                <a:ea typeface="微軟正黑體" pitchFamily="34" charset="-120"/>
+              </a:rPr>
+              <a:t>restart</a:t>
+            </a:r>
+          </a:p>
+          <a:p>
+            <a:r>
+              <a:rPr lang="zh-TW" altLang="en-US" dirty="0">
+                <a:latin typeface="微軟正黑體" pitchFamily="34" charset="-120"/>
+                <a:ea typeface="微軟正黑體" pitchFamily="34" charset="-120"/>
+              </a:rPr>
+              <a:t>將網路重啟</a:t>
+            </a:r>
+            <a:endParaRPr lang="en-US" altLang="zh-TW" dirty="0">
+              <a:latin typeface="微軟正黑體" pitchFamily="34" charset="-120"/>
+              <a:ea typeface="微軟正黑體" pitchFamily="34" charset="-120"/>
+            </a:endParaRPr>
           </a:p>
         </p:txBody>
       </p:sp>
@@ -5125,38 +6707,65 @@
           <a:lstStyle/>
           <a:p>
             <a:r>
-              <a:rPr lang="en-US" altLang="zh-TW" dirty="0" err="1" smtClean="0"/>
+              <a:rPr lang="en-US" altLang="zh-TW" sz="3600" dirty="0" err="1" smtClean="0">
+                <a:latin typeface="微軟正黑體" pitchFamily="34" charset="-120"/>
+                <a:ea typeface="微軟正黑體" pitchFamily="34" charset="-120"/>
+              </a:rPr>
               <a:t>nano</a:t>
             </a:r>
             <a:r>
-              <a:rPr lang="en-US" altLang="zh-TW" dirty="0" smtClean="0"/>
+              <a:rPr lang="en-US" altLang="zh-TW" sz="3600" dirty="0" smtClean="0">
+                <a:latin typeface="微軟正黑體" pitchFamily="34" charset="-120"/>
+                <a:ea typeface="微軟正黑體" pitchFamily="34" charset="-120"/>
+              </a:rPr>
               <a:t> </a:t>
             </a:r>
             <a:r>
-              <a:rPr lang="en-US" altLang="zh-TW" dirty="0"/>
+              <a:rPr lang="en-US" altLang="zh-TW" sz="3600" dirty="0">
+                <a:latin typeface="微軟正黑體" pitchFamily="34" charset="-120"/>
+                <a:ea typeface="微軟正黑體" pitchFamily="34" charset="-120"/>
+              </a:rPr>
               <a:t>/</a:t>
             </a:r>
             <a:r>
-              <a:rPr lang="en-US" altLang="zh-TW" dirty="0" err="1"/>
+              <a:rPr lang="en-US" altLang="zh-TW" sz="3600" dirty="0" err="1">
+                <a:latin typeface="微軟正黑體" pitchFamily="34" charset="-120"/>
+                <a:ea typeface="微軟正黑體" pitchFamily="34" charset="-120"/>
+              </a:rPr>
               <a:t>etc</a:t>
             </a:r>
             <a:r>
-              <a:rPr lang="en-US" altLang="zh-TW" dirty="0"/>
+              <a:rPr lang="en-US" altLang="zh-TW" sz="3600" dirty="0">
+                <a:latin typeface="微軟正黑體" pitchFamily="34" charset="-120"/>
+                <a:ea typeface="微軟正黑體" pitchFamily="34" charset="-120"/>
+              </a:rPr>
               <a:t>/</a:t>
             </a:r>
             <a:r>
-              <a:rPr lang="en-US" altLang="zh-TW" dirty="0" err="1"/>
+              <a:rPr lang="en-US" altLang="zh-TW" sz="3600" dirty="0" err="1">
+                <a:latin typeface="微軟正黑體" pitchFamily="34" charset="-120"/>
+                <a:ea typeface="微軟正黑體" pitchFamily="34" charset="-120"/>
+              </a:rPr>
               <a:t>hostapd</a:t>
             </a:r>
             <a:r>
-              <a:rPr lang="en-US" altLang="zh-TW" dirty="0"/>
+              <a:rPr lang="en-US" altLang="zh-TW" sz="3600" dirty="0">
+                <a:latin typeface="微軟正黑體" pitchFamily="34" charset="-120"/>
+                <a:ea typeface="微軟正黑體" pitchFamily="34" charset="-120"/>
+              </a:rPr>
               <a:t>/</a:t>
             </a:r>
             <a:r>
-              <a:rPr lang="en-US" altLang="zh-TW" dirty="0" err="1"/>
+              <a:rPr lang="en-US" altLang="zh-TW" sz="3600" dirty="0" err="1">
+                <a:latin typeface="微軟正黑體" pitchFamily="34" charset="-120"/>
+                <a:ea typeface="微軟正黑體" pitchFamily="34" charset="-120"/>
+              </a:rPr>
               <a:t>hostapd.conf</a:t>
             </a:r>
-            <a:endParaRPr lang="zh-TW" altLang="en-US" dirty="0"/>
+            <a:endParaRPr lang="zh-TW" altLang="en-US" sz="3600" dirty="0">
+              <a:latin typeface="微軟正黑體" pitchFamily="34" charset="-120"/>
+              <a:ea typeface="微軟正黑體" pitchFamily="34" charset="-120"/>
+            </a:endParaRPr>
           </a:p>
         </p:txBody>
       </p:sp>
@@ -5173,7 +6782,7 @@
         <p:spPr/>
         <p:txBody>
           <a:bodyPr>
-            <a:normAutofit fontScale="55000" lnSpcReduction="20000"/>
+            <a:normAutofit fontScale="92500" lnSpcReduction="20000"/>
           </a:bodyPr>
           <a:lstStyle/>
           <a:p>
@@ -5181,7 +6790,10 @@
               <a:buNone/>
             </a:pPr>
             <a:r>
-              <a:rPr lang="en-US" altLang="zh-TW" dirty="0"/>
+              <a:rPr lang="en-US" altLang="zh-TW" dirty="0">
+                <a:latin typeface="微軟正黑體" pitchFamily="34" charset="-120"/>
+                <a:ea typeface="微軟正黑體" pitchFamily="34" charset="-120"/>
+              </a:rPr>
               <a:t>interface=wlan0</a:t>
             </a:r>
           </a:p>
@@ -5190,7 +6802,10 @@
               <a:buNone/>
             </a:pPr>
             <a:r>
-              <a:rPr lang="en-US" altLang="zh-TW" dirty="0"/>
+              <a:rPr lang="en-US" altLang="zh-TW" dirty="0">
+                <a:latin typeface="微軟正黑體" pitchFamily="34" charset="-120"/>
+                <a:ea typeface="微軟正黑體" pitchFamily="34" charset="-120"/>
+              </a:rPr>
               <a:t>driver=nl80211</a:t>
             </a:r>
           </a:p>
@@ -5199,25 +6814,40 @@
               <a:buNone/>
             </a:pPr>
             <a:r>
-              <a:rPr lang="en-US" altLang="zh-TW" dirty="0" err="1" smtClean="0"/>
+              <a:rPr lang="en-US" altLang="zh-TW" dirty="0" err="1" smtClean="0">
+                <a:latin typeface="微軟正黑體" pitchFamily="34" charset="-120"/>
+                <a:ea typeface="微軟正黑體" pitchFamily="34" charset="-120"/>
+              </a:rPr>
               <a:t>ssid</a:t>
             </a:r>
             <a:r>
-              <a:rPr lang="en-US" altLang="zh-TW" dirty="0" smtClean="0"/>
+              <a:rPr lang="en-US" altLang="zh-TW" dirty="0" smtClean="0">
+                <a:latin typeface="微軟正黑體" pitchFamily="34" charset="-120"/>
+                <a:ea typeface="微軟正黑體" pitchFamily="34" charset="-120"/>
+              </a:rPr>
               <a:t>=pi3_ap</a:t>
             </a:r>
-            <a:endParaRPr lang="en-US" altLang="zh-TW" dirty="0"/>
+            <a:endParaRPr lang="en-US" altLang="zh-TW" dirty="0">
+              <a:latin typeface="微軟正黑體" pitchFamily="34" charset="-120"/>
+              <a:ea typeface="微軟正黑體" pitchFamily="34" charset="-120"/>
+            </a:endParaRPr>
           </a:p>
           <a:p>
             <a:pPr marL="0" indent="0">
               <a:buNone/>
             </a:pPr>
             <a:r>
-              <a:rPr lang="en-US" altLang="zh-TW" dirty="0" err="1"/>
+              <a:rPr lang="en-US" altLang="zh-TW" dirty="0" err="1">
+                <a:latin typeface="微軟正黑體" pitchFamily="34" charset="-120"/>
+                <a:ea typeface="微軟正黑體" pitchFamily="34" charset="-120"/>
+              </a:rPr>
               <a:t>hw_mode</a:t>
             </a:r>
             <a:r>
-              <a:rPr lang="en-US" altLang="zh-TW" dirty="0"/>
+              <a:rPr lang="en-US" altLang="zh-TW" dirty="0">
+                <a:latin typeface="微軟正黑體" pitchFamily="34" charset="-120"/>
+                <a:ea typeface="微軟正黑體" pitchFamily="34" charset="-120"/>
+              </a:rPr>
               <a:t>=g</a:t>
             </a:r>
           </a:p>
@@ -5226,7 +6856,10 @@
               <a:buNone/>
             </a:pPr>
             <a:r>
-              <a:rPr lang="en-US" altLang="zh-TW" dirty="0"/>
+              <a:rPr lang="en-US" altLang="zh-TW" dirty="0">
+                <a:latin typeface="微軟正黑體" pitchFamily="34" charset="-120"/>
+                <a:ea typeface="微軟正黑體" pitchFamily="34" charset="-120"/>
+              </a:rPr>
               <a:t>channel=6</a:t>
             </a:r>
           </a:p>
@@ -5235,11 +6868,17 @@
               <a:buNone/>
             </a:pPr>
             <a:r>
-              <a:rPr lang="en-US" altLang="zh-TW" dirty="0" err="1"/>
+              <a:rPr lang="en-US" altLang="zh-TW" dirty="0" err="1">
+                <a:latin typeface="微軟正黑體" pitchFamily="34" charset="-120"/>
+                <a:ea typeface="微軟正黑體" pitchFamily="34" charset="-120"/>
+              </a:rPr>
               <a:t>wmm_enabled</a:t>
             </a:r>
             <a:r>
-              <a:rPr lang="en-US" altLang="zh-TW" dirty="0"/>
+              <a:rPr lang="en-US" altLang="zh-TW" dirty="0">
+                <a:latin typeface="微軟正黑體" pitchFamily="34" charset="-120"/>
+                <a:ea typeface="微軟正黑體" pitchFamily="34" charset="-120"/>
+              </a:rPr>
               <a:t>=1</a:t>
             </a:r>
           </a:p>
@@ -5248,11 +6887,17 @@
               <a:buNone/>
             </a:pPr>
             <a:r>
-              <a:rPr lang="en-US" altLang="zh-TW" dirty="0" err="1"/>
+              <a:rPr lang="en-US" altLang="zh-TW" dirty="0" err="1">
+                <a:latin typeface="微軟正黑體" pitchFamily="34" charset="-120"/>
+                <a:ea typeface="微軟正黑體" pitchFamily="34" charset="-120"/>
+              </a:rPr>
               <a:t>macaddr_acl</a:t>
             </a:r>
             <a:r>
-              <a:rPr lang="en-US" altLang="zh-TW" dirty="0"/>
+              <a:rPr lang="en-US" altLang="zh-TW" dirty="0">
+                <a:latin typeface="微軟正黑體" pitchFamily="34" charset="-120"/>
+                <a:ea typeface="微軟正黑體" pitchFamily="34" charset="-120"/>
+              </a:rPr>
               <a:t>=0</a:t>
             </a:r>
           </a:p>
@@ -5261,11 +6906,17 @@
               <a:buNone/>
             </a:pPr>
             <a:r>
-              <a:rPr lang="en-US" altLang="zh-TW" dirty="0" err="1"/>
+              <a:rPr lang="en-US" altLang="zh-TW" dirty="0" err="1">
+                <a:latin typeface="微軟正黑體" pitchFamily="34" charset="-120"/>
+                <a:ea typeface="微軟正黑體" pitchFamily="34" charset="-120"/>
+              </a:rPr>
               <a:t>auth_algs</a:t>
             </a:r>
             <a:r>
-              <a:rPr lang="en-US" altLang="zh-TW" dirty="0"/>
+              <a:rPr lang="en-US" altLang="zh-TW" dirty="0">
+                <a:latin typeface="微軟正黑體" pitchFamily="34" charset="-120"/>
+                <a:ea typeface="微軟正黑體" pitchFamily="34" charset="-120"/>
+              </a:rPr>
               <a:t>=1</a:t>
             </a:r>
           </a:p>
@@ -5274,11 +6925,17 @@
               <a:buNone/>
             </a:pPr>
             <a:r>
-              <a:rPr lang="en-US" altLang="zh-TW" dirty="0" err="1"/>
+              <a:rPr lang="en-US" altLang="zh-TW" dirty="0" err="1">
+                <a:latin typeface="微軟正黑體" pitchFamily="34" charset="-120"/>
+                <a:ea typeface="微軟正黑體" pitchFamily="34" charset="-120"/>
+              </a:rPr>
               <a:t>ignore_broadcast_ssid</a:t>
             </a:r>
             <a:r>
-              <a:rPr lang="en-US" altLang="zh-TW" dirty="0"/>
+              <a:rPr lang="en-US" altLang="zh-TW" dirty="0">
+                <a:latin typeface="微軟正黑體" pitchFamily="34" charset="-120"/>
+                <a:ea typeface="微軟正黑體" pitchFamily="34" charset="-120"/>
+              </a:rPr>
               <a:t>=0</a:t>
             </a:r>
           </a:p>
@@ -5287,11 +6944,17 @@
               <a:buNone/>
             </a:pPr>
             <a:r>
-              <a:rPr lang="en-US" altLang="zh-TW" dirty="0" err="1"/>
+              <a:rPr lang="en-US" altLang="zh-TW" dirty="0" err="1">
+                <a:latin typeface="微軟正黑體" pitchFamily="34" charset="-120"/>
+                <a:ea typeface="微軟正黑體" pitchFamily="34" charset="-120"/>
+              </a:rPr>
               <a:t>wpa</a:t>
             </a:r>
             <a:r>
-              <a:rPr lang="en-US" altLang="zh-TW" dirty="0"/>
+              <a:rPr lang="en-US" altLang="zh-TW" dirty="0">
+                <a:latin typeface="微軟正黑體" pitchFamily="34" charset="-120"/>
+                <a:ea typeface="微軟正黑體" pitchFamily="34" charset="-120"/>
+              </a:rPr>
               <a:t>=2</a:t>
             </a:r>
           </a:p>
@@ -5300,11 +6963,17 @@
               <a:buNone/>
             </a:pPr>
             <a:r>
-              <a:rPr lang="en-US" altLang="zh-TW" dirty="0" err="1"/>
+              <a:rPr lang="en-US" altLang="zh-TW" dirty="0" err="1">
+                <a:latin typeface="微軟正黑體" pitchFamily="34" charset="-120"/>
+                <a:ea typeface="微軟正黑體" pitchFamily="34" charset="-120"/>
+              </a:rPr>
               <a:t>wpa_passphrase</a:t>
             </a:r>
             <a:r>
-              <a:rPr lang="en-US" altLang="zh-TW" dirty="0"/>
+              <a:rPr lang="en-US" altLang="zh-TW" dirty="0">
+                <a:latin typeface="微軟正黑體" pitchFamily="34" charset="-120"/>
+                <a:ea typeface="微軟正黑體" pitchFamily="34" charset="-120"/>
+              </a:rPr>
               <a:t>=</a:t>
             </a:r>
             <a:r>
@@ -5312,6 +6981,8 @@
                 <a:solidFill>
                   <a:srgbClr val="FF0000"/>
                 </a:solidFill>
+                <a:latin typeface="微軟正黑體" pitchFamily="34" charset="-120"/>
+                <a:ea typeface="微軟正黑體" pitchFamily="34" charset="-120"/>
               </a:rPr>
               <a:t>12345678</a:t>
             </a:r>
@@ -5321,11 +6992,17 @@
               <a:buNone/>
             </a:pPr>
             <a:r>
-              <a:rPr lang="en-US" altLang="zh-TW" dirty="0" err="1"/>
+              <a:rPr lang="en-US" altLang="zh-TW" dirty="0" err="1">
+                <a:latin typeface="微軟正黑體" pitchFamily="34" charset="-120"/>
+                <a:ea typeface="微軟正黑體" pitchFamily="34" charset="-120"/>
+              </a:rPr>
               <a:t>wpa_key_mgmt</a:t>
             </a:r>
             <a:r>
-              <a:rPr lang="en-US" altLang="zh-TW" dirty="0"/>
+              <a:rPr lang="en-US" altLang="zh-TW" dirty="0">
+                <a:latin typeface="微軟正黑體" pitchFamily="34" charset="-120"/>
+                <a:ea typeface="微軟正黑體" pitchFamily="34" charset="-120"/>
+              </a:rPr>
               <a:t>=WPA-PSK</a:t>
             </a:r>
           </a:p>
@@ -5334,11 +7011,17 @@
               <a:buNone/>
             </a:pPr>
             <a:r>
-              <a:rPr lang="en-US" altLang="zh-TW" dirty="0" err="1"/>
+              <a:rPr lang="en-US" altLang="zh-TW" dirty="0" err="1">
+                <a:latin typeface="微軟正黑體" pitchFamily="34" charset="-120"/>
+                <a:ea typeface="微軟正黑體" pitchFamily="34" charset="-120"/>
+              </a:rPr>
               <a:t>rsn_pairwise</a:t>
             </a:r>
             <a:r>
-              <a:rPr lang="en-US" altLang="zh-TW" dirty="0"/>
+              <a:rPr lang="en-US" altLang="zh-TW" dirty="0">
+                <a:latin typeface="微軟正黑體" pitchFamily="34" charset="-120"/>
+                <a:ea typeface="微軟正黑體" pitchFamily="34" charset="-120"/>
+              </a:rPr>
               <a:t>=CCMP</a:t>
             </a:r>
           </a:p>
@@ -5347,13 +7030,22 @@
               <a:buNone/>
             </a:pPr>
             <a:r>
-              <a:rPr lang="en-US" altLang="zh-TW" dirty="0"/>
+              <a:rPr lang="en-US" altLang="zh-TW" dirty="0">
+                <a:latin typeface="微軟正黑體" pitchFamily="34" charset="-120"/>
+                <a:ea typeface="微軟正黑體" pitchFamily="34" charset="-120"/>
+              </a:rPr>
               <a:t/>
             </a:r>
             <a:br>
-              <a:rPr lang="en-US" altLang="zh-TW" dirty="0"/>
+              <a:rPr lang="en-US" altLang="zh-TW" dirty="0">
+                <a:latin typeface="微軟正黑體" pitchFamily="34" charset="-120"/>
+                <a:ea typeface="微軟正黑體" pitchFamily="34" charset="-120"/>
+              </a:rPr>
             </a:br>
-            <a:endParaRPr lang="zh-TW" altLang="en-US" dirty="0"/>
+            <a:endParaRPr lang="zh-TW" altLang="en-US" dirty="0">
+              <a:latin typeface="微軟正黑體" pitchFamily="34" charset="-120"/>
+              <a:ea typeface="微軟正黑體" pitchFamily="34" charset="-120"/>
+            </a:endParaRPr>
           </a:p>
         </p:txBody>
       </p:sp>
@@ -5410,30 +7102,51 @@
           <a:lstStyle/>
           <a:p>
             <a:r>
-              <a:rPr lang="en-US" altLang="zh-TW" dirty="0" err="1" smtClean="0"/>
+              <a:rPr lang="en-US" altLang="zh-TW" dirty="0" err="1" smtClean="0">
+                <a:latin typeface="微軟正黑體" pitchFamily="34" charset="-120"/>
+                <a:ea typeface="微軟正黑體" pitchFamily="34" charset="-120"/>
+              </a:rPr>
               <a:t>nano</a:t>
             </a:r>
             <a:r>
-              <a:rPr lang="en-US" altLang="zh-TW" dirty="0" smtClean="0"/>
+              <a:rPr lang="en-US" altLang="zh-TW" dirty="0" smtClean="0">
+                <a:latin typeface="微軟正黑體" pitchFamily="34" charset="-120"/>
+                <a:ea typeface="微軟正黑體" pitchFamily="34" charset="-120"/>
+              </a:rPr>
               <a:t> </a:t>
             </a:r>
             <a:r>
-              <a:rPr lang="en-US" altLang="zh-TW" dirty="0"/>
+              <a:rPr lang="en-US" altLang="zh-TW" dirty="0">
+                <a:latin typeface="微軟正黑體" pitchFamily="34" charset="-120"/>
+                <a:ea typeface="微軟正黑體" pitchFamily="34" charset="-120"/>
+              </a:rPr>
               <a:t> /</a:t>
             </a:r>
             <a:r>
-              <a:rPr lang="en-US" altLang="zh-TW" dirty="0" err="1"/>
+              <a:rPr lang="en-US" altLang="zh-TW" dirty="0" err="1">
+                <a:latin typeface="微軟正黑體" pitchFamily="34" charset="-120"/>
+                <a:ea typeface="微軟正黑體" pitchFamily="34" charset="-120"/>
+              </a:rPr>
               <a:t>etc</a:t>
             </a:r>
             <a:r>
-              <a:rPr lang="en-US" altLang="zh-TW" dirty="0"/>
+              <a:rPr lang="en-US" altLang="zh-TW" dirty="0">
+                <a:latin typeface="微軟正黑體" pitchFamily="34" charset="-120"/>
+                <a:ea typeface="微軟正黑體" pitchFamily="34" charset="-120"/>
+              </a:rPr>
               <a:t>/default/</a:t>
             </a:r>
             <a:r>
-              <a:rPr lang="en-US" altLang="zh-TW" dirty="0" err="1"/>
+              <a:rPr lang="en-US" altLang="zh-TW" dirty="0" err="1">
+                <a:latin typeface="微軟正黑體" pitchFamily="34" charset="-120"/>
+                <a:ea typeface="微軟正黑體" pitchFamily="34" charset="-120"/>
+              </a:rPr>
               <a:t>hostapd</a:t>
             </a:r>
-            <a:endParaRPr lang="zh-TW" altLang="en-US" dirty="0"/>
+            <a:endParaRPr lang="zh-TW" altLang="en-US" dirty="0">
+              <a:latin typeface="微軟正黑體" pitchFamily="34" charset="-120"/>
+              <a:ea typeface="微軟正黑體" pitchFamily="34" charset="-120"/>
+            </a:endParaRPr>
           </a:p>
         </p:txBody>
       </p:sp>
@@ -5456,34 +7169,114 @@
               <a:buNone/>
             </a:pPr>
             <a:r>
-              <a:rPr lang="en-US" altLang="zh-TW" dirty="0"/>
-              <a:t>DAEMON_CONF="/</a:t>
-            </a:r>
-            <a:r>
-              <a:rPr lang="en-US" altLang="zh-TW" dirty="0" err="1"/>
+              <a:rPr lang="en-US" altLang="zh-TW" dirty="0" smtClean="0">
+                <a:latin typeface="微軟正黑體" pitchFamily="34" charset="-120"/>
+                <a:ea typeface="微軟正黑體" pitchFamily="34" charset="-120"/>
+              </a:rPr>
+              <a:t>DAEMON_CONF</a:t>
+            </a:r>
+            <a:r>
+              <a:rPr lang="en-US" altLang="zh-TW" dirty="0">
+                <a:latin typeface="微軟正黑體" pitchFamily="34" charset="-120"/>
+                <a:ea typeface="微軟正黑體" pitchFamily="34" charset="-120"/>
+              </a:rPr>
+              <a:t>="/</a:t>
+            </a:r>
+            <a:r>
+              <a:rPr lang="en-US" altLang="zh-TW" dirty="0" err="1" smtClean="0">
+                <a:latin typeface="微軟正黑體" pitchFamily="34" charset="-120"/>
+                <a:ea typeface="微軟正黑體" pitchFamily="34" charset="-120"/>
+              </a:rPr>
               <a:t>etc</a:t>
             </a:r>
             <a:r>
-              <a:rPr lang="en-US" altLang="zh-TW" dirty="0"/>
+              <a:rPr lang="en-US" altLang="zh-TW" dirty="0" smtClean="0">
+                <a:latin typeface="微軟正黑體" pitchFamily="34" charset="-120"/>
+                <a:ea typeface="微軟正黑體" pitchFamily="34" charset="-120"/>
+              </a:rPr>
               <a:t>/</a:t>
             </a:r>
             <a:r>
-              <a:rPr lang="en-US" altLang="zh-TW" dirty="0" err="1"/>
+              <a:rPr lang="en-US" altLang="zh-TW" dirty="0" err="1" smtClean="0">
+                <a:latin typeface="微軟正黑體" pitchFamily="34" charset="-120"/>
+                <a:ea typeface="微軟正黑體" pitchFamily="34" charset="-120"/>
+              </a:rPr>
               <a:t>hostapd</a:t>
             </a:r>
             <a:r>
-              <a:rPr lang="en-US" altLang="zh-TW" dirty="0"/>
+              <a:rPr lang="en-US" altLang="zh-TW" dirty="0" smtClean="0">
+                <a:latin typeface="微軟正黑體" pitchFamily="34" charset="-120"/>
+                <a:ea typeface="微軟正黑體" pitchFamily="34" charset="-120"/>
+              </a:rPr>
               <a:t>/</a:t>
             </a:r>
             <a:r>
-              <a:rPr lang="en-US" altLang="zh-TW" dirty="0" err="1"/>
+              <a:rPr lang="en-US" altLang="zh-TW" dirty="0" err="1" smtClean="0">
+                <a:latin typeface="微軟正黑體" pitchFamily="34" charset="-120"/>
+                <a:ea typeface="微軟正黑體" pitchFamily="34" charset="-120"/>
+              </a:rPr>
               <a:t>hostapd.conf</a:t>
             </a:r>
             <a:r>
-              <a:rPr lang="en-US" altLang="zh-TW" dirty="0"/>
-              <a:t>"</a:t>
-            </a:r>
-            <a:endParaRPr lang="zh-TW" altLang="en-US" dirty="0"/>
+              <a:rPr lang="en-US" altLang="zh-TW" dirty="0" smtClean="0">
+                <a:latin typeface="微軟正黑體" pitchFamily="34" charset="-120"/>
+                <a:ea typeface="微軟正黑體" pitchFamily="34" charset="-120"/>
+              </a:rPr>
+              <a:t>“</a:t>
+            </a:r>
+          </a:p>
+          <a:p>
+            <a:pPr marL="0" indent="0">
+              <a:buNone/>
+            </a:pPr>
+            <a:endParaRPr lang="en-US" altLang="zh-TW" dirty="0">
+              <a:latin typeface="微軟正黑體" pitchFamily="34" charset="-120"/>
+              <a:ea typeface="微軟正黑體" pitchFamily="34" charset="-120"/>
+            </a:endParaRPr>
+          </a:p>
+          <a:p>
+            <a:pPr marL="0" indent="0">
+              <a:buNone/>
+            </a:pPr>
+            <a:r>
+              <a:rPr lang="zh-TW" altLang="en-US" dirty="0">
+                <a:latin typeface="微軟正黑體" pitchFamily="34" charset="-120"/>
+                <a:ea typeface="微軟正黑體" pitchFamily="34" charset="-120"/>
+              </a:rPr>
+              <a:t>設</a:t>
+            </a:r>
+            <a:r>
+              <a:rPr lang="zh-TW" altLang="en-US" dirty="0" smtClean="0">
+                <a:latin typeface="微軟正黑體" pitchFamily="34" charset="-120"/>
+                <a:ea typeface="微軟正黑體" pitchFamily="34" charset="-120"/>
+              </a:rPr>
+              <a:t>為</a:t>
+            </a:r>
+            <a:r>
+              <a:rPr lang="en-US" altLang="zh-TW" dirty="0" err="1" smtClean="0">
+                <a:latin typeface="微軟正黑體" pitchFamily="34" charset="-120"/>
+                <a:ea typeface="微軟正黑體" pitchFamily="34" charset="-120"/>
+              </a:rPr>
+              <a:t>linux</a:t>
+            </a:r>
+            <a:r>
+              <a:rPr lang="zh-TW" altLang="en-US" dirty="0" smtClean="0">
+                <a:latin typeface="微軟正黑體" pitchFamily="34" charset="-120"/>
+                <a:ea typeface="微軟正黑體" pitchFamily="34" charset="-120"/>
+              </a:rPr>
+              <a:t> </a:t>
+            </a:r>
+            <a:r>
+              <a:rPr lang="en-US" altLang="zh-TW" dirty="0" smtClean="0">
+                <a:latin typeface="微軟正黑體" pitchFamily="34" charset="-120"/>
+                <a:ea typeface="微軟正黑體" pitchFamily="34" charset="-120"/>
+              </a:rPr>
+              <a:t>daemon</a:t>
+            </a:r>
+            <a:endParaRPr lang="en-US" altLang="zh-TW" dirty="0" smtClean="0">
+              <a:latin typeface="微軟正黑體" pitchFamily="34" charset="-120"/>
+              <a:ea typeface="微軟正黑體" pitchFamily="34" charset="-120"/>
+            </a:endParaRPr>
           </a:p>
         </p:txBody>
       </p:sp>
@@ -5542,84 +7335,196 @@
           <a:lstStyle/>
           <a:p>
             <a:r>
-              <a:rPr lang="en-US" altLang="zh-TW" sz="2400" dirty="0" err="1"/>
+              <a:rPr lang="en-US" altLang="zh-TW" sz="2000" dirty="0" err="1">
+                <a:latin typeface="微軟正黑體" pitchFamily="34" charset="-120"/>
+                <a:ea typeface="微軟正黑體" pitchFamily="34" charset="-120"/>
+              </a:rPr>
               <a:t>sudo</a:t>
             </a:r>
             <a:r>
-              <a:rPr lang="en-US" altLang="zh-TW" sz="2400" dirty="0"/>
+              <a:rPr lang="en-US" altLang="zh-TW" sz="2000" dirty="0">
+                <a:latin typeface="微軟正黑體" pitchFamily="34" charset="-120"/>
+                <a:ea typeface="微軟正黑體" pitchFamily="34" charset="-120"/>
+              </a:rPr>
               <a:t> mv /</a:t>
             </a:r>
             <a:r>
-              <a:rPr lang="en-US" altLang="zh-TW" sz="2400" dirty="0" err="1" smtClean="0"/>
+              <a:rPr lang="en-US" altLang="zh-TW" sz="2000" dirty="0" err="1" smtClean="0">
+                <a:latin typeface="微軟正黑體" pitchFamily="34" charset="-120"/>
+                <a:ea typeface="微軟正黑體" pitchFamily="34" charset="-120"/>
+              </a:rPr>
               <a:t>etc</a:t>
             </a:r>
             <a:r>
-              <a:rPr lang="en-US" altLang="zh-TW" sz="2400" dirty="0" smtClean="0"/>
+              <a:rPr lang="en-US" altLang="zh-TW" sz="2000" dirty="0" smtClean="0">
+                <a:latin typeface="微軟正黑體" pitchFamily="34" charset="-120"/>
+                <a:ea typeface="微軟正黑體" pitchFamily="34" charset="-120"/>
+              </a:rPr>
               <a:t>/</a:t>
             </a:r>
             <a:r>
-              <a:rPr lang="en-US" altLang="zh-TW" sz="2400" dirty="0" err="1" smtClean="0"/>
+              <a:rPr lang="en-US" altLang="zh-TW" sz="2000" dirty="0" err="1" smtClean="0">
+                <a:latin typeface="微軟正黑體" pitchFamily="34" charset="-120"/>
+                <a:ea typeface="微軟正黑體" pitchFamily="34" charset="-120"/>
+              </a:rPr>
               <a:t>dnsmasq.conf</a:t>
             </a:r>
             <a:r>
-              <a:rPr lang="en-US" altLang="zh-TW" sz="2400" dirty="0" smtClean="0"/>
+              <a:rPr lang="en-US" altLang="zh-TW" sz="2000" dirty="0" smtClean="0">
+                <a:latin typeface="微軟正黑體" pitchFamily="34" charset="-120"/>
+                <a:ea typeface="微軟正黑體" pitchFamily="34" charset="-120"/>
+              </a:rPr>
               <a:t>    /</a:t>
             </a:r>
             <a:r>
-              <a:rPr lang="en-US" altLang="zh-TW" sz="2400" dirty="0" err="1"/>
+              <a:rPr lang="en-US" altLang="zh-TW" sz="2000" dirty="0" err="1" smtClean="0">
+                <a:latin typeface="微軟正黑體" pitchFamily="34" charset="-120"/>
+                <a:ea typeface="微軟正黑體" pitchFamily="34" charset="-120"/>
+              </a:rPr>
               <a:t>etc</a:t>
             </a:r>
             <a:r>
-              <a:rPr lang="en-US" altLang="zh-TW" sz="2400" dirty="0"/>
+              <a:rPr lang="en-US" altLang="zh-TW" sz="2000" dirty="0" smtClean="0">
+                <a:latin typeface="微軟正黑體" pitchFamily="34" charset="-120"/>
+                <a:ea typeface="微軟正黑體" pitchFamily="34" charset="-120"/>
+              </a:rPr>
               <a:t>/</a:t>
             </a:r>
             <a:r>
-              <a:rPr lang="en-US" altLang="zh-TW" sz="2400" dirty="0" err="1"/>
+              <a:rPr lang="en-US" altLang="zh-TW" sz="2000" dirty="0" err="1" smtClean="0">
+                <a:latin typeface="微軟正黑體" pitchFamily="34" charset="-120"/>
+                <a:ea typeface="微軟正黑體" pitchFamily="34" charset="-120"/>
+              </a:rPr>
               <a:t>bak_dnsmasq.conf</a:t>
             </a:r>
             <a:r>
-              <a:rPr lang="en-US" altLang="zh-TW" sz="2400" dirty="0"/>
+              <a:rPr lang="en-US" altLang="zh-TW" sz="2000" dirty="0" smtClean="0">
+                <a:latin typeface="微軟正黑體" pitchFamily="34" charset="-120"/>
+                <a:ea typeface="微軟正黑體" pitchFamily="34" charset="-120"/>
+              </a:rPr>
+              <a:t> (</a:t>
+            </a:r>
+            <a:r>
+              <a:rPr lang="zh-TW" altLang="en-US" sz="2000" dirty="0" smtClean="0">
+                <a:latin typeface="微軟正黑體" pitchFamily="34" charset="-120"/>
+                <a:ea typeface="微軟正黑體" pitchFamily="34" charset="-120"/>
+              </a:rPr>
+              <a:t>備份原始檔案</a:t>
+            </a:r>
+            <a:r>
+              <a:rPr lang="en-US" altLang="zh-TW" sz="2000" dirty="0" smtClean="0">
+                <a:latin typeface="微軟正黑體" pitchFamily="34" charset="-120"/>
+                <a:ea typeface="微軟正黑體" pitchFamily="34" charset="-120"/>
+              </a:rPr>
+              <a:t>)</a:t>
+            </a:r>
+            <a:r>
+              <a:rPr lang="en-US" altLang="zh-TW" sz="2000" dirty="0">
+                <a:latin typeface="微軟正黑體" pitchFamily="34" charset="-120"/>
+                <a:ea typeface="微軟正黑體" pitchFamily="34" charset="-120"/>
+              </a:rPr>
               <a:t/>
             </a:r>
             <a:br>
-              <a:rPr lang="en-US" altLang="zh-TW" sz="2400" dirty="0"/>
+              <a:rPr lang="en-US" altLang="zh-TW" sz="2000" dirty="0">
+                <a:latin typeface="微軟正黑體" pitchFamily="34" charset="-120"/>
+                <a:ea typeface="微軟正黑體" pitchFamily="34" charset="-120"/>
+              </a:rPr>
             </a:br>
             <a:r>
-              <a:rPr lang="en-US" altLang="zh-TW" sz="2400" dirty="0" err="1"/>
+              <a:rPr lang="en-US" altLang="zh-TW" sz="2000" dirty="0" err="1">
+                <a:latin typeface="微軟正黑體" pitchFamily="34" charset="-120"/>
+                <a:ea typeface="微軟正黑體" pitchFamily="34" charset="-120"/>
+              </a:rPr>
               <a:t>sudo</a:t>
             </a:r>
             <a:r>
-              <a:rPr lang="en-US" altLang="zh-TW" sz="2400" dirty="0"/>
+              <a:rPr lang="en-US" altLang="zh-TW" sz="2000" dirty="0">
+                <a:latin typeface="微軟正黑體" pitchFamily="34" charset="-120"/>
+                <a:ea typeface="微軟正黑體" pitchFamily="34" charset="-120"/>
+              </a:rPr>
               <a:t> </a:t>
             </a:r>
             <a:r>
-              <a:rPr lang="en-US" altLang="zh-TW" sz="2400" dirty="0" err="1" smtClean="0"/>
+              <a:rPr lang="en-US" altLang="zh-TW" sz="2000" dirty="0" err="1" smtClean="0">
+                <a:latin typeface="微軟正黑體" pitchFamily="34" charset="-120"/>
+                <a:ea typeface="微軟正黑體" pitchFamily="34" charset="-120"/>
+              </a:rPr>
               <a:t>nano</a:t>
             </a:r>
             <a:r>
-              <a:rPr lang="en-US" altLang="zh-TW" sz="2400" dirty="0" smtClean="0"/>
+              <a:rPr lang="en-US" altLang="zh-TW" sz="2000" dirty="0" smtClean="0">
+                <a:latin typeface="微軟正黑體" pitchFamily="34" charset="-120"/>
+                <a:ea typeface="微軟正黑體" pitchFamily="34" charset="-120"/>
+              </a:rPr>
               <a:t> /</a:t>
             </a:r>
             <a:r>
-              <a:rPr lang="en-US" altLang="zh-TW" sz="2400" dirty="0" err="1" smtClean="0"/>
+              <a:rPr lang="en-US" altLang="zh-TW" sz="2000" dirty="0" err="1" smtClean="0">
+                <a:latin typeface="微軟正黑體" pitchFamily="34" charset="-120"/>
+                <a:ea typeface="微軟正黑體" pitchFamily="34" charset="-120"/>
+              </a:rPr>
               <a:t>etc</a:t>
             </a:r>
             <a:r>
-              <a:rPr lang="en-US" altLang="zh-TW" sz="2400" dirty="0" smtClean="0"/>
+              <a:rPr lang="en-US" altLang="zh-TW" sz="2000" dirty="0" smtClean="0">
+                <a:latin typeface="微軟正黑體" pitchFamily="34" charset="-120"/>
+                <a:ea typeface="微軟正黑體" pitchFamily="34" charset="-120"/>
+              </a:rPr>
               <a:t>/</a:t>
             </a:r>
             <a:r>
-              <a:rPr lang="en-US" altLang="zh-TW" sz="2400" dirty="0" err="1" smtClean="0"/>
+              <a:rPr lang="en-US" altLang="zh-TW" sz="2000" dirty="0" err="1" smtClean="0">
+                <a:latin typeface="微軟正黑體" pitchFamily="34" charset="-120"/>
+                <a:ea typeface="微軟正黑體" pitchFamily="34" charset="-120"/>
+              </a:rPr>
               <a:t>dnsmasq.conf</a:t>
             </a:r>
             <a:r>
-              <a:rPr lang="en-US" altLang="zh-TW" sz="2400" dirty="0"/>
+              <a:rPr lang="zh-TW" altLang="en-US" sz="2000" dirty="0" smtClean="0">
+                <a:latin typeface="微軟正黑體" pitchFamily="34" charset="-120"/>
+                <a:ea typeface="微軟正黑體" pitchFamily="34" charset="-120"/>
+              </a:rPr>
+              <a:t> </a:t>
+            </a:r>
+            <a:r>
+              <a:rPr lang="en-US" altLang="zh-TW" sz="2000" dirty="0" smtClean="0">
+                <a:latin typeface="微軟正黑體" pitchFamily="34" charset="-120"/>
+                <a:ea typeface="微軟正黑體" pitchFamily="34" charset="-120"/>
+              </a:rPr>
+              <a:t>(</a:t>
+            </a:r>
+            <a:r>
+              <a:rPr lang="zh-TW" altLang="en-US" sz="2000" dirty="0" smtClean="0">
+                <a:latin typeface="微軟正黑體" pitchFamily="34" charset="-120"/>
+                <a:ea typeface="微軟正黑體" pitchFamily="34" charset="-120"/>
+              </a:rPr>
+              <a:t>重開一份新的檔案</a:t>
+            </a:r>
+            <a:r>
+              <a:rPr lang="en-US" altLang="zh-TW" sz="2000" dirty="0" smtClean="0">
+                <a:latin typeface="微軟正黑體" pitchFamily="34" charset="-120"/>
+                <a:ea typeface="微軟正黑體" pitchFamily="34" charset="-120"/>
+              </a:rPr>
+              <a:t>)</a:t>
+            </a:r>
+            <a:r>
+              <a:rPr lang="en-US" altLang="zh-TW" sz="2000" dirty="0">
+                <a:latin typeface="微軟正黑體" pitchFamily="34" charset="-120"/>
+                <a:ea typeface="微軟正黑體" pitchFamily="34" charset="-120"/>
+              </a:rPr>
               <a:t/>
             </a:r>
             <a:br>
-              <a:rPr lang="en-US" altLang="zh-TW" sz="2400" dirty="0"/>
+              <a:rPr lang="en-US" altLang="zh-TW" sz="2000" dirty="0">
+                <a:latin typeface="微軟正黑體" pitchFamily="34" charset="-120"/>
+                <a:ea typeface="微軟正黑體" pitchFamily="34" charset="-120"/>
+              </a:rPr>
             </a:br>
-            <a:endParaRPr lang="zh-TW" altLang="en-US" sz="2400" dirty="0"/>
+            <a:endParaRPr lang="zh-TW" altLang="en-US" sz="2000" dirty="0">
+              <a:latin typeface="微軟正黑體" pitchFamily="34" charset="-120"/>
+              <a:ea typeface="微軟正黑體" pitchFamily="34" charset="-120"/>
+            </a:endParaRPr>
           </a:p>
         </p:txBody>
       </p:sp>
@@ -5644,7 +7549,10 @@
               <a:buNone/>
             </a:pPr>
             <a:r>
-              <a:rPr lang="en-US" altLang="zh-TW" dirty="0"/>
+              <a:rPr lang="en-US" altLang="zh-TW" dirty="0">
+                <a:latin typeface="微軟正黑體" pitchFamily="34" charset="-120"/>
+                <a:ea typeface="微軟正黑體" pitchFamily="34" charset="-120"/>
+              </a:rPr>
               <a:t>interface=wlan0</a:t>
             </a:r>
           </a:p>
@@ -5653,7 +7561,10 @@
               <a:buNone/>
             </a:pPr>
             <a:r>
-              <a:rPr lang="en-US" altLang="zh-TW" dirty="0"/>
+              <a:rPr lang="en-US" altLang="zh-TW" dirty="0">
+                <a:latin typeface="微軟正黑體" pitchFamily="34" charset="-120"/>
+                <a:ea typeface="微軟正黑體" pitchFamily="34" charset="-120"/>
+              </a:rPr>
               <a:t>bind-interfaces</a:t>
             </a:r>
           </a:p>
@@ -5662,17 +7573,26 @@
               <a:buNone/>
             </a:pPr>
             <a:r>
-              <a:rPr lang="en-US" altLang="zh-TW" dirty="0" smtClean="0"/>
+              <a:rPr lang="en-US" altLang="zh-TW" dirty="0" smtClean="0">
+                <a:latin typeface="微軟正黑體" pitchFamily="34" charset="-120"/>
+                <a:ea typeface="微軟正黑體" pitchFamily="34" charset="-120"/>
+              </a:rPr>
               <a:t>server=8.8.8.8</a:t>
             </a:r>
-            <a:endParaRPr lang="en-US" altLang="zh-TW" dirty="0"/>
+            <a:endParaRPr lang="en-US" altLang="zh-TW" dirty="0">
+              <a:latin typeface="微軟正黑體" pitchFamily="34" charset="-120"/>
+              <a:ea typeface="微軟正黑體" pitchFamily="34" charset="-120"/>
+            </a:endParaRPr>
           </a:p>
           <a:p>
             <a:pPr marL="0" indent="0">
               <a:buNone/>
             </a:pPr>
             <a:r>
-              <a:rPr lang="en-US" altLang="zh-TW" dirty="0"/>
+              <a:rPr lang="en-US" altLang="zh-TW" dirty="0">
+                <a:latin typeface="微軟正黑體" pitchFamily="34" charset="-120"/>
+                <a:ea typeface="微軟正黑體" pitchFamily="34" charset="-120"/>
+              </a:rPr>
               <a:t>domain-needed</a:t>
             </a:r>
           </a:p>
@@ -5681,34 +7601,115 @@
               <a:buNone/>
             </a:pPr>
             <a:r>
-              <a:rPr lang="en-US" altLang="zh-TW" dirty="0"/>
+              <a:rPr lang="en-US" altLang="zh-TW" dirty="0">
+                <a:latin typeface="微軟正黑體" pitchFamily="34" charset="-120"/>
+                <a:ea typeface="微軟正黑體" pitchFamily="34" charset="-120"/>
+              </a:rPr>
               <a:t>bogus-</a:t>
             </a:r>
             <a:r>
-              <a:rPr lang="en-US" altLang="zh-TW" dirty="0" err="1"/>
+              <a:rPr lang="en-US" altLang="zh-TW" dirty="0" err="1">
+                <a:latin typeface="微軟正黑體" pitchFamily="34" charset="-120"/>
+                <a:ea typeface="微軟正黑體" pitchFamily="34" charset="-120"/>
+              </a:rPr>
               <a:t>priv</a:t>
             </a:r>
-            <a:endParaRPr lang="en-US" altLang="zh-TW" dirty="0"/>
+            <a:endParaRPr lang="en-US" altLang="zh-TW" dirty="0">
+              <a:latin typeface="微軟正黑體" pitchFamily="34" charset="-120"/>
+              <a:ea typeface="微軟正黑體" pitchFamily="34" charset="-120"/>
+            </a:endParaRPr>
           </a:p>
           <a:p>
             <a:pPr marL="0" indent="0">
               <a:buNone/>
             </a:pPr>
             <a:r>
-              <a:rPr lang="en-US" altLang="zh-TW" dirty="0" err="1" smtClean="0"/>
+              <a:rPr lang="en-US" altLang="zh-TW" dirty="0" err="1" smtClean="0">
+                <a:latin typeface="微軟正黑體" pitchFamily="34" charset="-120"/>
+                <a:ea typeface="微軟正黑體" pitchFamily="34" charset="-120"/>
+              </a:rPr>
               <a:t>dhcp</a:t>
             </a:r>
             <a:r>
-              <a:rPr lang="en-US" altLang="zh-TW" dirty="0" smtClean="0"/>
+              <a:rPr lang="en-US" altLang="zh-TW" dirty="0" smtClean="0">
+                <a:latin typeface="微軟正黑體" pitchFamily="34" charset="-120"/>
+                <a:ea typeface="微軟正黑體" pitchFamily="34" charset="-120"/>
+              </a:rPr>
               <a:t>-range=192.168.4.2,192.168.4.254,12h</a:t>
             </a:r>
-            <a:endParaRPr lang="en-US" altLang="zh-TW" dirty="0"/>
+            <a:r>
+              <a:rPr lang="zh-TW" altLang="en-US" dirty="0" smtClean="0">
+                <a:latin typeface="微軟正黑體" pitchFamily="34" charset="-120"/>
+                <a:ea typeface="微軟正黑體" pitchFamily="34" charset="-120"/>
+              </a:rPr>
+              <a:t> </a:t>
+            </a:r>
+            <a:endParaRPr lang="en-US" altLang="zh-TW" dirty="0" smtClean="0">
+              <a:latin typeface="微軟正黑體" pitchFamily="34" charset="-120"/>
+              <a:ea typeface="微軟正黑體" pitchFamily="34" charset="-120"/>
+            </a:endParaRPr>
           </a:p>
           <a:p>
             <a:pPr marL="0" indent="0">
               <a:buNone/>
             </a:pPr>
-            <a:endParaRPr lang="zh-TW" altLang="en-US" dirty="0"/>
+            <a:endParaRPr lang="en-US" altLang="zh-TW" dirty="0">
+              <a:latin typeface="微軟正黑體" pitchFamily="34" charset="-120"/>
+              <a:ea typeface="微軟正黑體" pitchFamily="34" charset="-120"/>
+            </a:endParaRPr>
+          </a:p>
+          <a:p>
+            <a:pPr marL="0" indent="0">
+              <a:buNone/>
+            </a:pPr>
+            <a:r>
+              <a:rPr lang="zh-TW" altLang="en-US" dirty="0" smtClean="0">
+                <a:latin typeface="微軟正黑體" pitchFamily="34" charset="-120"/>
+                <a:ea typeface="微軟正黑體" pitchFamily="34" charset="-120"/>
+              </a:rPr>
+              <a:t>設定</a:t>
+            </a:r>
+            <a:r>
+              <a:rPr lang="en-US" altLang="zh-TW" dirty="0" err="1" smtClean="0">
+                <a:latin typeface="微軟正黑體" pitchFamily="34" charset="-120"/>
+                <a:ea typeface="微軟正黑體" pitchFamily="34" charset="-120"/>
+              </a:rPr>
+              <a:t>dhcp</a:t>
+            </a:r>
+            <a:r>
+              <a:rPr lang="en-US" altLang="zh-TW" dirty="0" smtClean="0">
+                <a:latin typeface="微軟正黑體" pitchFamily="34" charset="-120"/>
+                <a:ea typeface="微軟正黑體" pitchFamily="34" charset="-120"/>
+              </a:rPr>
+              <a:t> </a:t>
+            </a:r>
+            <a:r>
+              <a:rPr lang="zh-TW" altLang="en-US" dirty="0" smtClean="0">
+                <a:latin typeface="微軟正黑體" pitchFamily="34" charset="-120"/>
+                <a:ea typeface="微軟正黑體" pitchFamily="34" charset="-120"/>
+              </a:rPr>
+              <a:t>發的範圍和設定</a:t>
+            </a:r>
+            <a:r>
+              <a:rPr lang="en-US" altLang="zh-TW" dirty="0" smtClean="0">
+                <a:latin typeface="微軟正黑體" pitchFamily="34" charset="-120"/>
+                <a:ea typeface="微軟正黑體" pitchFamily="34" charset="-120"/>
+              </a:rPr>
+              <a:t>domain name</a:t>
+            </a:r>
+            <a:endParaRPr lang="en-US" altLang="zh-TW" dirty="0">
+              <a:latin typeface="微軟正黑體" pitchFamily="34" charset="-120"/>
+              <a:ea typeface="微軟正黑體" pitchFamily="34" charset="-120"/>
+            </a:endParaRPr>
+          </a:p>
+          <a:p>
+            <a:pPr marL="0" indent="0">
+              <a:buNone/>
+            </a:pPr>
+            <a:endParaRPr lang="zh-TW" altLang="en-US" dirty="0">
+              <a:latin typeface="微軟正黑體" pitchFamily="34" charset="-120"/>
+              <a:ea typeface="微軟正黑體" pitchFamily="34" charset="-120"/>
+            </a:endParaRPr>
           </a:p>
         </p:txBody>
       </p:sp>
@@ -5765,34 +7766,58 @@
           <a:lstStyle/>
           <a:p>
             <a:r>
-              <a:rPr lang="en-US" altLang="zh-TW" dirty="0" err="1"/>
+              <a:rPr lang="en-US" altLang="zh-TW" sz="4000" dirty="0" err="1">
+                <a:latin typeface="微軟正黑體" pitchFamily="34" charset="-120"/>
+                <a:ea typeface="微軟正黑體" pitchFamily="34" charset="-120"/>
+              </a:rPr>
               <a:t>sudo</a:t>
             </a:r>
             <a:r>
-              <a:rPr lang="en-US" altLang="zh-TW" dirty="0"/>
+              <a:rPr lang="en-US" altLang="zh-TW" sz="4000" dirty="0">
+                <a:latin typeface="微軟正黑體" pitchFamily="34" charset="-120"/>
+                <a:ea typeface="微軟正黑體" pitchFamily="34" charset="-120"/>
+              </a:rPr>
               <a:t> </a:t>
             </a:r>
             <a:r>
-              <a:rPr lang="en-US" altLang="zh-TW" dirty="0" err="1" smtClean="0"/>
+              <a:rPr lang="en-US" altLang="zh-TW" sz="4000" dirty="0" err="1" smtClean="0">
+                <a:latin typeface="微軟正黑體" pitchFamily="34" charset="-120"/>
+                <a:ea typeface="微軟正黑體" pitchFamily="34" charset="-120"/>
+              </a:rPr>
               <a:t>nano</a:t>
             </a:r>
             <a:r>
-              <a:rPr lang="en-US" altLang="zh-TW" dirty="0" smtClean="0"/>
+              <a:rPr lang="en-US" altLang="zh-TW" sz="4000" dirty="0" smtClean="0">
+                <a:latin typeface="微軟正黑體" pitchFamily="34" charset="-120"/>
+                <a:ea typeface="微軟正黑體" pitchFamily="34" charset="-120"/>
+              </a:rPr>
               <a:t> /</a:t>
             </a:r>
             <a:r>
-              <a:rPr lang="en-US" altLang="zh-TW" dirty="0" err="1" smtClean="0"/>
+              <a:rPr lang="en-US" altLang="zh-TW" sz="4000" dirty="0" err="1" smtClean="0">
+                <a:latin typeface="微軟正黑體" pitchFamily="34" charset="-120"/>
+                <a:ea typeface="微軟正黑體" pitchFamily="34" charset="-120"/>
+              </a:rPr>
               <a:t>etc</a:t>
             </a:r>
             <a:r>
-              <a:rPr lang="en-US" altLang="zh-TW" dirty="0" smtClean="0"/>
+              <a:rPr lang="en-US" altLang="zh-TW" sz="4000" dirty="0" smtClean="0">
+                <a:latin typeface="微軟正黑體" pitchFamily="34" charset="-120"/>
+                <a:ea typeface="微軟正黑體" pitchFamily="34" charset="-120"/>
+              </a:rPr>
               <a:t>/</a:t>
             </a:r>
             <a:r>
-              <a:rPr lang="en-US" altLang="zh-TW" dirty="0" err="1" smtClean="0"/>
+              <a:rPr lang="en-US" altLang="zh-TW" sz="4000" dirty="0" err="1" smtClean="0">
+                <a:latin typeface="微軟正黑體" pitchFamily="34" charset="-120"/>
+                <a:ea typeface="微軟正黑體" pitchFamily="34" charset="-120"/>
+              </a:rPr>
               <a:t>sysctl.conf</a:t>
             </a:r>
-            <a:endParaRPr lang="zh-TW" altLang="en-US" dirty="0"/>
+            <a:endParaRPr lang="zh-TW" altLang="en-US" sz="4000" dirty="0">
+              <a:latin typeface="微軟正黑體" pitchFamily="34" charset="-120"/>
+              <a:ea typeface="微軟正黑體" pitchFamily="34" charset="-120"/>
+            </a:endParaRPr>
           </a:p>
         </p:txBody>
       </p:sp>
@@ -5808,63 +7833,127 @@
         </p:nvSpPr>
         <p:spPr/>
         <p:txBody>
-          <a:bodyPr/>
+          <a:bodyPr>
+            <a:normAutofit/>
+          </a:bodyPr>
           <a:lstStyle/>
           <a:p>
-            <a:r>
-              <a:rPr lang="en-US" altLang="zh-TW" dirty="0" smtClean="0"/>
-              <a:t>net.ipv4.ip_forward=1</a:t>
-            </a:r>
-          </a:p>
-          <a:p>
-            <a:endParaRPr lang="en-US" altLang="zh-TW" dirty="0"/>
-          </a:p>
-          <a:p>
-            <a:endParaRPr lang="en-US" altLang="zh-TW" dirty="0" smtClean="0"/>
-          </a:p>
-          <a:p>
-            <a:endParaRPr lang="en-US" altLang="zh-TW" dirty="0"/>
-          </a:p>
-          <a:p>
-            <a:endParaRPr lang="en-US" altLang="zh-TW" dirty="0" smtClean="0"/>
-          </a:p>
-          <a:p>
             <a:pPr marL="0" indent="0">
               <a:buNone/>
             </a:pPr>
             <a:r>
-              <a:rPr lang="en-US" altLang="zh-TW" sz="2400" dirty="0" err="1"/>
+              <a:rPr lang="en-US" altLang="zh-TW" sz="2000" dirty="0" err="1" smtClean="0">
+                <a:latin typeface="微軟正黑體" pitchFamily="34" charset="-120"/>
+                <a:ea typeface="微軟正黑體" pitchFamily="34" charset="-120"/>
+              </a:rPr>
               <a:t>sudo</a:t>
             </a:r>
             <a:r>
-              <a:rPr lang="en-US" altLang="zh-TW" sz="2400" dirty="0"/>
+              <a:rPr lang="en-US" altLang="zh-TW" sz="2000" dirty="0" smtClean="0">
+                <a:latin typeface="微軟正黑體" pitchFamily="34" charset="-120"/>
+                <a:ea typeface="微軟正黑體" pitchFamily="34" charset="-120"/>
+              </a:rPr>
               <a:t> </a:t>
             </a:r>
             <a:r>
-              <a:rPr lang="en-US" altLang="zh-TW" sz="2400" dirty="0" err="1"/>
+              <a:rPr lang="en-US" altLang="zh-TW" sz="2000" dirty="0" err="1">
+                <a:latin typeface="微軟正黑體" pitchFamily="34" charset="-120"/>
+                <a:ea typeface="微軟正黑體" pitchFamily="34" charset="-120"/>
+              </a:rPr>
               <a:t>sh</a:t>
             </a:r>
             <a:r>
-              <a:rPr lang="en-US" altLang="zh-TW" sz="2400" dirty="0"/>
-              <a:t> -c "echo 1 &gt;/</a:t>
-            </a:r>
-            <a:r>
-              <a:rPr lang="en-US" altLang="zh-TW" sz="2400" dirty="0" err="1"/>
+              <a:rPr lang="en-US" altLang="zh-TW" sz="2000" dirty="0">
+                <a:latin typeface="微軟正黑體" pitchFamily="34" charset="-120"/>
+                <a:ea typeface="微軟正黑體" pitchFamily="34" charset="-120"/>
+              </a:rPr>
+              <a:t> -c </a:t>
+            </a:r>
+            <a:r>
+              <a:rPr lang="en-US" altLang="zh-TW" sz="2000" dirty="0" smtClean="0">
+                <a:latin typeface="微軟正黑體" pitchFamily="34" charset="-120"/>
+                <a:ea typeface="微軟正黑體" pitchFamily="34" charset="-120"/>
+              </a:rPr>
+              <a:t>"echo </a:t>
+            </a:r>
+            <a:r>
+              <a:rPr lang="en-US" altLang="zh-TW" sz="2000" dirty="0">
+                <a:latin typeface="微軟正黑體" pitchFamily="34" charset="-120"/>
+                <a:ea typeface="微軟正黑體" pitchFamily="34" charset="-120"/>
+              </a:rPr>
+              <a:t>1 </a:t>
+            </a:r>
+            <a:r>
+              <a:rPr lang="en-US" altLang="zh-TW" sz="2000" dirty="0">
+                <a:latin typeface="微軟正黑體" pitchFamily="34" charset="-120"/>
+                <a:ea typeface="微軟正黑體" pitchFamily="34" charset="-120"/>
+              </a:rPr>
+              <a:t>&gt;/</a:t>
+            </a:r>
+            <a:r>
+              <a:rPr lang="en-US" altLang="zh-TW" sz="2000" dirty="0" err="1">
+                <a:latin typeface="微軟正黑體" pitchFamily="34" charset="-120"/>
+                <a:ea typeface="微軟正黑體" pitchFamily="34" charset="-120"/>
+              </a:rPr>
               <a:t>proc</a:t>
             </a:r>
             <a:r>
-              <a:rPr lang="en-US" altLang="zh-TW" sz="2400" dirty="0"/>
+              <a:rPr lang="en-US" altLang="zh-TW" sz="2000" dirty="0">
+                <a:latin typeface="微軟正黑體" pitchFamily="34" charset="-120"/>
+                <a:ea typeface="微軟正黑體" pitchFamily="34" charset="-120"/>
+              </a:rPr>
               <a:t>/sys/net/ipv4/</a:t>
             </a:r>
             <a:r>
-              <a:rPr lang="en-US" altLang="zh-TW" sz="2400" dirty="0" err="1"/>
+              <a:rPr lang="en-US" altLang="zh-TW" sz="2000" dirty="0" err="1">
+                <a:latin typeface="微軟正黑體" pitchFamily="34" charset="-120"/>
+                <a:ea typeface="微軟正黑體" pitchFamily="34" charset="-120"/>
+              </a:rPr>
               <a:t>ip_forward</a:t>
             </a:r>
             <a:r>
-              <a:rPr lang="en-US" altLang="zh-TW" sz="2400" dirty="0"/>
+              <a:rPr lang="en-US" altLang="zh-TW" sz="2000" dirty="0">
+                <a:latin typeface="微軟正黑體" pitchFamily="34" charset="-120"/>
+                <a:ea typeface="微軟正黑體" pitchFamily="34" charset="-120"/>
+              </a:rPr>
+              <a:t> </a:t>
+            </a:r>
+            <a:r>
+              <a:rPr lang="en-US" altLang="zh-TW" sz="2000" dirty="0" smtClean="0">
+                <a:latin typeface="微軟正黑體" pitchFamily="34" charset="-120"/>
+                <a:ea typeface="微軟正黑體" pitchFamily="34" charset="-120"/>
+              </a:rPr>
               <a:t>"</a:t>
             </a:r>
-            <a:endParaRPr lang="zh-TW" altLang="en-US" sz="2400" dirty="0"/>
+            <a:endParaRPr lang="en-US" altLang="zh-TW" sz="2000" dirty="0" smtClean="0">
+              <a:latin typeface="微軟正黑體" pitchFamily="34" charset="-120"/>
+              <a:ea typeface="微軟正黑體" pitchFamily="34" charset="-120"/>
+            </a:endParaRPr>
+          </a:p>
+          <a:p>
+            <a:pPr marL="0" indent="0">
+              <a:buNone/>
+            </a:pPr>
+            <a:endParaRPr lang="en-US" altLang="zh-TW" sz="2000" dirty="0">
+              <a:latin typeface="微軟正黑體" pitchFamily="34" charset="-120"/>
+              <a:ea typeface="微軟正黑體" pitchFamily="34" charset="-120"/>
+            </a:endParaRPr>
+          </a:p>
+          <a:p>
+            <a:pPr marL="0" indent="0">
+              <a:buNone/>
+            </a:pPr>
+            <a:r>
+              <a:rPr lang="zh-TW" altLang="en-US" sz="2000" dirty="0">
+                <a:latin typeface="微軟正黑體" pitchFamily="34" charset="-120"/>
+                <a:ea typeface="微軟正黑體" pitchFamily="34" charset="-120"/>
+              </a:rPr>
+              <a:t>開啟封包轉送</a:t>
+            </a:r>
+            <a:endParaRPr lang="zh-TW" altLang="en-US" sz="2000" dirty="0">
+              <a:latin typeface="微軟正黑體" pitchFamily="34" charset="-120"/>
+              <a:ea typeface="微軟正黑體" pitchFamily="34" charset="-120"/>
+            </a:endParaRPr>
           </a:p>
         </p:txBody>
       </p:sp>
@@ -5889,52 +7978,52 @@
 </file>
 
 <file path=ppt/theme/theme1.xml><?xml version="1.0" encoding="utf-8"?>
-<a:theme xmlns:a="http://schemas.openxmlformats.org/drawingml/2006/main" name="Office 佈景主題">
+<a:theme xmlns:a="http://schemas.openxmlformats.org/drawingml/2006/main" name="相鄰">
   <a:themeElements>
-    <a:clrScheme name="Office">
+    <a:clrScheme name="相鄰">
       <a:dk1>
-        <a:sysClr val="windowText" lastClr="000000"/>
+        <a:srgbClr val="2F2B20"/>
       </a:dk1>
       <a:lt1>
-        <a:sysClr val="window" lastClr="FFFFFF"/>
+        <a:srgbClr val="FFFFFF"/>
       </a:lt1>
       <a:dk2>
-        <a:srgbClr val="1F497D"/>
+        <a:srgbClr val="675E47"/>
       </a:dk2>
       <a:lt2>
-        <a:srgbClr val="EEECE1"/>
+        <a:srgbClr val="DFDCB7"/>
       </a:lt2>
       <a:accent1>
-        <a:srgbClr val="4F81BD"/>
+        <a:srgbClr val="A9A57C"/>
       </a:accent1>
       <a:accent2>
-        <a:srgbClr val="C0504D"/>
+        <a:srgbClr val="9CBEBD"/>
       </a:accent2>
       <a:accent3>
-        <a:srgbClr val="9BBB59"/>
+        <a:srgbClr val="D2CB6C"/>
       </a:accent3>
       <a:accent4>
-        <a:srgbClr val="8064A2"/>
+        <a:srgbClr val="95A39D"/>
       </a:accent4>
       <a:accent5>
-        <a:srgbClr val="4BACC6"/>
+        <a:srgbClr val="C89F5D"/>
       </a:accent5>
       <a:accent6>
-        <a:srgbClr val="F79646"/>
+        <a:srgbClr val="B1A089"/>
       </a:accent6>
       <a:hlink>
-        <a:srgbClr val="0000FF"/>
+        <a:srgbClr val="D25814"/>
       </a:hlink>
       <a:folHlink>
-        <a:srgbClr val="800080"/>
+        <a:srgbClr val="849A0A"/>
       </a:folHlink>
     </a:clrScheme>
     <a:fontScheme name="Office">
       <a:majorFont>
-        <a:latin typeface="Calibri"/>
+        <a:latin typeface="Cambria"/>
         <a:ea typeface=""/>
         <a:cs typeface=""/>
-        <a:font script="Jpan" typeface="ＭＳ Ｐゴシック"/>
+        <a:font script="Jpan" typeface="ＭＳ ゴシック"/>
         <a:font script="Hang" typeface="맑은 고딕"/>
         <a:font script="Hans" typeface="宋体"/>
         <a:font script="Hant" typeface="新細明體"/>
@@ -5963,12 +8052,13 @@
         <a:font script="Mong" typeface="Mongolian Baiti"/>
         <a:font script="Viet" typeface="Times New Roman"/>
         <a:font script="Uigh" typeface="Microsoft Uighur"/>
+        <a:font script="Geor" typeface="Sylfaen"/>
       </a:majorFont>
       <a:minorFont>
         <a:latin typeface="Calibri"/>
         <a:ea typeface=""/>
         <a:cs typeface=""/>
-        <a:font script="Jpan" typeface="ＭＳ Ｐゴシック"/>
+        <a:font script="Jpan" typeface="ＭＳ 明朝"/>
         <a:font script="Hang" typeface="맑은 고딕"/>
         <a:font script="Hans" typeface="宋体"/>
         <a:font script="Hant" typeface="新細明體"/>
@@ -5997,62 +8087,25 @@
         <a:font script="Mong" typeface="Mongolian Baiti"/>
         <a:font script="Viet" typeface="Arial"/>
         <a:font script="Uigh" typeface="Microsoft Uighur"/>
+        <a:font script="Geor" typeface="Sylfaen"/>
       </a:minorFont>
     </a:fontScheme>
-    <a:fmtScheme name="Office">
+    <a:fmtScheme name="相鄰">
       <a:fillStyleLst>
         <a:solidFill>
           <a:schemeClr val="phClr"/>
         </a:solidFill>
-        <a:gradFill rotWithShape="1">
-          <a:gsLst>
-            <a:gs pos="0">
-              <a:schemeClr val="phClr">
-                <a:tint val="50000"/>
-                <a:satMod val="300000"/>
-              </a:schemeClr>
-            </a:gs>
-            <a:gs pos="35000">
-              <a:schemeClr val="phClr">
-                <a:tint val="37000"/>
-                <a:satMod val="300000"/>
-              </a:schemeClr>
-            </a:gs>
-            <a:gs pos="100000">
-              <a:schemeClr val="phClr">
-                <a:tint val="15000"/>
-                <a:satMod val="350000"/>
-              </a:schemeClr>
-            </a:gs>
-          </a:gsLst>
-          <a:lin ang="16200000" scaled="1"/>
-        </a:gradFill>
-        <a:gradFill rotWithShape="1">
-          <a:gsLst>
-            <a:gs pos="0">
-              <a:schemeClr val="phClr">
-                <a:shade val="51000"/>
-                <a:satMod val="130000"/>
-              </a:schemeClr>
-            </a:gs>
-            <a:gs pos="80000">
-              <a:schemeClr val="phClr">
-                <a:shade val="93000"/>
-                <a:satMod val="130000"/>
-              </a:schemeClr>
-            </a:gs>
-            <a:gs pos="100000">
-              <a:schemeClr val="phClr">
-                <a:shade val="94000"/>
-                <a:satMod val="135000"/>
-              </a:schemeClr>
-            </a:gs>
-          </a:gsLst>
-          <a:lin ang="16200000" scaled="0"/>
-        </a:gradFill>
+        <a:solidFill>
+          <a:schemeClr val="phClr">
+            <a:tint val="55000"/>
+          </a:schemeClr>
+        </a:solidFill>
+        <a:solidFill>
+          <a:schemeClr val="phClr"/>
+        </a:solidFill>
       </a:fillStyleLst>
       <a:lnStyleLst>
-        <a:ln w="9525" cap="flat" cmpd="sng" algn="ctr">
+        <a:ln w="12700" cap="flat" cmpd="sng" algn="ctr">
           <a:solidFill>
             <a:schemeClr val="phClr">
               <a:shade val="95000"/>
@@ -6076,41 +8129,35 @@
       </a:lnStyleLst>
       <a:effectStyleLst>
         <a:effectStyle>
+          <a:effectLst/>
+        </a:effectStyle>
+        <a:effectStyle>
           <a:effectLst>
-            <a:outerShdw blurRad="40000" dist="20000" dir="5400000" rotWithShape="0">
+            <a:outerShdw blurRad="50800" dist="25400" algn="bl" rotWithShape="0">
               <a:srgbClr val="000000">
-                <a:alpha val="38000"/>
+                <a:alpha val="60000"/>
               </a:srgbClr>
             </a:outerShdw>
           </a:effectLst>
         </a:effectStyle>
         <a:effectStyle>
-          <a:effectLst>
-            <a:outerShdw blurRad="40000" dist="23000" dir="5400000" rotWithShape="0">
-              <a:srgbClr val="000000">
-                <a:alpha val="35000"/>
-              </a:srgbClr>
-            </a:outerShdw>
-          </a:effectLst>
-        </a:effectStyle>
-        <a:effectStyle>
-          <a:effectLst>
-            <a:outerShdw blurRad="40000" dist="23000" dir="5400000" rotWithShape="0">
-              <a:srgbClr val="000000">
-                <a:alpha val="35000"/>
-              </a:srgbClr>
-            </a:outerShdw>
-          </a:effectLst>
+          <a:effectLst/>
           <a:scene3d>
             <a:camera prst="orthographicFront">
               <a:rot lat="0" lon="0" rev="0"/>
             </a:camera>
-            <a:lightRig rig="threePt" dir="t">
-              <a:rot lat="0" lon="0" rev="1200000"/>
+            <a:lightRig rig="brightRoom" dir="tl">
+              <a:rot lat="0" lon="0" rev="1800000"/>
             </a:lightRig>
           </a:scene3d>
-          <a:sp3d>
-            <a:bevelT w="63500" h="25400"/>
+          <a:sp3d contourW="10160" prstMaterial="dkEdge">
+            <a:bevelT w="38100" h="50800" prst="angle"/>
+            <a:contourClr>
+              <a:schemeClr val="phClr">
+                <a:shade val="40000"/>
+                <a:satMod val="150000"/>
+              </a:schemeClr>
+            </a:contourClr>
           </a:sp3d>
         </a:effectStyle>
       </a:effectStyleLst>
@@ -6122,47 +8169,39 @@
           <a:gsLst>
             <a:gs pos="0">
               <a:schemeClr val="phClr">
-                <a:tint val="40000"/>
-                <a:satMod val="350000"/>
+                <a:tint val="90000"/>
               </a:schemeClr>
             </a:gs>
-            <a:gs pos="40000">
+            <a:gs pos="75000">
               <a:schemeClr val="phClr">
-                <a:tint val="45000"/>
-                <a:shade val="99000"/>
-                <a:satMod val="350000"/>
+                <a:shade val="100000"/>
+                <a:satMod val="115000"/>
               </a:schemeClr>
             </a:gs>
             <a:gs pos="100000">
               <a:schemeClr val="phClr">
-                <a:shade val="20000"/>
-                <a:satMod val="255000"/>
+                <a:shade val="70000"/>
+                <a:satMod val="130000"/>
               </a:schemeClr>
             </a:gs>
           </a:gsLst>
           <a:path path="circle">
-            <a:fillToRect l="50000" t="-80000" r="50000" b="180000"/>
+            <a:fillToRect l="20000" t="50000" r="100000" b="50000"/>
           </a:path>
         </a:gradFill>
-        <a:gradFill rotWithShape="1">
-          <a:gsLst>
-            <a:gs pos="0">
+        <a:blipFill rotWithShape="1">
+          <a:blip xmlns:r="http://schemas.openxmlformats.org/officeDocument/2006/relationships" r:embed="rId1">
+            <a:duotone>
               <a:schemeClr val="phClr">
-                <a:tint val="80000"/>
-                <a:satMod val="300000"/>
+                <a:tint val="97000"/>
               </a:schemeClr>
-            </a:gs>
-            <a:gs pos="100000">
               <a:schemeClr val="phClr">
-                <a:shade val="30000"/>
-                <a:satMod val="200000"/>
+                <a:shade val="96000"/>
               </a:schemeClr>
-            </a:gs>
-          </a:gsLst>
-          <a:path path="circle">
-            <a:fillToRect l="50000" t="50000" r="50000" b="50000"/>
-          </a:path>
-        </a:gradFill>
+            </a:duotone>
+          </a:blip>
+          <a:tile tx="0" ty="0" sx="32000" sy="32000" flip="none" algn="tl"/>
+        </a:blipFill>
       </a:bgFillStyleLst>
     </a:fmtScheme>
   </a:themeElements>

--- a/設定wifi ap_repeater.pptx
+++ b/設定wifi ap_repeater.pptx
@@ -2,33 +2,36 @@
 <file path=ppt/presentation.xml><?xml version="1.0" encoding="utf-8"?>
 <p:presentation xmlns:a="http://schemas.openxmlformats.org/drawingml/2006/main" xmlns:r="http://schemas.openxmlformats.org/officeDocument/2006/relationships" xmlns:p="http://schemas.openxmlformats.org/presentationml/2006/main">
   <p:sldMasterIdLst>
-    <p:sldMasterId id="2147483648" r:id="rId5"/>
+    <p:sldMasterId id="2147483648" r:id="rId1"/>
   </p:sldMasterIdLst>
   <p:notesMasterIdLst>
-    <p:notesMasterId r:id="rId7"/>
+    <p:notesMasterId r:id="rId24"/>
   </p:notesMasterIdLst>
   <p:sldIdLst>
-    <p:sldId id="256" r:id="rId8"/>
-    <p:sldId id="257" r:id="rId9"/>
-    <p:sldId id="258" r:id="rId10"/>
-    <p:sldId id="259" r:id="rId11"/>
-    <p:sldId id="260" r:id="rId12"/>
-    <p:sldId id="261" r:id="rId13"/>
-    <p:sldId id="262" r:id="rId14"/>
-    <p:sldId id="263" r:id="rId15"/>
-    <p:sldId id="264" r:id="rId16"/>
-    <p:sldId id="265" r:id="rId17"/>
-    <p:sldId id="266" r:id="rId18"/>
-    <p:sldId id="267" r:id="rId19"/>
-    <p:sldId id="268" r:id="rId20"/>
-    <p:sldId id="269" r:id="rId21"/>
-    <p:sldId id="270" r:id="rId22"/>
-    <p:sldId id="271" r:id="rId23"/>
-    <p:sldId id="272" r:id="rId24"/>
-    <p:sldId id="273" r:id="rId25"/>
-    <p:sldId id="274" r:id="rId26"/>
+    <p:sldId id="256" r:id="rId2"/>
+    <p:sldId id="257" r:id="rId3"/>
+    <p:sldId id="258" r:id="rId4"/>
+    <p:sldId id="259" r:id="rId5"/>
+    <p:sldId id="260" r:id="rId6"/>
+    <p:sldId id="261" r:id="rId7"/>
+    <p:sldId id="262" r:id="rId8"/>
+    <p:sldId id="263" r:id="rId9"/>
+    <p:sldId id="264" r:id="rId10"/>
+    <p:sldId id="265" r:id="rId11"/>
+    <p:sldId id="266" r:id="rId12"/>
+    <p:sldId id="267" r:id="rId13"/>
+    <p:sldId id="268" r:id="rId14"/>
+    <p:sldId id="269" r:id="rId15"/>
+    <p:sldId id="270" r:id="rId16"/>
+    <p:sldId id="271" r:id="rId17"/>
+    <p:sldId id="272" r:id="rId18"/>
+    <p:sldId id="273" r:id="rId19"/>
+    <p:sldId id="274" r:id="rId20"/>
+    <p:sldId id="275" r:id="rId21"/>
+    <p:sldId id="277" r:id="rId22"/>
+    <p:sldId id="278" r:id="rId23"/>
   </p:sldIdLst>
-  <p:sldSz cx="9144000" cy="6858000"/>
+  <p:sldSz cx="9144000" cy="6858000" type="screen4x3"/>
   <p:notesSz cx="6858000" cy="9144000"/>
   <p:defaultTextStyle>
     <a:defPPr marL="0" marR="0" indent="0" algn="l" defTabSz="914400" rtl="0" fontAlgn="auto" latinLnBrk="1" hangingPunct="0">
@@ -46,7 +49,7 @@
       <a:buFontTx/>
       <a:buNone/>
       <a:tabLst/>
-      <a:defRPr b="0" baseline="0" cap="none" i="0" spc="0" strike="noStrike" sz="1800" u="none" kumimoji="0" normalizeH="0">
+      <a:defRPr kumimoji="0" sz="1800" b="0" i="0" u="none" strike="noStrike" cap="none" spc="0" normalizeH="0" baseline="0">
         <a:ln>
           <a:noFill/>
         </a:ln>
@@ -72,7 +75,7 @@
       <a:buFontTx/>
       <a:buNone/>
       <a:tabLst/>
-      <a:defRPr b="0" baseline="0" cap="none" i="0" spc="0" strike="noStrike" sz="1800" u="none" kumimoji="0" normalizeH="0">
+      <a:defRPr kumimoji="0" sz="1800" b="0" i="0" u="none" strike="noStrike" cap="none" spc="0" normalizeH="0" baseline="0">
         <a:ln>
           <a:noFill/>
         </a:ln>
@@ -102,7 +105,7 @@
       <a:buFontTx/>
       <a:buNone/>
       <a:tabLst/>
-      <a:defRPr b="0" baseline="0" cap="none" i="0" spc="0" strike="noStrike" sz="1800" u="none" kumimoji="0" normalizeH="0">
+      <a:defRPr kumimoji="0" sz="1800" b="0" i="0" u="none" strike="noStrike" cap="none" spc="0" normalizeH="0" baseline="0">
         <a:ln>
           <a:noFill/>
         </a:ln>
@@ -132,7 +135,7 @@
       <a:buFontTx/>
       <a:buNone/>
       <a:tabLst/>
-      <a:defRPr b="0" baseline="0" cap="none" i="0" spc="0" strike="noStrike" sz="1800" u="none" kumimoji="0" normalizeH="0">
+      <a:defRPr kumimoji="0" sz="1800" b="0" i="0" u="none" strike="noStrike" cap="none" spc="0" normalizeH="0" baseline="0">
         <a:ln>
           <a:noFill/>
         </a:ln>
@@ -162,7 +165,7 @@
       <a:buFontTx/>
       <a:buNone/>
       <a:tabLst/>
-      <a:defRPr b="0" baseline="0" cap="none" i="0" spc="0" strike="noStrike" sz="1800" u="none" kumimoji="0" normalizeH="0">
+      <a:defRPr kumimoji="0" sz="1800" b="0" i="0" u="none" strike="noStrike" cap="none" spc="0" normalizeH="0" baseline="0">
         <a:ln>
           <a:noFill/>
         </a:ln>
@@ -192,7 +195,7 @@
       <a:buFontTx/>
       <a:buNone/>
       <a:tabLst/>
-      <a:defRPr b="0" baseline="0" cap="none" i="0" spc="0" strike="noStrike" sz="1800" u="none" kumimoji="0" normalizeH="0">
+      <a:defRPr kumimoji="0" sz="1800" b="0" i="0" u="none" strike="noStrike" cap="none" spc="0" normalizeH="0" baseline="0">
         <a:ln>
           <a:noFill/>
         </a:ln>
@@ -222,7 +225,7 @@
       <a:buFontTx/>
       <a:buNone/>
       <a:tabLst/>
-      <a:defRPr b="0" baseline="0" cap="none" i="0" spc="0" strike="noStrike" sz="1800" u="none" kumimoji="0" normalizeH="0">
+      <a:defRPr kumimoji="0" sz="1800" b="0" i="0" u="none" strike="noStrike" cap="none" spc="0" normalizeH="0" baseline="0">
         <a:ln>
           <a:noFill/>
         </a:ln>
@@ -252,7 +255,7 @@
       <a:buFontTx/>
       <a:buNone/>
       <a:tabLst/>
-      <a:defRPr b="0" baseline="0" cap="none" i="0" spc="0" strike="noStrike" sz="1800" u="none" kumimoji="0" normalizeH="0">
+      <a:defRPr kumimoji="0" sz="1800" b="0" i="0" u="none" strike="noStrike" cap="none" spc="0" normalizeH="0" baseline="0">
         <a:ln>
           <a:noFill/>
         </a:ln>
@@ -282,7 +285,7 @@
       <a:buFontTx/>
       <a:buNone/>
       <a:tabLst/>
-      <a:defRPr b="0" baseline="0" cap="none" i="0" spc="0" strike="noStrike" sz="1800" u="none" kumimoji="0" normalizeH="0">
+      <a:defRPr kumimoji="0" sz="1800" b="0" i="0" u="none" strike="noStrike" cap="none" spc="0" normalizeH="0" baseline="0">
         <a:ln>
           <a:noFill/>
         </a:ln>
@@ -312,7 +315,7 @@
       <a:buFontTx/>
       <a:buNone/>
       <a:tabLst/>
-      <a:defRPr b="0" baseline="0" cap="none" i="0" spc="0" strike="noStrike" sz="1800" u="none" kumimoji="0" normalizeH="0">
+      <a:defRPr kumimoji="0" sz="1800" b="0" i="0" u="none" strike="noStrike" cap="none" spc="0" normalizeH="0" baseline="0">
         <a:ln>
           <a:noFill/>
         </a:ln>
@@ -331,13 +334,14 @@
 </p:presentation>
 </file>
 
-<file path=ppt/commentAuthors.xml><?xml version="1.0" encoding="utf-8"?>
-<p:cmAuthorLst xmlns:a="http://schemas.openxmlformats.org/drawingml/2006/main" xmlns:r="http://schemas.openxmlformats.org/officeDocument/2006/relationships" xmlns:p="http://schemas.openxmlformats.org/presentationml/2006/main"/>
-</file>
-
 <file path=ppt/notesMasters/notesMaster1.xml><?xml version="1.0" encoding="utf-8"?>
 <p:notesMaster xmlns:a="http://schemas.openxmlformats.org/drawingml/2006/main" xmlns:r="http://schemas.openxmlformats.org/officeDocument/2006/relationships" xmlns:p="http://schemas.openxmlformats.org/presentationml/2006/main">
   <p:cSld>
+    <p:bg>
+      <p:bgRef idx="1001">
+        <a:schemeClr val="bg1"/>
+      </p:bgRef>
+    </p:bg>
     <p:spTree>
       <p:nvGrpSpPr>
         <p:cNvPr id="1" name=""/>
@@ -355,7 +359,9 @@
       <p:sp>
         <p:nvSpPr>
           <p:cNvPr id="246" name="Shape 246"/>
-          <p:cNvSpPr/>
+          <p:cNvSpPr>
+            <a:spLocks noGrp="1" noRot="1" noChangeAspect="1"/>
+          </p:cNvSpPr>
           <p:nvPr>
             <p:ph type="sldImg"/>
           </p:nvPr>
@@ -373,14 +379,16 @@
           <a:bodyPr/>
           <a:lstStyle/>
           <a:p>
-            <a:pPr/>
+            <a:endParaRPr/>
           </a:p>
         </p:txBody>
       </p:sp>
       <p:sp>
         <p:nvSpPr>
           <p:cNvPr id="247" name="Shape 247"/>
-          <p:cNvSpPr/>
+          <p:cNvSpPr>
+            <a:spLocks noGrp="1"/>
+          </p:cNvSpPr>
           <p:nvPr>
             <p:ph type="body" sz="quarter" idx="1"/>
           </p:nvPr>
@@ -398,11 +406,16 @@
           <a:bodyPr/>
           <a:lstStyle/>
           <a:p>
-            <a:pPr/>
+            <a:endParaRPr/>
           </a:p>
         </p:txBody>
       </p:sp>
     </p:spTree>
+    <p:extLst>
+      <p:ext uri="{BB962C8B-B14F-4D97-AF65-F5344CB8AC3E}">
+        <p14:creationId xmlns:p14="http://schemas.microsoft.com/office/powerpoint/2010/main" val="2383830594"/>
+      </p:ext>
+    </p:extLst>
   </p:cSld>
   <p:clrMap bg1="lt1" tx1="dk1" bg2="lt2" tx2="dk2" accent1="accent1" accent2="accent2" accent3="accent3" accent4="accent4" accent5="accent5" accent6="accent6" hlink="hlink" folHlink="folHlink"/>
   <p:notesStyle>
@@ -483,7 +496,7 @@
 </file>
 
 <file path=ppt/slideLayouts/slideLayout1.xml><?xml version="1.0" encoding="utf-8"?>
-<p:sldLayout xmlns:a="http://schemas.openxmlformats.org/drawingml/2006/main" xmlns:r="http://schemas.openxmlformats.org/officeDocument/2006/relationships" xmlns:p="http://schemas.openxmlformats.org/presentationml/2006/main" type="tx" showMasterSp="1" showMasterPhAnim="1">
+<p:sldLayout xmlns:a="http://schemas.openxmlformats.org/drawingml/2006/main" xmlns:r="http://schemas.openxmlformats.org/officeDocument/2006/relationships" xmlns:p="http://schemas.openxmlformats.org/presentationml/2006/main" type="tx">
   <p:cSld name="Default">
     <p:spTree>
       <p:nvGrpSpPr>
@@ -501,26 +514,23 @@
       </p:grpSpPr>
       <p:sp>
         <p:nvSpPr>
-          <p:cNvPr id="13" name="Shape 13"/>
-          <p:cNvSpPr/>
+          <p:cNvPr id="22" name="Shape 22"/>
+          <p:cNvSpPr>
+            <a:spLocks noGrp="1"/>
+          </p:cNvSpPr>
           <p:nvPr>
             <p:ph type="title"/>
           </p:nvPr>
         </p:nvSpPr>
         <p:spPr>
-          <a:xfrm>
-            <a:off x="685800" y="1905000"/>
-            <a:ext cx="7543800" cy="2593975"/>
-          </a:xfrm>
           <a:prstGeom prst="rect">
             <a:avLst/>
           </a:prstGeom>
         </p:spPr>
         <p:txBody>
-          <a:bodyPr anchor="b"/>
+          <a:bodyPr/>
           <a:lstStyle/>
           <a:p>
-            <a:pPr/>
             <a:r>
               <a:t>大標題文字</a:t>
             </a:r>
@@ -529,26 +539,23 @@
       </p:sp>
       <p:sp>
         <p:nvSpPr>
-          <p:cNvPr id="14" name="Shape 14"/>
-          <p:cNvSpPr/>
+          <p:cNvPr id="23" name="Shape 23"/>
+          <p:cNvSpPr>
+            <a:spLocks noGrp="1"/>
+          </p:cNvSpPr>
           <p:nvPr>
             <p:ph type="body" idx="1"/>
           </p:nvPr>
         </p:nvSpPr>
         <p:spPr>
-          <a:xfrm>
-            <a:off x="457200" y="1604962"/>
-            <a:ext cx="8229600" cy="3976688"/>
-          </a:xfrm>
           <a:prstGeom prst="rect">
             <a:avLst/>
           </a:prstGeom>
         </p:spPr>
         <p:txBody>
-          <a:bodyPr lIns="0" tIns="0" rIns="0" bIns="0"/>
+          <a:bodyPr/>
           <a:lstStyle/>
           <a:p>
-            <a:pPr/>
             <a:r>
               <a:t>內文層級一</a:t>
             </a:r>
@@ -581,8 +588,10 @@
       </p:sp>
       <p:sp>
         <p:nvSpPr>
-          <p:cNvPr id="15" name="Shape 15"/>
-          <p:cNvSpPr/>
+          <p:cNvPr id="24" name="Shape 24"/>
+          <p:cNvSpPr>
+            <a:spLocks noGrp="1"/>
+          </p:cNvSpPr>
           <p:nvPr>
             <p:ph type="sldNum" sz="quarter" idx="2"/>
           </p:nvPr>
@@ -596,8 +605,10 @@
           <a:bodyPr/>
           <a:lstStyle/>
           <a:p>
-            <a:pPr/>
-            <a:fld id="{86CB4B4D-7CA3-9044-876B-883B54F8677D}" type="slidenum"/>
+            <a:fld id="{86CB4B4D-7CA3-9044-876B-883B54F8677D}" type="slidenum">
+              <a:t>‹#›</a:t>
+            </a:fld>
+            <a:endParaRPr/>
           </a:p>
         </p:txBody>
       </p:sp>
@@ -606,144 +617,12 @@
   <p:clrMapOvr>
     <a:masterClrMapping/>
   </p:clrMapOvr>
-  <p:transition xmlns:p14="http://schemas.microsoft.com/office/powerpoint/2010/main" spd="med" advClick="1"/>
+  <p:transition spd="med"/>
 </p:sldLayout>
 </file>
 
 <file path=ppt/slideLayouts/slideLayout10.xml><?xml version="1.0" encoding="utf-8"?>
-<p:sldLayout xmlns:a="http://schemas.openxmlformats.org/drawingml/2006/main" xmlns:r="http://schemas.openxmlformats.org/officeDocument/2006/relationships" xmlns:p="http://schemas.openxmlformats.org/presentationml/2006/main" type="tx" showMasterSp="1" showMasterPhAnim="1">
-  <p:cSld name="Default">
-    <p:spTree>
-      <p:nvGrpSpPr>
-        <p:cNvPr id="1" name=""/>
-        <p:cNvGrpSpPr/>
-        <p:nvPr/>
-      </p:nvGrpSpPr>
-      <p:grpSpPr>
-        <a:xfrm>
-          <a:off x="0" y="0"/>
-          <a:ext cx="0" cy="0"/>
-          <a:chOff x="0" y="0"/>
-          <a:chExt cx="0" cy="0"/>
-        </a:xfrm>
-      </p:grpSpPr>
-      <p:sp>
-        <p:nvSpPr>
-          <p:cNvPr id="92" name="Shape 92"/>
-          <p:cNvSpPr/>
-          <p:nvPr>
-            <p:ph type="title"/>
-          </p:nvPr>
-        </p:nvSpPr>
-        <p:spPr>
-          <a:xfrm>
-            <a:off x="685800" y="1905000"/>
-            <a:ext cx="7543800" cy="2593975"/>
-          </a:xfrm>
-          <a:prstGeom prst="rect">
-            <a:avLst/>
-          </a:prstGeom>
-        </p:spPr>
-        <p:txBody>
-          <a:bodyPr anchor="b"/>
-          <a:lstStyle/>
-          <a:p>
-            <a:pPr/>
-            <a:r>
-              <a:t>大標題文字</a:t>
-            </a:r>
-          </a:p>
-        </p:txBody>
-      </p:sp>
-      <p:sp>
-        <p:nvSpPr>
-          <p:cNvPr id="93" name="Shape 93"/>
-          <p:cNvSpPr/>
-          <p:nvPr>
-            <p:ph type="body" idx="1"/>
-          </p:nvPr>
-        </p:nvSpPr>
-        <p:spPr>
-          <a:xfrm>
-            <a:off x="457200" y="1604962"/>
-            <a:ext cx="8229600" cy="3976688"/>
-          </a:xfrm>
-          <a:prstGeom prst="rect">
-            <a:avLst/>
-          </a:prstGeom>
-        </p:spPr>
-        <p:txBody>
-          <a:bodyPr lIns="0" tIns="0" rIns="0" bIns="0"/>
-          <a:lstStyle/>
-          <a:p>
-            <a:pPr/>
-            <a:r>
-              <a:t>內文層級一</a:t>
-            </a:r>
-          </a:p>
-          <a:p>
-            <a:pPr lvl="1"/>
-            <a:r>
-              <a:t>內文層級二</a:t>
-            </a:r>
-          </a:p>
-          <a:p>
-            <a:pPr lvl="2"/>
-            <a:r>
-              <a:t>內文層級三</a:t>
-            </a:r>
-          </a:p>
-          <a:p>
-            <a:pPr lvl="3"/>
-            <a:r>
-              <a:t>內文層級四</a:t>
-            </a:r>
-          </a:p>
-          <a:p>
-            <a:pPr lvl="4"/>
-            <a:r>
-              <a:t>內文層級五</a:t>
-            </a:r>
-          </a:p>
-        </p:txBody>
-      </p:sp>
-      <p:sp>
-        <p:nvSpPr>
-          <p:cNvPr id="94" name="Shape 94"/>
-          <p:cNvSpPr/>
-          <p:nvPr>
-            <p:ph type="sldNum" sz="quarter" idx="2"/>
-          </p:nvPr>
-        </p:nvSpPr>
-        <p:spPr>
-          <a:xfrm>
-            <a:off x="5486400" y="6172200"/>
-            <a:ext cx="2133600" cy="368301"/>
-          </a:xfrm>
-          <a:prstGeom prst="rect">
-            <a:avLst/>
-          </a:prstGeom>
-        </p:spPr>
-        <p:txBody>
-          <a:bodyPr/>
-          <a:lstStyle/>
-          <a:p>
-            <a:pPr/>
-            <a:fld id="{86CB4B4D-7CA3-9044-876B-883B54F8677D}" type="slidenum"/>
-          </a:p>
-        </p:txBody>
-      </p:sp>
-    </p:spTree>
-  </p:cSld>
-  <p:clrMapOvr>
-    <a:masterClrMapping/>
-  </p:clrMapOvr>
-  <p:transition xmlns:p14="http://schemas.microsoft.com/office/powerpoint/2010/main" spd="med" advClick="1"/>
-</p:sldLayout>
-</file>
-
-<file path=ppt/slideLayouts/slideLayout11.xml><?xml version="1.0" encoding="utf-8"?>
-<p:sldLayout xmlns:a="http://schemas.openxmlformats.org/drawingml/2006/main" xmlns:r="http://schemas.openxmlformats.org/officeDocument/2006/relationships" xmlns:p="http://schemas.openxmlformats.org/presentationml/2006/main" type="tx" showMasterSp="1" showMasterPhAnim="1">
+<p:sldLayout xmlns:a="http://schemas.openxmlformats.org/drawingml/2006/main" xmlns:r="http://schemas.openxmlformats.org/officeDocument/2006/relationships" xmlns:p="http://schemas.openxmlformats.org/presentationml/2006/main" type="tx">
   <p:cSld name="Default">
     <p:spTree>
       <p:nvGrpSpPr>
@@ -762,7 +641,9 @@
       <p:sp>
         <p:nvSpPr>
           <p:cNvPr id="101" name="Shape 101"/>
-          <p:cNvSpPr/>
+          <p:cNvSpPr>
+            <a:spLocks noGrp="1"/>
+          </p:cNvSpPr>
           <p:nvPr>
             <p:ph type="title"/>
           </p:nvPr>
@@ -780,7 +661,6 @@
           <a:bodyPr anchor="b"/>
           <a:lstStyle/>
           <a:p>
-            <a:pPr/>
             <a:r>
               <a:t>大標題文字</a:t>
             </a:r>
@@ -790,7 +670,9 @@
       <p:sp>
         <p:nvSpPr>
           <p:cNvPr id="102" name="Shape 102"/>
-          <p:cNvSpPr/>
+          <p:cNvSpPr>
+            <a:spLocks noGrp="1"/>
+          </p:cNvSpPr>
           <p:nvPr>
             <p:ph type="body" idx="1"/>
           </p:nvPr>
@@ -808,7 +690,6 @@
           <a:bodyPr lIns="0" tIns="0" rIns="0" bIns="0"/>
           <a:lstStyle/>
           <a:p>
-            <a:pPr/>
             <a:r>
               <a:t>內文層級一</a:t>
             </a:r>
@@ -842,7 +723,9 @@
       <p:sp>
         <p:nvSpPr>
           <p:cNvPr id="103" name="Shape 103"/>
-          <p:cNvSpPr/>
+          <p:cNvSpPr>
+            <a:spLocks noGrp="1"/>
+          </p:cNvSpPr>
           <p:nvPr>
             <p:ph type="sldNum" sz="quarter" idx="2"/>
           </p:nvPr>
@@ -860,8 +743,10 @@
           <a:bodyPr/>
           <a:lstStyle/>
           <a:p>
-            <a:pPr/>
-            <a:fld id="{86CB4B4D-7CA3-9044-876B-883B54F8677D}" type="slidenum"/>
+            <a:fld id="{86CB4B4D-7CA3-9044-876B-883B54F8677D}" type="slidenum">
+              <a:t>‹#›</a:t>
+            </a:fld>
+            <a:endParaRPr/>
           </a:p>
         </p:txBody>
       </p:sp>
@@ -870,12 +755,12 @@
   <p:clrMapOvr>
     <a:masterClrMapping/>
   </p:clrMapOvr>
-  <p:transition xmlns:p14="http://schemas.microsoft.com/office/powerpoint/2010/main" spd="med" advClick="1"/>
+  <p:transition spd="med"/>
 </p:sldLayout>
 </file>
 
-<file path=ppt/slideLayouts/slideLayout12.xml><?xml version="1.0" encoding="utf-8"?>
-<p:sldLayout xmlns:a="http://schemas.openxmlformats.org/drawingml/2006/main" xmlns:r="http://schemas.openxmlformats.org/officeDocument/2006/relationships" xmlns:p="http://schemas.openxmlformats.org/presentationml/2006/main" type="tx" showMasterSp="1" showMasterPhAnim="1">
+<file path=ppt/slideLayouts/slideLayout11.xml><?xml version="1.0" encoding="utf-8"?>
+<p:sldLayout xmlns:a="http://schemas.openxmlformats.org/drawingml/2006/main" xmlns:r="http://schemas.openxmlformats.org/officeDocument/2006/relationships" xmlns:p="http://schemas.openxmlformats.org/presentationml/2006/main" type="tx">
   <p:cSld name="Default">
     <p:spTree>
       <p:nvGrpSpPr>
@@ -894,7 +779,9 @@
       <p:sp>
         <p:nvSpPr>
           <p:cNvPr id="110" name="Shape 110"/>
-          <p:cNvSpPr/>
+          <p:cNvSpPr>
+            <a:spLocks noGrp="1"/>
+          </p:cNvSpPr>
           <p:nvPr>
             <p:ph type="title"/>
           </p:nvPr>
@@ -912,7 +799,6 @@
           <a:bodyPr anchor="b"/>
           <a:lstStyle/>
           <a:p>
-            <a:pPr/>
             <a:r>
               <a:t>大標題文字</a:t>
             </a:r>
@@ -922,7 +808,9 @@
       <p:sp>
         <p:nvSpPr>
           <p:cNvPr id="111" name="Shape 111"/>
-          <p:cNvSpPr/>
+          <p:cNvSpPr>
+            <a:spLocks noGrp="1"/>
+          </p:cNvSpPr>
           <p:nvPr>
             <p:ph type="body" idx="1"/>
           </p:nvPr>
@@ -940,7 +828,6 @@
           <a:bodyPr lIns="0" tIns="0" rIns="0" bIns="0"/>
           <a:lstStyle/>
           <a:p>
-            <a:pPr/>
             <a:r>
               <a:t>內文層級一</a:t>
             </a:r>
@@ -974,7 +861,9 @@
       <p:sp>
         <p:nvSpPr>
           <p:cNvPr id="112" name="Shape 112"/>
-          <p:cNvSpPr/>
+          <p:cNvSpPr>
+            <a:spLocks noGrp="1"/>
+          </p:cNvSpPr>
           <p:nvPr>
             <p:ph type="sldNum" sz="quarter" idx="2"/>
           </p:nvPr>
@@ -992,8 +881,10 @@
           <a:bodyPr/>
           <a:lstStyle/>
           <a:p>
-            <a:pPr/>
-            <a:fld id="{86CB4B4D-7CA3-9044-876B-883B54F8677D}" type="slidenum"/>
+            <a:fld id="{86CB4B4D-7CA3-9044-876B-883B54F8677D}" type="slidenum">
+              <a:t>‹#›</a:t>
+            </a:fld>
+            <a:endParaRPr/>
           </a:p>
         </p:txBody>
       </p:sp>
@@ -1002,12 +893,12 @@
   <p:clrMapOvr>
     <a:masterClrMapping/>
   </p:clrMapOvr>
-  <p:transition xmlns:p14="http://schemas.microsoft.com/office/powerpoint/2010/main" spd="med" advClick="1"/>
+  <p:transition spd="med"/>
 </p:sldLayout>
 </file>
 
-<file path=ppt/slideLayouts/slideLayout13.xml><?xml version="1.0" encoding="utf-8"?>
-<p:sldLayout xmlns:a="http://schemas.openxmlformats.org/drawingml/2006/main" xmlns:r="http://schemas.openxmlformats.org/officeDocument/2006/relationships" xmlns:p="http://schemas.openxmlformats.org/presentationml/2006/main" type="tx" showMasterSp="1" showMasterPhAnim="1">
+<file path=ppt/slideLayouts/slideLayout12.xml><?xml version="1.0" encoding="utf-8"?>
+<p:sldLayout xmlns:a="http://schemas.openxmlformats.org/drawingml/2006/main" xmlns:r="http://schemas.openxmlformats.org/officeDocument/2006/relationships" xmlns:p="http://schemas.openxmlformats.org/presentationml/2006/main" type="tx">
   <p:cSld name="Default">
     <p:spTree>
       <p:nvGrpSpPr>
@@ -1026,7 +917,9 @@
       <p:sp>
         <p:nvSpPr>
           <p:cNvPr id="119" name="Shape 119"/>
-          <p:cNvSpPr/>
+          <p:cNvSpPr>
+            <a:spLocks noGrp="1"/>
+          </p:cNvSpPr>
           <p:nvPr>
             <p:ph type="title"/>
           </p:nvPr>
@@ -1044,7 +937,6 @@
           <a:bodyPr anchor="b"/>
           <a:lstStyle/>
           <a:p>
-            <a:pPr/>
             <a:r>
               <a:t>大標題文字</a:t>
             </a:r>
@@ -1054,7 +946,9 @@
       <p:sp>
         <p:nvSpPr>
           <p:cNvPr id="120" name="Shape 120"/>
-          <p:cNvSpPr/>
+          <p:cNvSpPr>
+            <a:spLocks noGrp="1"/>
+          </p:cNvSpPr>
           <p:nvPr>
             <p:ph type="body" idx="1"/>
           </p:nvPr>
@@ -1072,7 +966,6 @@
           <a:bodyPr lIns="0" tIns="0" rIns="0" bIns="0"/>
           <a:lstStyle/>
           <a:p>
-            <a:pPr/>
             <a:r>
               <a:t>內文層級一</a:t>
             </a:r>
@@ -1106,7 +999,9 @@
       <p:sp>
         <p:nvSpPr>
           <p:cNvPr id="121" name="Shape 121"/>
-          <p:cNvSpPr/>
+          <p:cNvSpPr>
+            <a:spLocks noGrp="1"/>
+          </p:cNvSpPr>
           <p:nvPr>
             <p:ph type="sldNum" sz="quarter" idx="2"/>
           </p:nvPr>
@@ -1124,8 +1019,10 @@
           <a:bodyPr/>
           <a:lstStyle/>
           <a:p>
-            <a:pPr/>
-            <a:fld id="{86CB4B4D-7CA3-9044-876B-883B54F8677D}" type="slidenum"/>
+            <a:fld id="{86CB4B4D-7CA3-9044-876B-883B54F8677D}" type="slidenum">
+              <a:t>‹#›</a:t>
+            </a:fld>
+            <a:endParaRPr/>
           </a:p>
         </p:txBody>
       </p:sp>
@@ -1134,12 +1031,12 @@
   <p:clrMapOvr>
     <a:masterClrMapping/>
   </p:clrMapOvr>
-  <p:transition xmlns:p14="http://schemas.microsoft.com/office/powerpoint/2010/main" spd="med" advClick="1"/>
+  <p:transition spd="med"/>
 </p:sldLayout>
 </file>
 
-<file path=ppt/slideLayouts/slideLayout14.xml><?xml version="1.0" encoding="utf-8"?>
-<p:sldLayout xmlns:a="http://schemas.openxmlformats.org/drawingml/2006/main" xmlns:r="http://schemas.openxmlformats.org/officeDocument/2006/relationships" xmlns:p="http://schemas.openxmlformats.org/presentationml/2006/main" type="tx" showMasterSp="1" showMasterPhAnim="1">
+<file path=ppt/slideLayouts/slideLayout13.xml><?xml version="1.0" encoding="utf-8"?>
+<p:sldLayout xmlns:a="http://schemas.openxmlformats.org/drawingml/2006/main" xmlns:r="http://schemas.openxmlformats.org/officeDocument/2006/relationships" xmlns:p="http://schemas.openxmlformats.org/presentationml/2006/main" type="tx">
   <p:cSld name="Default">
     <p:spTree>
       <p:nvGrpSpPr>
@@ -1216,7 +1113,9 @@
       <p:sp>
         <p:nvSpPr>
           <p:cNvPr id="130" name="Shape 130"/>
-          <p:cNvSpPr/>
+          <p:cNvSpPr>
+            <a:spLocks noGrp="1"/>
+          </p:cNvSpPr>
           <p:nvPr>
             <p:ph type="title"/>
           </p:nvPr>
@@ -1234,7 +1133,6 @@
           <a:bodyPr anchor="b"/>
           <a:lstStyle/>
           <a:p>
-            <a:pPr/>
             <a:r>
               <a:t>大標題文字</a:t>
             </a:r>
@@ -1244,7 +1142,9 @@
       <p:sp>
         <p:nvSpPr>
           <p:cNvPr id="131" name="Shape 131"/>
-          <p:cNvSpPr/>
+          <p:cNvSpPr>
+            <a:spLocks noGrp="1"/>
+          </p:cNvSpPr>
           <p:nvPr>
             <p:ph type="body" idx="1"/>
           </p:nvPr>
@@ -1262,7 +1162,6 @@
           <a:bodyPr lIns="0" tIns="0" rIns="0" bIns="0"/>
           <a:lstStyle/>
           <a:p>
-            <a:pPr/>
             <a:r>
               <a:t>內文層級一</a:t>
             </a:r>
@@ -1296,7 +1195,9 @@
       <p:sp>
         <p:nvSpPr>
           <p:cNvPr id="132" name="Shape 132"/>
-          <p:cNvSpPr/>
+          <p:cNvSpPr>
+            <a:spLocks noGrp="1"/>
+          </p:cNvSpPr>
           <p:nvPr>
             <p:ph type="sldNum" sz="quarter" idx="2"/>
           </p:nvPr>
@@ -1314,8 +1215,10 @@
           <a:bodyPr/>
           <a:lstStyle/>
           <a:p>
-            <a:pPr/>
-            <a:fld id="{86CB4B4D-7CA3-9044-876B-883B54F8677D}" type="slidenum"/>
+            <a:fld id="{86CB4B4D-7CA3-9044-876B-883B54F8677D}" type="slidenum">
+              <a:t>‹#›</a:t>
+            </a:fld>
+            <a:endParaRPr/>
           </a:p>
         </p:txBody>
       </p:sp>
@@ -1324,12 +1227,12 @@
   <p:clrMapOvr>
     <a:masterClrMapping/>
   </p:clrMapOvr>
-  <p:transition xmlns:p14="http://schemas.microsoft.com/office/powerpoint/2010/main" spd="med" advClick="1"/>
+  <p:transition spd="med"/>
 </p:sldLayout>
 </file>
 
-<file path=ppt/slideLayouts/slideLayout15.xml><?xml version="1.0" encoding="utf-8"?>
-<p:sldLayout xmlns:a="http://schemas.openxmlformats.org/drawingml/2006/main" xmlns:r="http://schemas.openxmlformats.org/officeDocument/2006/relationships" xmlns:p="http://schemas.openxmlformats.org/presentationml/2006/main" type="tx" showMasterSp="1" showMasterPhAnim="1">
+<file path=ppt/slideLayouts/slideLayout14.xml><?xml version="1.0" encoding="utf-8"?>
+<p:sldLayout xmlns:a="http://schemas.openxmlformats.org/drawingml/2006/main" xmlns:r="http://schemas.openxmlformats.org/officeDocument/2006/relationships" xmlns:p="http://schemas.openxmlformats.org/presentationml/2006/main" type="tx">
   <p:cSld name="Default">
     <p:spTree>
       <p:nvGrpSpPr>
@@ -1348,7 +1251,9 @@
       <p:sp>
         <p:nvSpPr>
           <p:cNvPr id="139" name="Shape 139"/>
-          <p:cNvSpPr/>
+          <p:cNvSpPr>
+            <a:spLocks noGrp="1"/>
+          </p:cNvSpPr>
           <p:nvPr>
             <p:ph type="sldNum" sz="quarter" idx="2"/>
           </p:nvPr>
@@ -1366,8 +1271,10 @@
           <a:bodyPr/>
           <a:lstStyle/>
           <a:p>
-            <a:pPr/>
-            <a:fld id="{86CB4B4D-7CA3-9044-876B-883B54F8677D}" type="slidenum"/>
+            <a:fld id="{86CB4B4D-7CA3-9044-876B-883B54F8677D}" type="slidenum">
+              <a:t>‹#›</a:t>
+            </a:fld>
+            <a:endParaRPr/>
           </a:p>
         </p:txBody>
       </p:sp>
@@ -1376,12 +1283,12 @@
   <p:clrMapOvr>
     <a:masterClrMapping/>
   </p:clrMapOvr>
-  <p:transition xmlns:p14="http://schemas.microsoft.com/office/powerpoint/2010/main" spd="med" advClick="1"/>
+  <p:transition spd="med"/>
 </p:sldLayout>
 </file>
 
-<file path=ppt/slideLayouts/slideLayout16.xml><?xml version="1.0" encoding="utf-8"?>
-<p:sldLayout xmlns:a="http://schemas.openxmlformats.org/drawingml/2006/main" xmlns:r="http://schemas.openxmlformats.org/officeDocument/2006/relationships" xmlns:p="http://schemas.openxmlformats.org/presentationml/2006/main" type="tx" showMasterSp="1" showMasterPhAnim="1">
+<file path=ppt/slideLayouts/slideLayout15.xml><?xml version="1.0" encoding="utf-8"?>
+<p:sldLayout xmlns:a="http://schemas.openxmlformats.org/drawingml/2006/main" xmlns:r="http://schemas.openxmlformats.org/officeDocument/2006/relationships" xmlns:p="http://schemas.openxmlformats.org/presentationml/2006/main" type="tx">
   <p:cSld name="Default">
     <p:spTree>
       <p:nvGrpSpPr>
@@ -1400,7 +1307,9 @@
       <p:sp>
         <p:nvSpPr>
           <p:cNvPr id="146" name="Shape 146"/>
-          <p:cNvSpPr/>
+          <p:cNvSpPr>
+            <a:spLocks noGrp="1"/>
+          </p:cNvSpPr>
           <p:nvPr>
             <p:ph type="title"/>
           </p:nvPr>
@@ -1414,7 +1323,6 @@
           <a:bodyPr/>
           <a:lstStyle/>
           <a:p>
-            <a:pPr/>
             <a:r>
               <a:t>大標題文字</a:t>
             </a:r>
@@ -1424,7 +1332,9 @@
       <p:sp>
         <p:nvSpPr>
           <p:cNvPr id="147" name="Shape 147"/>
-          <p:cNvSpPr/>
+          <p:cNvSpPr>
+            <a:spLocks noGrp="1"/>
+          </p:cNvSpPr>
           <p:nvPr>
             <p:ph type="body" idx="1"/>
           </p:nvPr>
@@ -1438,7 +1348,6 @@
           <a:bodyPr/>
           <a:lstStyle/>
           <a:p>
-            <a:pPr/>
             <a:r>
               <a:t>內文層級一</a:t>
             </a:r>
@@ -1472,7 +1381,9 @@
       <p:sp>
         <p:nvSpPr>
           <p:cNvPr id="148" name="Shape 148"/>
-          <p:cNvSpPr/>
+          <p:cNvSpPr>
+            <a:spLocks noGrp="1"/>
+          </p:cNvSpPr>
           <p:nvPr>
             <p:ph type="sldNum" sz="quarter" idx="2"/>
           </p:nvPr>
@@ -1490,8 +1401,10 @@
           <a:bodyPr/>
           <a:lstStyle/>
           <a:p>
-            <a:pPr/>
-            <a:fld id="{86CB4B4D-7CA3-9044-876B-883B54F8677D}" type="slidenum"/>
+            <a:fld id="{86CB4B4D-7CA3-9044-876B-883B54F8677D}" type="slidenum">
+              <a:t>‹#›</a:t>
+            </a:fld>
+            <a:endParaRPr/>
           </a:p>
         </p:txBody>
       </p:sp>
@@ -1500,12 +1413,12 @@
   <p:clrMapOvr>
     <a:masterClrMapping/>
   </p:clrMapOvr>
-  <p:transition xmlns:p14="http://schemas.microsoft.com/office/powerpoint/2010/main" spd="med" advClick="1"/>
+  <p:transition spd="med"/>
 </p:sldLayout>
 </file>
 
-<file path=ppt/slideLayouts/slideLayout17.xml><?xml version="1.0" encoding="utf-8"?>
-<p:sldLayout xmlns:a="http://schemas.openxmlformats.org/drawingml/2006/main" xmlns:r="http://schemas.openxmlformats.org/officeDocument/2006/relationships" xmlns:p="http://schemas.openxmlformats.org/presentationml/2006/main" type="tx" showMasterSp="1" showMasterPhAnim="1">
+<file path=ppt/slideLayouts/slideLayout16.xml><?xml version="1.0" encoding="utf-8"?>
+<p:sldLayout xmlns:a="http://schemas.openxmlformats.org/drawingml/2006/main" xmlns:r="http://schemas.openxmlformats.org/officeDocument/2006/relationships" xmlns:p="http://schemas.openxmlformats.org/presentationml/2006/main" type="tx">
   <p:cSld name="Default">
     <p:spTree>
       <p:nvGrpSpPr>
@@ -1524,7 +1437,9 @@
       <p:sp>
         <p:nvSpPr>
           <p:cNvPr id="155" name="Shape 155"/>
-          <p:cNvSpPr/>
+          <p:cNvSpPr>
+            <a:spLocks noGrp="1"/>
+          </p:cNvSpPr>
           <p:nvPr>
             <p:ph type="title"/>
           </p:nvPr>
@@ -1538,7 +1453,6 @@
           <a:bodyPr/>
           <a:lstStyle/>
           <a:p>
-            <a:pPr/>
             <a:r>
               <a:t>大標題文字</a:t>
             </a:r>
@@ -1548,7 +1462,9 @@
       <p:sp>
         <p:nvSpPr>
           <p:cNvPr id="156" name="Shape 156"/>
-          <p:cNvSpPr/>
+          <p:cNvSpPr>
+            <a:spLocks noGrp="1"/>
+          </p:cNvSpPr>
           <p:nvPr>
             <p:ph type="body" idx="1"/>
           </p:nvPr>
@@ -1562,7 +1478,6 @@
           <a:bodyPr/>
           <a:lstStyle/>
           <a:p>
-            <a:pPr/>
             <a:r>
               <a:t>內文層級一</a:t>
             </a:r>
@@ -1596,7 +1511,9 @@
       <p:sp>
         <p:nvSpPr>
           <p:cNvPr id="157" name="Shape 157"/>
-          <p:cNvSpPr/>
+          <p:cNvSpPr>
+            <a:spLocks noGrp="1"/>
+          </p:cNvSpPr>
           <p:nvPr>
             <p:ph type="sldNum" sz="quarter" idx="2"/>
           </p:nvPr>
@@ -1614,8 +1531,10 @@
           <a:bodyPr/>
           <a:lstStyle/>
           <a:p>
-            <a:pPr/>
-            <a:fld id="{86CB4B4D-7CA3-9044-876B-883B54F8677D}" type="slidenum"/>
+            <a:fld id="{86CB4B4D-7CA3-9044-876B-883B54F8677D}" type="slidenum">
+              <a:t>‹#›</a:t>
+            </a:fld>
+            <a:endParaRPr/>
           </a:p>
         </p:txBody>
       </p:sp>
@@ -1624,12 +1543,12 @@
   <p:clrMapOvr>
     <a:masterClrMapping/>
   </p:clrMapOvr>
-  <p:transition xmlns:p14="http://schemas.microsoft.com/office/powerpoint/2010/main" spd="med" advClick="1"/>
+  <p:transition spd="med"/>
 </p:sldLayout>
 </file>
 
-<file path=ppt/slideLayouts/slideLayout18.xml><?xml version="1.0" encoding="utf-8"?>
-<p:sldLayout xmlns:a="http://schemas.openxmlformats.org/drawingml/2006/main" xmlns:r="http://schemas.openxmlformats.org/officeDocument/2006/relationships" xmlns:p="http://schemas.openxmlformats.org/presentationml/2006/main" type="tx" showMasterSp="1" showMasterPhAnim="1">
+<file path=ppt/slideLayouts/slideLayout17.xml><?xml version="1.0" encoding="utf-8"?>
+<p:sldLayout xmlns:a="http://schemas.openxmlformats.org/drawingml/2006/main" xmlns:r="http://schemas.openxmlformats.org/officeDocument/2006/relationships" xmlns:p="http://schemas.openxmlformats.org/presentationml/2006/main" type="tx">
   <p:cSld name="Default">
     <p:spTree>
       <p:nvGrpSpPr>
@@ -1648,7 +1567,9 @@
       <p:sp>
         <p:nvSpPr>
           <p:cNvPr id="164" name="Shape 164"/>
-          <p:cNvSpPr/>
+          <p:cNvSpPr>
+            <a:spLocks noGrp="1"/>
+          </p:cNvSpPr>
           <p:nvPr>
             <p:ph type="title"/>
           </p:nvPr>
@@ -1662,7 +1583,6 @@
           <a:bodyPr/>
           <a:lstStyle/>
           <a:p>
-            <a:pPr/>
             <a:r>
               <a:t>大標題文字</a:t>
             </a:r>
@@ -1672,7 +1592,9 @@
       <p:sp>
         <p:nvSpPr>
           <p:cNvPr id="165" name="Shape 165"/>
-          <p:cNvSpPr/>
+          <p:cNvSpPr>
+            <a:spLocks noGrp="1"/>
+          </p:cNvSpPr>
           <p:nvPr>
             <p:ph type="body" idx="1"/>
           </p:nvPr>
@@ -1686,7 +1608,6 @@
           <a:bodyPr/>
           <a:lstStyle/>
           <a:p>
-            <a:pPr/>
             <a:r>
               <a:t>內文層級一</a:t>
             </a:r>
@@ -1720,7 +1641,9 @@
       <p:sp>
         <p:nvSpPr>
           <p:cNvPr id="166" name="Shape 166"/>
-          <p:cNvSpPr/>
+          <p:cNvSpPr>
+            <a:spLocks noGrp="1"/>
+          </p:cNvSpPr>
           <p:nvPr>
             <p:ph type="sldNum" sz="quarter" idx="2"/>
           </p:nvPr>
@@ -1738,8 +1661,10 @@
           <a:bodyPr/>
           <a:lstStyle/>
           <a:p>
-            <a:pPr/>
-            <a:fld id="{86CB4B4D-7CA3-9044-876B-883B54F8677D}" type="slidenum"/>
+            <a:fld id="{86CB4B4D-7CA3-9044-876B-883B54F8677D}" type="slidenum">
+              <a:t>‹#›</a:t>
+            </a:fld>
+            <a:endParaRPr/>
           </a:p>
         </p:txBody>
       </p:sp>
@@ -1748,12 +1673,12 @@
   <p:clrMapOvr>
     <a:masterClrMapping/>
   </p:clrMapOvr>
-  <p:transition xmlns:p14="http://schemas.microsoft.com/office/powerpoint/2010/main" spd="med" advClick="1"/>
+  <p:transition spd="med"/>
 </p:sldLayout>
 </file>
 
-<file path=ppt/slideLayouts/slideLayout19.xml><?xml version="1.0" encoding="utf-8"?>
-<p:sldLayout xmlns:a="http://schemas.openxmlformats.org/drawingml/2006/main" xmlns:r="http://schemas.openxmlformats.org/officeDocument/2006/relationships" xmlns:p="http://schemas.openxmlformats.org/presentationml/2006/main" type="tx" showMasterSp="1" showMasterPhAnim="1">
+<file path=ppt/slideLayouts/slideLayout18.xml><?xml version="1.0" encoding="utf-8"?>
+<p:sldLayout xmlns:a="http://schemas.openxmlformats.org/drawingml/2006/main" xmlns:r="http://schemas.openxmlformats.org/officeDocument/2006/relationships" xmlns:p="http://schemas.openxmlformats.org/presentationml/2006/main" type="tx">
   <p:cSld name="Default">
     <p:spTree>
       <p:nvGrpSpPr>
@@ -1772,7 +1697,9 @@
       <p:sp>
         <p:nvSpPr>
           <p:cNvPr id="173" name="Shape 173"/>
-          <p:cNvSpPr/>
+          <p:cNvSpPr>
+            <a:spLocks noGrp="1"/>
+          </p:cNvSpPr>
           <p:nvPr>
             <p:ph type="title"/>
           </p:nvPr>
@@ -1786,7 +1713,6 @@
           <a:bodyPr/>
           <a:lstStyle/>
           <a:p>
-            <a:pPr/>
             <a:r>
               <a:t>大標題文字</a:t>
             </a:r>
@@ -1796,7 +1722,9 @@
       <p:sp>
         <p:nvSpPr>
           <p:cNvPr id="174" name="Shape 174"/>
-          <p:cNvSpPr/>
+          <p:cNvSpPr>
+            <a:spLocks noGrp="1"/>
+          </p:cNvSpPr>
           <p:nvPr>
             <p:ph type="body" idx="1"/>
           </p:nvPr>
@@ -1810,7 +1738,6 @@
           <a:bodyPr/>
           <a:lstStyle/>
           <a:p>
-            <a:pPr/>
             <a:r>
               <a:t>內文層級一</a:t>
             </a:r>
@@ -1844,7 +1771,9 @@
       <p:sp>
         <p:nvSpPr>
           <p:cNvPr id="175" name="Shape 175"/>
-          <p:cNvSpPr/>
+          <p:cNvSpPr>
+            <a:spLocks noGrp="1"/>
+          </p:cNvSpPr>
           <p:nvPr>
             <p:ph type="sldNum" sz="quarter" idx="2"/>
           </p:nvPr>
@@ -1862,8 +1791,10 @@
           <a:bodyPr/>
           <a:lstStyle/>
           <a:p>
-            <a:pPr/>
-            <a:fld id="{86CB4B4D-7CA3-9044-876B-883B54F8677D}" type="slidenum"/>
+            <a:fld id="{86CB4B4D-7CA3-9044-876B-883B54F8677D}" type="slidenum">
+              <a:t>‹#›</a:t>
+            </a:fld>
+            <a:endParaRPr/>
           </a:p>
         </p:txBody>
       </p:sp>
@@ -1872,132 +1803,12 @@
   <p:clrMapOvr>
     <a:masterClrMapping/>
   </p:clrMapOvr>
-  <p:transition xmlns:p14="http://schemas.microsoft.com/office/powerpoint/2010/main" spd="med" advClick="1"/>
+  <p:transition spd="med"/>
 </p:sldLayout>
 </file>
 
-<file path=ppt/slideLayouts/slideLayout2.xml><?xml version="1.0" encoding="utf-8"?>
-<p:sldLayout xmlns:a="http://schemas.openxmlformats.org/drawingml/2006/main" xmlns:r="http://schemas.openxmlformats.org/officeDocument/2006/relationships" xmlns:p="http://schemas.openxmlformats.org/presentationml/2006/main" type="tx" showMasterSp="1" showMasterPhAnim="1">
-  <p:cSld name="Default">
-    <p:spTree>
-      <p:nvGrpSpPr>
-        <p:cNvPr id="1" name=""/>
-        <p:cNvGrpSpPr/>
-        <p:nvPr/>
-      </p:nvGrpSpPr>
-      <p:grpSpPr>
-        <a:xfrm>
-          <a:off x="0" y="0"/>
-          <a:ext cx="0" cy="0"/>
-          <a:chOff x="0" y="0"/>
-          <a:chExt cx="0" cy="0"/>
-        </a:xfrm>
-      </p:grpSpPr>
-      <p:sp>
-        <p:nvSpPr>
-          <p:cNvPr id="22" name="Shape 22"/>
-          <p:cNvSpPr/>
-          <p:nvPr>
-            <p:ph type="title"/>
-          </p:nvPr>
-        </p:nvSpPr>
-        <p:spPr>
-          <a:prstGeom prst="rect">
-            <a:avLst/>
-          </a:prstGeom>
-        </p:spPr>
-        <p:txBody>
-          <a:bodyPr/>
-          <a:lstStyle/>
-          <a:p>
-            <a:pPr/>
-            <a:r>
-              <a:t>大標題文字</a:t>
-            </a:r>
-          </a:p>
-        </p:txBody>
-      </p:sp>
-      <p:sp>
-        <p:nvSpPr>
-          <p:cNvPr id="23" name="Shape 23"/>
-          <p:cNvSpPr/>
-          <p:nvPr>
-            <p:ph type="body" idx="1"/>
-          </p:nvPr>
-        </p:nvSpPr>
-        <p:spPr>
-          <a:prstGeom prst="rect">
-            <a:avLst/>
-          </a:prstGeom>
-        </p:spPr>
-        <p:txBody>
-          <a:bodyPr/>
-          <a:lstStyle/>
-          <a:p>
-            <a:pPr/>
-            <a:r>
-              <a:t>內文層級一</a:t>
-            </a:r>
-          </a:p>
-          <a:p>
-            <a:pPr lvl="1"/>
-            <a:r>
-              <a:t>內文層級二</a:t>
-            </a:r>
-          </a:p>
-          <a:p>
-            <a:pPr lvl="2"/>
-            <a:r>
-              <a:t>內文層級三</a:t>
-            </a:r>
-          </a:p>
-          <a:p>
-            <a:pPr lvl="3"/>
-            <a:r>
-              <a:t>內文層級四</a:t>
-            </a:r>
-          </a:p>
-          <a:p>
-            <a:pPr lvl="4"/>
-            <a:r>
-              <a:t>內文層級五</a:t>
-            </a:r>
-          </a:p>
-        </p:txBody>
-      </p:sp>
-      <p:sp>
-        <p:nvSpPr>
-          <p:cNvPr id="24" name="Shape 24"/>
-          <p:cNvSpPr/>
-          <p:nvPr>
-            <p:ph type="sldNum" sz="quarter" idx="2"/>
-          </p:nvPr>
-        </p:nvSpPr>
-        <p:spPr>
-          <a:prstGeom prst="rect">
-            <a:avLst/>
-          </a:prstGeom>
-        </p:spPr>
-        <p:txBody>
-          <a:bodyPr/>
-          <a:lstStyle/>
-          <a:p>
-            <a:pPr/>
-            <a:fld id="{86CB4B4D-7CA3-9044-876B-883B54F8677D}" type="slidenum"/>
-          </a:p>
-        </p:txBody>
-      </p:sp>
-    </p:spTree>
-  </p:cSld>
-  <p:clrMapOvr>
-    <a:masterClrMapping/>
-  </p:clrMapOvr>
-  <p:transition xmlns:p14="http://schemas.microsoft.com/office/powerpoint/2010/main" spd="med" advClick="1"/>
-</p:sldLayout>
-</file>
-
-<file path=ppt/slideLayouts/slideLayout20.xml><?xml version="1.0" encoding="utf-8"?>
-<p:sldLayout xmlns:a="http://schemas.openxmlformats.org/drawingml/2006/main" xmlns:r="http://schemas.openxmlformats.org/officeDocument/2006/relationships" xmlns:p="http://schemas.openxmlformats.org/presentationml/2006/main" type="tx" showMasterSp="1" showMasterPhAnim="1">
+<file path=ppt/slideLayouts/slideLayout19.xml><?xml version="1.0" encoding="utf-8"?>
+<p:sldLayout xmlns:a="http://schemas.openxmlformats.org/drawingml/2006/main" xmlns:r="http://schemas.openxmlformats.org/officeDocument/2006/relationships" xmlns:p="http://schemas.openxmlformats.org/presentationml/2006/main" type="tx">
   <p:cSld name="Default">
     <p:spTree>
       <p:nvGrpSpPr>
@@ -2016,7 +1827,9 @@
       <p:sp>
         <p:nvSpPr>
           <p:cNvPr id="182" name="Shape 182"/>
-          <p:cNvSpPr/>
+          <p:cNvSpPr>
+            <a:spLocks noGrp="1"/>
+          </p:cNvSpPr>
           <p:nvPr>
             <p:ph type="title"/>
           </p:nvPr>
@@ -2030,7 +1843,6 @@
           <a:bodyPr/>
           <a:lstStyle/>
           <a:p>
-            <a:pPr/>
             <a:r>
               <a:t>大標題文字</a:t>
             </a:r>
@@ -2040,7 +1852,9 @@
       <p:sp>
         <p:nvSpPr>
           <p:cNvPr id="183" name="Shape 183"/>
-          <p:cNvSpPr/>
+          <p:cNvSpPr>
+            <a:spLocks noGrp="1"/>
+          </p:cNvSpPr>
           <p:nvPr>
             <p:ph type="body" idx="1"/>
           </p:nvPr>
@@ -2054,7 +1868,6 @@
           <a:bodyPr/>
           <a:lstStyle/>
           <a:p>
-            <a:pPr/>
             <a:r>
               <a:t>內文層級一</a:t>
             </a:r>
@@ -2088,7 +1901,9 @@
       <p:sp>
         <p:nvSpPr>
           <p:cNvPr id="184" name="Shape 184"/>
-          <p:cNvSpPr/>
+          <p:cNvSpPr>
+            <a:spLocks noGrp="1"/>
+          </p:cNvSpPr>
           <p:nvPr>
             <p:ph type="sldNum" sz="quarter" idx="2"/>
           </p:nvPr>
@@ -2106,8 +1921,10 @@
           <a:bodyPr/>
           <a:lstStyle/>
           <a:p>
-            <a:pPr/>
-            <a:fld id="{86CB4B4D-7CA3-9044-876B-883B54F8677D}" type="slidenum"/>
+            <a:fld id="{86CB4B4D-7CA3-9044-876B-883B54F8677D}" type="slidenum">
+              <a:t>‹#›</a:t>
+            </a:fld>
+            <a:endParaRPr/>
           </a:p>
         </p:txBody>
       </p:sp>
@@ -2116,12 +1933,150 @@
   <p:clrMapOvr>
     <a:masterClrMapping/>
   </p:clrMapOvr>
-  <p:transition xmlns:p14="http://schemas.microsoft.com/office/powerpoint/2010/main" spd="med" advClick="1"/>
+  <p:transition spd="med"/>
 </p:sldLayout>
 </file>
 
-<file path=ppt/slideLayouts/slideLayout21.xml><?xml version="1.0" encoding="utf-8"?>
-<p:sldLayout xmlns:a="http://schemas.openxmlformats.org/drawingml/2006/main" xmlns:r="http://schemas.openxmlformats.org/officeDocument/2006/relationships" xmlns:p="http://schemas.openxmlformats.org/presentationml/2006/main" type="tx" showMasterSp="1" showMasterPhAnim="1">
+<file path=ppt/slideLayouts/slideLayout2.xml><?xml version="1.0" encoding="utf-8"?>
+<p:sldLayout xmlns:a="http://schemas.openxmlformats.org/drawingml/2006/main" xmlns:r="http://schemas.openxmlformats.org/officeDocument/2006/relationships" xmlns:p="http://schemas.openxmlformats.org/presentationml/2006/main" type="tx">
+  <p:cSld name="Default">
+    <p:spTree>
+      <p:nvGrpSpPr>
+        <p:cNvPr id="1" name=""/>
+        <p:cNvGrpSpPr/>
+        <p:nvPr/>
+      </p:nvGrpSpPr>
+      <p:grpSpPr>
+        <a:xfrm>
+          <a:off x="0" y="0"/>
+          <a:ext cx="0" cy="0"/>
+          <a:chOff x="0" y="0"/>
+          <a:chExt cx="0" cy="0"/>
+        </a:xfrm>
+      </p:grpSpPr>
+      <p:sp>
+        <p:nvSpPr>
+          <p:cNvPr id="31" name="Shape 31"/>
+          <p:cNvSpPr>
+            <a:spLocks noGrp="1"/>
+          </p:cNvSpPr>
+          <p:nvPr>
+            <p:ph type="title"/>
+          </p:nvPr>
+        </p:nvSpPr>
+        <p:spPr>
+          <a:xfrm>
+            <a:off x="685800" y="1905000"/>
+            <a:ext cx="7543800" cy="2593975"/>
+          </a:xfrm>
+          <a:prstGeom prst="rect">
+            <a:avLst/>
+          </a:prstGeom>
+        </p:spPr>
+        <p:txBody>
+          <a:bodyPr anchor="b"/>
+          <a:lstStyle/>
+          <a:p>
+            <a:r>
+              <a:t>大標題文字</a:t>
+            </a:r>
+          </a:p>
+        </p:txBody>
+      </p:sp>
+      <p:sp>
+        <p:nvSpPr>
+          <p:cNvPr id="32" name="Shape 32"/>
+          <p:cNvSpPr>
+            <a:spLocks noGrp="1"/>
+          </p:cNvSpPr>
+          <p:nvPr>
+            <p:ph type="body" idx="1"/>
+          </p:nvPr>
+        </p:nvSpPr>
+        <p:spPr>
+          <a:xfrm>
+            <a:off x="457200" y="1604962"/>
+            <a:ext cx="8229600" cy="3976688"/>
+          </a:xfrm>
+          <a:prstGeom prst="rect">
+            <a:avLst/>
+          </a:prstGeom>
+        </p:spPr>
+        <p:txBody>
+          <a:bodyPr lIns="0" tIns="0" rIns="0" bIns="0"/>
+          <a:lstStyle/>
+          <a:p>
+            <a:r>
+              <a:t>內文層級一</a:t>
+            </a:r>
+          </a:p>
+          <a:p>
+            <a:pPr lvl="1"/>
+            <a:r>
+              <a:t>內文層級二</a:t>
+            </a:r>
+          </a:p>
+          <a:p>
+            <a:pPr lvl="2"/>
+            <a:r>
+              <a:t>內文層級三</a:t>
+            </a:r>
+          </a:p>
+          <a:p>
+            <a:pPr lvl="3"/>
+            <a:r>
+              <a:t>內文層級四</a:t>
+            </a:r>
+          </a:p>
+          <a:p>
+            <a:pPr lvl="4"/>
+            <a:r>
+              <a:t>內文層級五</a:t>
+            </a:r>
+          </a:p>
+        </p:txBody>
+      </p:sp>
+      <p:sp>
+        <p:nvSpPr>
+          <p:cNvPr id="33" name="Shape 33"/>
+          <p:cNvSpPr>
+            <a:spLocks noGrp="1"/>
+          </p:cNvSpPr>
+          <p:nvPr>
+            <p:ph type="sldNum" sz="quarter" idx="2"/>
+          </p:nvPr>
+        </p:nvSpPr>
+        <p:spPr>
+          <a:xfrm>
+            <a:off x="5486400" y="6172200"/>
+            <a:ext cx="2133600" cy="368301"/>
+          </a:xfrm>
+          <a:prstGeom prst="rect">
+            <a:avLst/>
+          </a:prstGeom>
+        </p:spPr>
+        <p:txBody>
+          <a:bodyPr/>
+          <a:lstStyle/>
+          <a:p>
+            <a:fld id="{86CB4B4D-7CA3-9044-876B-883B54F8677D}" type="slidenum">
+              <a:t>‹#›</a:t>
+            </a:fld>
+            <a:endParaRPr/>
+          </a:p>
+        </p:txBody>
+      </p:sp>
+    </p:spTree>
+  </p:cSld>
+  <p:clrMapOvr>
+    <a:masterClrMapping/>
+  </p:clrMapOvr>
+  <p:transition spd="med"/>
+</p:sldLayout>
+</file>
+
+<file path=ppt/slideLayouts/slideLayout20.xml><?xml version="1.0" encoding="utf-8"?>
+<p:sldLayout xmlns:a="http://schemas.openxmlformats.org/drawingml/2006/main" xmlns:r="http://schemas.openxmlformats.org/officeDocument/2006/relationships" xmlns:p="http://schemas.openxmlformats.org/presentationml/2006/main" type="tx">
   <p:cSld name="Default">
     <p:spTree>
       <p:nvGrpSpPr>
@@ -2140,7 +2095,9 @@
       <p:sp>
         <p:nvSpPr>
           <p:cNvPr id="191" name="Shape 191"/>
-          <p:cNvSpPr/>
+          <p:cNvSpPr>
+            <a:spLocks noGrp="1"/>
+          </p:cNvSpPr>
           <p:nvPr>
             <p:ph type="title"/>
           </p:nvPr>
@@ -2154,7 +2111,6 @@
           <a:bodyPr/>
           <a:lstStyle/>
           <a:p>
-            <a:pPr/>
             <a:r>
               <a:t>大標題文字</a:t>
             </a:r>
@@ -2164,7 +2120,9 @@
       <p:sp>
         <p:nvSpPr>
           <p:cNvPr id="192" name="Shape 192"/>
-          <p:cNvSpPr/>
+          <p:cNvSpPr>
+            <a:spLocks noGrp="1"/>
+          </p:cNvSpPr>
           <p:nvPr>
             <p:ph type="body" idx="1"/>
           </p:nvPr>
@@ -2178,7 +2136,6 @@
           <a:bodyPr/>
           <a:lstStyle/>
           <a:p>
-            <a:pPr/>
             <a:r>
               <a:t>內文層級一</a:t>
             </a:r>
@@ -2212,7 +2169,9 @@
       <p:sp>
         <p:nvSpPr>
           <p:cNvPr id="193" name="Shape 193"/>
-          <p:cNvSpPr/>
+          <p:cNvSpPr>
+            <a:spLocks noGrp="1"/>
+          </p:cNvSpPr>
           <p:nvPr>
             <p:ph type="sldNum" sz="quarter" idx="2"/>
           </p:nvPr>
@@ -2230,8 +2189,10 @@
           <a:bodyPr/>
           <a:lstStyle/>
           <a:p>
-            <a:pPr/>
-            <a:fld id="{86CB4B4D-7CA3-9044-876B-883B54F8677D}" type="slidenum"/>
+            <a:fld id="{86CB4B4D-7CA3-9044-876B-883B54F8677D}" type="slidenum">
+              <a:t>‹#›</a:t>
+            </a:fld>
+            <a:endParaRPr/>
           </a:p>
         </p:txBody>
       </p:sp>
@@ -2240,12 +2201,12 @@
   <p:clrMapOvr>
     <a:masterClrMapping/>
   </p:clrMapOvr>
-  <p:transition xmlns:p14="http://schemas.microsoft.com/office/powerpoint/2010/main" spd="med" advClick="1"/>
+  <p:transition spd="med"/>
 </p:sldLayout>
 </file>
 
-<file path=ppt/slideLayouts/slideLayout22.xml><?xml version="1.0" encoding="utf-8"?>
-<p:sldLayout xmlns:a="http://schemas.openxmlformats.org/drawingml/2006/main" xmlns:r="http://schemas.openxmlformats.org/officeDocument/2006/relationships" xmlns:p="http://schemas.openxmlformats.org/presentationml/2006/main" type="tx" showMasterSp="1" showMasterPhAnim="1">
+<file path=ppt/slideLayouts/slideLayout21.xml><?xml version="1.0" encoding="utf-8"?>
+<p:sldLayout xmlns:a="http://schemas.openxmlformats.org/drawingml/2006/main" xmlns:r="http://schemas.openxmlformats.org/officeDocument/2006/relationships" xmlns:p="http://schemas.openxmlformats.org/presentationml/2006/main" type="tx">
   <p:cSld name="Default">
     <p:spTree>
       <p:nvGrpSpPr>
@@ -2264,7 +2225,9 @@
       <p:sp>
         <p:nvSpPr>
           <p:cNvPr id="200" name="Shape 200"/>
-          <p:cNvSpPr/>
+          <p:cNvSpPr>
+            <a:spLocks noGrp="1"/>
+          </p:cNvSpPr>
           <p:nvPr>
             <p:ph type="title"/>
           </p:nvPr>
@@ -2278,7 +2241,6 @@
           <a:bodyPr/>
           <a:lstStyle/>
           <a:p>
-            <a:pPr/>
             <a:r>
               <a:t>大標題文字</a:t>
             </a:r>
@@ -2288,7 +2250,9 @@
       <p:sp>
         <p:nvSpPr>
           <p:cNvPr id="201" name="Shape 201"/>
-          <p:cNvSpPr/>
+          <p:cNvSpPr>
+            <a:spLocks noGrp="1"/>
+          </p:cNvSpPr>
           <p:nvPr>
             <p:ph type="body" idx="1"/>
           </p:nvPr>
@@ -2302,7 +2266,6 @@
           <a:bodyPr/>
           <a:lstStyle/>
           <a:p>
-            <a:pPr/>
             <a:r>
               <a:t>內文層級一</a:t>
             </a:r>
@@ -2336,7 +2299,9 @@
       <p:sp>
         <p:nvSpPr>
           <p:cNvPr id="202" name="Shape 202"/>
-          <p:cNvSpPr/>
+          <p:cNvSpPr>
+            <a:spLocks noGrp="1"/>
+          </p:cNvSpPr>
           <p:nvPr>
             <p:ph type="sldNum" sz="quarter" idx="2"/>
           </p:nvPr>
@@ -2354,8 +2319,10 @@
           <a:bodyPr/>
           <a:lstStyle/>
           <a:p>
-            <a:pPr/>
-            <a:fld id="{86CB4B4D-7CA3-9044-876B-883B54F8677D}" type="slidenum"/>
+            <a:fld id="{86CB4B4D-7CA3-9044-876B-883B54F8677D}" type="slidenum">
+              <a:t>‹#›</a:t>
+            </a:fld>
+            <a:endParaRPr/>
           </a:p>
         </p:txBody>
       </p:sp>
@@ -2364,12 +2331,12 @@
   <p:clrMapOvr>
     <a:masterClrMapping/>
   </p:clrMapOvr>
-  <p:transition xmlns:p14="http://schemas.microsoft.com/office/powerpoint/2010/main" spd="med" advClick="1"/>
+  <p:transition spd="med"/>
 </p:sldLayout>
 </file>
 
-<file path=ppt/slideLayouts/slideLayout23.xml><?xml version="1.0" encoding="utf-8"?>
-<p:sldLayout xmlns:a="http://schemas.openxmlformats.org/drawingml/2006/main" xmlns:r="http://schemas.openxmlformats.org/officeDocument/2006/relationships" xmlns:p="http://schemas.openxmlformats.org/presentationml/2006/main" type="tx" showMasterSp="1" showMasterPhAnim="1">
+<file path=ppt/slideLayouts/slideLayout22.xml><?xml version="1.0" encoding="utf-8"?>
+<p:sldLayout xmlns:a="http://schemas.openxmlformats.org/drawingml/2006/main" xmlns:r="http://schemas.openxmlformats.org/officeDocument/2006/relationships" xmlns:p="http://schemas.openxmlformats.org/presentationml/2006/main" type="tx">
   <p:cSld name="Default">
     <p:spTree>
       <p:nvGrpSpPr>
@@ -2388,7 +2355,9 @@
       <p:sp>
         <p:nvSpPr>
           <p:cNvPr id="209" name="Shape 209"/>
-          <p:cNvSpPr/>
+          <p:cNvSpPr>
+            <a:spLocks noGrp="1"/>
+          </p:cNvSpPr>
           <p:nvPr>
             <p:ph type="title"/>
           </p:nvPr>
@@ -2402,7 +2371,6 @@
           <a:bodyPr/>
           <a:lstStyle/>
           <a:p>
-            <a:pPr/>
             <a:r>
               <a:t>大標題文字</a:t>
             </a:r>
@@ -2412,7 +2380,9 @@
       <p:sp>
         <p:nvSpPr>
           <p:cNvPr id="210" name="Shape 210"/>
-          <p:cNvSpPr/>
+          <p:cNvSpPr>
+            <a:spLocks noGrp="1"/>
+          </p:cNvSpPr>
           <p:nvPr>
             <p:ph type="body" idx="1"/>
           </p:nvPr>
@@ -2426,7 +2396,6 @@
           <a:bodyPr/>
           <a:lstStyle/>
           <a:p>
-            <a:pPr/>
             <a:r>
               <a:t>內文層級一</a:t>
             </a:r>
@@ -2460,7 +2429,9 @@
       <p:sp>
         <p:nvSpPr>
           <p:cNvPr id="211" name="Shape 211"/>
-          <p:cNvSpPr/>
+          <p:cNvSpPr>
+            <a:spLocks noGrp="1"/>
+          </p:cNvSpPr>
           <p:nvPr>
             <p:ph type="sldNum" sz="quarter" idx="2"/>
           </p:nvPr>
@@ -2478,8 +2449,10 @@
           <a:bodyPr/>
           <a:lstStyle/>
           <a:p>
-            <a:pPr/>
-            <a:fld id="{86CB4B4D-7CA3-9044-876B-883B54F8677D}" type="slidenum"/>
+            <a:fld id="{86CB4B4D-7CA3-9044-876B-883B54F8677D}" type="slidenum">
+              <a:t>‹#›</a:t>
+            </a:fld>
+            <a:endParaRPr/>
           </a:p>
         </p:txBody>
       </p:sp>
@@ -2488,12 +2461,12 @@
   <p:clrMapOvr>
     <a:masterClrMapping/>
   </p:clrMapOvr>
-  <p:transition xmlns:p14="http://schemas.microsoft.com/office/powerpoint/2010/main" spd="med" advClick="1"/>
+  <p:transition spd="med"/>
 </p:sldLayout>
 </file>
 
-<file path=ppt/slideLayouts/slideLayout24.xml><?xml version="1.0" encoding="utf-8"?>
-<p:sldLayout xmlns:a="http://schemas.openxmlformats.org/drawingml/2006/main" xmlns:r="http://schemas.openxmlformats.org/officeDocument/2006/relationships" xmlns:p="http://schemas.openxmlformats.org/presentationml/2006/main" type="tx" showMasterSp="1" showMasterPhAnim="1">
+<file path=ppt/slideLayouts/slideLayout23.xml><?xml version="1.0" encoding="utf-8"?>
+<p:sldLayout xmlns:a="http://schemas.openxmlformats.org/drawingml/2006/main" xmlns:r="http://schemas.openxmlformats.org/officeDocument/2006/relationships" xmlns:p="http://schemas.openxmlformats.org/presentationml/2006/main" type="tx">
   <p:cSld name="Default">
     <p:spTree>
       <p:nvGrpSpPr>
@@ -2512,7 +2485,9 @@
       <p:sp>
         <p:nvSpPr>
           <p:cNvPr id="218" name="Shape 218"/>
-          <p:cNvSpPr/>
+          <p:cNvSpPr>
+            <a:spLocks noGrp="1"/>
+          </p:cNvSpPr>
           <p:nvPr>
             <p:ph type="title"/>
           </p:nvPr>
@@ -2526,7 +2501,6 @@
           <a:bodyPr/>
           <a:lstStyle/>
           <a:p>
-            <a:pPr/>
             <a:r>
               <a:t>大標題文字</a:t>
             </a:r>
@@ -2536,7 +2510,9 @@
       <p:sp>
         <p:nvSpPr>
           <p:cNvPr id="219" name="Shape 219"/>
-          <p:cNvSpPr/>
+          <p:cNvSpPr>
+            <a:spLocks noGrp="1"/>
+          </p:cNvSpPr>
           <p:nvPr>
             <p:ph type="body" idx="1"/>
           </p:nvPr>
@@ -2550,7 +2526,6 @@
           <a:bodyPr/>
           <a:lstStyle/>
           <a:p>
-            <a:pPr/>
             <a:r>
               <a:t>內文層級一</a:t>
             </a:r>
@@ -2584,7 +2559,9 @@
       <p:sp>
         <p:nvSpPr>
           <p:cNvPr id="220" name="Shape 220"/>
-          <p:cNvSpPr/>
+          <p:cNvSpPr>
+            <a:spLocks noGrp="1"/>
+          </p:cNvSpPr>
           <p:nvPr>
             <p:ph type="sldNum" sz="quarter" idx="2"/>
           </p:nvPr>
@@ -2602,8 +2579,10 @@
           <a:bodyPr/>
           <a:lstStyle/>
           <a:p>
-            <a:pPr/>
-            <a:fld id="{86CB4B4D-7CA3-9044-876B-883B54F8677D}" type="slidenum"/>
+            <a:fld id="{86CB4B4D-7CA3-9044-876B-883B54F8677D}" type="slidenum">
+              <a:t>‹#›</a:t>
+            </a:fld>
+            <a:endParaRPr/>
           </a:p>
         </p:txBody>
       </p:sp>
@@ -2612,12 +2591,12 @@
   <p:clrMapOvr>
     <a:masterClrMapping/>
   </p:clrMapOvr>
-  <p:transition xmlns:p14="http://schemas.microsoft.com/office/powerpoint/2010/main" spd="med" advClick="1"/>
+  <p:transition spd="med"/>
 </p:sldLayout>
 </file>
 
-<file path=ppt/slideLayouts/slideLayout25.xml><?xml version="1.0" encoding="utf-8"?>
-<p:sldLayout xmlns:a="http://schemas.openxmlformats.org/drawingml/2006/main" xmlns:r="http://schemas.openxmlformats.org/officeDocument/2006/relationships" xmlns:p="http://schemas.openxmlformats.org/presentationml/2006/main" type="tx" showMasterSp="1" showMasterPhAnim="1">
+<file path=ppt/slideLayouts/slideLayout24.xml><?xml version="1.0" encoding="utf-8"?>
+<p:sldLayout xmlns:a="http://schemas.openxmlformats.org/drawingml/2006/main" xmlns:r="http://schemas.openxmlformats.org/officeDocument/2006/relationships" xmlns:p="http://schemas.openxmlformats.org/presentationml/2006/main" type="tx">
   <p:cSld name="Default">
     <p:spTree>
       <p:nvGrpSpPr>
@@ -2636,7 +2615,9 @@
       <p:sp>
         <p:nvSpPr>
           <p:cNvPr id="227" name="Shape 227"/>
-          <p:cNvSpPr/>
+          <p:cNvSpPr>
+            <a:spLocks noGrp="1"/>
+          </p:cNvSpPr>
           <p:nvPr>
             <p:ph type="title"/>
           </p:nvPr>
@@ -2650,7 +2631,6 @@
           <a:bodyPr/>
           <a:lstStyle/>
           <a:p>
-            <a:pPr/>
             <a:r>
               <a:t>大標題文字</a:t>
             </a:r>
@@ -2660,7 +2640,9 @@
       <p:sp>
         <p:nvSpPr>
           <p:cNvPr id="228" name="Shape 228"/>
-          <p:cNvSpPr/>
+          <p:cNvSpPr>
+            <a:spLocks noGrp="1"/>
+          </p:cNvSpPr>
           <p:nvPr>
             <p:ph type="body" idx="1"/>
           </p:nvPr>
@@ -2674,7 +2656,6 @@
           <a:bodyPr/>
           <a:lstStyle/>
           <a:p>
-            <a:pPr/>
             <a:r>
               <a:t>內文層級一</a:t>
             </a:r>
@@ -2708,7 +2689,9 @@
       <p:sp>
         <p:nvSpPr>
           <p:cNvPr id="229" name="Shape 229"/>
-          <p:cNvSpPr/>
+          <p:cNvSpPr>
+            <a:spLocks noGrp="1"/>
+          </p:cNvSpPr>
           <p:nvPr>
             <p:ph type="sldNum" sz="quarter" idx="2"/>
           </p:nvPr>
@@ -2726,8 +2709,10 @@
           <a:bodyPr/>
           <a:lstStyle/>
           <a:p>
-            <a:pPr/>
-            <a:fld id="{86CB4B4D-7CA3-9044-876B-883B54F8677D}" type="slidenum"/>
+            <a:fld id="{86CB4B4D-7CA3-9044-876B-883B54F8677D}" type="slidenum">
+              <a:t>‹#›</a:t>
+            </a:fld>
+            <a:endParaRPr/>
           </a:p>
         </p:txBody>
       </p:sp>
@@ -2736,12 +2721,12 @@
   <p:clrMapOvr>
     <a:masterClrMapping/>
   </p:clrMapOvr>
-  <p:transition xmlns:p14="http://schemas.microsoft.com/office/powerpoint/2010/main" spd="med" advClick="1"/>
+  <p:transition spd="med"/>
 </p:sldLayout>
 </file>
 
-<file path=ppt/slideLayouts/slideLayout26.xml><?xml version="1.0" encoding="utf-8"?>
-<p:sldLayout xmlns:a="http://schemas.openxmlformats.org/drawingml/2006/main" xmlns:r="http://schemas.openxmlformats.org/officeDocument/2006/relationships" xmlns:p="http://schemas.openxmlformats.org/presentationml/2006/main" type="tx" showMasterSp="1" showMasterPhAnim="1">
+<file path=ppt/slideLayouts/slideLayout25.xml><?xml version="1.0" encoding="utf-8"?>
+<p:sldLayout xmlns:a="http://schemas.openxmlformats.org/drawingml/2006/main" xmlns:r="http://schemas.openxmlformats.org/officeDocument/2006/relationships" xmlns:p="http://schemas.openxmlformats.org/presentationml/2006/main" type="tx">
   <p:cSld name="Default">
     <p:spTree>
       <p:nvGrpSpPr>
@@ -2818,7 +2803,9 @@
       <p:sp>
         <p:nvSpPr>
           <p:cNvPr id="238" name="Shape 238"/>
-          <p:cNvSpPr/>
+          <p:cNvSpPr>
+            <a:spLocks noGrp="1"/>
+          </p:cNvSpPr>
           <p:nvPr>
             <p:ph type="title"/>
           </p:nvPr>
@@ -2832,7 +2819,6 @@
           <a:bodyPr/>
           <a:lstStyle/>
           <a:p>
-            <a:pPr/>
             <a:r>
               <a:t>大標題文字</a:t>
             </a:r>
@@ -2842,7 +2828,9 @@
       <p:sp>
         <p:nvSpPr>
           <p:cNvPr id="239" name="Shape 239"/>
-          <p:cNvSpPr/>
+          <p:cNvSpPr>
+            <a:spLocks noGrp="1"/>
+          </p:cNvSpPr>
           <p:nvPr>
             <p:ph type="body" idx="1"/>
           </p:nvPr>
@@ -2856,7 +2844,6 @@
           <a:bodyPr/>
           <a:lstStyle/>
           <a:p>
-            <a:pPr/>
             <a:r>
               <a:t>內文層級一</a:t>
             </a:r>
@@ -2890,7 +2877,9 @@
       <p:sp>
         <p:nvSpPr>
           <p:cNvPr id="240" name="Shape 240"/>
-          <p:cNvSpPr/>
+          <p:cNvSpPr>
+            <a:spLocks noGrp="1"/>
+          </p:cNvSpPr>
           <p:nvPr>
             <p:ph type="sldNum" sz="quarter" idx="2"/>
           </p:nvPr>
@@ -2908,8 +2897,10 @@
           <a:bodyPr/>
           <a:lstStyle/>
           <a:p>
-            <a:pPr/>
-            <a:fld id="{86CB4B4D-7CA3-9044-876B-883B54F8677D}" type="slidenum"/>
+            <a:fld id="{86CB4B4D-7CA3-9044-876B-883B54F8677D}" type="slidenum">
+              <a:t>‹#›</a:t>
+            </a:fld>
+            <a:endParaRPr/>
           </a:p>
         </p:txBody>
       </p:sp>
@@ -2918,144 +2909,12 @@
   <p:clrMapOvr>
     <a:masterClrMapping/>
   </p:clrMapOvr>
-  <p:transition xmlns:p14="http://schemas.microsoft.com/office/powerpoint/2010/main" spd="med" advClick="1"/>
+  <p:transition spd="med"/>
 </p:sldLayout>
 </file>
 
 <file path=ppt/slideLayouts/slideLayout3.xml><?xml version="1.0" encoding="utf-8"?>
-<p:sldLayout xmlns:a="http://schemas.openxmlformats.org/drawingml/2006/main" xmlns:r="http://schemas.openxmlformats.org/officeDocument/2006/relationships" xmlns:p="http://schemas.openxmlformats.org/presentationml/2006/main" type="tx" showMasterSp="1" showMasterPhAnim="1">
-  <p:cSld name="Default">
-    <p:spTree>
-      <p:nvGrpSpPr>
-        <p:cNvPr id="1" name=""/>
-        <p:cNvGrpSpPr/>
-        <p:nvPr/>
-      </p:nvGrpSpPr>
-      <p:grpSpPr>
-        <a:xfrm>
-          <a:off x="0" y="0"/>
-          <a:ext cx="0" cy="0"/>
-          <a:chOff x="0" y="0"/>
-          <a:chExt cx="0" cy="0"/>
-        </a:xfrm>
-      </p:grpSpPr>
-      <p:sp>
-        <p:nvSpPr>
-          <p:cNvPr id="31" name="Shape 31"/>
-          <p:cNvSpPr/>
-          <p:nvPr>
-            <p:ph type="title"/>
-          </p:nvPr>
-        </p:nvSpPr>
-        <p:spPr>
-          <a:xfrm>
-            <a:off x="685800" y="1905000"/>
-            <a:ext cx="7543800" cy="2593975"/>
-          </a:xfrm>
-          <a:prstGeom prst="rect">
-            <a:avLst/>
-          </a:prstGeom>
-        </p:spPr>
-        <p:txBody>
-          <a:bodyPr anchor="b"/>
-          <a:lstStyle/>
-          <a:p>
-            <a:pPr/>
-            <a:r>
-              <a:t>大標題文字</a:t>
-            </a:r>
-          </a:p>
-        </p:txBody>
-      </p:sp>
-      <p:sp>
-        <p:nvSpPr>
-          <p:cNvPr id="32" name="Shape 32"/>
-          <p:cNvSpPr/>
-          <p:nvPr>
-            <p:ph type="body" idx="1"/>
-          </p:nvPr>
-        </p:nvSpPr>
-        <p:spPr>
-          <a:xfrm>
-            <a:off x="457200" y="1604962"/>
-            <a:ext cx="8229600" cy="3976688"/>
-          </a:xfrm>
-          <a:prstGeom prst="rect">
-            <a:avLst/>
-          </a:prstGeom>
-        </p:spPr>
-        <p:txBody>
-          <a:bodyPr lIns="0" tIns="0" rIns="0" bIns="0"/>
-          <a:lstStyle/>
-          <a:p>
-            <a:pPr/>
-            <a:r>
-              <a:t>內文層級一</a:t>
-            </a:r>
-          </a:p>
-          <a:p>
-            <a:pPr lvl="1"/>
-            <a:r>
-              <a:t>內文層級二</a:t>
-            </a:r>
-          </a:p>
-          <a:p>
-            <a:pPr lvl="2"/>
-            <a:r>
-              <a:t>內文層級三</a:t>
-            </a:r>
-          </a:p>
-          <a:p>
-            <a:pPr lvl="3"/>
-            <a:r>
-              <a:t>內文層級四</a:t>
-            </a:r>
-          </a:p>
-          <a:p>
-            <a:pPr lvl="4"/>
-            <a:r>
-              <a:t>內文層級五</a:t>
-            </a:r>
-          </a:p>
-        </p:txBody>
-      </p:sp>
-      <p:sp>
-        <p:nvSpPr>
-          <p:cNvPr id="33" name="Shape 33"/>
-          <p:cNvSpPr/>
-          <p:nvPr>
-            <p:ph type="sldNum" sz="quarter" idx="2"/>
-          </p:nvPr>
-        </p:nvSpPr>
-        <p:spPr>
-          <a:xfrm>
-            <a:off x="5486400" y="6172200"/>
-            <a:ext cx="2133600" cy="368301"/>
-          </a:xfrm>
-          <a:prstGeom prst="rect">
-            <a:avLst/>
-          </a:prstGeom>
-        </p:spPr>
-        <p:txBody>
-          <a:bodyPr/>
-          <a:lstStyle/>
-          <a:p>
-            <a:pPr/>
-            <a:fld id="{86CB4B4D-7CA3-9044-876B-883B54F8677D}" type="slidenum"/>
-          </a:p>
-        </p:txBody>
-      </p:sp>
-    </p:spTree>
-  </p:cSld>
-  <p:clrMapOvr>
-    <a:masterClrMapping/>
-  </p:clrMapOvr>
-  <p:transition xmlns:p14="http://schemas.microsoft.com/office/powerpoint/2010/main" spd="med" advClick="1"/>
-</p:sldLayout>
-</file>
-
-<file path=ppt/slideLayouts/slideLayout4.xml><?xml version="1.0" encoding="utf-8"?>
-<p:sldLayout xmlns:a="http://schemas.openxmlformats.org/drawingml/2006/main" xmlns:r="http://schemas.openxmlformats.org/officeDocument/2006/relationships" xmlns:p="http://schemas.openxmlformats.org/presentationml/2006/main" type="tx" showMasterSp="1" showMasterPhAnim="1">
+<p:sldLayout xmlns:a="http://schemas.openxmlformats.org/drawingml/2006/main" xmlns:r="http://schemas.openxmlformats.org/officeDocument/2006/relationships" xmlns:p="http://schemas.openxmlformats.org/presentationml/2006/main" type="tx">
   <p:cSld name="Default">
     <p:spTree>
       <p:nvGrpSpPr>
@@ -3074,7 +2933,9 @@
       <p:sp>
         <p:nvSpPr>
           <p:cNvPr id="40" name="Shape 40"/>
-          <p:cNvSpPr/>
+          <p:cNvSpPr>
+            <a:spLocks noGrp="1"/>
+          </p:cNvSpPr>
           <p:nvPr>
             <p:ph type="sldNum" sz="quarter" idx="2"/>
           </p:nvPr>
@@ -3092,8 +2953,10 @@
           <a:bodyPr/>
           <a:lstStyle/>
           <a:p>
-            <a:pPr/>
-            <a:fld id="{86CB4B4D-7CA3-9044-876B-883B54F8677D}" type="slidenum"/>
+            <a:fld id="{86CB4B4D-7CA3-9044-876B-883B54F8677D}" type="slidenum">
+              <a:t>‹#›</a:t>
+            </a:fld>
+            <a:endParaRPr/>
           </a:p>
         </p:txBody>
       </p:sp>
@@ -3102,12 +2965,12 @@
   <p:clrMapOvr>
     <a:masterClrMapping/>
   </p:clrMapOvr>
-  <p:transition xmlns:p14="http://schemas.microsoft.com/office/powerpoint/2010/main" spd="med" advClick="1"/>
+  <p:transition spd="med"/>
 </p:sldLayout>
 </file>
 
-<file path=ppt/slideLayouts/slideLayout5.xml><?xml version="1.0" encoding="utf-8"?>
-<p:sldLayout xmlns:a="http://schemas.openxmlformats.org/drawingml/2006/main" xmlns:r="http://schemas.openxmlformats.org/officeDocument/2006/relationships" xmlns:p="http://schemas.openxmlformats.org/presentationml/2006/main" type="tx" showMasterSp="1" showMasterPhAnim="1">
+<file path=ppt/slideLayouts/slideLayout4.xml><?xml version="1.0" encoding="utf-8"?>
+<p:sldLayout xmlns:a="http://schemas.openxmlformats.org/drawingml/2006/main" xmlns:r="http://schemas.openxmlformats.org/officeDocument/2006/relationships" xmlns:p="http://schemas.openxmlformats.org/presentationml/2006/main" type="tx">
   <p:cSld name="Default">
     <p:spTree>
       <p:nvGrpSpPr>
@@ -3126,7 +2989,9 @@
       <p:sp>
         <p:nvSpPr>
           <p:cNvPr id="47" name="Shape 47"/>
-          <p:cNvSpPr/>
+          <p:cNvSpPr>
+            <a:spLocks noGrp="1"/>
+          </p:cNvSpPr>
           <p:nvPr>
             <p:ph type="title"/>
           </p:nvPr>
@@ -3144,7 +3009,6 @@
           <a:bodyPr anchor="b"/>
           <a:lstStyle/>
           <a:p>
-            <a:pPr/>
             <a:r>
               <a:t>大標題文字</a:t>
             </a:r>
@@ -3154,7 +3018,9 @@
       <p:sp>
         <p:nvSpPr>
           <p:cNvPr id="48" name="Shape 48"/>
-          <p:cNvSpPr/>
+          <p:cNvSpPr>
+            <a:spLocks noGrp="1"/>
+          </p:cNvSpPr>
           <p:nvPr>
             <p:ph type="body" idx="1"/>
           </p:nvPr>
@@ -3172,7 +3038,6 @@
           <a:bodyPr lIns="0" tIns="0" rIns="0" bIns="0"/>
           <a:lstStyle/>
           <a:p>
-            <a:pPr/>
             <a:r>
               <a:t>內文層級一</a:t>
             </a:r>
@@ -3206,7 +3071,9 @@
       <p:sp>
         <p:nvSpPr>
           <p:cNvPr id="49" name="Shape 49"/>
-          <p:cNvSpPr/>
+          <p:cNvSpPr>
+            <a:spLocks noGrp="1"/>
+          </p:cNvSpPr>
           <p:nvPr>
             <p:ph type="sldNum" sz="quarter" idx="2"/>
           </p:nvPr>
@@ -3224,8 +3091,10 @@
           <a:bodyPr/>
           <a:lstStyle/>
           <a:p>
-            <a:pPr/>
-            <a:fld id="{86CB4B4D-7CA3-9044-876B-883B54F8677D}" type="slidenum"/>
+            <a:fld id="{86CB4B4D-7CA3-9044-876B-883B54F8677D}" type="slidenum">
+              <a:t>‹#›</a:t>
+            </a:fld>
+            <a:endParaRPr/>
           </a:p>
         </p:txBody>
       </p:sp>
@@ -3234,12 +3103,12 @@
   <p:clrMapOvr>
     <a:masterClrMapping/>
   </p:clrMapOvr>
-  <p:transition xmlns:p14="http://schemas.microsoft.com/office/powerpoint/2010/main" spd="med" advClick="1"/>
+  <p:transition spd="med"/>
 </p:sldLayout>
 </file>
 
-<file path=ppt/slideLayouts/slideLayout6.xml><?xml version="1.0" encoding="utf-8"?>
-<p:sldLayout xmlns:a="http://schemas.openxmlformats.org/drawingml/2006/main" xmlns:r="http://schemas.openxmlformats.org/officeDocument/2006/relationships" xmlns:p="http://schemas.openxmlformats.org/presentationml/2006/main" type="tx" showMasterSp="1" showMasterPhAnim="1">
+<file path=ppt/slideLayouts/slideLayout5.xml><?xml version="1.0" encoding="utf-8"?>
+<p:sldLayout xmlns:a="http://schemas.openxmlformats.org/drawingml/2006/main" xmlns:r="http://schemas.openxmlformats.org/officeDocument/2006/relationships" xmlns:p="http://schemas.openxmlformats.org/presentationml/2006/main" type="tx">
   <p:cSld name="Default">
     <p:spTree>
       <p:nvGrpSpPr>
@@ -3258,7 +3127,9 @@
       <p:sp>
         <p:nvSpPr>
           <p:cNvPr id="56" name="Shape 56"/>
-          <p:cNvSpPr/>
+          <p:cNvSpPr>
+            <a:spLocks noGrp="1"/>
+          </p:cNvSpPr>
           <p:nvPr>
             <p:ph type="title"/>
           </p:nvPr>
@@ -3276,7 +3147,6 @@
           <a:bodyPr anchor="b"/>
           <a:lstStyle/>
           <a:p>
-            <a:pPr/>
             <a:r>
               <a:t>大標題文字</a:t>
             </a:r>
@@ -3286,7 +3156,9 @@
       <p:sp>
         <p:nvSpPr>
           <p:cNvPr id="57" name="Shape 57"/>
-          <p:cNvSpPr/>
+          <p:cNvSpPr>
+            <a:spLocks noGrp="1"/>
+          </p:cNvSpPr>
           <p:nvPr>
             <p:ph type="body" idx="1"/>
           </p:nvPr>
@@ -3304,7 +3176,6 @@
           <a:bodyPr lIns="0" tIns="0" rIns="0" bIns="0"/>
           <a:lstStyle/>
           <a:p>
-            <a:pPr/>
             <a:r>
               <a:t>內文層級一</a:t>
             </a:r>
@@ -3338,7 +3209,9 @@
       <p:sp>
         <p:nvSpPr>
           <p:cNvPr id="58" name="Shape 58"/>
-          <p:cNvSpPr/>
+          <p:cNvSpPr>
+            <a:spLocks noGrp="1"/>
+          </p:cNvSpPr>
           <p:nvPr>
             <p:ph type="sldNum" sz="quarter" idx="2"/>
           </p:nvPr>
@@ -3356,8 +3229,10 @@
           <a:bodyPr/>
           <a:lstStyle/>
           <a:p>
-            <a:pPr/>
-            <a:fld id="{86CB4B4D-7CA3-9044-876B-883B54F8677D}" type="slidenum"/>
+            <a:fld id="{86CB4B4D-7CA3-9044-876B-883B54F8677D}" type="slidenum">
+              <a:t>‹#›</a:t>
+            </a:fld>
+            <a:endParaRPr/>
           </a:p>
         </p:txBody>
       </p:sp>
@@ -3366,12 +3241,12 @@
   <p:clrMapOvr>
     <a:masterClrMapping/>
   </p:clrMapOvr>
-  <p:transition xmlns:p14="http://schemas.microsoft.com/office/powerpoint/2010/main" spd="med" advClick="1"/>
+  <p:transition spd="med"/>
 </p:sldLayout>
 </file>
 
-<file path=ppt/slideLayouts/slideLayout7.xml><?xml version="1.0" encoding="utf-8"?>
-<p:sldLayout xmlns:a="http://schemas.openxmlformats.org/drawingml/2006/main" xmlns:r="http://schemas.openxmlformats.org/officeDocument/2006/relationships" xmlns:p="http://schemas.openxmlformats.org/presentationml/2006/main" type="tx" showMasterSp="1" showMasterPhAnim="1">
+<file path=ppt/slideLayouts/slideLayout6.xml><?xml version="1.0" encoding="utf-8"?>
+<p:sldLayout xmlns:a="http://schemas.openxmlformats.org/drawingml/2006/main" xmlns:r="http://schemas.openxmlformats.org/officeDocument/2006/relationships" xmlns:p="http://schemas.openxmlformats.org/presentationml/2006/main" type="tx">
   <p:cSld name="Default">
     <p:spTree>
       <p:nvGrpSpPr>
@@ -3390,7 +3265,9 @@
       <p:sp>
         <p:nvSpPr>
           <p:cNvPr id="65" name="Shape 65"/>
-          <p:cNvSpPr/>
+          <p:cNvSpPr>
+            <a:spLocks noGrp="1"/>
+          </p:cNvSpPr>
           <p:nvPr>
             <p:ph type="title"/>
           </p:nvPr>
@@ -3408,7 +3285,6 @@
           <a:bodyPr anchor="b"/>
           <a:lstStyle/>
           <a:p>
-            <a:pPr/>
             <a:r>
               <a:t>大標題文字</a:t>
             </a:r>
@@ -3418,7 +3294,9 @@
       <p:sp>
         <p:nvSpPr>
           <p:cNvPr id="66" name="Shape 66"/>
-          <p:cNvSpPr/>
+          <p:cNvSpPr>
+            <a:spLocks noGrp="1"/>
+          </p:cNvSpPr>
           <p:nvPr>
             <p:ph type="body" idx="1"/>
           </p:nvPr>
@@ -3436,7 +3314,6 @@
           <a:bodyPr lIns="0" tIns="0" rIns="0" bIns="0"/>
           <a:lstStyle/>
           <a:p>
-            <a:pPr/>
             <a:r>
               <a:t>內文層級一</a:t>
             </a:r>
@@ -3470,7 +3347,9 @@
       <p:sp>
         <p:nvSpPr>
           <p:cNvPr id="67" name="Shape 67"/>
-          <p:cNvSpPr/>
+          <p:cNvSpPr>
+            <a:spLocks noGrp="1"/>
+          </p:cNvSpPr>
           <p:nvPr>
             <p:ph type="sldNum" sz="quarter" idx="2"/>
           </p:nvPr>
@@ -3488,8 +3367,10 @@
           <a:bodyPr/>
           <a:lstStyle/>
           <a:p>
-            <a:pPr/>
-            <a:fld id="{86CB4B4D-7CA3-9044-876B-883B54F8677D}" type="slidenum"/>
+            <a:fld id="{86CB4B4D-7CA3-9044-876B-883B54F8677D}" type="slidenum">
+              <a:t>‹#›</a:t>
+            </a:fld>
+            <a:endParaRPr/>
           </a:p>
         </p:txBody>
       </p:sp>
@@ -3498,12 +3379,12 @@
   <p:clrMapOvr>
     <a:masterClrMapping/>
   </p:clrMapOvr>
-  <p:transition xmlns:p14="http://schemas.microsoft.com/office/powerpoint/2010/main" spd="med" advClick="1"/>
+  <p:transition spd="med"/>
 </p:sldLayout>
 </file>
 
-<file path=ppt/slideLayouts/slideLayout8.xml><?xml version="1.0" encoding="utf-8"?>
-<p:sldLayout xmlns:a="http://schemas.openxmlformats.org/drawingml/2006/main" xmlns:r="http://schemas.openxmlformats.org/officeDocument/2006/relationships" xmlns:p="http://schemas.openxmlformats.org/presentationml/2006/main" type="tx" showMasterSp="1" showMasterPhAnim="1">
+<file path=ppt/slideLayouts/slideLayout7.xml><?xml version="1.0" encoding="utf-8"?>
+<p:sldLayout xmlns:a="http://schemas.openxmlformats.org/drawingml/2006/main" xmlns:r="http://schemas.openxmlformats.org/officeDocument/2006/relationships" xmlns:p="http://schemas.openxmlformats.org/presentationml/2006/main" type="tx">
   <p:cSld name="Default">
     <p:spTree>
       <p:nvGrpSpPr>
@@ -3522,7 +3403,9 @@
       <p:sp>
         <p:nvSpPr>
           <p:cNvPr id="74" name="Shape 74"/>
-          <p:cNvSpPr/>
+          <p:cNvSpPr>
+            <a:spLocks noGrp="1"/>
+          </p:cNvSpPr>
           <p:nvPr>
             <p:ph type="title"/>
           </p:nvPr>
@@ -3540,7 +3423,6 @@
           <a:bodyPr anchor="b"/>
           <a:lstStyle/>
           <a:p>
-            <a:pPr/>
             <a:r>
               <a:t>大標題文字</a:t>
             </a:r>
@@ -3550,7 +3432,9 @@
       <p:sp>
         <p:nvSpPr>
           <p:cNvPr id="75" name="Shape 75"/>
-          <p:cNvSpPr/>
+          <p:cNvSpPr>
+            <a:spLocks noGrp="1"/>
+          </p:cNvSpPr>
           <p:nvPr>
             <p:ph type="body" idx="1"/>
           </p:nvPr>
@@ -3568,7 +3452,6 @@
           <a:bodyPr lIns="0" tIns="0" rIns="0" bIns="0"/>
           <a:lstStyle/>
           <a:p>
-            <a:pPr/>
             <a:r>
               <a:t>內文層級一</a:t>
             </a:r>
@@ -3602,7 +3485,9 @@
       <p:sp>
         <p:nvSpPr>
           <p:cNvPr id="76" name="Shape 76"/>
-          <p:cNvSpPr/>
+          <p:cNvSpPr>
+            <a:spLocks noGrp="1"/>
+          </p:cNvSpPr>
           <p:nvPr>
             <p:ph type="sldNum" sz="quarter" idx="2"/>
           </p:nvPr>
@@ -3620,8 +3505,10 @@
           <a:bodyPr/>
           <a:lstStyle/>
           <a:p>
-            <a:pPr/>
-            <a:fld id="{86CB4B4D-7CA3-9044-876B-883B54F8677D}" type="slidenum"/>
+            <a:fld id="{86CB4B4D-7CA3-9044-876B-883B54F8677D}" type="slidenum">
+              <a:t>‹#›</a:t>
+            </a:fld>
+            <a:endParaRPr/>
           </a:p>
         </p:txBody>
       </p:sp>
@@ -3630,12 +3517,12 @@
   <p:clrMapOvr>
     <a:masterClrMapping/>
   </p:clrMapOvr>
-  <p:transition xmlns:p14="http://schemas.microsoft.com/office/powerpoint/2010/main" spd="med" advClick="1"/>
+  <p:transition spd="med"/>
 </p:sldLayout>
 </file>
 
-<file path=ppt/slideLayouts/slideLayout9.xml><?xml version="1.0" encoding="utf-8"?>
-<p:sldLayout xmlns:a="http://schemas.openxmlformats.org/drawingml/2006/main" xmlns:r="http://schemas.openxmlformats.org/officeDocument/2006/relationships" xmlns:p="http://schemas.openxmlformats.org/presentationml/2006/main" type="tx" showMasterSp="1" showMasterPhAnim="1">
+<file path=ppt/slideLayouts/slideLayout8.xml><?xml version="1.0" encoding="utf-8"?>
+<p:sldLayout xmlns:a="http://schemas.openxmlformats.org/drawingml/2006/main" xmlns:r="http://schemas.openxmlformats.org/officeDocument/2006/relationships" xmlns:p="http://schemas.openxmlformats.org/presentationml/2006/main" type="tx">
   <p:cSld name="Default">
     <p:spTree>
       <p:nvGrpSpPr>
@@ -3654,7 +3541,9 @@
       <p:sp>
         <p:nvSpPr>
           <p:cNvPr id="83" name="Shape 83"/>
-          <p:cNvSpPr/>
+          <p:cNvSpPr>
+            <a:spLocks noGrp="1"/>
+          </p:cNvSpPr>
           <p:nvPr>
             <p:ph type="title"/>
           </p:nvPr>
@@ -3672,7 +3561,6 @@
           <a:bodyPr anchor="b"/>
           <a:lstStyle/>
           <a:p>
-            <a:pPr/>
             <a:r>
               <a:t>大標題文字</a:t>
             </a:r>
@@ -3682,7 +3570,9 @@
       <p:sp>
         <p:nvSpPr>
           <p:cNvPr id="84" name="Shape 84"/>
-          <p:cNvSpPr/>
+          <p:cNvSpPr>
+            <a:spLocks noGrp="1"/>
+          </p:cNvSpPr>
           <p:nvPr>
             <p:ph type="body" idx="1"/>
           </p:nvPr>
@@ -3700,7 +3590,6 @@
           <a:bodyPr lIns="0" tIns="0" rIns="0" bIns="0"/>
           <a:lstStyle/>
           <a:p>
-            <a:pPr/>
             <a:r>
               <a:t>內文層級一</a:t>
             </a:r>
@@ -3734,7 +3623,9 @@
       <p:sp>
         <p:nvSpPr>
           <p:cNvPr id="85" name="Shape 85"/>
-          <p:cNvSpPr/>
+          <p:cNvSpPr>
+            <a:spLocks noGrp="1"/>
+          </p:cNvSpPr>
           <p:nvPr>
             <p:ph type="sldNum" sz="quarter" idx="2"/>
           </p:nvPr>
@@ -3752,8 +3643,10 @@
           <a:bodyPr/>
           <a:lstStyle/>
           <a:p>
-            <a:pPr/>
-            <a:fld id="{86CB4B4D-7CA3-9044-876B-883B54F8677D}" type="slidenum"/>
+            <a:fld id="{86CB4B4D-7CA3-9044-876B-883B54F8677D}" type="slidenum">
+              <a:t>‹#›</a:t>
+            </a:fld>
+            <a:endParaRPr/>
           </a:p>
         </p:txBody>
       </p:sp>
@@ -3762,7 +3655,145 @@
   <p:clrMapOvr>
     <a:masterClrMapping/>
   </p:clrMapOvr>
-  <p:transition xmlns:p14="http://schemas.microsoft.com/office/powerpoint/2010/main" spd="med" advClick="1"/>
+  <p:transition spd="med"/>
+</p:sldLayout>
+</file>
+
+<file path=ppt/slideLayouts/slideLayout9.xml><?xml version="1.0" encoding="utf-8"?>
+<p:sldLayout xmlns:a="http://schemas.openxmlformats.org/drawingml/2006/main" xmlns:r="http://schemas.openxmlformats.org/officeDocument/2006/relationships" xmlns:p="http://schemas.openxmlformats.org/presentationml/2006/main" type="tx">
+  <p:cSld name="Default">
+    <p:spTree>
+      <p:nvGrpSpPr>
+        <p:cNvPr id="1" name=""/>
+        <p:cNvGrpSpPr/>
+        <p:nvPr/>
+      </p:nvGrpSpPr>
+      <p:grpSpPr>
+        <a:xfrm>
+          <a:off x="0" y="0"/>
+          <a:ext cx="0" cy="0"/>
+          <a:chOff x="0" y="0"/>
+          <a:chExt cx="0" cy="0"/>
+        </a:xfrm>
+      </p:grpSpPr>
+      <p:sp>
+        <p:nvSpPr>
+          <p:cNvPr id="92" name="Shape 92"/>
+          <p:cNvSpPr>
+            <a:spLocks noGrp="1"/>
+          </p:cNvSpPr>
+          <p:nvPr>
+            <p:ph type="title"/>
+          </p:nvPr>
+        </p:nvSpPr>
+        <p:spPr>
+          <a:xfrm>
+            <a:off x="685800" y="1905000"/>
+            <a:ext cx="7543800" cy="2593975"/>
+          </a:xfrm>
+          <a:prstGeom prst="rect">
+            <a:avLst/>
+          </a:prstGeom>
+        </p:spPr>
+        <p:txBody>
+          <a:bodyPr anchor="b"/>
+          <a:lstStyle/>
+          <a:p>
+            <a:r>
+              <a:t>大標題文字</a:t>
+            </a:r>
+          </a:p>
+        </p:txBody>
+      </p:sp>
+      <p:sp>
+        <p:nvSpPr>
+          <p:cNvPr id="93" name="Shape 93"/>
+          <p:cNvSpPr>
+            <a:spLocks noGrp="1"/>
+          </p:cNvSpPr>
+          <p:nvPr>
+            <p:ph type="body" idx="1"/>
+          </p:nvPr>
+        </p:nvSpPr>
+        <p:spPr>
+          <a:xfrm>
+            <a:off x="457200" y="1604962"/>
+            <a:ext cx="8229600" cy="3976688"/>
+          </a:xfrm>
+          <a:prstGeom prst="rect">
+            <a:avLst/>
+          </a:prstGeom>
+        </p:spPr>
+        <p:txBody>
+          <a:bodyPr lIns="0" tIns="0" rIns="0" bIns="0"/>
+          <a:lstStyle/>
+          <a:p>
+            <a:r>
+              <a:t>內文層級一</a:t>
+            </a:r>
+          </a:p>
+          <a:p>
+            <a:pPr lvl="1"/>
+            <a:r>
+              <a:t>內文層級二</a:t>
+            </a:r>
+          </a:p>
+          <a:p>
+            <a:pPr lvl="2"/>
+            <a:r>
+              <a:t>內文層級三</a:t>
+            </a:r>
+          </a:p>
+          <a:p>
+            <a:pPr lvl="3"/>
+            <a:r>
+              <a:t>內文層級四</a:t>
+            </a:r>
+          </a:p>
+          <a:p>
+            <a:pPr lvl="4"/>
+            <a:r>
+              <a:t>內文層級五</a:t>
+            </a:r>
+          </a:p>
+        </p:txBody>
+      </p:sp>
+      <p:sp>
+        <p:nvSpPr>
+          <p:cNvPr id="94" name="Shape 94"/>
+          <p:cNvSpPr>
+            <a:spLocks noGrp="1"/>
+          </p:cNvSpPr>
+          <p:nvPr>
+            <p:ph type="sldNum" sz="quarter" idx="2"/>
+          </p:nvPr>
+        </p:nvSpPr>
+        <p:spPr>
+          <a:xfrm>
+            <a:off x="5486400" y="6172200"/>
+            <a:ext cx="2133600" cy="368301"/>
+          </a:xfrm>
+          <a:prstGeom prst="rect">
+            <a:avLst/>
+          </a:prstGeom>
+        </p:spPr>
+        <p:txBody>
+          <a:bodyPr/>
+          <a:lstStyle/>
+          <a:p>
+            <a:fld id="{86CB4B4D-7CA3-9044-876B-883B54F8677D}" type="slidenum">
+              <a:t>‹#›</a:t>
+            </a:fld>
+            <a:endParaRPr/>
+          </a:p>
+        </p:txBody>
+      </p:sp>
+    </p:spTree>
+  </p:cSld>
+  <p:clrMapOvr>
+    <a:masterClrMapping/>
+  </p:clrMapOvr>
+  <p:transition spd="med"/>
 </p:sldLayout>
 </file>
 
@@ -3774,6 +3805,7 @@
         <a:solidFill>
           <a:srgbClr val="FFFFFF"/>
         </a:solidFill>
+        <a:effectLst/>
       </p:bgPr>
     </p:bg>
     <p:spTree>
@@ -3815,7 +3847,7 @@
           <a:bodyPr lIns="45719" rIns="45719"/>
           <a:lstStyle/>
           <a:p>
-            <a:pPr/>
+            <a:endParaRPr/>
           </a:p>
         </p:txBody>
       </p:sp>
@@ -3844,14 +3876,16 @@
           <a:bodyPr lIns="45719" rIns="45719"/>
           <a:lstStyle/>
           <a:p>
-            <a:pPr/>
+            <a:endParaRPr/>
           </a:p>
         </p:txBody>
       </p:sp>
       <p:sp>
         <p:nvSpPr>
           <p:cNvPr id="4" name="Shape 4"/>
-          <p:cNvSpPr/>
+          <p:cNvSpPr>
+            <a:spLocks noGrp="1"/>
+          </p:cNvSpPr>
           <p:nvPr>
             <p:ph type="title"/>
           </p:nvPr>
@@ -3869,17 +3903,16 @@
           </a:ln>
           <a:extLst>
             <a:ext uri="{C572A759-6A51-4108-AA02-DFA0A04FC94B}">
-              <ma14:wrappingTextBoxFlag xmlns:ma14="http://schemas.microsoft.com/office/mac/drawingml/2011/main" val="1"/>
+              <ma14:wrappingTextBoxFlag xmlns="" xmlns:ma14="http://schemas.microsoft.com/office/mac/drawingml/2011/main" val="1"/>
             </a:ext>
           </a:extLst>
         </p:spPr>
         <p:txBody>
           <a:bodyPr lIns="45719" rIns="45719" anchor="ctr">
-            <a:normAutofit fontScale="100000" lnSpcReduction="0"/>
+            <a:normAutofit/>
           </a:bodyPr>
           <a:lstStyle/>
           <a:p>
-            <a:pPr/>
             <a:r>
               <a:t>大標題文字</a:t>
             </a:r>
@@ -3889,7 +3922,9 @@
       <p:sp>
         <p:nvSpPr>
           <p:cNvPr id="5" name="Shape 5"/>
-          <p:cNvSpPr/>
+          <p:cNvSpPr>
+            <a:spLocks noGrp="1"/>
+          </p:cNvSpPr>
           <p:nvPr>
             <p:ph type="body" idx="1"/>
           </p:nvPr>
@@ -3907,17 +3942,16 @@
           </a:ln>
           <a:extLst>
             <a:ext uri="{C572A759-6A51-4108-AA02-DFA0A04FC94B}">
-              <ma14:wrappingTextBoxFlag xmlns:ma14="http://schemas.microsoft.com/office/mac/drawingml/2011/main" val="1"/>
+              <ma14:wrappingTextBoxFlag xmlns="" xmlns:ma14="http://schemas.microsoft.com/office/mac/drawingml/2011/main" val="1"/>
             </a:ext>
           </a:extLst>
         </p:spPr>
         <p:txBody>
           <a:bodyPr lIns="45719" rIns="45719">
-            <a:normAutofit fontScale="100000" lnSpcReduction="0"/>
+            <a:normAutofit/>
           </a:bodyPr>
           <a:lstStyle/>
           <a:p>
-            <a:pPr/>
             <a:r>
               <a:t>內文層級一</a:t>
             </a:r>
@@ -3951,7 +3985,9 @@
       <p:sp>
         <p:nvSpPr>
           <p:cNvPr id="6" name="Shape 6"/>
-          <p:cNvSpPr/>
+          <p:cNvSpPr>
+            <a:spLocks noGrp="1"/>
+          </p:cNvSpPr>
           <p:nvPr>
             <p:ph type="sldNum" sz="quarter" idx="2"/>
           </p:nvPr>
@@ -3986,8 +4022,10 @@
             </a:lvl1pPr>
           </a:lstStyle>
           <a:p>
-            <a:pPr/>
-            <a:fld id="{86CB4B4D-7CA3-9044-876B-883B54F8677D}" type="slidenum"/>
+            <a:fld id="{86CB4B4D-7CA3-9044-876B-883B54F8677D}" type="slidenum">
+              <a:t>‹#›</a:t>
+            </a:fld>
+            <a:endParaRPr/>
           </a:p>
         </p:txBody>
       </p:sp>
@@ -3995,34 +4033,33 @@
   </p:cSld>
   <p:clrMap bg1="lt1" tx1="dk1" bg2="lt2" tx2="dk2" accent1="accent1" accent2="accent2" accent3="accent3" accent4="accent4" accent5="accent5" accent6="accent6" hlink="hlink" folHlink="folHlink"/>
   <p:sldLayoutIdLst>
-    <p:sldLayoutId id="2147483649" r:id="rId2"/>
-    <p:sldLayoutId id="2147483650" r:id="rId3"/>
-    <p:sldLayoutId id="2147483651" r:id="rId4"/>
-    <p:sldLayoutId id="2147483652" r:id="rId5"/>
-    <p:sldLayoutId id="2147483653" r:id="rId6"/>
-    <p:sldLayoutId id="2147483654" r:id="rId7"/>
-    <p:sldLayoutId id="2147483655" r:id="rId8"/>
-    <p:sldLayoutId id="2147483656" r:id="rId9"/>
-    <p:sldLayoutId id="2147483657" r:id="rId10"/>
-    <p:sldLayoutId id="2147483658" r:id="rId11"/>
-    <p:sldLayoutId id="2147483659" r:id="rId12"/>
-    <p:sldLayoutId id="2147483660" r:id="rId13"/>
-    <p:sldLayoutId id="2147483661" r:id="rId14"/>
-    <p:sldLayoutId id="2147483662" r:id="rId15"/>
-    <p:sldLayoutId id="2147483663" r:id="rId16"/>
-    <p:sldLayoutId id="2147483664" r:id="rId17"/>
-    <p:sldLayoutId id="2147483665" r:id="rId18"/>
-    <p:sldLayoutId id="2147483666" r:id="rId19"/>
-    <p:sldLayoutId id="2147483667" r:id="rId20"/>
-    <p:sldLayoutId id="2147483668" r:id="rId21"/>
-    <p:sldLayoutId id="2147483669" r:id="rId22"/>
-    <p:sldLayoutId id="2147483670" r:id="rId23"/>
-    <p:sldLayoutId id="2147483671" r:id="rId24"/>
-    <p:sldLayoutId id="2147483672" r:id="rId25"/>
-    <p:sldLayoutId id="2147483673" r:id="rId26"/>
-    <p:sldLayoutId id="2147483674" r:id="rId27"/>
+    <p:sldLayoutId id="2147483650" r:id="rId1"/>
+    <p:sldLayoutId id="2147483651" r:id="rId2"/>
+    <p:sldLayoutId id="2147483652" r:id="rId3"/>
+    <p:sldLayoutId id="2147483653" r:id="rId4"/>
+    <p:sldLayoutId id="2147483654" r:id="rId5"/>
+    <p:sldLayoutId id="2147483655" r:id="rId6"/>
+    <p:sldLayoutId id="2147483656" r:id="rId7"/>
+    <p:sldLayoutId id="2147483657" r:id="rId8"/>
+    <p:sldLayoutId id="2147483658" r:id="rId9"/>
+    <p:sldLayoutId id="2147483659" r:id="rId10"/>
+    <p:sldLayoutId id="2147483660" r:id="rId11"/>
+    <p:sldLayoutId id="2147483661" r:id="rId12"/>
+    <p:sldLayoutId id="2147483662" r:id="rId13"/>
+    <p:sldLayoutId id="2147483663" r:id="rId14"/>
+    <p:sldLayoutId id="2147483664" r:id="rId15"/>
+    <p:sldLayoutId id="2147483665" r:id="rId16"/>
+    <p:sldLayoutId id="2147483666" r:id="rId17"/>
+    <p:sldLayoutId id="2147483667" r:id="rId18"/>
+    <p:sldLayoutId id="2147483668" r:id="rId19"/>
+    <p:sldLayoutId id="2147483669" r:id="rId20"/>
+    <p:sldLayoutId id="2147483670" r:id="rId21"/>
+    <p:sldLayoutId id="2147483671" r:id="rId22"/>
+    <p:sldLayoutId id="2147483672" r:id="rId23"/>
+    <p:sldLayoutId id="2147483673" r:id="rId24"/>
+    <p:sldLayoutId id="2147483674" r:id="rId25"/>
   </p:sldLayoutIdLst>
-  <p:transition xmlns:p14="http://schemas.microsoft.com/office/powerpoint/2010/main" spd="med" advClick="1"/>
+  <p:transition spd="med"/>
   <p:txStyles>
     <p:titleStyle>
       <a:lvl1pPr marL="0" marR="0" indent="0" algn="l" defTabSz="914400" rtl="0" latinLnBrk="0">
@@ -4040,7 +4077,7 @@
         <a:buFontTx/>
         <a:buNone/>
         <a:tabLst/>
-        <a:defRPr b="0" baseline="0" cap="none" i="0" spc="0" strike="noStrike" sz="4400" u="none">
+        <a:defRPr sz="4400" b="0" i="0" u="none" strike="noStrike" cap="none" spc="0" baseline="0">
           <a:ln>
             <a:noFill/>
           </a:ln>
@@ -4069,7 +4106,7 @@
         <a:buFontTx/>
         <a:buNone/>
         <a:tabLst/>
-        <a:defRPr b="0" baseline="0" cap="none" i="0" spc="0" strike="noStrike" sz="4400" u="none">
+        <a:defRPr sz="4400" b="0" i="0" u="none" strike="noStrike" cap="none" spc="0" baseline="0">
           <a:ln>
             <a:noFill/>
           </a:ln>
@@ -4098,7 +4135,7 @@
         <a:buFontTx/>
         <a:buNone/>
         <a:tabLst/>
-        <a:defRPr b="0" baseline="0" cap="none" i="0" spc="0" strike="noStrike" sz="4400" u="none">
+        <a:defRPr sz="4400" b="0" i="0" u="none" strike="noStrike" cap="none" spc="0" baseline="0">
           <a:ln>
             <a:noFill/>
           </a:ln>
@@ -4127,7 +4164,7 @@
         <a:buFontTx/>
         <a:buNone/>
         <a:tabLst/>
-        <a:defRPr b="0" baseline="0" cap="none" i="0" spc="0" strike="noStrike" sz="4400" u="none">
+        <a:defRPr sz="4400" b="0" i="0" u="none" strike="noStrike" cap="none" spc="0" baseline="0">
           <a:ln>
             <a:noFill/>
           </a:ln>
@@ -4156,7 +4193,7 @@
         <a:buFontTx/>
         <a:buNone/>
         <a:tabLst/>
-        <a:defRPr b="0" baseline="0" cap="none" i="0" spc="0" strike="noStrike" sz="4400" u="none">
+        <a:defRPr sz="4400" b="0" i="0" u="none" strike="noStrike" cap="none" spc="0" baseline="0">
           <a:ln>
             <a:noFill/>
           </a:ln>
@@ -4185,7 +4222,7 @@
         <a:buFontTx/>
         <a:buNone/>
         <a:tabLst/>
-        <a:defRPr b="0" baseline="0" cap="none" i="0" spc="0" strike="noStrike" sz="4400" u="none">
+        <a:defRPr sz="4400" b="0" i="0" u="none" strike="noStrike" cap="none" spc="0" baseline="0">
           <a:ln>
             <a:noFill/>
           </a:ln>
@@ -4214,7 +4251,7 @@
         <a:buFontTx/>
         <a:buNone/>
         <a:tabLst/>
-        <a:defRPr b="0" baseline="0" cap="none" i="0" spc="0" strike="noStrike" sz="4400" u="none">
+        <a:defRPr sz="4400" b="0" i="0" u="none" strike="noStrike" cap="none" spc="0" baseline="0">
           <a:ln>
             <a:noFill/>
           </a:ln>
@@ -4243,7 +4280,7 @@
         <a:buFontTx/>
         <a:buNone/>
         <a:tabLst/>
-        <a:defRPr b="0" baseline="0" cap="none" i="0" spc="0" strike="noStrike" sz="4400" u="none">
+        <a:defRPr sz="4400" b="0" i="0" u="none" strike="noStrike" cap="none" spc="0" baseline="0">
           <a:ln>
             <a:noFill/>
           </a:ln>
@@ -4272,7 +4309,7 @@
         <a:buFontTx/>
         <a:buNone/>
         <a:tabLst/>
-        <a:defRPr b="0" baseline="0" cap="none" i="0" spc="0" strike="noStrike" sz="4400" u="none">
+        <a:defRPr sz="4400" b="0" i="0" u="none" strike="noStrike" cap="none" spc="0" baseline="0">
           <a:ln>
             <a:noFill/>
           </a:ln>
@@ -4303,7 +4340,7 @@
         <a:buFont typeface="Arial"/>
         <a:buChar char="•"/>
         <a:tabLst/>
-        <a:defRPr b="0" baseline="0" cap="none" i="0" spc="0" strike="noStrike" sz="2800" u="none">
+        <a:defRPr sz="2800" b="0" i="0" u="none" strike="noStrike" cap="none" spc="0" baseline="0">
           <a:ln>
             <a:noFill/>
           </a:ln>
@@ -4332,7 +4369,7 @@
         <a:buFont typeface="Arial"/>
         <a:buChar char="•"/>
         <a:tabLst/>
-        <a:defRPr b="0" baseline="0" cap="none" i="0" spc="0" strike="noStrike" sz="2800" u="none">
+        <a:defRPr sz="2800" b="0" i="0" u="none" strike="noStrike" cap="none" spc="0" baseline="0">
           <a:ln>
             <a:noFill/>
           </a:ln>
@@ -4361,7 +4398,7 @@
         <a:buFont typeface="Arial"/>
         <a:buChar char="•"/>
         <a:tabLst/>
-        <a:defRPr b="0" baseline="0" cap="none" i="0" spc="0" strike="noStrike" sz="2800" u="none">
+        <a:defRPr sz="2800" b="0" i="0" u="none" strike="noStrike" cap="none" spc="0" baseline="0">
           <a:ln>
             <a:noFill/>
           </a:ln>
@@ -4390,7 +4427,7 @@
         <a:buFont typeface="Arial"/>
         <a:buChar char="•"/>
         <a:tabLst/>
-        <a:defRPr b="0" baseline="0" cap="none" i="0" spc="0" strike="noStrike" sz="2800" u="none">
+        <a:defRPr sz="2800" b="0" i="0" u="none" strike="noStrike" cap="none" spc="0" baseline="0">
           <a:ln>
             <a:noFill/>
           </a:ln>
@@ -4419,7 +4456,7 @@
         <a:buFont typeface="Arial"/>
         <a:buChar char="•"/>
         <a:tabLst/>
-        <a:defRPr b="0" baseline="0" cap="none" i="0" spc="0" strike="noStrike" sz="2800" u="none">
+        <a:defRPr sz="2800" b="0" i="0" u="none" strike="noStrike" cap="none" spc="0" baseline="0">
           <a:ln>
             <a:noFill/>
           </a:ln>
@@ -4448,7 +4485,7 @@
         <a:buFont typeface="Arial"/>
         <a:buChar char="•"/>
         <a:tabLst/>
-        <a:defRPr b="0" baseline="0" cap="none" i="0" spc="0" strike="noStrike" sz="2800" u="none">
+        <a:defRPr sz="2800" b="0" i="0" u="none" strike="noStrike" cap="none" spc="0" baseline="0">
           <a:ln>
             <a:noFill/>
           </a:ln>
@@ -4477,7 +4514,7 @@
         <a:buFont typeface="Arial"/>
         <a:buChar char="•"/>
         <a:tabLst/>
-        <a:defRPr b="0" baseline="0" cap="none" i="0" spc="0" strike="noStrike" sz="2800" u="none">
+        <a:defRPr sz="2800" b="0" i="0" u="none" strike="noStrike" cap="none" spc="0" baseline="0">
           <a:ln>
             <a:noFill/>
           </a:ln>
@@ -4506,7 +4543,7 @@
         <a:buFont typeface="Arial"/>
         <a:buChar char="•"/>
         <a:tabLst/>
-        <a:defRPr b="0" baseline="0" cap="none" i="0" spc="0" strike="noStrike" sz="2800" u="none">
+        <a:defRPr sz="2800" b="0" i="0" u="none" strike="noStrike" cap="none" spc="0" baseline="0">
           <a:ln>
             <a:noFill/>
           </a:ln>
@@ -4535,7 +4572,7 @@
         <a:buFont typeface="Arial"/>
         <a:buChar char="•"/>
         <a:tabLst/>
-        <a:defRPr b="0" baseline="0" cap="none" i="0" spc="0" strike="noStrike" sz="2800" u="none">
+        <a:defRPr sz="2800" b="0" i="0" u="none" strike="noStrike" cap="none" spc="0" baseline="0">
           <a:ln>
             <a:noFill/>
           </a:ln>
@@ -4566,7 +4603,7 @@
         <a:buFontTx/>
         <a:buNone/>
         <a:tabLst/>
-        <a:defRPr b="0" baseline="0" cap="none" i="0" spc="0" strike="noStrike" sz="1800" u="none">
+        <a:defRPr sz="1800" b="0" i="0" u="none" strike="noStrike" cap="none" spc="0" baseline="0">
           <a:ln>
             <a:noFill/>
           </a:ln>
@@ -4595,7 +4632,7 @@
         <a:buFontTx/>
         <a:buNone/>
         <a:tabLst/>
-        <a:defRPr b="0" baseline="0" cap="none" i="0" spc="0" strike="noStrike" sz="1800" u="none">
+        <a:defRPr sz="1800" b="0" i="0" u="none" strike="noStrike" cap="none" spc="0" baseline="0">
           <a:ln>
             <a:noFill/>
           </a:ln>
@@ -4624,7 +4661,7 @@
         <a:buFontTx/>
         <a:buNone/>
         <a:tabLst/>
-        <a:defRPr b="0" baseline="0" cap="none" i="0" spc="0" strike="noStrike" sz="1800" u="none">
+        <a:defRPr sz="1800" b="0" i="0" u="none" strike="noStrike" cap="none" spc="0" baseline="0">
           <a:ln>
             <a:noFill/>
           </a:ln>
@@ -4653,7 +4690,7 @@
         <a:buFontTx/>
         <a:buNone/>
         <a:tabLst/>
-        <a:defRPr b="0" baseline="0" cap="none" i="0" spc="0" strike="noStrike" sz="1800" u="none">
+        <a:defRPr sz="1800" b="0" i="0" u="none" strike="noStrike" cap="none" spc="0" baseline="0">
           <a:ln>
             <a:noFill/>
           </a:ln>
@@ -4682,7 +4719,7 @@
         <a:buFontTx/>
         <a:buNone/>
         <a:tabLst/>
-        <a:defRPr b="0" baseline="0" cap="none" i="0" spc="0" strike="noStrike" sz="1800" u="none">
+        <a:defRPr sz="1800" b="0" i="0" u="none" strike="noStrike" cap="none" spc="0" baseline="0">
           <a:ln>
             <a:noFill/>
           </a:ln>
@@ -4711,7 +4748,7 @@
         <a:buFontTx/>
         <a:buNone/>
         <a:tabLst/>
-        <a:defRPr b="0" baseline="0" cap="none" i="0" spc="0" strike="noStrike" sz="1800" u="none">
+        <a:defRPr sz="1800" b="0" i="0" u="none" strike="noStrike" cap="none" spc="0" baseline="0">
           <a:ln>
             <a:noFill/>
           </a:ln>
@@ -4740,7 +4777,7 @@
         <a:buFontTx/>
         <a:buNone/>
         <a:tabLst/>
-        <a:defRPr b="0" baseline="0" cap="none" i="0" spc="0" strike="noStrike" sz="1800" u="none">
+        <a:defRPr sz="1800" b="0" i="0" u="none" strike="noStrike" cap="none" spc="0" baseline="0">
           <a:ln>
             <a:noFill/>
           </a:ln>
@@ -4769,7 +4806,7 @@
         <a:buFontTx/>
         <a:buNone/>
         <a:tabLst/>
-        <a:defRPr b="0" baseline="0" cap="none" i="0" spc="0" strike="noStrike" sz="1800" u="none">
+        <a:defRPr sz="1800" b="0" i="0" u="none" strike="noStrike" cap="none" spc="0" baseline="0">
           <a:ln>
             <a:noFill/>
           </a:ln>
@@ -4798,7 +4835,7 @@
         <a:buFontTx/>
         <a:buNone/>
         <a:tabLst/>
-        <a:defRPr b="0" baseline="0" cap="none" i="0" spc="0" strike="noStrike" sz="1800" u="none">
+        <a:defRPr sz="1800" b="0" i="0" u="none" strike="noStrike" cap="none" spc="0" baseline="0">
           <a:ln>
             <a:noFill/>
           </a:ln>
@@ -4818,7 +4855,7 @@
 </file>
 
 <file path=ppt/slides/slide1.xml><?xml version="1.0" encoding="utf-8"?>
-<p:sld xmlns:a="http://schemas.openxmlformats.org/drawingml/2006/main" xmlns:r="http://schemas.openxmlformats.org/officeDocument/2006/relationships" xmlns:p="http://schemas.openxmlformats.org/presentationml/2006/main" showMasterSp="1" showMasterPhAnim="1">
+<p:sld xmlns:a="http://schemas.openxmlformats.org/drawingml/2006/main" xmlns:r="http://schemas.openxmlformats.org/officeDocument/2006/relationships" xmlns:p="http://schemas.openxmlformats.org/presentationml/2006/main">
   <p:cSld>
     <p:spTree>
       <p:nvGrpSpPr>
@@ -4853,7 +4890,7 @@
           </a:ln>
           <a:extLst>
             <a:ext uri="{C572A759-6A51-4108-AA02-DFA0A04FC94B}">
-              <ma14:wrappingTextBoxFlag xmlns:ma14="http://schemas.microsoft.com/office/mac/drawingml/2011/main" val="1"/>
+              <ma14:wrappingTextBoxFlag xmlns="" xmlns:ma14="http://schemas.microsoft.com/office/mac/drawingml/2011/main" val="1"/>
             </a:ext>
           </a:extLst>
         </p:spPr>
@@ -4875,16 +4912,32 @@
               </a:defRPr>
             </a:pPr>
             <a:r>
+              <a:rPr dirty="0"/>
               <a:t>Mode: </a:t>
             </a:r>
-            <a:br/>
-            <a:r>
+            <a:br>
+              <a:rPr dirty="0"/>
+            </a:br>
+            <a:r>
+              <a:rPr dirty="0"/>
               <a:t>eth -&gt; wan</a:t>
             </a:r>
-            <a:br/>
-            <a:r>
-              <a:t>WiFi -&gt;Ap</a:t>
-            </a:r>
+            <a:br>
+              <a:rPr dirty="0"/>
+            </a:br>
+            <a:r>
+              <a:rPr dirty="0" err="1"/>
+              <a:t>WiFi</a:t>
+            </a:r>
+            <a:r>
+              <a:rPr dirty="0"/>
+              <a:t> -&gt;</a:t>
+            </a:r>
+            <a:r>
+              <a:rPr dirty="0" err="1"/>
+              <a:t>Ap</a:t>
+            </a:r>
+            <a:endParaRPr dirty="0"/>
           </a:p>
         </p:txBody>
       </p:sp>
@@ -4893,12 +4946,19 @@
   <p:clrMapOvr>
     <a:masterClrMapping/>
   </p:clrMapOvr>
-  <p:transition xmlns:p14="http://schemas.microsoft.com/office/powerpoint/2010/main" spd="med" advClick="1"/>
+  <p:transition spd="med"/>
+  <p:timing>
+    <p:tnLst>
+      <p:par>
+        <p:cTn id="1" dur="indefinite" restart="never" nodeType="tmRoot"/>
+      </p:par>
+    </p:tnLst>
+  </p:timing>
 </p:sld>
 </file>
 
 <file path=ppt/slides/slide10.xml><?xml version="1.0" encoding="utf-8"?>
-<p:sld xmlns:a="http://schemas.openxmlformats.org/drawingml/2006/main" xmlns:r="http://schemas.openxmlformats.org/officeDocument/2006/relationships" xmlns:p="http://schemas.openxmlformats.org/presentationml/2006/main" showMasterSp="1" showMasterPhAnim="1">
+<p:sld xmlns:a="http://schemas.openxmlformats.org/drawingml/2006/main" xmlns:r="http://schemas.openxmlformats.org/officeDocument/2006/relationships" xmlns:p="http://schemas.openxmlformats.org/presentationml/2006/main">
   <p:cSld>
     <p:spTree>
       <p:nvGrpSpPr>
@@ -4933,7 +4993,7 @@
           </a:ln>
           <a:extLst>
             <a:ext uri="{C572A759-6A51-4108-AA02-DFA0A04FC94B}">
-              <ma14:wrappingTextBoxFlag xmlns:ma14="http://schemas.microsoft.com/office/mac/drawingml/2011/main" val="1"/>
+              <ma14:wrappingTextBoxFlag xmlns="" xmlns:ma14="http://schemas.microsoft.com/office/mac/drawingml/2011/main" val="1"/>
             </a:ext>
           </a:extLst>
         </p:spPr>
@@ -4955,7 +5015,6 @@
             </a:lvl1pPr>
           </a:lstStyle>
           <a:p>
-            <a:pPr/>
             <a:r>
               <a:t>Routing 將eth0 流量轉至wlan0</a:t>
             </a:r>
@@ -4981,7 +5040,7 @@
           </a:ln>
           <a:extLst>
             <a:ext uri="{C572A759-6A51-4108-AA02-DFA0A04FC94B}">
-              <ma14:wrappingTextBoxFlag xmlns:ma14="http://schemas.microsoft.com/office/mac/drawingml/2011/main" val="1"/>
+              <ma14:wrappingTextBoxFlag xmlns="" xmlns:ma14="http://schemas.microsoft.com/office/mac/drawingml/2011/main" val="1"/>
             </a:ext>
           </a:extLst>
         </p:spPr>
@@ -5006,9 +5065,34 @@
               </a:defRPr>
             </a:pPr>
             <a:r>
-              <a:t>sudo iptables -t nat -A POSTROUTING -o eth0 -j MASQUERADE </a:t>
-            </a:r>
-            <a:endParaRPr>
+              <a:rPr dirty="0" err="1"/>
+              <a:t>sudo</a:t>
+            </a:r>
+            <a:r>
+              <a:rPr dirty="0"/>
+              <a:t> </a:t>
+            </a:r>
+            <a:r>
+              <a:rPr dirty="0" err="1"/>
+              <a:t>iptables</a:t>
+            </a:r>
+            <a:r>
+              <a:rPr dirty="0"/>
+              <a:t> -t </a:t>
+            </a:r>
+            <a:r>
+              <a:rPr dirty="0" err="1"/>
+              <a:t>nat</a:t>
+            </a:r>
+            <a:r>
+              <a:rPr dirty="0"/>
+              <a:t> -A POSTROUTING -o eth0 -j </a:t>
+            </a:r>
+            <a:r>
+              <a:rPr dirty="0" smtClean="0"/>
+              <a:t>MASQUERADE</a:t>
+            </a:r>
+            <a:endParaRPr dirty="0">
               <a:latin typeface="Calibri"/>
               <a:ea typeface="Calibri"/>
               <a:cs typeface="Calibri"/>
@@ -5031,9 +5115,26 @@
               </a:defRPr>
             </a:pPr>
             <a:r>
-              <a:t>sudo iptables -A FORWARD -i eth0 -o wlan0 -m state --state RELATED,ESTABLISHED -j ACCEPT </a:t>
-            </a:r>
-            <a:endParaRPr>
+              <a:rPr dirty="0" err="1"/>
+              <a:t>sudo</a:t>
+            </a:r>
+            <a:r>
+              <a:rPr dirty="0"/>
+              <a:t> </a:t>
+            </a:r>
+            <a:r>
+              <a:rPr dirty="0" err="1"/>
+              <a:t>iptables</a:t>
+            </a:r>
+            <a:r>
+              <a:rPr dirty="0"/>
+              <a:t> -A FORWARD -i eth0 -o wlan0 -m state --state RELATED,ESTABLISHED -j </a:t>
+            </a:r>
+            <a:r>
+              <a:rPr dirty="0" smtClean="0"/>
+              <a:t>ACCEPT</a:t>
+            </a:r>
+            <a:endParaRPr dirty="0">
               <a:latin typeface="Calibri"/>
               <a:ea typeface="Calibri"/>
               <a:cs typeface="Calibri"/>
@@ -5056,9 +5157,26 @@
               </a:defRPr>
             </a:pPr>
             <a:r>
-              <a:t>sudo iptables -A FORWARD -i wlan0 -o eth0 -j ACCEPT </a:t>
-            </a:r>
-            <a:endParaRPr>
+              <a:rPr dirty="0" err="1"/>
+              <a:t>sudo</a:t>
+            </a:r>
+            <a:r>
+              <a:rPr dirty="0"/>
+              <a:t> </a:t>
+            </a:r>
+            <a:r>
+              <a:rPr dirty="0" err="1"/>
+              <a:t>iptables</a:t>
+            </a:r>
+            <a:r>
+              <a:rPr dirty="0"/>
+              <a:t> -A FORWARD -i wlan0 -o eth0 -j </a:t>
+            </a:r>
+            <a:r>
+              <a:rPr dirty="0" smtClean="0"/>
+              <a:t>ACCEPT</a:t>
+            </a:r>
+            <a:endParaRPr dirty="0">
               <a:latin typeface="Calibri"/>
               <a:ea typeface="Calibri"/>
               <a:cs typeface="Calibri"/>
@@ -5080,6 +5198,12 @@
                 <a:sym typeface="Calibri"/>
               </a:defRPr>
             </a:pPr>
+            <a:endParaRPr dirty="0">
+              <a:latin typeface="Calibri"/>
+              <a:ea typeface="Calibri"/>
+              <a:cs typeface="Calibri"/>
+              <a:sym typeface="Calibri"/>
+            </a:endParaRPr>
           </a:p>
           <a:p>
             <a:pPr indent="114300">
@@ -5096,6 +5220,12 @@
                 <a:sym typeface="Calibri"/>
               </a:defRPr>
             </a:pPr>
+            <a:endParaRPr dirty="0">
+              <a:latin typeface="Calibri"/>
+              <a:ea typeface="Calibri"/>
+              <a:cs typeface="Calibri"/>
+              <a:sym typeface="Calibri"/>
+            </a:endParaRPr>
           </a:p>
           <a:p>
             <a:pPr indent="114300">
@@ -5112,6 +5242,12 @@
                 <a:sym typeface="Calibri"/>
               </a:defRPr>
             </a:pPr>
+            <a:endParaRPr dirty="0">
+              <a:latin typeface="Calibri"/>
+              <a:ea typeface="Calibri"/>
+              <a:cs typeface="Calibri"/>
+              <a:sym typeface="Calibri"/>
+            </a:endParaRPr>
           </a:p>
           <a:p>
             <a:pPr indent="114300">
@@ -5128,6 +5264,12 @@
                 <a:sym typeface="Calibri"/>
               </a:defRPr>
             </a:pPr>
+            <a:endParaRPr dirty="0">
+              <a:latin typeface="Calibri"/>
+              <a:ea typeface="Calibri"/>
+              <a:cs typeface="Calibri"/>
+              <a:sym typeface="Calibri"/>
+            </a:endParaRPr>
           </a:p>
           <a:p>
             <a:pPr indent="114300">
@@ -5145,9 +5287,38 @@
               </a:defRPr>
             </a:pPr>
             <a:r>
-              <a:t>sudo sh -c “iptables-save”  &gt; /etc/iptables.ipv4.nat </a:t>
-            </a:r>
-            <a:endParaRPr>
+              <a:rPr dirty="0" err="1"/>
+              <a:t>sudo</a:t>
+            </a:r>
+            <a:r>
+              <a:rPr dirty="0"/>
+              <a:t> </a:t>
+            </a:r>
+            <a:r>
+              <a:rPr dirty="0" err="1"/>
+              <a:t>sh</a:t>
+            </a:r>
+            <a:r>
+              <a:rPr dirty="0"/>
+              <a:t> -c “</a:t>
+            </a:r>
+            <a:r>
+              <a:rPr dirty="0" err="1"/>
+              <a:t>iptables</a:t>
+            </a:r>
+            <a:r>
+              <a:rPr dirty="0"/>
+              <a:t>-save”  &gt; /</a:t>
+            </a:r>
+            <a:r>
+              <a:rPr dirty="0" err="1"/>
+              <a:t>etc</a:t>
+            </a:r>
+            <a:r>
+              <a:rPr dirty="0"/>
+              <a:t>/iptables.ipv4.nat </a:t>
+            </a:r>
+            <a:endParaRPr dirty="0">
               <a:latin typeface="Calibri"/>
               <a:ea typeface="Calibri"/>
               <a:cs typeface="Calibri"/>
@@ -5170,14 +5341,18 @@
               </a:defRPr>
             </a:pPr>
             <a:r>
-              <a:t>儲存</a:t>
-            </a:r>
-            <a:r>
-              <a:t>iptables  </a:t>
-            </a:r>
-            <a:r>
+              <a:rPr dirty="0" err="1"/>
+              <a:t>儲存iptables</a:t>
+            </a:r>
+            <a:r>
+              <a:rPr dirty="0"/>
+              <a:t>  </a:t>
+            </a:r>
+            <a:r>
+              <a:rPr dirty="0" err="1"/>
               <a:t>設定</a:t>
             </a:r>
+            <a:endParaRPr dirty="0"/>
           </a:p>
         </p:txBody>
       </p:sp>
@@ -5186,12 +5361,19 @@
   <p:clrMapOvr>
     <a:masterClrMapping/>
   </p:clrMapOvr>
-  <p:transition xmlns:p14="http://schemas.microsoft.com/office/powerpoint/2010/main" spd="med" advClick="1" p14:dur="1000"/>
+  <p:transition spd="slow"/>
+  <p:timing>
+    <p:tnLst>
+      <p:par>
+        <p:cTn id="1" dur="indefinite" restart="never" nodeType="tmRoot"/>
+      </p:par>
+    </p:tnLst>
+  </p:timing>
 </p:sld>
 </file>
 
 <file path=ppt/slides/slide11.xml><?xml version="1.0" encoding="utf-8"?>
-<p:sld xmlns:a="http://schemas.openxmlformats.org/drawingml/2006/main" xmlns:r="http://schemas.openxmlformats.org/officeDocument/2006/relationships" xmlns:p="http://schemas.openxmlformats.org/presentationml/2006/main" showMasterSp="1" showMasterPhAnim="1">
+<p:sld xmlns:a="http://schemas.openxmlformats.org/drawingml/2006/main" xmlns:r="http://schemas.openxmlformats.org/officeDocument/2006/relationships" xmlns:p="http://schemas.openxmlformats.org/presentationml/2006/main">
   <p:cSld>
     <p:spTree>
       <p:nvGrpSpPr>
@@ -5226,7 +5408,7 @@
           </a:ln>
           <a:extLst>
             <a:ext uri="{C572A759-6A51-4108-AA02-DFA0A04FC94B}">
-              <ma14:wrappingTextBoxFlag xmlns:ma14="http://schemas.microsoft.com/office/mac/drawingml/2011/main" val="1"/>
+              <ma14:wrappingTextBoxFlag xmlns="" xmlns:ma14="http://schemas.microsoft.com/office/mac/drawingml/2011/main" val="1"/>
             </a:ext>
           </a:extLst>
         </p:spPr>
@@ -5248,7 +5430,6 @@
             </a:lvl1pPr>
           </a:lstStyle>
           <a:p>
-            <a:pPr/>
             <a:r>
               <a:t>nano  /etc/rc.local</a:t>
             </a:r>
@@ -5274,7 +5455,7 @@
           </a:ln>
           <a:extLst>
             <a:ext uri="{C572A759-6A51-4108-AA02-DFA0A04FC94B}">
-              <ma14:wrappingTextBoxFlag xmlns:ma14="http://schemas.microsoft.com/office/mac/drawingml/2011/main" val="1"/>
+              <ma14:wrappingTextBoxFlag xmlns="" xmlns:ma14="http://schemas.microsoft.com/office/mac/drawingml/2011/main" val="1"/>
             </a:ext>
           </a:extLst>
         </p:spPr>
@@ -5305,13 +5486,7 @@
               </a:defRPr>
             </a:pPr>
             <a:r>
-              <a:t>在</a:t>
-            </a:r>
-            <a:r>
-              <a:t>exit 0 </a:t>
-            </a:r>
-            <a:r>
-              <a:t>上面一行貼</a:t>
+              <a:t>在exit 0 上面一行貼</a:t>
             </a:r>
             <a:endParaRPr>
               <a:latin typeface="Calibri"/>
@@ -5366,6 +5541,12 @@
                 <a:sym typeface="Calibri"/>
               </a:defRPr>
             </a:pPr>
+            <a:endParaRPr>
+              <a:latin typeface="Calibri"/>
+              <a:ea typeface="Calibri"/>
+              <a:cs typeface="Calibri"/>
+              <a:sym typeface="Calibri"/>
+            </a:endParaRPr>
           </a:p>
           <a:p>
             <a:pPr marL="342900" indent="-227012">
@@ -5389,13 +5570,7 @@
               </a:defRPr>
             </a:pPr>
             <a:r>
-              <a:t>讓</a:t>
-            </a:r>
-            <a:r>
-              <a:t>iptables </a:t>
-            </a:r>
-            <a:r>
-              <a:t>重開機後自動讀取</a:t>
+              <a:t>讓iptables 重開機後自動讀取</a:t>
             </a:r>
           </a:p>
         </p:txBody>
@@ -5405,12 +5580,19 @@
   <p:clrMapOvr>
     <a:masterClrMapping/>
   </p:clrMapOvr>
-  <p:transition xmlns:p14="http://schemas.microsoft.com/office/powerpoint/2010/main" spd="med" advClick="1" p14:dur="1000"/>
+  <p:transition spd="slow"/>
+  <p:timing>
+    <p:tnLst>
+      <p:par>
+        <p:cTn id="1" dur="indefinite" restart="never" nodeType="tmRoot"/>
+      </p:par>
+    </p:tnLst>
+  </p:timing>
 </p:sld>
 </file>
 
 <file path=ppt/slides/slide12.xml><?xml version="1.0" encoding="utf-8"?>
-<p:sld xmlns:a="http://schemas.openxmlformats.org/drawingml/2006/main" xmlns:r="http://schemas.openxmlformats.org/officeDocument/2006/relationships" xmlns:p="http://schemas.openxmlformats.org/presentationml/2006/main" showMasterSp="1" showMasterPhAnim="1">
+<p:sld xmlns:a="http://schemas.openxmlformats.org/drawingml/2006/main" xmlns:r="http://schemas.openxmlformats.org/officeDocument/2006/relationships" xmlns:p="http://schemas.openxmlformats.org/presentationml/2006/main">
   <p:cSld>
     <p:spTree>
       <p:nvGrpSpPr>
@@ -5445,7 +5627,7 @@
           </a:ln>
           <a:extLst>
             <a:ext uri="{C572A759-6A51-4108-AA02-DFA0A04FC94B}">
-              <ma14:wrappingTextBoxFlag xmlns:ma14="http://schemas.microsoft.com/office/mac/drawingml/2011/main" val="1"/>
+              <ma14:wrappingTextBoxFlag xmlns="" xmlns:ma14="http://schemas.microsoft.com/office/mac/drawingml/2011/main" val="1"/>
             </a:ext>
           </a:extLst>
         </p:spPr>
@@ -5562,6 +5744,12 @@
                 <a:sym typeface="Calibri"/>
               </a:defRPr>
             </a:pPr>
+            <a:endParaRPr>
+              <a:latin typeface="Calibri"/>
+              <a:ea typeface="Calibri"/>
+              <a:cs typeface="Calibri"/>
+              <a:sym typeface="Calibri"/>
+            </a:endParaRPr>
           </a:p>
           <a:p>
             <a:pPr marL="342900" indent="-227012">
@@ -5595,12 +5783,19 @@
   <p:clrMapOvr>
     <a:masterClrMapping/>
   </p:clrMapOvr>
-  <p:transition xmlns:p14="http://schemas.microsoft.com/office/powerpoint/2010/main" spd="med" advClick="1" p14:dur="1000"/>
+  <p:transition spd="slow"/>
+  <p:timing>
+    <p:tnLst>
+      <p:par>
+        <p:cTn id="1" dur="indefinite" restart="never" nodeType="tmRoot"/>
+      </p:par>
+    </p:tnLst>
+  </p:timing>
 </p:sld>
 </file>
 
 <file path=ppt/slides/slide13.xml><?xml version="1.0" encoding="utf-8"?>
-<p:sld xmlns:a="http://schemas.openxmlformats.org/drawingml/2006/main" xmlns:r="http://schemas.openxmlformats.org/officeDocument/2006/relationships" xmlns:p="http://schemas.openxmlformats.org/presentationml/2006/main" showMasterSp="1" showMasterPhAnim="1">
+<p:sld xmlns:a="http://schemas.openxmlformats.org/drawingml/2006/main" xmlns:r="http://schemas.openxmlformats.org/officeDocument/2006/relationships" xmlns:p="http://schemas.openxmlformats.org/presentationml/2006/main">
   <p:cSld>
     <p:spTree>
       <p:nvGrpSpPr>
@@ -5625,7 +5820,7 @@
         <p:spPr>
           <a:xfrm>
             <a:off x="1230630" y="2106929"/>
-            <a:ext cx="3478446" cy="2631441"/>
+            <a:ext cx="3413753" cy="2985433"/>
           </a:xfrm>
           <a:prstGeom prst="rect">
             <a:avLst/>
@@ -5635,7 +5830,7 @@
           </a:ln>
           <a:extLst>
             <a:ext uri="{C572A759-6A51-4108-AA02-DFA0A04FC94B}">
-              <ma14:wrappingTextBoxFlag xmlns:ma14="http://schemas.microsoft.com/office/mac/drawingml/2011/main" val="1"/>
+              <ma14:wrappingTextBoxFlag xmlns="" xmlns:ma14="http://schemas.microsoft.com/office/mac/drawingml/2011/main" val="1"/>
             </a:ext>
           </a:extLst>
         </p:spPr>
@@ -5654,8 +5849,10 @@
               </a:defRPr>
             </a:pPr>
             <a:r>
+              <a:rPr dirty="0" err="1"/>
               <a:t>可能發生問題</a:t>
             </a:r>
+            <a:endParaRPr dirty="0"/>
           </a:p>
           <a:p>
             <a:pPr>
@@ -5666,6 +5863,7 @@
                 <a:sym typeface="微軟正黑體"/>
               </a:defRPr>
             </a:pPr>
+            <a:endParaRPr dirty="0"/>
           </a:p>
           <a:p>
             <a:pPr>
@@ -5676,6 +5874,7 @@
                 <a:sym typeface="微軟正黑體"/>
               </a:defRPr>
             </a:pPr>
+            <a:endParaRPr dirty="0"/>
           </a:p>
           <a:p>
             <a:pPr>
@@ -5687,7 +5886,20 @@
               </a:defRPr>
             </a:pPr>
             <a:r>
-              <a:t>若是可以連上網路 但手機沒有IP </a:t>
+              <a:rPr dirty="0" err="1"/>
+              <a:t>若是可以連上網路</a:t>
+            </a:r>
+            <a:r>
+              <a:rPr dirty="0"/>
+              <a:t> </a:t>
+            </a:r>
+            <a:r>
+              <a:rPr dirty="0" err="1"/>
+              <a:t>但手機沒有IP</a:t>
+            </a:r>
+            <a:r>
+              <a:rPr dirty="0"/>
+              <a:t> </a:t>
             </a:r>
           </a:p>
           <a:p>
@@ -5700,8 +5912,18 @@
               </a:defRPr>
             </a:pPr>
             <a:r>
-              <a:t>請確認wlan0 有IP</a:t>
-            </a:r>
+              <a:rPr dirty="0"/>
+              <a:t>請確認wlan0 </a:t>
+            </a:r>
+            <a:r>
+              <a:rPr dirty="0" err="1"/>
+              <a:t>有</a:t>
+            </a:r>
+            <a:r>
+              <a:rPr dirty="0" err="1" smtClean="0"/>
+              <a:t>IP</a:t>
+            </a:r>
+            <a:endParaRPr lang="en-US" dirty="0" smtClean="0"/>
           </a:p>
           <a:p>
             <a:pPr>
@@ -5712,6 +5934,7 @@
                 <a:sym typeface="微軟正黑體"/>
               </a:defRPr>
             </a:pPr>
+            <a:endParaRPr lang="en-US" dirty="0"/>
           </a:p>
           <a:p>
             <a:pPr>
@@ -5722,9 +5945,7 @@
                 <a:sym typeface="微軟正黑體"/>
               </a:defRPr>
             </a:pPr>
-            <a:r>
-              <a:t>然後重啟</a:t>
-            </a:r>
+            <a:endParaRPr dirty="0"/>
           </a:p>
           <a:p>
             <a:pPr>
@@ -5735,8 +5956,59 @@
                 <a:sym typeface="微軟正黑體"/>
               </a:defRPr>
             </a:pPr>
-            <a:r>
-              <a:t>/etc/init.d/dnsmasq restart</a:t>
+            <a:endParaRPr dirty="0"/>
+          </a:p>
+          <a:p>
+            <a:pPr>
+              <a:defRPr>
+                <a:latin typeface="微軟正黑體"/>
+                <a:ea typeface="微軟正黑體"/>
+                <a:cs typeface="微軟正黑體"/>
+                <a:sym typeface="微軟正黑體"/>
+              </a:defRPr>
+            </a:pPr>
+            <a:r>
+              <a:rPr dirty="0" err="1"/>
+              <a:t>然後重啟</a:t>
+            </a:r>
+            <a:endParaRPr dirty="0"/>
+          </a:p>
+          <a:p>
+            <a:pPr>
+              <a:defRPr>
+                <a:latin typeface="微軟正黑體"/>
+                <a:ea typeface="微軟正黑體"/>
+                <a:cs typeface="微軟正黑體"/>
+                <a:sym typeface="微軟正黑體"/>
+              </a:defRPr>
+            </a:pPr>
+            <a:r>
+              <a:rPr dirty="0"/>
+              <a:t>/</a:t>
+            </a:r>
+            <a:r>
+              <a:rPr dirty="0" err="1"/>
+              <a:t>etc</a:t>
+            </a:r>
+            <a:r>
+              <a:rPr dirty="0"/>
+              <a:t>/</a:t>
+            </a:r>
+            <a:r>
+              <a:rPr dirty="0" err="1"/>
+              <a:t>init.d</a:t>
+            </a:r>
+            <a:r>
+              <a:rPr dirty="0"/>
+              <a:t>/</a:t>
+            </a:r>
+            <a:r>
+              <a:rPr dirty="0" err="1"/>
+              <a:t>dnsmasq</a:t>
+            </a:r>
+            <a:r>
+              <a:rPr dirty="0"/>
+              <a:t> restart</a:t>
             </a:r>
           </a:p>
         </p:txBody>
@@ -5746,12 +6018,19 @@
   <p:clrMapOvr>
     <a:masterClrMapping/>
   </p:clrMapOvr>
-  <p:transition xmlns:p14="http://schemas.microsoft.com/office/powerpoint/2010/main" spd="med" advClick="1" p14:dur="1000"/>
+  <p:transition spd="slow"/>
+  <p:timing>
+    <p:tnLst>
+      <p:par>
+        <p:cTn id="1" dur="indefinite" restart="never" nodeType="tmRoot"/>
+      </p:par>
+    </p:tnLst>
+  </p:timing>
 </p:sld>
 </file>
 
 <file path=ppt/slides/slide14.xml><?xml version="1.0" encoding="utf-8"?>
-<p:sld xmlns:a="http://schemas.openxmlformats.org/drawingml/2006/main" xmlns:r="http://schemas.openxmlformats.org/officeDocument/2006/relationships" xmlns:p="http://schemas.openxmlformats.org/presentationml/2006/main" showMasterSp="1" showMasterPhAnim="1">
+<p:sld xmlns:a="http://schemas.openxmlformats.org/drawingml/2006/main" xmlns:r="http://schemas.openxmlformats.org/officeDocument/2006/relationships" xmlns:p="http://schemas.openxmlformats.org/presentationml/2006/main">
   <p:cSld>
     <p:spTree>
       <p:nvGrpSpPr>
@@ -5786,7 +6065,7 @@
           </a:ln>
           <a:extLst>
             <a:ext uri="{C572A759-6A51-4108-AA02-DFA0A04FC94B}">
-              <ma14:wrappingTextBoxFlag xmlns:ma14="http://schemas.microsoft.com/office/mac/drawingml/2011/main" val="1"/>
+              <ma14:wrappingTextBoxFlag xmlns="" xmlns:ma14="http://schemas.microsoft.com/office/mac/drawingml/2011/main" val="1"/>
             </a:ext>
           </a:extLst>
         </p:spPr>
@@ -5871,12 +6150,19 @@
   <p:clrMapOvr>
     <a:masterClrMapping/>
   </p:clrMapOvr>
-  <p:transition xmlns:p14="http://schemas.microsoft.com/office/powerpoint/2010/main" spd="med" advClick="1" p14:dur="1000"/>
+  <p:transition spd="slow"/>
+  <p:timing>
+    <p:tnLst>
+      <p:par>
+        <p:cTn id="1" dur="indefinite" restart="never" nodeType="tmRoot"/>
+      </p:par>
+    </p:tnLst>
+  </p:timing>
 </p:sld>
 </file>
 
 <file path=ppt/slides/slide15.xml><?xml version="1.0" encoding="utf-8"?>
-<p:sld xmlns:a="http://schemas.openxmlformats.org/drawingml/2006/main" xmlns:r="http://schemas.openxmlformats.org/officeDocument/2006/relationships" xmlns:p="http://schemas.openxmlformats.org/presentationml/2006/main" showMasterSp="1" showMasterPhAnim="1">
+<p:sld xmlns:a="http://schemas.openxmlformats.org/drawingml/2006/main" xmlns:r="http://schemas.openxmlformats.org/officeDocument/2006/relationships" xmlns:p="http://schemas.openxmlformats.org/presentationml/2006/main">
   <p:cSld>
     <p:spTree>
       <p:nvGrpSpPr>
@@ -5911,7 +6197,7 @@
           </a:ln>
           <a:extLst>
             <a:ext uri="{C572A759-6A51-4108-AA02-DFA0A04FC94B}">
-              <ma14:wrappingTextBoxFlag xmlns:ma14="http://schemas.microsoft.com/office/mac/drawingml/2011/main" val="1"/>
+              <ma14:wrappingTextBoxFlag xmlns="" xmlns:ma14="http://schemas.microsoft.com/office/mac/drawingml/2011/main" val="1"/>
             </a:ext>
           </a:extLst>
         </p:spPr>
@@ -5933,13 +6219,7 @@
               </a:defRPr>
             </a:pPr>
             <a:r>
-              <a:t>安裝分配</a:t>
-            </a:r>
-            <a:r>
-              <a:t>DHCP </a:t>
-            </a:r>
-            <a:r>
-              <a:t>的套件</a:t>
+              <a:t>安裝分配DHCP 的套件</a:t>
             </a:r>
           </a:p>
         </p:txBody>
@@ -5963,7 +6243,7 @@
           </a:ln>
           <a:extLst>
             <a:ext uri="{C572A759-6A51-4108-AA02-DFA0A04FC94B}">
-              <ma14:wrappingTextBoxFlag xmlns:ma14="http://schemas.microsoft.com/office/mac/drawingml/2011/main" val="1"/>
+              <ma14:wrappingTextBoxFlag xmlns="" xmlns:ma14="http://schemas.microsoft.com/office/mac/drawingml/2011/main" val="1"/>
             </a:ext>
           </a:extLst>
         </p:spPr>
@@ -6048,12 +6328,19 @@
   <p:clrMapOvr>
     <a:masterClrMapping/>
   </p:clrMapOvr>
-  <p:transition xmlns:p14="http://schemas.microsoft.com/office/powerpoint/2010/main" spd="med" advClick="1" p14:dur="1000"/>
+  <p:transition spd="slow"/>
+  <p:timing>
+    <p:tnLst>
+      <p:par>
+        <p:cTn id="1" dur="indefinite" restart="never" nodeType="tmRoot"/>
+      </p:par>
+    </p:tnLst>
+  </p:timing>
 </p:sld>
 </file>
 
 <file path=ppt/slides/slide16.xml><?xml version="1.0" encoding="utf-8"?>
-<p:sld xmlns:a="http://schemas.openxmlformats.org/drawingml/2006/main" xmlns:r="http://schemas.openxmlformats.org/officeDocument/2006/relationships" xmlns:p="http://schemas.openxmlformats.org/presentationml/2006/main" showMasterSp="1" showMasterPhAnim="1">
+<p:sld xmlns:a="http://schemas.openxmlformats.org/drawingml/2006/main" xmlns:r="http://schemas.openxmlformats.org/officeDocument/2006/relationships" xmlns:p="http://schemas.openxmlformats.org/presentationml/2006/main">
   <p:cSld>
     <p:spTree>
       <p:nvGrpSpPr>
@@ -6088,7 +6375,7 @@
           </a:ln>
           <a:extLst>
             <a:ext uri="{C572A759-6A51-4108-AA02-DFA0A04FC94B}">
-              <ma14:wrappingTextBoxFlag xmlns:ma14="http://schemas.microsoft.com/office/mac/drawingml/2011/main" val="1"/>
+              <ma14:wrappingTextBoxFlag xmlns="" xmlns:ma14="http://schemas.microsoft.com/office/mac/drawingml/2011/main" val="1"/>
             </a:ext>
           </a:extLst>
         </p:spPr>
@@ -6106,9 +6393,21 @@
                 <a:sym typeface="微軟正黑體"/>
               </a:defRPr>
             </a:pPr>
+            <a:r>
+              <a:t/>
+            </a:r>
             <a:br/>
+            <a:r>
+              <a:t/>
+            </a:r>
             <a:br/>
+            <a:r>
+              <a:t/>
+            </a:r>
             <a:br/>
+            <a:r>
+              <a:t/>
+            </a:r>
             <a:br/>
             <a:r>
               <a:rPr sz="2000">
@@ -6131,15 +6430,7 @@
                   <a:srgbClr val="675E47"/>
                 </a:solidFill>
               </a:rPr>
-              <a:t>設定乙太網卡固定</a:t>
-            </a:r>
-            <a:r>
-              <a:rPr sz="2000">
-                <a:solidFill>
-                  <a:srgbClr val="675E47"/>
-                </a:solidFill>
-              </a:rPr>
-              <a:t>IP</a:t>
+              <a:t>設定乙太網卡固定IP</a:t>
             </a:r>
             <a:br>
               <a:rPr sz="2000">
@@ -6148,6 +6439,14 @@
                 </a:solidFill>
               </a:rPr>
             </a:br>
+            <a:r>
+              <a:rPr sz="2000">
+                <a:solidFill>
+                  <a:srgbClr val="675E47"/>
+                </a:solidFill>
+              </a:rPr>
+              <a:t/>
+            </a:r>
             <a:br>
               <a:rPr sz="2000">
                 <a:solidFill>
@@ -6155,6 +6454,14 @@
                 </a:solidFill>
               </a:rPr>
             </a:br>
+            <a:r>
+              <a:rPr sz="2000">
+                <a:solidFill>
+                  <a:srgbClr val="675E47"/>
+                </a:solidFill>
+              </a:rPr>
+              <a:t/>
+            </a:r>
             <a:br>
               <a:rPr sz="2000">
                 <a:solidFill>
@@ -6162,6 +6469,14 @@
                 </a:solidFill>
               </a:rPr>
             </a:br>
+            <a:r>
+              <a:rPr sz="2000">
+                <a:solidFill>
+                  <a:srgbClr val="675E47"/>
+                </a:solidFill>
+              </a:rPr>
+              <a:t/>
+            </a:r>
             <a:br>
               <a:rPr sz="2000">
                 <a:solidFill>
@@ -6169,6 +6484,11 @@
                 </a:solidFill>
               </a:rPr>
             </a:br>
+            <a:endParaRPr sz="2000">
+              <a:solidFill>
+                <a:srgbClr val="675E47"/>
+              </a:solidFill>
+            </a:endParaRPr>
           </a:p>
         </p:txBody>
       </p:sp>
@@ -6191,7 +6511,7 @@
           </a:ln>
           <a:extLst>
             <a:ext uri="{C572A759-6A51-4108-AA02-DFA0A04FC94B}">
-              <ma14:wrappingTextBoxFlag xmlns:ma14="http://schemas.microsoft.com/office/mac/drawingml/2011/main" val="1"/>
+              <ma14:wrappingTextBoxFlag xmlns="" xmlns:ma14="http://schemas.microsoft.com/office/mac/drawingml/2011/main" val="1"/>
             </a:ext>
           </a:extLst>
         </p:spPr>
@@ -6216,6 +6536,7 @@
               </a:defRPr>
             </a:pPr>
             <a:r>
+              <a:rPr dirty="0"/>
               <a:t>interface eth0</a:t>
             </a:r>
           </a:p>
@@ -6235,7 +6556,16 @@
               </a:defRPr>
             </a:pPr>
             <a:r>
-              <a:t>static ip_address=192.168.4.1/24</a:t>
+              <a:rPr dirty="0"/>
+              <a:t>static </a:t>
+            </a:r>
+            <a:r>
+              <a:rPr dirty="0" err="1"/>
+              <a:t>ip_address</a:t>
+            </a:r>
+            <a:r>
+              <a:rPr dirty="0"/>
+              <a:t>=192.168.4.1/24</a:t>
             </a:r>
           </a:p>
           <a:p>
@@ -6254,6 +6584,7 @@
               </a:defRPr>
             </a:pPr>
             <a:r>
+              <a:rPr dirty="0"/>
               <a:t>static routers=192.168.4.1</a:t>
             </a:r>
           </a:p>
@@ -6273,7 +6604,16 @@
               </a:defRPr>
             </a:pPr>
             <a:r>
-              <a:t>static domain_name_servers=8.8.8.8</a:t>
+              <a:rPr dirty="0"/>
+              <a:t>static </a:t>
+            </a:r>
+            <a:r>
+              <a:rPr dirty="0" err="1"/>
+              <a:t>domain_name_servers</a:t>
+            </a:r>
+            <a:r>
+              <a:rPr dirty="0"/>
+              <a:t>=8.8.8.8</a:t>
             </a:r>
           </a:p>
           <a:p>
@@ -6291,6 +6631,7 @@
                 <a:sym typeface="微軟正黑體"/>
               </a:defRPr>
             </a:pPr>
+            <a:endParaRPr dirty="0"/>
           </a:p>
           <a:p>
             <a:pPr>
@@ -6307,6 +6648,7 @@
                 <a:sym typeface="微軟正黑體"/>
               </a:defRPr>
             </a:pPr>
+            <a:endParaRPr dirty="0"/>
           </a:p>
           <a:p>
             <a:pPr>
@@ -6323,6 +6665,7 @@
                 <a:sym typeface="微軟正黑體"/>
               </a:defRPr>
             </a:pPr>
+            <a:endParaRPr dirty="0"/>
           </a:p>
           <a:p>
             <a:pPr>
@@ -6339,6 +6682,7 @@
                 <a:sym typeface="微軟正黑體"/>
               </a:defRPr>
             </a:pPr>
+            <a:endParaRPr dirty="0"/>
           </a:p>
           <a:p>
             <a:pPr>
@@ -6356,13 +6700,25 @@
               </a:defRPr>
             </a:pPr>
             <a:r>
+              <a:rPr dirty="0"/>
               <a:t> </a:t>
             </a:r>
             <a:r>
-              <a:rPr sz="1600"/>
-              <a:t>ifconfig  eth0 192.168.4.1 netmask 255.255.255.0 broadcast 192.168.4.255</a:t>
-            </a:r>
-            <a:endParaRPr sz="1600"/>
+              <a:rPr sz="1600" dirty="0" err="1"/>
+              <a:t>ifconfig</a:t>
+            </a:r>
+            <a:r>
+              <a:rPr sz="1600" dirty="0"/>
+              <a:t>  eth0 192.168.4.1 </a:t>
+            </a:r>
+            <a:r>
+              <a:rPr sz="1600" dirty="0" err="1"/>
+              <a:t>netmask</a:t>
+            </a:r>
+            <a:r>
+              <a:rPr sz="1600" dirty="0"/>
+              <a:t> 255.255.255.0 broadcast 192.168.4.255</a:t>
+            </a:r>
           </a:p>
           <a:p>
             <a:pPr>
@@ -6380,8 +6736,10 @@
               </a:defRPr>
             </a:pPr>
             <a:r>
+              <a:rPr dirty="0" err="1"/>
               <a:t>指令方式設定網路</a:t>
             </a:r>
+            <a:endParaRPr dirty="0"/>
           </a:p>
         </p:txBody>
       </p:sp>
@@ -6419,12 +6777,19 @@
   <p:clrMapOvr>
     <a:masterClrMapping/>
   </p:clrMapOvr>
-  <p:transition xmlns:p14="http://schemas.microsoft.com/office/powerpoint/2010/main" spd="med" advClick="1" p14:dur="1000"/>
+  <p:transition spd="slow"/>
+  <p:timing>
+    <p:tnLst>
+      <p:par>
+        <p:cTn id="1" dur="indefinite" restart="never" nodeType="tmRoot"/>
+      </p:par>
+    </p:tnLst>
+  </p:timing>
 </p:sld>
 </file>
 
 <file path=ppt/slides/slide17.xml><?xml version="1.0" encoding="utf-8"?>
-<p:sld xmlns:a="http://schemas.openxmlformats.org/drawingml/2006/main" xmlns:r="http://schemas.openxmlformats.org/officeDocument/2006/relationships" xmlns:p="http://schemas.openxmlformats.org/presentationml/2006/main" showMasterSp="1" showMasterPhAnim="1">
+<p:sld xmlns:a="http://schemas.openxmlformats.org/drawingml/2006/main" xmlns:r="http://schemas.openxmlformats.org/officeDocument/2006/relationships" xmlns:p="http://schemas.openxmlformats.org/presentationml/2006/main">
   <p:cSld>
     <p:spTree>
       <p:nvGrpSpPr>
@@ -6459,7 +6824,7 @@
           </a:ln>
           <a:extLst>
             <a:ext uri="{C572A759-6A51-4108-AA02-DFA0A04FC94B}">
-              <ma14:wrappingTextBoxFlag xmlns:ma14="http://schemas.microsoft.com/office/mac/drawingml/2011/main" val="1"/>
+              <ma14:wrappingTextBoxFlag xmlns="" xmlns:ma14="http://schemas.microsoft.com/office/mac/drawingml/2011/main" val="1"/>
             </a:ext>
           </a:extLst>
         </p:spPr>
@@ -6481,7 +6846,6 @@
             </a:lvl1pPr>
           </a:lstStyle>
           <a:p>
-            <a:pPr/>
             <a:r>
               <a:t>nano /etc/default/isc-dhcp-server</a:t>
             </a:r>
@@ -6507,7 +6871,7 @@
           </a:ln>
           <a:extLst>
             <a:ext uri="{C572A759-6A51-4108-AA02-DFA0A04FC94B}">
-              <ma14:wrappingTextBoxFlag xmlns:ma14="http://schemas.microsoft.com/office/mac/drawingml/2011/main" val="1"/>
+              <ma14:wrappingTextBoxFlag xmlns="" xmlns:ma14="http://schemas.microsoft.com/office/mac/drawingml/2011/main" val="1"/>
             </a:ext>
           </a:extLst>
         </p:spPr>
@@ -6578,6 +6942,7 @@
                 <a:sym typeface="Calibri"/>
               </a:defRPr>
             </a:pPr>
+            <a:endParaRPr/>
           </a:p>
           <a:p>
             <a:pPr>
@@ -6594,6 +6959,7 @@
                 <a:sym typeface="Calibri"/>
               </a:defRPr>
             </a:pPr>
+            <a:endParaRPr/>
           </a:p>
           <a:p>
             <a:pPr>
@@ -6610,6 +6976,7 @@
                 <a:sym typeface="Calibri"/>
               </a:defRPr>
             </a:pPr>
+            <a:endParaRPr/>
           </a:p>
           <a:p>
             <a:pPr>
@@ -6626,6 +6993,7 @@
                 <a:sym typeface="Calibri"/>
               </a:defRPr>
             </a:pPr>
+            <a:endParaRPr/>
           </a:p>
         </p:txBody>
       </p:sp>
@@ -6663,12 +7031,19 @@
   <p:clrMapOvr>
     <a:masterClrMapping/>
   </p:clrMapOvr>
-  <p:transition xmlns:p14="http://schemas.microsoft.com/office/powerpoint/2010/main" spd="med" advClick="1" p14:dur="1000"/>
+  <p:transition spd="slow"/>
+  <p:timing>
+    <p:tnLst>
+      <p:par>
+        <p:cTn id="1" dur="indefinite" restart="never" nodeType="tmRoot"/>
+      </p:par>
+    </p:tnLst>
+  </p:timing>
 </p:sld>
 </file>
 
 <file path=ppt/slides/slide18.xml><?xml version="1.0" encoding="utf-8"?>
-<p:sld xmlns:a="http://schemas.openxmlformats.org/drawingml/2006/main" xmlns:r="http://schemas.openxmlformats.org/officeDocument/2006/relationships" xmlns:p="http://schemas.openxmlformats.org/presentationml/2006/main" showMasterSp="1" showMasterPhAnim="1">
+<p:sld xmlns:a="http://schemas.openxmlformats.org/drawingml/2006/main" xmlns:r="http://schemas.openxmlformats.org/officeDocument/2006/relationships" xmlns:p="http://schemas.openxmlformats.org/presentationml/2006/main">
   <p:cSld>
     <p:spTree>
       <p:nvGrpSpPr>
@@ -6703,7 +7078,7 @@
           </a:ln>
           <a:extLst>
             <a:ext uri="{C572A759-6A51-4108-AA02-DFA0A04FC94B}">
-              <ma14:wrappingTextBoxFlag xmlns:ma14="http://schemas.microsoft.com/office/mac/drawingml/2011/main" val="1"/>
+              <ma14:wrappingTextBoxFlag xmlns="" xmlns:ma14="http://schemas.microsoft.com/office/mac/drawingml/2011/main" val="1"/>
             </a:ext>
           </a:extLst>
         </p:spPr>
@@ -6725,7 +7100,6 @@
             </a:lvl1pPr>
           </a:lstStyle>
           <a:p>
-            <a:pPr/>
             <a:r>
               <a:t>nano /etc/dhcp/dhcpd.conf</a:t>
             </a:r>
@@ -6751,7 +7125,7 @@
           </a:ln>
           <a:extLst>
             <a:ext uri="{C572A759-6A51-4108-AA02-DFA0A04FC94B}">
-              <ma14:wrappingTextBoxFlag xmlns:ma14="http://schemas.microsoft.com/office/mac/drawingml/2011/main" val="1"/>
+              <ma14:wrappingTextBoxFlag xmlns="" xmlns:ma14="http://schemas.microsoft.com/office/mac/drawingml/2011/main" val="1"/>
             </a:ext>
           </a:extLst>
         </p:spPr>
@@ -6993,6 +7367,7 @@
                 <a:sym typeface="Calibri"/>
               </a:defRPr>
             </a:pPr>
+            <a:endParaRPr/>
           </a:p>
           <a:p>
             <a:pPr>
@@ -7050,12 +7425,19 @@
   <p:clrMapOvr>
     <a:masterClrMapping/>
   </p:clrMapOvr>
-  <p:transition xmlns:p14="http://schemas.microsoft.com/office/powerpoint/2010/main" spd="med" advClick="1" p14:dur="1000"/>
+  <p:transition spd="slow"/>
+  <p:timing>
+    <p:tnLst>
+      <p:par>
+        <p:cTn id="1" dur="indefinite" restart="never" nodeType="tmRoot"/>
+      </p:par>
+    </p:tnLst>
+  </p:timing>
 </p:sld>
 </file>
 
 <file path=ppt/slides/slide19.xml><?xml version="1.0" encoding="utf-8"?>
-<p:sld xmlns:a="http://schemas.openxmlformats.org/drawingml/2006/main" xmlns:r="http://schemas.openxmlformats.org/officeDocument/2006/relationships" xmlns:p="http://schemas.openxmlformats.org/presentationml/2006/main" showMasterSp="1" showMasterPhAnim="1">
+<p:sld xmlns:a="http://schemas.openxmlformats.org/drawingml/2006/main" xmlns:r="http://schemas.openxmlformats.org/officeDocument/2006/relationships" xmlns:p="http://schemas.openxmlformats.org/presentationml/2006/main">
   <p:cSld>
     <p:spTree>
       <p:nvGrpSpPr>
@@ -7090,7 +7472,7 @@
           </a:ln>
           <a:extLst>
             <a:ext uri="{C572A759-6A51-4108-AA02-DFA0A04FC94B}">
-              <ma14:wrappingTextBoxFlag xmlns:ma14="http://schemas.microsoft.com/office/mac/drawingml/2011/main" val="1"/>
+              <ma14:wrappingTextBoxFlag xmlns="" xmlns:ma14="http://schemas.microsoft.com/office/mac/drawingml/2011/main" val="1"/>
             </a:ext>
           </a:extLst>
         </p:spPr>
@@ -7139,25 +7521,6 @@
                 <a:sym typeface="Calibri"/>
               </a:defRPr>
             </a:pPr>
-          </a:p>
-          <a:p>
-            <a:pPr>
-              <a:spcBef>
-                <a:spcPts val="300"/>
-              </a:spcBef>
-              <a:defRPr>
-                <a:solidFill>
-                  <a:srgbClr val="2F2B20"/>
-                </a:solidFill>
-                <a:latin typeface="微軟正黑體"/>
-                <a:ea typeface="微軟正黑體"/>
-                <a:cs typeface="微軟正黑體"/>
-                <a:sym typeface="微軟正黑體"/>
-              </a:defRPr>
-            </a:pPr>
-            <a:r>
-              <a:t>echo 1 &gt; /proc/sys/net/ipv4/ip_forward   (開啟封包轉送)</a:t>
-            </a:r>
             <a:endParaRPr>
               <a:latin typeface="Calibri"/>
               <a:ea typeface="Calibri"/>
@@ -7174,22 +7537,6 @@
                 <a:solidFill>
                   <a:srgbClr val="2F2B20"/>
                 </a:solidFill>
-                <a:latin typeface="Calibri"/>
-                <a:ea typeface="Calibri"/>
-                <a:cs typeface="Calibri"/>
-                <a:sym typeface="Calibri"/>
-              </a:defRPr>
-            </a:pPr>
-          </a:p>
-          <a:p>
-            <a:pPr>
-              <a:spcBef>
-                <a:spcPts val="200"/>
-              </a:spcBef>
-              <a:defRPr sz="1200">
-                <a:solidFill>
-                  <a:srgbClr val="2F2B20"/>
-                </a:solidFill>
                 <a:latin typeface="微軟正黑體"/>
                 <a:ea typeface="微軟正黑體"/>
                 <a:cs typeface="微軟正黑體"/>
@@ -7197,7 +7544,7 @@
               </a:defRPr>
             </a:pPr>
             <a:r>
-              <a:t>iptables -A FORWARD -i eth0 -o wlan0 -j ACCEPT </a:t>
+              <a:t>echo 1 &gt; /proc/sys/net/ipv4/ip_forward   (開啟封包轉送)</a:t>
             </a:r>
             <a:endParaRPr>
               <a:latin typeface="Calibri"/>
@@ -7209,9 +7556,9 @@
           <a:p>
             <a:pPr>
               <a:spcBef>
-                <a:spcPts val="200"/>
+                <a:spcPts val="300"/>
               </a:spcBef>
-              <a:defRPr sz="1200">
+              <a:defRPr>
                 <a:solidFill>
                   <a:srgbClr val="2F2B20"/>
                 </a:solidFill>
@@ -7221,25 +7568,6 @@
                 <a:sym typeface="Calibri"/>
               </a:defRPr>
             </a:pPr>
-          </a:p>
-          <a:p>
-            <a:pPr>
-              <a:spcBef>
-                <a:spcPts val="200"/>
-              </a:spcBef>
-              <a:defRPr sz="1200">
-                <a:solidFill>
-                  <a:srgbClr val="2F2B20"/>
-                </a:solidFill>
-                <a:latin typeface="微軟正黑體"/>
-                <a:ea typeface="微軟正黑體"/>
-                <a:cs typeface="微軟正黑體"/>
-                <a:sym typeface="微軟正黑體"/>
-              </a:defRPr>
-            </a:pPr>
-            <a:r>
-              <a:t>iptables -A FORWARD -i wlan0 -o eth0 -m state --state ESTABLISHED,RELATED  -j ACCEPT </a:t>
-            </a:r>
             <a:endParaRPr>
               <a:latin typeface="Calibri"/>
               <a:ea typeface="Calibri"/>
@@ -7256,22 +7584,6 @@
                 <a:solidFill>
                   <a:srgbClr val="2F2B20"/>
                 </a:solidFill>
-                <a:latin typeface="Calibri"/>
-                <a:ea typeface="Calibri"/>
-                <a:cs typeface="Calibri"/>
-                <a:sym typeface="Calibri"/>
-              </a:defRPr>
-            </a:pPr>
-          </a:p>
-          <a:p>
-            <a:pPr>
-              <a:spcBef>
-                <a:spcPts val="200"/>
-              </a:spcBef>
-              <a:defRPr sz="1200">
-                <a:solidFill>
-                  <a:srgbClr val="2F2B20"/>
-                </a:solidFill>
                 <a:latin typeface="微軟正黑體"/>
                 <a:ea typeface="微軟正黑體"/>
                 <a:cs typeface="微軟正黑體"/>
@@ -7279,7 +7591,7 @@
               </a:defRPr>
             </a:pPr>
             <a:r>
-              <a:t>iptables –t  nat  -A    POSTROUTING -o wlan0 -j MASQUERADE</a:t>
+              <a:t>iptables -A FORWARD -i eth0 -o wlan0 -j ACCEPT </a:t>
             </a:r>
             <a:endParaRPr>
               <a:latin typeface="Calibri"/>
@@ -7291,7 +7603,7 @@
           <a:p>
             <a:pPr>
               <a:spcBef>
-                <a:spcPts val="300"/>
+                <a:spcPts val="200"/>
               </a:spcBef>
               <a:defRPr sz="1200">
                 <a:solidFill>
@@ -7303,6 +7615,106 @@
                 <a:sym typeface="Calibri"/>
               </a:defRPr>
             </a:pPr>
+            <a:endParaRPr>
+              <a:latin typeface="Calibri"/>
+              <a:ea typeface="Calibri"/>
+              <a:cs typeface="Calibri"/>
+              <a:sym typeface="Calibri"/>
+            </a:endParaRPr>
+          </a:p>
+          <a:p>
+            <a:pPr>
+              <a:spcBef>
+                <a:spcPts val="200"/>
+              </a:spcBef>
+              <a:defRPr sz="1200">
+                <a:solidFill>
+                  <a:srgbClr val="2F2B20"/>
+                </a:solidFill>
+                <a:latin typeface="微軟正黑體"/>
+                <a:ea typeface="微軟正黑體"/>
+                <a:cs typeface="微軟正黑體"/>
+                <a:sym typeface="微軟正黑體"/>
+              </a:defRPr>
+            </a:pPr>
+            <a:r>
+              <a:t>iptables -A FORWARD -i wlan0 -o eth0 -m state --state ESTABLISHED,RELATED  -j ACCEPT </a:t>
+            </a:r>
+            <a:endParaRPr>
+              <a:latin typeface="Calibri"/>
+              <a:ea typeface="Calibri"/>
+              <a:cs typeface="Calibri"/>
+              <a:sym typeface="Calibri"/>
+            </a:endParaRPr>
+          </a:p>
+          <a:p>
+            <a:pPr>
+              <a:spcBef>
+                <a:spcPts val="200"/>
+              </a:spcBef>
+              <a:defRPr sz="1200">
+                <a:solidFill>
+                  <a:srgbClr val="2F2B20"/>
+                </a:solidFill>
+                <a:latin typeface="Calibri"/>
+                <a:ea typeface="Calibri"/>
+                <a:cs typeface="Calibri"/>
+                <a:sym typeface="Calibri"/>
+              </a:defRPr>
+            </a:pPr>
+            <a:endParaRPr>
+              <a:latin typeface="Calibri"/>
+              <a:ea typeface="Calibri"/>
+              <a:cs typeface="Calibri"/>
+              <a:sym typeface="Calibri"/>
+            </a:endParaRPr>
+          </a:p>
+          <a:p>
+            <a:pPr>
+              <a:spcBef>
+                <a:spcPts val="200"/>
+              </a:spcBef>
+              <a:defRPr sz="1200">
+                <a:solidFill>
+                  <a:srgbClr val="2F2B20"/>
+                </a:solidFill>
+                <a:latin typeface="微軟正黑體"/>
+                <a:ea typeface="微軟正黑體"/>
+                <a:cs typeface="微軟正黑體"/>
+                <a:sym typeface="微軟正黑體"/>
+              </a:defRPr>
+            </a:pPr>
+            <a:r>
+              <a:t>iptables –t  nat  -A    POSTROUTING -o wlan0 -j MASQUERADE</a:t>
+            </a:r>
+            <a:endParaRPr>
+              <a:latin typeface="Calibri"/>
+              <a:ea typeface="Calibri"/>
+              <a:cs typeface="Calibri"/>
+              <a:sym typeface="Calibri"/>
+            </a:endParaRPr>
+          </a:p>
+          <a:p>
+            <a:pPr>
+              <a:spcBef>
+                <a:spcPts val="300"/>
+              </a:spcBef>
+              <a:defRPr sz="1200">
+                <a:solidFill>
+                  <a:srgbClr val="2F2B20"/>
+                </a:solidFill>
+                <a:latin typeface="Calibri"/>
+                <a:ea typeface="Calibri"/>
+                <a:cs typeface="Calibri"/>
+                <a:sym typeface="Calibri"/>
+              </a:defRPr>
+            </a:pPr>
+            <a:endParaRPr>
+              <a:latin typeface="Calibri"/>
+              <a:ea typeface="Calibri"/>
+              <a:cs typeface="Calibri"/>
+              <a:sym typeface="Calibri"/>
+            </a:endParaRPr>
           </a:p>
           <a:p>
             <a:pPr>
@@ -7320,22 +7732,7 @@
               </a:defRPr>
             </a:pPr>
             <a:r>
-              <a:t>防火牆</a:t>
-            </a:r>
-            <a:r>
-              <a:t>- </a:t>
-            </a:r>
-            <a:r>
-              <a:t>將</a:t>
-            </a:r>
-            <a:r>
-              <a:t>wifi</a:t>
-            </a:r>
-            <a:r>
-              <a:t>的流量轉送給</a:t>
-            </a:r>
-            <a:r>
-              <a:t>eth0</a:t>
+              <a:t>防火牆- 將wifi的流量轉送給eth0</a:t>
             </a:r>
           </a:p>
         </p:txBody>
@@ -7345,12 +7742,19 @@
   <p:clrMapOvr>
     <a:masterClrMapping/>
   </p:clrMapOvr>
-  <p:transition xmlns:p14="http://schemas.microsoft.com/office/powerpoint/2010/main" spd="med" advClick="1" p14:dur="1000"/>
+  <p:transition spd="slow"/>
+  <p:timing>
+    <p:tnLst>
+      <p:par>
+        <p:cTn id="1" dur="indefinite" restart="never" nodeType="tmRoot"/>
+      </p:par>
+    </p:tnLst>
+  </p:timing>
 </p:sld>
 </file>
 
 <file path=ppt/slides/slide2.xml><?xml version="1.0" encoding="utf-8"?>
-<p:sld xmlns:a="http://schemas.openxmlformats.org/drawingml/2006/main" xmlns:r="http://schemas.openxmlformats.org/officeDocument/2006/relationships" xmlns:p="http://schemas.openxmlformats.org/presentationml/2006/main" showMasterSp="1" showMasterPhAnim="1">
+<p:sld xmlns:a="http://schemas.openxmlformats.org/drawingml/2006/main" xmlns:r="http://schemas.openxmlformats.org/officeDocument/2006/relationships" xmlns:p="http://schemas.openxmlformats.org/presentationml/2006/main">
   <p:cSld>
     <p:spTree>
       <p:nvGrpSpPr>
@@ -7385,7 +7789,7 @@
           </a:ln>
           <a:extLst>
             <a:ext uri="{C572A759-6A51-4108-AA02-DFA0A04FC94B}">
-              <ma14:wrappingTextBoxFlag xmlns:ma14="http://schemas.microsoft.com/office/mac/drawingml/2011/main" val="1"/>
+              <ma14:wrappingTextBoxFlag xmlns="" xmlns:ma14="http://schemas.microsoft.com/office/mac/drawingml/2011/main" val="1"/>
             </a:ext>
           </a:extLst>
         </p:spPr>
@@ -7410,9 +7814,14 @@
               </a:defRPr>
             </a:pPr>
             <a:r>
-              <a:t>sudo apt-get update </a:t>
-            </a:r>
-            <a:endParaRPr>
+              <a:rPr dirty="0" err="1"/>
+              <a:t>sudo</a:t>
+            </a:r>
+            <a:r>
+              <a:rPr dirty="0"/>
+              <a:t> apt-get update </a:t>
+            </a:r>
+            <a:endParaRPr dirty="0">
               <a:latin typeface="Calibri"/>
               <a:ea typeface="Calibri"/>
               <a:cs typeface="Calibri"/>
@@ -7435,9 +7844,10 @@
               </a:defRPr>
             </a:pPr>
             <a:r>
+              <a:rPr dirty="0"/>
               <a:t>apt-get upgrade –y</a:t>
             </a:r>
-            <a:endParaRPr>
+            <a:endParaRPr dirty="0">
               <a:latin typeface="Calibri"/>
               <a:ea typeface="Calibri"/>
               <a:cs typeface="Calibri"/>
@@ -7460,10 +7870,17 @@
               </a:defRPr>
             </a:pPr>
             <a:r>
+              <a:rPr dirty="0" err="1"/>
               <a:t>更新套件</a:t>
             </a:r>
-            <a:br/>
-            <a:endParaRPr>
+            <a:r>
+              <a:rPr dirty="0"/>
+              <a:t/>
+            </a:r>
+            <a:br>
+              <a:rPr dirty="0"/>
+            </a:br>
+            <a:endParaRPr dirty="0">
               <a:latin typeface="Calibri"/>
               <a:ea typeface="Calibri"/>
               <a:cs typeface="Calibri"/>
@@ -7486,9 +7903,26 @@
               </a:defRPr>
             </a:pPr>
             <a:r>
-              <a:t>sudo apt-get install dnsmasq hostapd</a:t>
-            </a:r>
-            <a:endParaRPr>
+              <a:rPr dirty="0" err="1"/>
+              <a:t>sudo</a:t>
+            </a:r>
+            <a:r>
+              <a:rPr dirty="0"/>
+              <a:t> apt-get install </a:t>
+            </a:r>
+            <a:r>
+              <a:rPr dirty="0" err="1"/>
+              <a:t>dnsmasq</a:t>
+            </a:r>
+            <a:r>
+              <a:rPr dirty="0"/>
+              <a:t> </a:t>
+            </a:r>
+            <a:r>
+              <a:rPr dirty="0" err="1"/>
+              <a:t>hostapd</a:t>
+            </a:r>
+            <a:endParaRPr dirty="0">
               <a:latin typeface="Calibri"/>
               <a:ea typeface="Calibri"/>
               <a:cs typeface="Calibri"/>
@@ -7511,9 +7945,10 @@
               </a:defRPr>
             </a:pPr>
             <a:r>
+              <a:rPr dirty="0" err="1"/>
               <a:t>安裝</a:t>
             </a:r>
-            <a:endParaRPr>
+            <a:endParaRPr dirty="0">
               <a:latin typeface="Calibri"/>
               <a:ea typeface="Calibri"/>
               <a:cs typeface="Calibri"/>
@@ -7536,12 +7971,45 @@
               </a:defRPr>
             </a:pPr>
             <a:r>
-              <a:t>dnsmasq dns dhcp服務</a:t>
-            </a:r>
-            <a:br/>
-            <a:r>
-              <a:t>hostapd  開啟AP服務</a:t>
-            </a:r>
+              <a:rPr dirty="0" err="1"/>
+              <a:t>dnsmasq</a:t>
+            </a:r>
+            <a:r>
+              <a:rPr dirty="0"/>
+              <a:t> </a:t>
+            </a:r>
+            <a:r>
+              <a:rPr dirty="0" err="1"/>
+              <a:t>dns</a:t>
+            </a:r>
+            <a:r>
+              <a:rPr dirty="0"/>
+              <a:t> </a:t>
+            </a:r>
+            <a:r>
+              <a:rPr dirty="0" err="1"/>
+              <a:t>dhcp服務</a:t>
+            </a:r>
+            <a:r>
+              <a:rPr dirty="0"/>
+              <a:t/>
+            </a:r>
+            <a:br>
+              <a:rPr dirty="0"/>
+            </a:br>
+            <a:r>
+              <a:rPr dirty="0" err="1"/>
+              <a:t>hostapd</a:t>
+            </a:r>
+            <a:r>
+              <a:rPr dirty="0"/>
+              <a:t>  </a:t>
+            </a:r>
+            <a:r>
+              <a:rPr dirty="0" err="1"/>
+              <a:t>開啟AP服務</a:t>
+            </a:r>
+            <a:endParaRPr dirty="0"/>
           </a:p>
         </p:txBody>
       </p:sp>
@@ -7550,12 +8018,672 @@
   <p:clrMapOvr>
     <a:masterClrMapping/>
   </p:clrMapOvr>
-  <p:transition xmlns:p14="http://schemas.microsoft.com/office/powerpoint/2010/main" spd="med" advClick="1" p14:dur="1000"/>
+  <p:transition spd="slow"/>
+  <p:timing>
+    <p:tnLst>
+      <p:par>
+        <p:cTn id="1" dur="indefinite" restart="never" nodeType="tmRoot"/>
+      </p:par>
+    </p:tnLst>
+  </p:timing>
+</p:sld>
+</file>
+
+<file path=ppt/slides/slide20.xml><?xml version="1.0" encoding="utf-8"?>
+<p:sld xmlns:a="http://schemas.openxmlformats.org/drawingml/2006/main" xmlns:r="http://schemas.openxmlformats.org/officeDocument/2006/relationships" xmlns:p="http://schemas.openxmlformats.org/presentationml/2006/main">
+  <p:cSld>
+    <p:spTree>
+      <p:nvGrpSpPr>
+        <p:cNvPr id="1" name=""/>
+        <p:cNvGrpSpPr/>
+        <p:nvPr/>
+      </p:nvGrpSpPr>
+      <p:grpSpPr>
+        <a:xfrm>
+          <a:off x="0" y="0"/>
+          <a:ext cx="0" cy="0"/>
+          <a:chOff x="0" y="0"/>
+          <a:chExt cx="0" cy="0"/>
+        </a:xfrm>
+      </p:grpSpPr>
+      <p:pic>
+        <p:nvPicPr>
+          <p:cNvPr id="2" name="Picture 2" descr="C:\Users\nick\Desktop\AP_MODE-master (1)\AP_MODE-master\image\2018-04-25-083419_1824x984_scrot.png"/>
+          <p:cNvPicPr>
+            <a:picLocks noChangeAspect="1" noChangeArrowheads="1"/>
+          </p:cNvPicPr>
+          <p:nvPr/>
+        </p:nvPicPr>
+        <p:blipFill>
+          <a:blip r:embed="rId2" cstate="print">
+            <a:extLst>
+              <a:ext uri="{28A0092B-C50C-407E-A947-70E740481C1C}">
+                <a14:useLocalDpi xmlns:a14="http://schemas.microsoft.com/office/drawing/2010/main" val="0"/>
+              </a:ext>
+            </a:extLst>
+          </a:blip>
+          <a:srcRect/>
+          <a:stretch>
+            <a:fillRect/>
+          </a:stretch>
+        </p:blipFill>
+        <p:spPr bwMode="auto">
+          <a:xfrm>
+            <a:off x="3059832" y="-497183"/>
+            <a:ext cx="6279952" cy="3387869"/>
+          </a:xfrm>
+          <a:prstGeom prst="rect">
+            <a:avLst/>
+          </a:prstGeom>
+          <a:noFill/>
+          <a:extLst>
+            <a:ext uri="{909E8E84-426E-40DD-AFC4-6F175D3DCCD1}">
+              <a14:hiddenFill xmlns:a14="http://schemas.microsoft.com/office/drawing/2010/main">
+                <a:solidFill>
+                  <a:srgbClr val="FFFFFF"/>
+                </a:solidFill>
+              </a14:hiddenFill>
+            </a:ext>
+          </a:extLst>
+        </p:spPr>
+      </p:pic>
+      <p:sp>
+        <p:nvSpPr>
+          <p:cNvPr id="3" name="Shape 281"/>
+          <p:cNvSpPr/>
+          <p:nvPr/>
+        </p:nvSpPr>
+        <p:spPr>
+          <a:xfrm>
+            <a:off x="239068" y="1196752"/>
+            <a:ext cx="8011165" cy="4093428"/>
+          </a:xfrm>
+          <a:prstGeom prst="rect">
+            <a:avLst/>
+          </a:prstGeom>
+          <a:ln w="12700">
+            <a:miter lim="400000"/>
+          </a:ln>
+          <a:extLst>
+            <a:ext uri="{C572A759-6A51-4108-AA02-DFA0A04FC94B}">
+              <ma14:wrappingTextBoxFlag xmlns="" xmlns:ma14="http://schemas.microsoft.com/office/mac/drawingml/2011/main" val="1"/>
+            </a:ext>
+          </a:extLst>
+        </p:spPr>
+        <p:txBody>
+          <a:bodyPr wrap="none" lIns="45719" rIns="45719">
+            <a:spAutoFit/>
+          </a:bodyPr>
+          <a:lstStyle/>
+          <a:p>
+            <a:pPr>
+              <a:defRPr sz="2600">
+                <a:latin typeface="微軟正黑體"/>
+                <a:ea typeface="微軟正黑體"/>
+                <a:cs typeface="微軟正黑體"/>
+                <a:sym typeface="微軟正黑體"/>
+              </a:defRPr>
+            </a:pPr>
+            <a:r>
+              <a:rPr dirty="0" err="1" smtClean="0"/>
+              <a:t>可能發生</a:t>
+            </a:r>
+            <a:r>
+              <a:rPr lang="zh-TW" altLang="en-US" dirty="0"/>
+              <a:t>的</a:t>
+            </a:r>
+            <a:r>
+              <a:rPr dirty="0" err="1" smtClean="0"/>
+              <a:t>問題</a:t>
+            </a:r>
+            <a:endParaRPr dirty="0"/>
+          </a:p>
+          <a:p>
+            <a:pPr>
+              <a:defRPr>
+                <a:latin typeface="微軟正黑體"/>
+                <a:ea typeface="微軟正黑體"/>
+                <a:cs typeface="微軟正黑體"/>
+                <a:sym typeface="微軟正黑體"/>
+              </a:defRPr>
+            </a:pPr>
+            <a:endParaRPr dirty="0"/>
+          </a:p>
+          <a:p>
+            <a:pPr>
+              <a:defRPr>
+                <a:latin typeface="微軟正黑體"/>
+                <a:ea typeface="微軟正黑體"/>
+                <a:cs typeface="微軟正黑體"/>
+                <a:sym typeface="微軟正黑體"/>
+              </a:defRPr>
+            </a:pPr>
+            <a:endParaRPr dirty="0"/>
+          </a:p>
+          <a:p>
+            <a:pPr>
+              <a:defRPr>
+                <a:latin typeface="微軟正黑體"/>
+                <a:ea typeface="微軟正黑體"/>
+                <a:cs typeface="微軟正黑體"/>
+                <a:sym typeface="微軟正黑體"/>
+              </a:defRPr>
+            </a:pPr>
+            <a:r>
+              <a:rPr lang="en-US" dirty="0" err="1" smtClean="0"/>
+              <a:t>Isc</a:t>
+            </a:r>
+            <a:r>
+              <a:rPr lang="en-US" dirty="0" smtClean="0"/>
+              <a:t>-</a:t>
+            </a:r>
+            <a:r>
+              <a:rPr lang="en-US" dirty="0" err="1" smtClean="0"/>
+              <a:t>dhcp</a:t>
+            </a:r>
+            <a:r>
+              <a:rPr lang="en-US" dirty="0" smtClean="0"/>
+              <a:t>-server </a:t>
+            </a:r>
+            <a:r>
+              <a:rPr lang="zh-TW" altLang="en-US" dirty="0" smtClean="0"/>
+              <a:t>無法啟動</a:t>
+            </a:r>
+            <a:endParaRPr dirty="0"/>
+          </a:p>
+          <a:p>
+            <a:pPr>
+              <a:defRPr>
+                <a:latin typeface="微軟正黑體"/>
+                <a:ea typeface="微軟正黑體"/>
+                <a:cs typeface="微軟正黑體"/>
+                <a:sym typeface="微軟正黑體"/>
+              </a:defRPr>
+            </a:pPr>
+            <a:endParaRPr dirty="0"/>
+          </a:p>
+          <a:p>
+            <a:pPr>
+              <a:defRPr>
+                <a:latin typeface="微軟正黑體"/>
+                <a:ea typeface="微軟正黑體"/>
+                <a:cs typeface="微軟正黑體"/>
+                <a:sym typeface="微軟正黑體"/>
+              </a:defRPr>
+            </a:pPr>
+            <a:r>
+              <a:rPr lang="zh-TW" altLang="en-US" dirty="0"/>
+              <a:t>請確</a:t>
+            </a:r>
+            <a:r>
+              <a:rPr lang="zh-TW" altLang="en-US" dirty="0" smtClean="0"/>
+              <a:t>定</a:t>
+            </a:r>
+            <a:r>
+              <a:rPr lang="en-US" altLang="zh-TW" dirty="0" smtClean="0"/>
+              <a:t>eth0 </a:t>
+            </a:r>
+            <a:r>
+              <a:rPr lang="zh-TW" altLang="en-US" dirty="0" smtClean="0"/>
+              <a:t>有</a:t>
+            </a:r>
+            <a:r>
+              <a:rPr lang="en-US" altLang="zh-TW" dirty="0" smtClean="0"/>
+              <a:t>IP</a:t>
+            </a:r>
+          </a:p>
+          <a:p>
+            <a:pPr>
+              <a:defRPr>
+                <a:latin typeface="微軟正黑體"/>
+                <a:ea typeface="微軟正黑體"/>
+                <a:cs typeface="微軟正黑體"/>
+                <a:sym typeface="微軟正黑體"/>
+              </a:defRPr>
+            </a:pPr>
+            <a:endParaRPr lang="en-US" altLang="zh-TW" dirty="0"/>
+          </a:p>
+          <a:p>
+            <a:pPr>
+              <a:defRPr>
+                <a:latin typeface="微軟正黑體"/>
+                <a:ea typeface="微軟正黑體"/>
+                <a:cs typeface="微軟正黑體"/>
+                <a:sym typeface="微軟正黑體"/>
+              </a:defRPr>
+            </a:pPr>
+            <a:r>
+              <a:rPr lang="en-US" altLang="zh-TW" dirty="0" err="1"/>
+              <a:t>ifconfig</a:t>
+            </a:r>
+            <a:r>
+              <a:rPr lang="en-US" altLang="zh-TW" dirty="0"/>
+              <a:t>  eth0 192.168.4.1 </a:t>
+            </a:r>
+            <a:r>
+              <a:rPr lang="en-US" altLang="zh-TW" dirty="0" err="1"/>
+              <a:t>netmask</a:t>
+            </a:r>
+            <a:r>
+              <a:rPr lang="en-US" altLang="zh-TW" dirty="0"/>
+              <a:t> 255.255.255.0 broadcast </a:t>
+            </a:r>
+            <a:r>
+              <a:rPr lang="en-US" altLang="zh-TW" dirty="0" smtClean="0"/>
+              <a:t>192.168.4.255</a:t>
+            </a:r>
+          </a:p>
+          <a:p>
+            <a:pPr>
+              <a:defRPr>
+                <a:latin typeface="微軟正黑體"/>
+                <a:ea typeface="微軟正黑體"/>
+                <a:cs typeface="微軟正黑體"/>
+                <a:sym typeface="微軟正黑體"/>
+              </a:defRPr>
+            </a:pPr>
+            <a:endParaRPr lang="en-US" altLang="zh-TW" dirty="0"/>
+          </a:p>
+          <a:p>
+            <a:pPr>
+              <a:defRPr>
+                <a:latin typeface="微軟正黑體"/>
+                <a:ea typeface="微軟正黑體"/>
+                <a:cs typeface="微軟正黑體"/>
+                <a:sym typeface="微軟正黑體"/>
+              </a:defRPr>
+            </a:pPr>
+            <a:r>
+              <a:rPr lang="zh-TW" altLang="en-US" dirty="0"/>
+              <a:t>然後再次重</a:t>
+            </a:r>
+            <a:r>
+              <a:rPr lang="zh-TW" altLang="en-US" dirty="0" smtClean="0"/>
+              <a:t>啟</a:t>
+            </a:r>
+            <a:endParaRPr lang="en-US" altLang="zh-TW" dirty="0" smtClean="0"/>
+          </a:p>
+          <a:p>
+            <a:pPr>
+              <a:defRPr>
+                <a:latin typeface="微軟正黑體"/>
+                <a:ea typeface="微軟正黑體"/>
+                <a:cs typeface="微軟正黑體"/>
+                <a:sym typeface="微軟正黑體"/>
+              </a:defRPr>
+            </a:pPr>
+            <a:endParaRPr lang="en-US" altLang="zh-TW" dirty="0"/>
+          </a:p>
+          <a:p>
+            <a:pPr>
+              <a:defRPr>
+                <a:latin typeface="微軟正黑體"/>
+                <a:ea typeface="微軟正黑體"/>
+                <a:cs typeface="微軟正黑體"/>
+                <a:sym typeface="微軟正黑體"/>
+              </a:defRPr>
+            </a:pPr>
+            <a:r>
+              <a:rPr lang="en-US" altLang="zh-TW" dirty="0" smtClean="0"/>
+              <a:t>/</a:t>
+            </a:r>
+            <a:r>
+              <a:rPr lang="en-US" altLang="zh-TW" dirty="0" err="1" smtClean="0"/>
+              <a:t>etc</a:t>
+            </a:r>
+            <a:r>
+              <a:rPr lang="en-US" altLang="zh-TW" dirty="0" smtClean="0"/>
+              <a:t>/</a:t>
+            </a:r>
+            <a:r>
+              <a:rPr lang="en-US" altLang="zh-TW" dirty="0" err="1" smtClean="0"/>
+              <a:t>init.d</a:t>
+            </a:r>
+            <a:r>
+              <a:rPr lang="en-US" altLang="zh-TW" dirty="0" smtClean="0"/>
+              <a:t>/</a:t>
+            </a:r>
+            <a:r>
+              <a:rPr lang="en-US" altLang="zh-TW" dirty="0" err="1" smtClean="0"/>
+              <a:t>isc</a:t>
+            </a:r>
+            <a:r>
+              <a:rPr lang="en-US" altLang="zh-TW" dirty="0" smtClean="0"/>
+              <a:t>-</a:t>
+            </a:r>
+            <a:r>
+              <a:rPr lang="en-US" altLang="zh-TW" dirty="0" err="1" smtClean="0"/>
+              <a:t>dhcp</a:t>
+            </a:r>
+            <a:r>
+              <a:rPr lang="en-US" altLang="zh-TW" dirty="0" smtClean="0"/>
+              <a:t>-server restart</a:t>
+            </a:r>
+          </a:p>
+          <a:p>
+            <a:pPr>
+              <a:defRPr>
+                <a:latin typeface="微軟正黑體"/>
+                <a:ea typeface="微軟正黑體"/>
+                <a:cs typeface="微軟正黑體"/>
+                <a:sym typeface="微軟正黑體"/>
+              </a:defRPr>
+            </a:pPr>
+            <a:endParaRPr lang="en-US" dirty="0"/>
+          </a:p>
+          <a:p>
+            <a:pPr>
+              <a:defRPr>
+                <a:latin typeface="微軟正黑體"/>
+                <a:ea typeface="微軟正黑體"/>
+                <a:cs typeface="微軟正黑體"/>
+                <a:sym typeface="微軟正黑體"/>
+              </a:defRPr>
+            </a:pPr>
+            <a:endParaRPr dirty="0"/>
+          </a:p>
+        </p:txBody>
+      </p:sp>
+    </p:spTree>
+    <p:extLst>
+      <p:ext uri="{BB962C8B-B14F-4D97-AF65-F5344CB8AC3E}">
+        <p14:creationId xmlns:p14="http://schemas.microsoft.com/office/powerpoint/2010/main" val="2017401901"/>
+      </p:ext>
+    </p:extLst>
+  </p:cSld>
+  <p:clrMapOvr>
+    <a:masterClrMapping/>
+  </p:clrMapOvr>
+  <p:transition spd="med"/>
+  <p:timing>
+    <p:tnLst>
+      <p:par>
+        <p:cTn id="1" dur="indefinite" restart="never" nodeType="tmRoot"/>
+      </p:par>
+    </p:tnLst>
+  </p:timing>
+</p:sld>
+</file>
+
+<file path=ppt/slides/slide21.xml><?xml version="1.0" encoding="utf-8"?>
+<p:sld xmlns:a="http://schemas.openxmlformats.org/drawingml/2006/main" xmlns:r="http://schemas.openxmlformats.org/officeDocument/2006/relationships" xmlns:p="http://schemas.openxmlformats.org/presentationml/2006/main">
+  <p:cSld>
+    <p:spTree>
+      <p:nvGrpSpPr>
+        <p:cNvPr id="1" name=""/>
+        <p:cNvGrpSpPr/>
+        <p:nvPr/>
+      </p:nvGrpSpPr>
+      <p:grpSpPr>
+        <a:xfrm>
+          <a:off x="0" y="0"/>
+          <a:ext cx="0" cy="0"/>
+          <a:chOff x="0" y="0"/>
+          <a:chExt cx="0" cy="0"/>
+        </a:xfrm>
+      </p:grpSpPr>
+      <p:pic>
+        <p:nvPicPr>
+          <p:cNvPr id="2" name="Picture 2" descr="C:\Users\nick\Desktop\AP_MODE-master (1)\AP_MODE-master\image\2018-04-25-090943_1824x984_scrot.png"/>
+          <p:cNvPicPr>
+            <a:picLocks noChangeAspect="1" noChangeArrowheads="1"/>
+          </p:cNvPicPr>
+          <p:nvPr/>
+        </p:nvPicPr>
+        <p:blipFill rotWithShape="1">
+          <a:blip r:embed="rId2">
+            <a:extLst>
+              <a:ext uri="{28A0092B-C50C-407E-A947-70E740481C1C}">
+                <a14:useLocalDpi xmlns:a14="http://schemas.microsoft.com/office/drawing/2010/main" val="0"/>
+              </a:ext>
+            </a:extLst>
+          </a:blip>
+          <a:srcRect r="59688" b="24095"/>
+          <a:stretch/>
+        </p:blipFill>
+        <p:spPr bwMode="auto">
+          <a:xfrm>
+            <a:off x="3203848" y="260648"/>
+            <a:ext cx="5572497" cy="5660473"/>
+          </a:xfrm>
+          <a:prstGeom prst="rect">
+            <a:avLst/>
+          </a:prstGeom>
+          <a:noFill/>
+          <a:extLst>
+            <a:ext uri="{909E8E84-426E-40DD-AFC4-6F175D3DCCD1}">
+              <a14:hiddenFill xmlns:a14="http://schemas.microsoft.com/office/drawing/2010/main">
+                <a:solidFill>
+                  <a:srgbClr val="FFFFFF"/>
+                </a:solidFill>
+              </a14:hiddenFill>
+            </a:ext>
+          </a:extLst>
+        </p:spPr>
+      </p:pic>
+    </p:spTree>
+    <p:extLst>
+      <p:ext uri="{BB962C8B-B14F-4D97-AF65-F5344CB8AC3E}">
+        <p14:creationId xmlns:p14="http://schemas.microsoft.com/office/powerpoint/2010/main" val="677547574"/>
+      </p:ext>
+    </p:extLst>
+  </p:cSld>
+  <p:clrMapOvr>
+    <a:masterClrMapping/>
+  </p:clrMapOvr>
+  <p:transition spd="med"/>
+</p:sld>
+</file>
+
+<file path=ppt/slides/slide22.xml><?xml version="1.0" encoding="utf-8"?>
+<p:sld xmlns:a="http://schemas.openxmlformats.org/drawingml/2006/main" xmlns:r="http://schemas.openxmlformats.org/officeDocument/2006/relationships" xmlns:p="http://schemas.openxmlformats.org/presentationml/2006/main">
+  <p:cSld>
+    <p:spTree>
+      <p:nvGrpSpPr>
+        <p:cNvPr id="1" name=""/>
+        <p:cNvGrpSpPr/>
+        <p:nvPr/>
+      </p:nvGrpSpPr>
+      <p:grpSpPr>
+        <a:xfrm>
+          <a:off x="0" y="0"/>
+          <a:ext cx="0" cy="0"/>
+          <a:chOff x="0" y="0"/>
+          <a:chExt cx="0" cy="0"/>
+        </a:xfrm>
+      </p:grpSpPr>
+      <p:sp>
+        <p:nvSpPr>
+          <p:cNvPr id="3" name="文字版面配置區 2"/>
+          <p:cNvSpPr>
+            <a:spLocks noGrp="1"/>
+          </p:cNvSpPr>
+          <p:nvPr>
+            <p:ph type="body" idx="1"/>
+          </p:nvPr>
+        </p:nvSpPr>
+        <p:spPr>
+          <a:xfrm>
+            <a:off x="323528" y="1700808"/>
+            <a:ext cx="8229600" cy="3976688"/>
+          </a:xfrm>
+        </p:spPr>
+        <p:txBody>
+          <a:bodyPr>
+            <a:normAutofit/>
+          </a:bodyPr>
+          <a:lstStyle/>
+          <a:p>
+            <a:r>
+              <a:rPr lang="zh-TW" altLang="en-US" sz="2400" dirty="0">
+                <a:latin typeface="微軟正黑體" pitchFamily="34" charset="-120"/>
+                <a:ea typeface="微軟正黑體" pitchFamily="34" charset="-120"/>
+              </a:rPr>
+              <a:t>快速設</a:t>
+            </a:r>
+            <a:r>
+              <a:rPr lang="zh-TW" altLang="en-US" sz="2400" dirty="0" smtClean="0">
+                <a:latin typeface="微軟正黑體" pitchFamily="34" charset="-120"/>
+                <a:ea typeface="微軟正黑體" pitchFamily="34" charset="-120"/>
+              </a:rPr>
+              <a:t>定</a:t>
+            </a:r>
+            <a:endParaRPr lang="en-US" altLang="zh-TW" sz="2400" dirty="0" smtClean="0">
+              <a:latin typeface="微軟正黑體" pitchFamily="34" charset="-120"/>
+              <a:ea typeface="微軟正黑體" pitchFamily="34" charset="-120"/>
+            </a:endParaRPr>
+          </a:p>
+          <a:p>
+            <a:r>
+              <a:rPr lang="en-US" altLang="zh-TW" sz="2400" dirty="0" err="1" smtClean="0">
+                <a:latin typeface="微軟正黑體" pitchFamily="34" charset="-120"/>
+                <a:ea typeface="微軟正黑體" pitchFamily="34" charset="-120"/>
+              </a:rPr>
+              <a:t>git</a:t>
+            </a:r>
+            <a:r>
+              <a:rPr lang="en-US" altLang="zh-TW" sz="2400" dirty="0">
+                <a:latin typeface="微軟正黑體" pitchFamily="34" charset="-120"/>
+                <a:ea typeface="微軟正黑體" pitchFamily="34" charset="-120"/>
+              </a:rPr>
+              <a:t> clone </a:t>
+            </a:r>
+            <a:r>
+              <a:rPr lang="en-US" altLang="zh-TW" sz="2400" dirty="0">
+                <a:latin typeface="微軟正黑體" pitchFamily="34" charset="-120"/>
+                <a:ea typeface="微軟正黑體" pitchFamily="34" charset="-120"/>
+                <a:hlinkClick r:id="rId2"/>
+              </a:rPr>
+              <a:t>https://</a:t>
+            </a:r>
+            <a:r>
+              <a:rPr lang="en-US" altLang="zh-TW" sz="2400" dirty="0" smtClean="0">
+                <a:latin typeface="微軟正黑體" pitchFamily="34" charset="-120"/>
+                <a:ea typeface="微軟正黑體" pitchFamily="34" charset="-120"/>
+                <a:hlinkClick r:id="rId2"/>
+              </a:rPr>
+              <a:t>github.com/krnick/AP_MODE.git</a:t>
+            </a:r>
+            <a:endParaRPr lang="en-US" altLang="zh-TW" sz="2400" dirty="0" smtClean="0">
+              <a:latin typeface="微軟正黑體" pitchFamily="34" charset="-120"/>
+              <a:ea typeface="微軟正黑體" pitchFamily="34" charset="-120"/>
+            </a:endParaRPr>
+          </a:p>
+          <a:p>
+            <a:endParaRPr lang="en-US" altLang="zh-TW" sz="2400" dirty="0">
+              <a:latin typeface="微軟正黑體" pitchFamily="34" charset="-120"/>
+              <a:ea typeface="微軟正黑體" pitchFamily="34" charset="-120"/>
+            </a:endParaRPr>
+          </a:p>
+          <a:p>
+            <a:r>
+              <a:rPr lang="en-US" altLang="zh-TW" sz="2400" dirty="0" smtClean="0">
+                <a:latin typeface="微軟正黑體" pitchFamily="34" charset="-120"/>
+                <a:ea typeface="微軟正黑體" pitchFamily="34" charset="-120"/>
+              </a:rPr>
+              <a:t>cd AP_MODE</a:t>
+            </a:r>
+          </a:p>
+          <a:p>
+            <a:r>
+              <a:rPr lang="en-US" altLang="zh-TW" sz="2400" dirty="0">
+                <a:latin typeface="微軟正黑體" pitchFamily="34" charset="-120"/>
+                <a:ea typeface="微軟正黑體" pitchFamily="34" charset="-120"/>
+              </a:rPr>
+              <a:t>s</a:t>
+            </a:r>
+            <a:r>
+              <a:rPr lang="en-US" altLang="zh-TW" sz="2400" dirty="0" smtClean="0">
+                <a:latin typeface="微軟正黑體" pitchFamily="34" charset="-120"/>
+                <a:ea typeface="微軟正黑體" pitchFamily="34" charset="-120"/>
+              </a:rPr>
+              <a:t>ource install.sh</a:t>
+            </a:r>
+            <a:endParaRPr lang="en-US" altLang="zh-TW" sz="2400" dirty="0">
+              <a:latin typeface="微軟正黑體" pitchFamily="34" charset="-120"/>
+              <a:ea typeface="微軟正黑體" pitchFamily="34" charset="-120"/>
+            </a:endParaRPr>
+          </a:p>
+        </p:txBody>
+      </p:sp>
+      <p:pic>
+        <p:nvPicPr>
+          <p:cNvPr id="1026" name="Picture 2"/>
+          <p:cNvPicPr>
+            <a:picLocks noChangeAspect="1" noChangeArrowheads="1"/>
+          </p:cNvPicPr>
+          <p:nvPr/>
+        </p:nvPicPr>
+        <p:blipFill rotWithShape="1">
+          <a:blip r:embed="rId3">
+            <a:extLst>
+              <a:ext uri="{28A0092B-C50C-407E-A947-70E740481C1C}">
+                <a14:useLocalDpi xmlns:a14="http://schemas.microsoft.com/office/drawing/2010/main" val="0"/>
+              </a:ext>
+            </a:extLst>
+          </a:blip>
+          <a:srcRect t="22002" r="56076" b="38999"/>
+          <a:stretch/>
+        </p:blipFill>
+        <p:spPr bwMode="auto">
+          <a:xfrm>
+            <a:off x="3131840" y="3356992"/>
+            <a:ext cx="5715000" cy="2704294"/>
+          </a:xfrm>
+          <a:prstGeom prst="rect">
+            <a:avLst/>
+          </a:prstGeom>
+          <a:noFill/>
+          <a:ln>
+            <a:noFill/>
+          </a:ln>
+          <a:effectLst/>
+          <a:extLst>
+            <a:ext uri="{909E8E84-426E-40DD-AFC4-6F175D3DCCD1}">
+              <a14:hiddenFill xmlns:a14="http://schemas.microsoft.com/office/drawing/2010/main">
+                <a:solidFill>
+                  <a:schemeClr val="accent1"/>
+                </a:solidFill>
+              </a14:hiddenFill>
+            </a:ext>
+            <a:ext uri="{91240B29-F687-4F45-9708-019B960494DF}">
+              <a14:hiddenLine xmlns:a14="http://schemas.microsoft.com/office/drawing/2010/main" w="9525">
+                <a:solidFill>
+                  <a:schemeClr val="tx1"/>
+                </a:solidFill>
+                <a:miter lim="800000"/>
+                <a:headEnd/>
+                <a:tailEnd/>
+              </a14:hiddenLine>
+            </a:ext>
+            <a:ext uri="{AF507438-7753-43E0-B8FC-AC1667EBCBE1}">
+              <a14:hiddenEffects xmlns:a14="http://schemas.microsoft.com/office/drawing/2010/main">
+                <a:effectLst>
+                  <a:outerShdw dist="35921" dir="2700000" algn="ctr" rotWithShape="0">
+                    <a:schemeClr val="bg2"/>
+                  </a:outerShdw>
+                </a:effectLst>
+              </a14:hiddenEffects>
+            </a:ext>
+          </a:extLst>
+        </p:spPr>
+      </p:pic>
+    </p:spTree>
+    <p:extLst>
+      <p:ext uri="{BB962C8B-B14F-4D97-AF65-F5344CB8AC3E}">
+        <p14:creationId xmlns:p14="http://schemas.microsoft.com/office/powerpoint/2010/main" val="4262083215"/>
+      </p:ext>
+    </p:extLst>
+  </p:cSld>
+  <p:clrMapOvr>
+    <a:masterClrMapping/>
+  </p:clrMapOvr>
+  <p:transition spd="med"/>
 </p:sld>
 </file>
 
 <file path=ppt/slides/slide3.xml><?xml version="1.0" encoding="utf-8"?>
-<p:sld xmlns:a="http://schemas.openxmlformats.org/drawingml/2006/main" xmlns:r="http://schemas.openxmlformats.org/officeDocument/2006/relationships" xmlns:p="http://schemas.openxmlformats.org/presentationml/2006/main" showMasterSp="1" showMasterPhAnim="1">
+<p:sld xmlns:a="http://schemas.openxmlformats.org/drawingml/2006/main" xmlns:r="http://schemas.openxmlformats.org/officeDocument/2006/relationships" xmlns:p="http://schemas.openxmlformats.org/presentationml/2006/main">
   <p:cSld>
     <p:spTree>
       <p:nvGrpSpPr>
@@ -7590,7 +8718,7 @@
           </a:ln>
           <a:extLst>
             <a:ext uri="{C572A759-6A51-4108-AA02-DFA0A04FC94B}">
-              <ma14:wrappingTextBoxFlag xmlns:ma14="http://schemas.microsoft.com/office/mac/drawingml/2011/main" val="1"/>
+              <ma14:wrappingTextBoxFlag xmlns="" xmlns:ma14="http://schemas.microsoft.com/office/mac/drawingml/2011/main" val="1"/>
             </a:ext>
           </a:extLst>
         </p:spPr>
@@ -7612,7 +8740,6 @@
             </a:lvl1pPr>
           </a:lstStyle>
           <a:p>
-            <a:pPr/>
             <a:r>
               <a:t>nano /etc/dhcpcd.conf</a:t>
             </a:r>
@@ -7638,7 +8765,7 @@
           </a:ln>
           <a:extLst>
             <a:ext uri="{C572A759-6A51-4108-AA02-DFA0A04FC94B}">
-              <ma14:wrappingTextBoxFlag xmlns:ma14="http://schemas.microsoft.com/office/mac/drawingml/2011/main" val="1"/>
+              <ma14:wrappingTextBoxFlag xmlns="" xmlns:ma14="http://schemas.microsoft.com/office/mac/drawingml/2011/main" val="1"/>
             </a:ext>
           </a:extLst>
         </p:spPr>
@@ -7762,6 +8889,12 @@
                 <a:sym typeface="Calibri"/>
               </a:defRPr>
             </a:pPr>
+            <a:endParaRPr>
+              <a:latin typeface="Calibri"/>
+              <a:ea typeface="Calibri"/>
+              <a:cs typeface="Calibri"/>
+              <a:sym typeface="Calibri"/>
+            </a:endParaRPr>
           </a:p>
           <a:p>
             <a:pPr>
@@ -7779,10 +8912,7 @@
               </a:defRPr>
             </a:pPr>
             <a:r>
-              <a:t>設定無線網卡固定</a:t>
-            </a:r>
-            <a:r>
-              <a:t>IP </a:t>
+              <a:t>設定無線網卡固定IP </a:t>
             </a:r>
             <a:endParaRPr>
               <a:latin typeface="Calibri"/>
@@ -7798,12 +8928,19 @@
   <p:clrMapOvr>
     <a:masterClrMapping/>
   </p:clrMapOvr>
-  <p:transition xmlns:p14="http://schemas.microsoft.com/office/powerpoint/2010/main" spd="med" advClick="1" p14:dur="1000"/>
+  <p:transition spd="slow"/>
+  <p:timing>
+    <p:tnLst>
+      <p:par>
+        <p:cTn id="1" dur="indefinite" restart="never" nodeType="tmRoot"/>
+      </p:par>
+    </p:tnLst>
+  </p:timing>
 </p:sld>
 </file>
 
 <file path=ppt/slides/slide4.xml><?xml version="1.0" encoding="utf-8"?>
-<p:sld xmlns:a="http://schemas.openxmlformats.org/drawingml/2006/main" xmlns:r="http://schemas.openxmlformats.org/officeDocument/2006/relationships" xmlns:p="http://schemas.openxmlformats.org/presentationml/2006/main" showMasterSp="1" showMasterPhAnim="1">
+<p:sld xmlns:a="http://schemas.openxmlformats.org/drawingml/2006/main" xmlns:r="http://schemas.openxmlformats.org/officeDocument/2006/relationships" xmlns:p="http://schemas.openxmlformats.org/presentationml/2006/main">
   <p:cSld>
     <p:spTree>
       <p:nvGrpSpPr>
@@ -7838,7 +8975,7 @@
           </a:ln>
           <a:extLst>
             <a:ext uri="{C572A759-6A51-4108-AA02-DFA0A04FC94B}">
-              <ma14:wrappingTextBoxFlag xmlns:ma14="http://schemas.microsoft.com/office/mac/drawingml/2011/main" val="1"/>
+              <ma14:wrappingTextBoxFlag xmlns="" xmlns:ma14="http://schemas.microsoft.com/office/mac/drawingml/2011/main" val="1"/>
             </a:ext>
           </a:extLst>
         </p:spPr>
@@ -7860,7 +8997,6 @@
             </a:lvl1pPr>
           </a:lstStyle>
           <a:p>
-            <a:pPr/>
             <a:r>
               <a:t>nano /etc/network/interfaces</a:t>
             </a:r>
@@ -7886,7 +9022,7 @@
           </a:ln>
           <a:extLst>
             <a:ext uri="{C572A759-6A51-4108-AA02-DFA0A04FC94B}">
-              <ma14:wrappingTextBoxFlag xmlns:ma14="http://schemas.microsoft.com/office/mac/drawingml/2011/main" val="1"/>
+              <ma14:wrappingTextBoxFlag xmlns="" xmlns:ma14="http://schemas.microsoft.com/office/mac/drawingml/2011/main" val="1"/>
             </a:ext>
           </a:extLst>
         </p:spPr>
@@ -7960,31 +9096,6 @@
                 <a:sym typeface="Calibri"/>
               </a:defRPr>
             </a:pPr>
-          </a:p>
-          <a:p>
-            <a:pPr>
-              <a:spcBef>
-                <a:spcPts val="400"/>
-              </a:spcBef>
-              <a:defRPr sz="2200">
-                <a:solidFill>
-                  <a:srgbClr val="2F2B20"/>
-                </a:solidFill>
-                <a:latin typeface="微軟正黑體"/>
-                <a:ea typeface="微軟正黑體"/>
-                <a:cs typeface="微軟正黑體"/>
-                <a:sym typeface="微軟正黑體"/>
-              </a:defRPr>
-            </a:pPr>
-            <a:r>
-              <a:t>設定無線網卡 可成為</a:t>
-            </a:r>
-            <a:r>
-              <a:t>AP</a:t>
-            </a:r>
-            <a:r>
-              <a:t>使用</a:t>
-            </a:r>
             <a:endParaRPr>
               <a:latin typeface="Calibri"/>
               <a:ea typeface="Calibri"/>
@@ -8008,10 +9119,32 @@
               </a:defRPr>
             </a:pPr>
             <a:r>
-              <a:t>並手動設定網卡</a:t>
-            </a:r>
-            <a:r>
-              <a:t>IP</a:t>
+              <a:t>設定無線網卡 可成為AP使用</a:t>
+            </a:r>
+            <a:endParaRPr>
+              <a:latin typeface="Calibri"/>
+              <a:ea typeface="Calibri"/>
+              <a:cs typeface="Calibri"/>
+              <a:sym typeface="Calibri"/>
+            </a:endParaRPr>
+          </a:p>
+          <a:p>
+            <a:pPr>
+              <a:spcBef>
+                <a:spcPts val="400"/>
+              </a:spcBef>
+              <a:defRPr sz="2200">
+                <a:solidFill>
+                  <a:srgbClr val="2F2B20"/>
+                </a:solidFill>
+                <a:latin typeface="微軟正黑體"/>
+                <a:ea typeface="微軟正黑體"/>
+                <a:cs typeface="微軟正黑體"/>
+                <a:sym typeface="微軟正黑體"/>
+              </a:defRPr>
+            </a:pPr>
+            <a:r>
+              <a:t>並手動設定網卡IP</a:t>
             </a:r>
           </a:p>
         </p:txBody>
@@ -8021,12 +9154,19 @@
   <p:clrMapOvr>
     <a:masterClrMapping/>
   </p:clrMapOvr>
-  <p:transition xmlns:p14="http://schemas.microsoft.com/office/powerpoint/2010/main" spd="med" advClick="1" p14:dur="1000"/>
+  <p:transition spd="slow"/>
+  <p:timing>
+    <p:tnLst>
+      <p:par>
+        <p:cTn id="1" dur="indefinite" restart="never" nodeType="tmRoot"/>
+      </p:par>
+    </p:tnLst>
+  </p:timing>
 </p:sld>
 </file>
 
 <file path=ppt/slides/slide5.xml><?xml version="1.0" encoding="utf-8"?>
-<p:sld xmlns:a="http://schemas.openxmlformats.org/drawingml/2006/main" xmlns:r="http://schemas.openxmlformats.org/officeDocument/2006/relationships" xmlns:p="http://schemas.openxmlformats.org/presentationml/2006/main" showMasterSp="1" showMasterPhAnim="1">
+<p:sld xmlns:a="http://schemas.openxmlformats.org/drawingml/2006/main" xmlns:r="http://schemas.openxmlformats.org/officeDocument/2006/relationships" xmlns:p="http://schemas.openxmlformats.org/presentationml/2006/main">
   <p:cSld>
     <p:spTree>
       <p:nvGrpSpPr>
@@ -8061,7 +9201,7 @@
           </a:ln>
           <a:extLst>
             <a:ext uri="{C572A759-6A51-4108-AA02-DFA0A04FC94B}">
-              <ma14:wrappingTextBoxFlag xmlns:ma14="http://schemas.microsoft.com/office/mac/drawingml/2011/main" val="1"/>
+              <ma14:wrappingTextBoxFlag xmlns="" xmlns:ma14="http://schemas.microsoft.com/office/mac/drawingml/2011/main" val="1"/>
             </a:ext>
           </a:extLst>
         </p:spPr>
@@ -8133,12 +9273,19 @@
   <p:clrMapOvr>
     <a:masterClrMapping/>
   </p:clrMapOvr>
-  <p:transition xmlns:p14="http://schemas.microsoft.com/office/powerpoint/2010/main" spd="med" advClick="1" p14:dur="1000"/>
+  <p:transition spd="slow"/>
+  <p:timing>
+    <p:tnLst>
+      <p:par>
+        <p:cTn id="1" dur="indefinite" restart="never" nodeType="tmRoot"/>
+      </p:par>
+    </p:tnLst>
+  </p:timing>
 </p:sld>
 </file>
 
 <file path=ppt/slides/slide6.xml><?xml version="1.0" encoding="utf-8"?>
-<p:sld xmlns:a="http://schemas.openxmlformats.org/drawingml/2006/main" xmlns:r="http://schemas.openxmlformats.org/officeDocument/2006/relationships" xmlns:p="http://schemas.openxmlformats.org/presentationml/2006/main" showMasterSp="1" showMasterPhAnim="1">
+<p:sld xmlns:a="http://schemas.openxmlformats.org/drawingml/2006/main" xmlns:r="http://schemas.openxmlformats.org/officeDocument/2006/relationships" xmlns:p="http://schemas.openxmlformats.org/presentationml/2006/main">
   <p:cSld>
     <p:spTree>
       <p:nvGrpSpPr>
@@ -8173,7 +9320,7 @@
           </a:ln>
           <a:extLst>
             <a:ext uri="{C572A759-6A51-4108-AA02-DFA0A04FC94B}">
-              <ma14:wrappingTextBoxFlag xmlns:ma14="http://schemas.microsoft.com/office/mac/drawingml/2011/main" val="1"/>
+              <ma14:wrappingTextBoxFlag xmlns="" xmlns:ma14="http://schemas.microsoft.com/office/mac/drawingml/2011/main" val="1"/>
             </a:ext>
           </a:extLst>
         </p:spPr>
@@ -8235,7 +9382,7 @@
           </a:ln>
           <a:extLst>
             <a:ext uri="{C572A759-6A51-4108-AA02-DFA0A04FC94B}">
-              <ma14:wrappingTextBoxFlag xmlns:ma14="http://schemas.microsoft.com/office/mac/drawingml/2011/main" val="1"/>
+              <ma14:wrappingTextBoxFlag xmlns="" xmlns:ma14="http://schemas.microsoft.com/office/mac/drawingml/2011/main" val="1"/>
             </a:ext>
           </a:extLst>
         </p:spPr>
@@ -8583,6 +9730,18 @@
                 <a:spcPts val="400"/>
               </a:spcBef>
             </a:pPr>
+            <a:r>
+              <a:rPr sz="2200">
+                <a:solidFill>
+                  <a:srgbClr val="2F2B20"/>
+                </a:solidFill>
+                <a:latin typeface="Calibri"/>
+                <a:ea typeface="Calibri"/>
+                <a:cs typeface="Calibri"/>
+                <a:sym typeface="Calibri"/>
+              </a:rPr>
+              <a:t/>
+            </a:r>
             <a:br>
               <a:rPr sz="2200">
                 <a:solidFill>
@@ -8594,6 +9753,15 @@
                 <a:sym typeface="Calibri"/>
               </a:rPr>
             </a:br>
+            <a:endParaRPr sz="2200">
+              <a:solidFill>
+                <a:srgbClr val="2F2B20"/>
+              </a:solidFill>
+              <a:latin typeface="Calibri"/>
+              <a:ea typeface="Calibri"/>
+              <a:cs typeface="Calibri"/>
+              <a:sym typeface="Calibri"/>
+            </a:endParaRPr>
           </a:p>
         </p:txBody>
       </p:sp>
@@ -8602,12 +9770,19 @@
   <p:clrMapOvr>
     <a:masterClrMapping/>
   </p:clrMapOvr>
-  <p:transition xmlns:p14="http://schemas.microsoft.com/office/powerpoint/2010/main" spd="med" advClick="1" p14:dur="1000"/>
+  <p:transition spd="slow"/>
+  <p:timing>
+    <p:tnLst>
+      <p:par>
+        <p:cTn id="1" dur="indefinite" restart="never" nodeType="tmRoot"/>
+      </p:par>
+    </p:tnLst>
+  </p:timing>
 </p:sld>
 </file>
 
 <file path=ppt/slides/slide7.xml><?xml version="1.0" encoding="utf-8"?>
-<p:sld xmlns:a="http://schemas.openxmlformats.org/drawingml/2006/main" xmlns:r="http://schemas.openxmlformats.org/officeDocument/2006/relationships" xmlns:p="http://schemas.openxmlformats.org/presentationml/2006/main" showMasterSp="1" showMasterPhAnim="1">
+<p:sld xmlns:a="http://schemas.openxmlformats.org/drawingml/2006/main" xmlns:r="http://schemas.openxmlformats.org/officeDocument/2006/relationships" xmlns:p="http://schemas.openxmlformats.org/presentationml/2006/main">
   <p:cSld>
     <p:spTree>
       <p:nvGrpSpPr>
@@ -8642,7 +9817,7 @@
           </a:ln>
           <a:extLst>
             <a:ext uri="{C572A759-6A51-4108-AA02-DFA0A04FC94B}">
-              <ma14:wrappingTextBoxFlag xmlns:ma14="http://schemas.microsoft.com/office/mac/drawingml/2011/main" val="1"/>
+              <ma14:wrappingTextBoxFlag xmlns="" xmlns:ma14="http://schemas.microsoft.com/office/mac/drawingml/2011/main" val="1"/>
             </a:ext>
           </a:extLst>
         </p:spPr>
@@ -8664,7 +9839,6 @@
             </a:lvl1pPr>
           </a:lstStyle>
           <a:p>
-            <a:pPr/>
             <a:r>
               <a:t>nano  /etc/default/hostapd</a:t>
             </a:r>
@@ -8690,7 +9864,7 @@
           </a:ln>
           <a:extLst>
             <a:ext uri="{C572A759-6A51-4108-AA02-DFA0A04FC94B}">
-              <ma14:wrappingTextBoxFlag xmlns:ma14="http://schemas.microsoft.com/office/mac/drawingml/2011/main" val="1"/>
+              <ma14:wrappingTextBoxFlag xmlns="" xmlns:ma14="http://schemas.microsoft.com/office/mac/drawingml/2011/main" val="1"/>
             </a:ext>
           </a:extLst>
         </p:spPr>
@@ -8739,6 +9913,12 @@
                 <a:sym typeface="Calibri"/>
               </a:defRPr>
             </a:pPr>
+            <a:endParaRPr>
+              <a:latin typeface="Calibri"/>
+              <a:ea typeface="Calibri"/>
+              <a:cs typeface="Calibri"/>
+              <a:sym typeface="Calibri"/>
+            </a:endParaRPr>
           </a:p>
           <a:p>
             <a:pPr>
@@ -8756,10 +9936,7 @@
               </a:defRPr>
             </a:pPr>
             <a:r>
-              <a:t>設為</a:t>
-            </a:r>
-            <a:r>
-              <a:t>linux daemon</a:t>
+              <a:t>設為linux daemon</a:t>
             </a:r>
           </a:p>
         </p:txBody>
@@ -8769,12 +9946,19 @@
   <p:clrMapOvr>
     <a:masterClrMapping/>
   </p:clrMapOvr>
-  <p:transition xmlns:p14="http://schemas.microsoft.com/office/powerpoint/2010/main" spd="med" advClick="1" p14:dur="1000"/>
+  <p:transition spd="slow"/>
+  <p:timing>
+    <p:tnLst>
+      <p:par>
+        <p:cTn id="1" dur="indefinite" restart="never" nodeType="tmRoot"/>
+      </p:par>
+    </p:tnLst>
+  </p:timing>
 </p:sld>
 </file>
 
 <file path=ppt/slides/slide8.xml><?xml version="1.0" encoding="utf-8"?>
-<p:sld xmlns:a="http://schemas.openxmlformats.org/drawingml/2006/main" xmlns:r="http://schemas.openxmlformats.org/officeDocument/2006/relationships" xmlns:p="http://schemas.openxmlformats.org/presentationml/2006/main" showMasterSp="1" showMasterPhAnim="1">
+<p:sld xmlns:a="http://schemas.openxmlformats.org/drawingml/2006/main" xmlns:r="http://schemas.openxmlformats.org/officeDocument/2006/relationships" xmlns:p="http://schemas.openxmlformats.org/presentationml/2006/main">
   <p:cSld>
     <p:spTree>
       <p:nvGrpSpPr>
@@ -8809,7 +9993,7 @@
           </a:ln>
           <a:extLst>
             <a:ext uri="{C572A759-6A51-4108-AA02-DFA0A04FC94B}">
-              <ma14:wrappingTextBoxFlag xmlns:ma14="http://schemas.microsoft.com/office/mac/drawingml/2011/main" val="1"/>
+              <ma14:wrappingTextBoxFlag xmlns="" xmlns:ma14="http://schemas.microsoft.com/office/mac/drawingml/2011/main" val="1"/>
             </a:ext>
           </a:extLst>
         </p:spPr>
@@ -8834,6 +10018,7 @@
               <a:t>sudo nano /etc/dnsmasq.conf </a:t>
             </a:r>
             <a:br/>
+            <a:endParaRPr/>
           </a:p>
         </p:txBody>
       </p:sp>
@@ -8856,7 +10041,7 @@
           </a:ln>
           <a:extLst>
             <a:ext uri="{C572A759-6A51-4108-AA02-DFA0A04FC94B}">
-              <ma14:wrappingTextBoxFlag xmlns:ma14="http://schemas.microsoft.com/office/mac/drawingml/2011/main" val="1"/>
+              <ma14:wrappingTextBoxFlag xmlns="" xmlns:ma14="http://schemas.microsoft.com/office/mac/drawingml/2011/main" val="1"/>
             </a:ext>
           </a:extLst>
         </p:spPr>
@@ -9030,6 +10215,12 @@
                 <a:sym typeface="Calibri"/>
               </a:defRPr>
             </a:pPr>
+            <a:endParaRPr>
+              <a:latin typeface="Calibri"/>
+              <a:ea typeface="Calibri"/>
+              <a:cs typeface="Calibri"/>
+              <a:sym typeface="Calibri"/>
+            </a:endParaRPr>
           </a:p>
           <a:p>
             <a:pPr>
@@ -9047,16 +10238,7 @@
               </a:defRPr>
             </a:pPr>
             <a:r>
-              <a:t>設定</a:t>
-            </a:r>
-            <a:r>
-              <a:t>dhcp </a:t>
-            </a:r>
-            <a:r>
-              <a:t>發的範圍和設定</a:t>
-            </a:r>
-            <a:r>
-              <a:t>domain name</a:t>
+              <a:t>設定dhcp 發的範圍和設定domain name</a:t>
             </a:r>
             <a:endParaRPr>
               <a:latin typeface="Calibri"/>
@@ -9072,12 +10254,19 @@
   <p:clrMapOvr>
     <a:masterClrMapping/>
   </p:clrMapOvr>
-  <p:transition xmlns:p14="http://schemas.microsoft.com/office/powerpoint/2010/main" spd="med" advClick="1" p14:dur="1000"/>
+  <p:transition spd="slow"/>
+  <p:timing>
+    <p:tnLst>
+      <p:par>
+        <p:cTn id="1" dur="indefinite" restart="never" nodeType="tmRoot"/>
+      </p:par>
+    </p:tnLst>
+  </p:timing>
 </p:sld>
 </file>
 
 <file path=ppt/slides/slide9.xml><?xml version="1.0" encoding="utf-8"?>
-<p:sld xmlns:a="http://schemas.openxmlformats.org/drawingml/2006/main" xmlns:r="http://schemas.openxmlformats.org/officeDocument/2006/relationships" xmlns:p="http://schemas.openxmlformats.org/presentationml/2006/main" showMasterSp="1" showMasterPhAnim="1">
+<p:sld xmlns:a="http://schemas.openxmlformats.org/drawingml/2006/main" xmlns:r="http://schemas.openxmlformats.org/officeDocument/2006/relationships" xmlns:p="http://schemas.openxmlformats.org/presentationml/2006/main">
   <p:cSld>
     <p:spTree>
       <p:nvGrpSpPr>
@@ -9112,7 +10301,7 @@
           </a:ln>
           <a:extLst>
             <a:ext uri="{C572A759-6A51-4108-AA02-DFA0A04FC94B}">
-              <ma14:wrappingTextBoxFlag xmlns:ma14="http://schemas.microsoft.com/office/mac/drawingml/2011/main" val="1"/>
+              <ma14:wrappingTextBoxFlag xmlns="" xmlns:ma14="http://schemas.microsoft.com/office/mac/drawingml/2011/main" val="1"/>
             </a:ext>
           </a:extLst>
         </p:spPr>
@@ -9134,7 +10323,6 @@
             </a:lvl1pPr>
           </a:lstStyle>
           <a:p>
-            <a:pPr/>
             <a:r>
               <a:t>sudo nano /etc/sysctl.conf</a:t>
             </a:r>
@@ -9150,7 +10338,7 @@
         <p:spPr>
           <a:xfrm>
             <a:off x="457200" y="1612900"/>
-            <a:ext cx="7620000" cy="1145540"/>
+            <a:ext cx="7620000" cy="3221395"/>
           </a:xfrm>
           <a:prstGeom prst="rect">
             <a:avLst/>
@@ -9160,7 +10348,7 @@
           </a:ln>
           <a:extLst>
             <a:ext uri="{C572A759-6A51-4108-AA02-DFA0A04FC94B}">
-              <ma14:wrappingTextBoxFlag xmlns:ma14="http://schemas.microsoft.com/office/mac/drawingml/2011/main" val="1"/>
+              <ma14:wrappingTextBoxFlag xmlns="" xmlns:ma14="http://schemas.microsoft.com/office/mac/drawingml/2011/main" val="1"/>
             </a:ext>
           </a:extLst>
         </p:spPr>
@@ -9185,9 +10373,38 @@
               </a:defRPr>
             </a:pPr>
             <a:r>
-              <a:t>sudo sh -c "echo 1 &gt;/proc/sys/net/ipv4/ip_forward "</a:t>
-            </a:r>
-            <a:endParaRPr>
+              <a:rPr dirty="0" err="1"/>
+              <a:t>sudo</a:t>
+            </a:r>
+            <a:r>
+              <a:rPr dirty="0"/>
+              <a:t> </a:t>
+            </a:r>
+            <a:r>
+              <a:rPr dirty="0" err="1"/>
+              <a:t>sh</a:t>
+            </a:r>
+            <a:r>
+              <a:rPr dirty="0"/>
+              <a:t> -c "echo 1 &gt;/</a:t>
+            </a:r>
+            <a:r>
+              <a:rPr dirty="0" err="1"/>
+              <a:t>proc</a:t>
+            </a:r>
+            <a:r>
+              <a:rPr dirty="0"/>
+              <a:t>/sys/net/ipv4/</a:t>
+            </a:r>
+            <a:r>
+              <a:rPr dirty="0" err="1"/>
+              <a:t>ip_forward</a:t>
+            </a:r>
+            <a:r>
+              <a:rPr dirty="0"/>
+              <a:t> "</a:t>
+            </a:r>
+            <a:endParaRPr dirty="0">
               <a:latin typeface="Calibri"/>
               <a:ea typeface="Calibri"/>
               <a:cs typeface="Calibri"/>
@@ -9209,6 +10426,12 @@
                 <a:sym typeface="Calibri"/>
               </a:defRPr>
             </a:pPr>
+            <a:endParaRPr dirty="0">
+              <a:latin typeface="Calibri"/>
+              <a:ea typeface="Calibri"/>
+              <a:cs typeface="Calibri"/>
+              <a:sym typeface="Calibri"/>
+            </a:endParaRPr>
           </a:p>
           <a:p>
             <a:pPr>
@@ -9226,8 +10449,154 @@
               </a:defRPr>
             </a:pPr>
             <a:r>
+              <a:rPr dirty="0" err="1" smtClean="0"/>
               <a:t>開啟封包轉送</a:t>
             </a:r>
+            <a:endParaRPr lang="en-US" dirty="0" smtClean="0"/>
+          </a:p>
+          <a:p>
+            <a:pPr>
+              <a:spcBef>
+                <a:spcPts val="400"/>
+              </a:spcBef>
+              <a:defRPr sz="2000">
+                <a:solidFill>
+                  <a:srgbClr val="2F2B20"/>
+                </a:solidFill>
+                <a:latin typeface="微軟正黑體"/>
+                <a:ea typeface="微軟正黑體"/>
+                <a:cs typeface="微軟正黑體"/>
+                <a:sym typeface="微軟正黑體"/>
+              </a:defRPr>
+            </a:pPr>
+            <a:endParaRPr lang="en-US" dirty="0"/>
+          </a:p>
+          <a:p>
+            <a:pPr>
+              <a:spcBef>
+                <a:spcPts val="400"/>
+              </a:spcBef>
+              <a:defRPr sz="2000">
+                <a:solidFill>
+                  <a:srgbClr val="2F2B20"/>
+                </a:solidFill>
+                <a:latin typeface="微軟正黑體"/>
+                <a:ea typeface="微軟正黑體"/>
+                <a:cs typeface="微軟正黑體"/>
+                <a:sym typeface="微軟正黑體"/>
+              </a:defRPr>
+            </a:pPr>
+            <a:r>
+              <a:rPr lang="zh-TW" altLang="en-US" dirty="0" smtClean="0"/>
+              <a:t>或是將</a:t>
+            </a:r>
+            <a:r>
+              <a:rPr lang="en-US" altLang="zh-TW" dirty="0" smtClean="0"/>
+              <a:t>/</a:t>
+            </a:r>
+            <a:r>
+              <a:rPr lang="en-US" altLang="zh-TW" dirty="0" err="1" smtClean="0"/>
+              <a:t>etc</a:t>
+            </a:r>
+            <a:r>
+              <a:rPr lang="en-US" altLang="zh-TW" dirty="0" smtClean="0"/>
+              <a:t>/</a:t>
+            </a:r>
+            <a:r>
+              <a:rPr lang="en-US" altLang="zh-TW" dirty="0" err="1" smtClean="0"/>
+              <a:t>sysctl.conf</a:t>
+            </a:r>
+            <a:r>
+              <a:rPr lang="en-US" altLang="zh-TW" dirty="0" smtClean="0"/>
+              <a:t> </a:t>
+            </a:r>
+          </a:p>
+          <a:p>
+            <a:pPr>
+              <a:spcBef>
+                <a:spcPts val="400"/>
+              </a:spcBef>
+              <a:defRPr sz="2000">
+                <a:solidFill>
+                  <a:srgbClr val="2F2B20"/>
+                </a:solidFill>
+                <a:latin typeface="微軟正黑體"/>
+                <a:ea typeface="微軟正黑體"/>
+                <a:cs typeface="微軟正黑體"/>
+                <a:sym typeface="微軟正黑體"/>
+              </a:defRPr>
+            </a:pPr>
+            <a:r>
+              <a:rPr lang="zh-TW" altLang="en-US" dirty="0"/>
+              <a:t>中</a:t>
+            </a:r>
+            <a:r>
+              <a:rPr lang="zh-TW" altLang="en-US" dirty="0" smtClean="0"/>
+              <a:t>的 </a:t>
+            </a:r>
+            <a:r>
+              <a:rPr lang="en-US" altLang="zh-TW" dirty="0" smtClean="0"/>
+              <a:t>ipv4_forward = 1  </a:t>
+            </a:r>
+            <a:r>
+              <a:rPr lang="zh-TW" altLang="en-US" dirty="0" smtClean="0"/>
+              <a:t>註解拿掉</a:t>
+            </a:r>
+            <a:endParaRPr lang="en-US" altLang="zh-TW" dirty="0" smtClean="0"/>
+          </a:p>
+          <a:p>
+            <a:pPr>
+              <a:spcBef>
+                <a:spcPts val="400"/>
+              </a:spcBef>
+              <a:defRPr sz="2000">
+                <a:solidFill>
+                  <a:srgbClr val="2F2B20"/>
+                </a:solidFill>
+                <a:latin typeface="微軟正黑體"/>
+                <a:ea typeface="微軟正黑體"/>
+                <a:cs typeface="微軟正黑體"/>
+                <a:sym typeface="微軟正黑體"/>
+              </a:defRPr>
+            </a:pPr>
+            <a:endParaRPr lang="en-US" dirty="0"/>
+          </a:p>
+          <a:p>
+            <a:pPr>
+              <a:spcBef>
+                <a:spcPts val="400"/>
+              </a:spcBef>
+              <a:defRPr sz="2000">
+                <a:solidFill>
+                  <a:srgbClr val="2F2B20"/>
+                </a:solidFill>
+                <a:latin typeface="微軟正黑體"/>
+                <a:ea typeface="微軟正黑體"/>
+                <a:cs typeface="微軟正黑體"/>
+                <a:sym typeface="微軟正黑體"/>
+              </a:defRPr>
+            </a:pPr>
+            <a:r>
+              <a:rPr lang="zh-TW" altLang="en-US" dirty="0" smtClean="0"/>
+              <a:t>參閱設定檔中 </a:t>
+            </a:r>
+            <a:r>
+              <a:rPr lang="en-US" altLang="zh-TW" dirty="0"/>
+              <a:t>AP_MODE/</a:t>
+            </a:r>
+            <a:r>
+              <a:rPr lang="en-US" altLang="zh-TW" dirty="0" err="1"/>
+              <a:t>mode_give_NetworkFromEth</a:t>
+            </a:r>
+            <a:r>
+              <a:rPr lang="en-US" altLang="zh-TW" dirty="0"/>
+              <a:t>/</a:t>
+            </a:r>
+            <a:r>
+              <a:rPr lang="en-US" altLang="zh-TW" dirty="0" err="1"/>
+              <a:t>sysctl.conf</a:t>
+            </a:r>
+            <a:endParaRPr dirty="0"/>
           </a:p>
         </p:txBody>
       </p:sp>
@@ -9236,12 +10605,19 @@
   <p:clrMapOvr>
     <a:masterClrMapping/>
   </p:clrMapOvr>
-  <p:transition xmlns:p14="http://schemas.microsoft.com/office/powerpoint/2010/main" spd="med" advClick="1" p14:dur="1000"/>
+  <p:transition spd="slow"/>
+  <p:timing>
+    <p:tnLst>
+      <p:par>
+        <p:cTn id="1" dur="indefinite" restart="never" nodeType="tmRoot"/>
+      </p:par>
+    </p:tnLst>
+  </p:timing>
 </p:sld>
 </file>
 
 <file path=ppt/theme/theme1.xml><?xml version="1.0" encoding="utf-8"?>
-<a:theme xmlns:a="http://schemas.openxmlformats.org/drawingml/2006/main" xmlns:r="http://schemas.openxmlformats.org/officeDocument/2006/relationships" name="Office Theme">
+<a:theme xmlns:a="http://schemas.openxmlformats.org/drawingml/2006/main" name="Office Theme">
   <a:themeElements>
     <a:clrScheme name="Office Theme">
       <a:dk1>
@@ -9373,7 +10749,7 @@
         </a:effectStyle>
         <a:effectStyle>
           <a:effectLst>
-            <a:outerShdw sx="100000" sy="100000" kx="0" ky="0" algn="b" rotWithShape="0" blurRad="38100" dist="20000" dir="5400000">
+            <a:outerShdw blurRad="38100" dist="20000" dir="5400000" rotWithShape="0">
               <a:srgbClr val="000000">
                 <a:alpha val="38000"/>
               </a:srgbClr>
@@ -9449,7 +10825,7 @@
         <a:effectLst/>
         <a:sp3d/>
       </a:spPr>
-      <a:bodyPr rot="0" spcFirstLastPara="1" vertOverflow="overflow" horzOverflow="overflow" vert="horz" wrap="square" lIns="45719" tIns="45719" rIns="45719" bIns="45719" numCol="1" spcCol="38100" rtlCol="0" anchor="t" upright="0">
+      <a:bodyPr rot="0" spcFirstLastPara="1" vertOverflow="overflow" horzOverflow="overflow" vert="horz" wrap="square" lIns="45719" tIns="45719" rIns="45719" bIns="45719" numCol="1" spcCol="38100" rtlCol="0" anchor="t">
         <a:spAutoFit/>
       </a:bodyPr>
       <a:lstStyle>
@@ -9468,7 +10844,7 @@
           <a:buFontTx/>
           <a:buNone/>
           <a:tabLst/>
-          <a:defRPr b="0" baseline="0" cap="none" i="0" spc="0" strike="noStrike" sz="1800" u="none" kumimoji="0" normalizeH="0">
+          <a:defRPr kumimoji="0" sz="1800" b="0" i="0" u="none" strike="noStrike" cap="none" spc="0" normalizeH="0" baseline="0">
             <a:ln>
               <a:noFill/>
             </a:ln>
@@ -9498,7 +10874,7 @@
           <a:buFontTx/>
           <a:buNone/>
           <a:tabLst/>
-          <a:defRPr b="0" baseline="0" cap="none" i="0" spc="0" strike="noStrike" sz="1800" u="none" kumimoji="0" normalizeH="0">
+          <a:defRPr kumimoji="0" sz="1800" b="0" i="0" u="none" strike="noStrike" cap="none" spc="0" normalizeH="0" baseline="0">
             <a:ln>
               <a:noFill/>
             </a:ln>
@@ -9524,7 +10900,7 @@
           <a:buFontTx/>
           <a:buNone/>
           <a:tabLst/>
-          <a:defRPr b="0" baseline="0" cap="none" i="0" spc="0" strike="noStrike" sz="1800" u="none" kumimoji="0" normalizeH="0">
+          <a:defRPr kumimoji="0" sz="1800" b="0" i="0" u="none" strike="noStrike" cap="none" spc="0" normalizeH="0" baseline="0">
             <a:ln>
               <a:noFill/>
             </a:ln>
@@ -9550,7 +10926,7 @@
           <a:buFontTx/>
           <a:buNone/>
           <a:tabLst/>
-          <a:defRPr b="0" baseline="0" cap="none" i="0" spc="0" strike="noStrike" sz="1800" u="none" kumimoji="0" normalizeH="0">
+          <a:defRPr kumimoji="0" sz="1800" b="0" i="0" u="none" strike="noStrike" cap="none" spc="0" normalizeH="0" baseline="0">
             <a:ln>
               <a:noFill/>
             </a:ln>
@@ -9576,7 +10952,7 @@
           <a:buFontTx/>
           <a:buNone/>
           <a:tabLst/>
-          <a:defRPr b="0" baseline="0" cap="none" i="0" spc="0" strike="noStrike" sz="1800" u="none" kumimoji="0" normalizeH="0">
+          <a:defRPr kumimoji="0" sz="1800" b="0" i="0" u="none" strike="noStrike" cap="none" spc="0" normalizeH="0" baseline="0">
             <a:ln>
               <a:noFill/>
             </a:ln>
@@ -9602,7 +10978,7 @@
           <a:buFontTx/>
           <a:buNone/>
           <a:tabLst/>
-          <a:defRPr b="0" baseline="0" cap="none" i="0" spc="0" strike="noStrike" sz="1800" u="none" kumimoji="0" normalizeH="0">
+          <a:defRPr kumimoji="0" sz="1800" b="0" i="0" u="none" strike="noStrike" cap="none" spc="0" normalizeH="0" baseline="0">
             <a:ln>
               <a:noFill/>
             </a:ln>
@@ -9628,7 +11004,7 @@
           <a:buFontTx/>
           <a:buNone/>
           <a:tabLst/>
-          <a:defRPr b="0" baseline="0" cap="none" i="0" spc="0" strike="noStrike" sz="1800" u="none" kumimoji="0" normalizeH="0">
+          <a:defRPr kumimoji="0" sz="1800" b="0" i="0" u="none" strike="noStrike" cap="none" spc="0" normalizeH="0" baseline="0">
             <a:ln>
               <a:noFill/>
             </a:ln>
@@ -9654,7 +11030,7 @@
           <a:buFontTx/>
           <a:buNone/>
           <a:tabLst/>
-          <a:defRPr b="0" baseline="0" cap="none" i="0" spc="0" strike="noStrike" sz="1800" u="none" kumimoji="0" normalizeH="0">
+          <a:defRPr kumimoji="0" sz="1800" b="0" i="0" u="none" strike="noStrike" cap="none" spc="0" normalizeH="0" baseline="0">
             <a:ln>
               <a:noFill/>
             </a:ln>
@@ -9680,7 +11056,7 @@
           <a:buFontTx/>
           <a:buNone/>
           <a:tabLst/>
-          <a:defRPr b="0" baseline="0" cap="none" i="0" spc="0" strike="noStrike" sz="1800" u="none" kumimoji="0" normalizeH="0">
+          <a:defRPr kumimoji="0" sz="1800" b="0" i="0" u="none" strike="noStrike" cap="none" spc="0" normalizeH="0" baseline="0">
             <a:ln>
               <a:noFill/>
             </a:ln>
@@ -9706,7 +11082,7 @@
           <a:buFontTx/>
           <a:buNone/>
           <a:tabLst/>
-          <a:defRPr b="0" baseline="0" cap="none" i="0" spc="0" strike="noStrike" sz="1800" u="none" kumimoji="0" normalizeH="0">
+          <a:defRPr kumimoji="0" sz="1800" b="0" i="0" u="none" strike="noStrike" cap="none" spc="0" normalizeH="0" baseline="0">
             <a:ln>
               <a:noFill/>
             </a:ln>
@@ -9719,9 +11095,15 @@
         </a:lvl9pPr>
       </a:lstStyle>
       <a:style>
-        <a:lnRef idx="0"/>
-        <a:fillRef idx="0"/>
-        <a:effectRef idx="0"/>
+        <a:lnRef idx="0">
+          <a:scrgbClr r="0" g="0" b="0"/>
+        </a:lnRef>
+        <a:fillRef idx="0">
+          <a:scrgbClr r="0" g="0" b="0"/>
+        </a:fillRef>
+        <a:effectRef idx="0">
+          <a:scrgbClr r="0" g="0" b="0"/>
+        </a:effectRef>
         <a:fontRef idx="none"/>
       </a:style>
     </a:spDef>
@@ -9736,7 +11118,7 @@
           <a:round/>
         </a:ln>
         <a:effectLst>
-          <a:outerShdw sx="100000" sy="100000" kx="0" ky="0" algn="b" rotWithShape="0" blurRad="38100" dist="20000" dir="5400000">
+          <a:outerShdw blurRad="38100" dist="20000" dir="5400000" rotWithShape="0">
             <a:srgbClr val="000000">
               <a:alpha val="38000"/>
             </a:srgbClr>
@@ -9744,7 +11126,7 @@
         </a:effectLst>
         <a:sp3d/>
       </a:spPr>
-      <a:bodyPr rot="0" spcFirstLastPara="1" vertOverflow="overflow" horzOverflow="overflow" vert="horz" wrap="square" lIns="91439" tIns="45719" rIns="91439" bIns="45719" numCol="1" spcCol="38100" rtlCol="0" anchor="t" upright="0">
+      <a:bodyPr rot="0" spcFirstLastPara="1" vertOverflow="overflow" horzOverflow="overflow" vert="horz" wrap="square" lIns="91439" tIns="45719" rIns="91439" bIns="45719" numCol="1" spcCol="38100" rtlCol="0" anchor="t">
         <a:noAutofit/>
       </a:bodyPr>
       <a:lstStyle>
@@ -9763,7 +11145,7 @@
           <a:buFontTx/>
           <a:buNone/>
           <a:tabLst/>
-          <a:defRPr b="0" baseline="0" cap="none" i="0" spc="0" strike="noStrike" sz="1800" u="none" kumimoji="0" normalizeH="0">
+          <a:defRPr kumimoji="0" sz="1800" b="0" i="0" u="none" strike="noStrike" cap="none" spc="0" normalizeH="0" baseline="0">
             <a:ln>
               <a:noFill/>
             </a:ln>
@@ -9789,7 +11171,7 @@
           <a:buFontTx/>
           <a:buNone/>
           <a:tabLst/>
-          <a:defRPr b="0" baseline="0" cap="none" i="0" spc="0" strike="noStrike" sz="1800" u="none" kumimoji="0" normalizeH="0">
+          <a:defRPr kumimoji="0" sz="1800" b="0" i="0" u="none" strike="noStrike" cap="none" spc="0" normalizeH="0" baseline="0">
             <a:ln>
               <a:noFill/>
             </a:ln>
@@ -9815,7 +11197,7 @@
           <a:buFontTx/>
           <a:buNone/>
           <a:tabLst/>
-          <a:defRPr b="0" baseline="0" cap="none" i="0" spc="0" strike="noStrike" sz="1800" u="none" kumimoji="0" normalizeH="0">
+          <a:defRPr kumimoji="0" sz="1800" b="0" i="0" u="none" strike="noStrike" cap="none" spc="0" normalizeH="0" baseline="0">
             <a:ln>
               <a:noFill/>
             </a:ln>
@@ -9841,7 +11223,7 @@
           <a:buFontTx/>
           <a:buNone/>
           <a:tabLst/>
-          <a:defRPr b="0" baseline="0" cap="none" i="0" spc="0" strike="noStrike" sz="1800" u="none" kumimoji="0" normalizeH="0">
+          <a:defRPr kumimoji="0" sz="1800" b="0" i="0" u="none" strike="noStrike" cap="none" spc="0" normalizeH="0" baseline="0">
             <a:ln>
               <a:noFill/>
             </a:ln>
@@ -9867,7 +11249,7 @@
           <a:buFontTx/>
           <a:buNone/>
           <a:tabLst/>
-          <a:defRPr b="0" baseline="0" cap="none" i="0" spc="0" strike="noStrike" sz="1800" u="none" kumimoji="0" normalizeH="0">
+          <a:defRPr kumimoji="0" sz="1800" b="0" i="0" u="none" strike="noStrike" cap="none" spc="0" normalizeH="0" baseline="0">
             <a:ln>
               <a:noFill/>
             </a:ln>
@@ -9893,7 +11275,7 @@
           <a:buFontTx/>
           <a:buNone/>
           <a:tabLst/>
-          <a:defRPr b="0" baseline="0" cap="none" i="0" spc="0" strike="noStrike" sz="1800" u="none" kumimoji="0" normalizeH="0">
+          <a:defRPr kumimoji="0" sz="1800" b="0" i="0" u="none" strike="noStrike" cap="none" spc="0" normalizeH="0" baseline="0">
             <a:ln>
               <a:noFill/>
             </a:ln>
@@ -9919,7 +11301,7 @@
           <a:buFontTx/>
           <a:buNone/>
           <a:tabLst/>
-          <a:defRPr b="0" baseline="0" cap="none" i="0" spc="0" strike="noStrike" sz="1800" u="none" kumimoji="0" normalizeH="0">
+          <a:defRPr kumimoji="0" sz="1800" b="0" i="0" u="none" strike="noStrike" cap="none" spc="0" normalizeH="0" baseline="0">
             <a:ln>
               <a:noFill/>
             </a:ln>
@@ -9945,7 +11327,7 @@
           <a:buFontTx/>
           <a:buNone/>
           <a:tabLst/>
-          <a:defRPr b="0" baseline="0" cap="none" i="0" spc="0" strike="noStrike" sz="1800" u="none" kumimoji="0" normalizeH="0">
+          <a:defRPr kumimoji="0" sz="1800" b="0" i="0" u="none" strike="noStrike" cap="none" spc="0" normalizeH="0" baseline="0">
             <a:ln>
               <a:noFill/>
             </a:ln>
@@ -9971,7 +11353,7 @@
           <a:buFontTx/>
           <a:buNone/>
           <a:tabLst/>
-          <a:defRPr b="0" baseline="0" cap="none" i="0" spc="0" strike="noStrike" sz="1800" u="none" kumimoji="0" normalizeH="0">
+          <a:defRPr kumimoji="0" sz="1800" b="0" i="0" u="none" strike="noStrike" cap="none" spc="0" normalizeH="0" baseline="0">
             <a:ln>
               <a:noFill/>
             </a:ln>
@@ -9997,7 +11379,7 @@
           <a:buFontTx/>
           <a:buNone/>
           <a:tabLst/>
-          <a:defRPr b="0" baseline="0" cap="none" i="0" spc="0" strike="noStrike" sz="1800" u="none" kumimoji="0" normalizeH="0">
+          <a:defRPr kumimoji="0" sz="1800" b="0" i="0" u="none" strike="noStrike" cap="none" spc="0" normalizeH="0" baseline="0">
             <a:ln>
               <a:noFill/>
             </a:ln>
@@ -10010,9 +11392,15 @@
         </a:lvl9pPr>
       </a:lstStyle>
       <a:style>
-        <a:lnRef idx="0"/>
-        <a:fillRef idx="0"/>
-        <a:effectRef idx="0"/>
+        <a:lnRef idx="0">
+          <a:scrgbClr r="0" g="0" b="0"/>
+        </a:lnRef>
+        <a:fillRef idx="0">
+          <a:scrgbClr r="0" g="0" b="0"/>
+        </a:fillRef>
+        <a:effectRef idx="0">
+          <a:scrgbClr r="0" g="0" b="0"/>
+        </a:effectRef>
         <a:fontRef idx="none"/>
       </a:style>
     </a:lnDef>
@@ -10026,7 +11414,7 @@
         <a:effectLst/>
         <a:sp3d/>
       </a:spPr>
-      <a:bodyPr rot="0" spcFirstLastPara="1" vertOverflow="overflow" horzOverflow="overflow" vert="horz" wrap="square" lIns="45719" tIns="45719" rIns="45719" bIns="45719" numCol="1" spcCol="38100" rtlCol="0" anchor="t" upright="0">
+      <a:bodyPr rot="0" spcFirstLastPara="1" vertOverflow="overflow" horzOverflow="overflow" vert="horz" wrap="square" lIns="45719" tIns="45719" rIns="45719" bIns="45719" numCol="1" spcCol="38100" rtlCol="0" anchor="t">
         <a:spAutoFit/>
       </a:bodyPr>
       <a:lstStyle>
@@ -10045,7 +11433,7 @@
           <a:buFontTx/>
           <a:buNone/>
           <a:tabLst/>
-          <a:defRPr b="0" baseline="0" cap="none" i="0" spc="0" strike="noStrike" sz="1800" u="none" kumimoji="0" normalizeH="0">
+          <a:defRPr kumimoji="0" sz="1800" b="0" i="0" u="none" strike="noStrike" cap="none" spc="0" normalizeH="0" baseline="0">
             <a:ln>
               <a:noFill/>
             </a:ln>
@@ -10075,7 +11463,7 @@
           <a:buFontTx/>
           <a:buNone/>
           <a:tabLst/>
-          <a:defRPr b="0" baseline="0" cap="none" i="0" spc="0" strike="noStrike" sz="1800" u="none" kumimoji="0" normalizeH="0">
+          <a:defRPr kumimoji="0" sz="1800" b="0" i="0" u="none" strike="noStrike" cap="none" spc="0" normalizeH="0" baseline="0">
             <a:ln>
               <a:noFill/>
             </a:ln>
@@ -10101,7 +11489,7 @@
           <a:buFontTx/>
           <a:buNone/>
           <a:tabLst/>
-          <a:defRPr b="0" baseline="0" cap="none" i="0" spc="0" strike="noStrike" sz="1800" u="none" kumimoji="0" normalizeH="0">
+          <a:defRPr kumimoji="0" sz="1800" b="0" i="0" u="none" strike="noStrike" cap="none" spc="0" normalizeH="0" baseline="0">
             <a:ln>
               <a:noFill/>
             </a:ln>
@@ -10127,7 +11515,7 @@
           <a:buFontTx/>
           <a:buNone/>
           <a:tabLst/>
-          <a:defRPr b="0" baseline="0" cap="none" i="0" spc="0" strike="noStrike" sz="1800" u="none" kumimoji="0" normalizeH="0">
+          <a:defRPr kumimoji="0" sz="1800" b="0" i="0" u="none" strike="noStrike" cap="none" spc="0" normalizeH="0" baseline="0">
             <a:ln>
               <a:noFill/>
             </a:ln>
@@ -10153,7 +11541,7 @@
           <a:buFontTx/>
           <a:buNone/>
           <a:tabLst/>
-          <a:defRPr b="0" baseline="0" cap="none" i="0" spc="0" strike="noStrike" sz="1800" u="none" kumimoji="0" normalizeH="0">
+          <a:defRPr kumimoji="0" sz="1800" b="0" i="0" u="none" strike="noStrike" cap="none" spc="0" normalizeH="0" baseline="0">
             <a:ln>
               <a:noFill/>
             </a:ln>
@@ -10179,7 +11567,7 @@
           <a:buFontTx/>
           <a:buNone/>
           <a:tabLst/>
-          <a:defRPr b="0" baseline="0" cap="none" i="0" spc="0" strike="noStrike" sz="1800" u="none" kumimoji="0" normalizeH="0">
+          <a:defRPr kumimoji="0" sz="1800" b="0" i="0" u="none" strike="noStrike" cap="none" spc="0" normalizeH="0" baseline="0">
             <a:ln>
               <a:noFill/>
             </a:ln>
@@ -10205,7 +11593,7 @@
           <a:buFontTx/>
           <a:buNone/>
           <a:tabLst/>
-          <a:defRPr b="0" baseline="0" cap="none" i="0" spc="0" strike="noStrike" sz="1800" u="none" kumimoji="0" normalizeH="0">
+          <a:defRPr kumimoji="0" sz="1800" b="0" i="0" u="none" strike="noStrike" cap="none" spc="0" normalizeH="0" baseline="0">
             <a:ln>
               <a:noFill/>
             </a:ln>
@@ -10231,7 +11619,7 @@
           <a:buFontTx/>
           <a:buNone/>
           <a:tabLst/>
-          <a:defRPr b="0" baseline="0" cap="none" i="0" spc="0" strike="noStrike" sz="1800" u="none" kumimoji="0" normalizeH="0">
+          <a:defRPr kumimoji="0" sz="1800" b="0" i="0" u="none" strike="noStrike" cap="none" spc="0" normalizeH="0" baseline="0">
             <a:ln>
               <a:noFill/>
             </a:ln>
@@ -10257,7 +11645,7 @@
           <a:buFontTx/>
           <a:buNone/>
           <a:tabLst/>
-          <a:defRPr b="0" baseline="0" cap="none" i="0" spc="0" strike="noStrike" sz="1800" u="none" kumimoji="0" normalizeH="0">
+          <a:defRPr kumimoji="0" sz="1800" b="0" i="0" u="none" strike="noStrike" cap="none" spc="0" normalizeH="0" baseline="0">
             <a:ln>
               <a:noFill/>
             </a:ln>
@@ -10283,7 +11671,7 @@
           <a:buFontTx/>
           <a:buNone/>
           <a:tabLst/>
-          <a:defRPr b="0" baseline="0" cap="none" i="0" spc="0" strike="noStrike" sz="1800" u="none" kumimoji="0" normalizeH="0">
+          <a:defRPr kumimoji="0" sz="1800" b="0" i="0" u="none" strike="noStrike" cap="none" spc="0" normalizeH="0" baseline="0">
             <a:ln>
               <a:noFill/>
             </a:ln>
@@ -10296,18 +11684,25 @@
         </a:lvl9pPr>
       </a:lstStyle>
       <a:style>
-        <a:lnRef idx="0"/>
-        <a:fillRef idx="0"/>
-        <a:effectRef idx="0"/>
+        <a:lnRef idx="0">
+          <a:scrgbClr r="0" g="0" b="0"/>
+        </a:lnRef>
+        <a:fillRef idx="0">
+          <a:scrgbClr r="0" g="0" b="0"/>
+        </a:fillRef>
+        <a:effectRef idx="0">
+          <a:scrgbClr r="0" g="0" b="0"/>
+        </a:effectRef>
         <a:fontRef idx="none"/>
       </a:style>
     </a:txDef>
   </a:objectDefaults>
+  <a:extraClrSchemeLst/>
 </a:theme>
 </file>
 
 <file path=ppt/theme/theme2.xml><?xml version="1.0" encoding="utf-8"?>
-<a:theme xmlns:a="http://schemas.openxmlformats.org/drawingml/2006/main" xmlns:r="http://schemas.openxmlformats.org/officeDocument/2006/relationships" name="Office Theme">
+<a:theme xmlns:a="http://schemas.openxmlformats.org/drawingml/2006/main" name="Office Theme">
   <a:themeElements>
     <a:clrScheme name="Office Theme">
       <a:dk1>
@@ -10439,7 +11834,7 @@
         </a:effectStyle>
         <a:effectStyle>
           <a:effectLst>
-            <a:outerShdw sx="100000" sy="100000" kx="0" ky="0" algn="b" rotWithShape="0" blurRad="38100" dist="20000" dir="5400000">
+            <a:outerShdw blurRad="38100" dist="20000" dir="5400000" rotWithShape="0">
               <a:srgbClr val="000000">
                 <a:alpha val="38000"/>
               </a:srgbClr>
@@ -10515,7 +11910,7 @@
         <a:effectLst/>
         <a:sp3d/>
       </a:spPr>
-      <a:bodyPr rot="0" spcFirstLastPara="1" vertOverflow="overflow" horzOverflow="overflow" vert="horz" wrap="square" lIns="45719" tIns="45719" rIns="45719" bIns="45719" numCol="1" spcCol="38100" rtlCol="0" anchor="t" upright="0">
+      <a:bodyPr rot="0" spcFirstLastPara="1" vertOverflow="overflow" horzOverflow="overflow" vert="horz" wrap="square" lIns="45719" tIns="45719" rIns="45719" bIns="45719" numCol="1" spcCol="38100" rtlCol="0" anchor="t">
         <a:spAutoFit/>
       </a:bodyPr>
       <a:lstStyle>
@@ -10534,7 +11929,7 @@
           <a:buFontTx/>
           <a:buNone/>
           <a:tabLst/>
-          <a:defRPr b="0" baseline="0" cap="none" i="0" spc="0" strike="noStrike" sz="1800" u="none" kumimoji="0" normalizeH="0">
+          <a:defRPr kumimoji="0" sz="1800" b="0" i="0" u="none" strike="noStrike" cap="none" spc="0" normalizeH="0" baseline="0">
             <a:ln>
               <a:noFill/>
             </a:ln>
@@ -10564,7 +11959,7 @@
           <a:buFontTx/>
           <a:buNone/>
           <a:tabLst/>
-          <a:defRPr b="0" baseline="0" cap="none" i="0" spc="0" strike="noStrike" sz="1800" u="none" kumimoji="0" normalizeH="0">
+          <a:defRPr kumimoji="0" sz="1800" b="0" i="0" u="none" strike="noStrike" cap="none" spc="0" normalizeH="0" baseline="0">
             <a:ln>
               <a:noFill/>
             </a:ln>
@@ -10590,7 +11985,7 @@
           <a:buFontTx/>
           <a:buNone/>
           <a:tabLst/>
-          <a:defRPr b="0" baseline="0" cap="none" i="0" spc="0" strike="noStrike" sz="1800" u="none" kumimoji="0" normalizeH="0">
+          <a:defRPr kumimoji="0" sz="1800" b="0" i="0" u="none" strike="noStrike" cap="none" spc="0" normalizeH="0" baseline="0">
             <a:ln>
               <a:noFill/>
             </a:ln>
@@ -10616,7 +12011,7 @@
           <a:buFontTx/>
           <a:buNone/>
           <a:tabLst/>
-          <a:defRPr b="0" baseline="0" cap="none" i="0" spc="0" strike="noStrike" sz="1800" u="none" kumimoji="0" normalizeH="0">
+          <a:defRPr kumimoji="0" sz="1800" b="0" i="0" u="none" strike="noStrike" cap="none" spc="0" normalizeH="0" baseline="0">
             <a:ln>
               <a:noFill/>
             </a:ln>
@@ -10642,7 +12037,7 @@
           <a:buFontTx/>
           <a:buNone/>
           <a:tabLst/>
-          <a:defRPr b="0" baseline="0" cap="none" i="0" spc="0" strike="noStrike" sz="1800" u="none" kumimoji="0" normalizeH="0">
+          <a:defRPr kumimoji="0" sz="1800" b="0" i="0" u="none" strike="noStrike" cap="none" spc="0" normalizeH="0" baseline="0">
             <a:ln>
               <a:noFill/>
             </a:ln>
@@ -10668,7 +12063,7 @@
           <a:buFontTx/>
           <a:buNone/>
           <a:tabLst/>
-          <a:defRPr b="0" baseline="0" cap="none" i="0" spc="0" strike="noStrike" sz="1800" u="none" kumimoji="0" normalizeH="0">
+          <a:defRPr kumimoji="0" sz="1800" b="0" i="0" u="none" strike="noStrike" cap="none" spc="0" normalizeH="0" baseline="0">
             <a:ln>
               <a:noFill/>
             </a:ln>
@@ -10694,7 +12089,7 @@
           <a:buFontTx/>
           <a:buNone/>
           <a:tabLst/>
-          <a:defRPr b="0" baseline="0" cap="none" i="0" spc="0" strike="noStrike" sz="1800" u="none" kumimoji="0" normalizeH="0">
+          <a:defRPr kumimoji="0" sz="1800" b="0" i="0" u="none" strike="noStrike" cap="none" spc="0" normalizeH="0" baseline="0">
             <a:ln>
               <a:noFill/>
             </a:ln>
@@ -10720,7 +12115,7 @@
           <a:buFontTx/>
           <a:buNone/>
           <a:tabLst/>
-          <a:defRPr b="0" baseline="0" cap="none" i="0" spc="0" strike="noStrike" sz="1800" u="none" kumimoji="0" normalizeH="0">
+          <a:defRPr kumimoji="0" sz="1800" b="0" i="0" u="none" strike="noStrike" cap="none" spc="0" normalizeH="0" baseline="0">
             <a:ln>
               <a:noFill/>
             </a:ln>
@@ -10746,7 +12141,7 @@
           <a:buFontTx/>
           <a:buNone/>
           <a:tabLst/>
-          <a:defRPr b="0" baseline="0" cap="none" i="0" spc="0" strike="noStrike" sz="1800" u="none" kumimoji="0" normalizeH="0">
+          <a:defRPr kumimoji="0" sz="1800" b="0" i="0" u="none" strike="noStrike" cap="none" spc="0" normalizeH="0" baseline="0">
             <a:ln>
               <a:noFill/>
             </a:ln>
@@ -10772,7 +12167,7 @@
           <a:buFontTx/>
           <a:buNone/>
           <a:tabLst/>
-          <a:defRPr b="0" baseline="0" cap="none" i="0" spc="0" strike="noStrike" sz="1800" u="none" kumimoji="0" normalizeH="0">
+          <a:defRPr kumimoji="0" sz="1800" b="0" i="0" u="none" strike="noStrike" cap="none" spc="0" normalizeH="0" baseline="0">
             <a:ln>
               <a:noFill/>
             </a:ln>
@@ -10785,9 +12180,15 @@
         </a:lvl9pPr>
       </a:lstStyle>
       <a:style>
-        <a:lnRef idx="0"/>
-        <a:fillRef idx="0"/>
-        <a:effectRef idx="0"/>
+        <a:lnRef idx="0">
+          <a:scrgbClr r="0" g="0" b="0"/>
+        </a:lnRef>
+        <a:fillRef idx="0">
+          <a:scrgbClr r="0" g="0" b="0"/>
+        </a:fillRef>
+        <a:effectRef idx="0">
+          <a:scrgbClr r="0" g="0" b="0"/>
+        </a:effectRef>
         <a:fontRef idx="none"/>
       </a:style>
     </a:spDef>
@@ -10802,7 +12203,7 @@
           <a:round/>
         </a:ln>
         <a:effectLst>
-          <a:outerShdw sx="100000" sy="100000" kx="0" ky="0" algn="b" rotWithShape="0" blurRad="38100" dist="20000" dir="5400000">
+          <a:outerShdw blurRad="38100" dist="20000" dir="5400000" rotWithShape="0">
             <a:srgbClr val="000000">
               <a:alpha val="38000"/>
             </a:srgbClr>
@@ -10810,7 +12211,7 @@
         </a:effectLst>
         <a:sp3d/>
       </a:spPr>
-      <a:bodyPr rot="0" spcFirstLastPara="1" vertOverflow="overflow" horzOverflow="overflow" vert="horz" wrap="square" lIns="91439" tIns="45719" rIns="91439" bIns="45719" numCol="1" spcCol="38100" rtlCol="0" anchor="t" upright="0">
+      <a:bodyPr rot="0" spcFirstLastPara="1" vertOverflow="overflow" horzOverflow="overflow" vert="horz" wrap="square" lIns="91439" tIns="45719" rIns="91439" bIns="45719" numCol="1" spcCol="38100" rtlCol="0" anchor="t">
         <a:noAutofit/>
       </a:bodyPr>
       <a:lstStyle>
@@ -10829,7 +12230,7 @@
           <a:buFontTx/>
           <a:buNone/>
           <a:tabLst/>
-          <a:defRPr b="0" baseline="0" cap="none" i="0" spc="0" strike="noStrike" sz="1800" u="none" kumimoji="0" normalizeH="0">
+          <a:defRPr kumimoji="0" sz="1800" b="0" i="0" u="none" strike="noStrike" cap="none" spc="0" normalizeH="0" baseline="0">
             <a:ln>
               <a:noFill/>
             </a:ln>
@@ -10855,7 +12256,7 @@
           <a:buFontTx/>
           <a:buNone/>
           <a:tabLst/>
-          <a:defRPr b="0" baseline="0" cap="none" i="0" spc="0" strike="noStrike" sz="1800" u="none" kumimoji="0" normalizeH="0">
+          <a:defRPr kumimoji="0" sz="1800" b="0" i="0" u="none" strike="noStrike" cap="none" spc="0" normalizeH="0" baseline="0">
             <a:ln>
               <a:noFill/>
             </a:ln>
@@ -10881,7 +12282,7 @@
           <a:buFontTx/>
           <a:buNone/>
           <a:tabLst/>
-          <a:defRPr b="0" baseline="0" cap="none" i="0" spc="0" strike="noStrike" sz="1800" u="none" kumimoji="0" normalizeH="0">
+          <a:defRPr kumimoji="0" sz="1800" b="0" i="0" u="none" strike="noStrike" cap="none" spc="0" normalizeH="0" baseline="0">
             <a:ln>
               <a:noFill/>
             </a:ln>
@@ -10907,7 +12308,7 @@
           <a:buFontTx/>
           <a:buNone/>
           <a:tabLst/>
-          <a:defRPr b="0" baseline="0" cap="none" i="0" spc="0" strike="noStrike" sz="1800" u="none" kumimoji="0" normalizeH="0">
+          <a:defRPr kumimoji="0" sz="1800" b="0" i="0" u="none" strike="noStrike" cap="none" spc="0" normalizeH="0" baseline="0">
             <a:ln>
               <a:noFill/>
             </a:ln>
@@ -10933,7 +12334,7 @@
           <a:buFontTx/>
           <a:buNone/>
           <a:tabLst/>
-          <a:defRPr b="0" baseline="0" cap="none" i="0" spc="0" strike="noStrike" sz="1800" u="none" kumimoji="0" normalizeH="0">
+          <a:defRPr kumimoji="0" sz="1800" b="0" i="0" u="none" strike="noStrike" cap="none" spc="0" normalizeH="0" baseline="0">
             <a:ln>
               <a:noFill/>
             </a:ln>
@@ -10959,7 +12360,7 @@
           <a:buFontTx/>
           <a:buNone/>
           <a:tabLst/>
-          <a:defRPr b="0" baseline="0" cap="none" i="0" spc="0" strike="noStrike" sz="1800" u="none" kumimoji="0" normalizeH="0">
+          <a:defRPr kumimoji="0" sz="1800" b="0" i="0" u="none" strike="noStrike" cap="none" spc="0" normalizeH="0" baseline="0">
             <a:ln>
               <a:noFill/>
             </a:ln>
@@ -10985,7 +12386,7 @@
           <a:buFontTx/>
           <a:buNone/>
           <a:tabLst/>
-          <a:defRPr b="0" baseline="0" cap="none" i="0" spc="0" strike="noStrike" sz="1800" u="none" kumimoji="0" normalizeH="0">
+          <a:defRPr kumimoji="0" sz="1800" b="0" i="0" u="none" strike="noStrike" cap="none" spc="0" normalizeH="0" baseline="0">
             <a:ln>
               <a:noFill/>
             </a:ln>
@@ -11011,7 +12412,7 @@
           <a:buFontTx/>
           <a:buNone/>
           <a:tabLst/>
-          <a:defRPr b="0" baseline="0" cap="none" i="0" spc="0" strike="noStrike" sz="1800" u="none" kumimoji="0" normalizeH="0">
+          <a:defRPr kumimoji="0" sz="1800" b="0" i="0" u="none" strike="noStrike" cap="none" spc="0" normalizeH="0" baseline="0">
             <a:ln>
               <a:noFill/>
             </a:ln>
@@ -11037,7 +12438,7 @@
           <a:buFontTx/>
           <a:buNone/>
           <a:tabLst/>
-          <a:defRPr b="0" baseline="0" cap="none" i="0" spc="0" strike="noStrike" sz="1800" u="none" kumimoji="0" normalizeH="0">
+          <a:defRPr kumimoji="0" sz="1800" b="0" i="0" u="none" strike="noStrike" cap="none" spc="0" normalizeH="0" baseline="0">
             <a:ln>
               <a:noFill/>
             </a:ln>
@@ -11063,7 +12464,7 @@
           <a:buFontTx/>
           <a:buNone/>
           <a:tabLst/>
-          <a:defRPr b="0" baseline="0" cap="none" i="0" spc="0" strike="noStrike" sz="1800" u="none" kumimoji="0" normalizeH="0">
+          <a:defRPr kumimoji="0" sz="1800" b="0" i="0" u="none" strike="noStrike" cap="none" spc="0" normalizeH="0" baseline="0">
             <a:ln>
               <a:noFill/>
             </a:ln>
@@ -11076,9 +12477,15 @@
         </a:lvl9pPr>
       </a:lstStyle>
       <a:style>
-        <a:lnRef idx="0"/>
-        <a:fillRef idx="0"/>
-        <a:effectRef idx="0"/>
+        <a:lnRef idx="0">
+          <a:scrgbClr r="0" g="0" b="0"/>
+        </a:lnRef>
+        <a:fillRef idx="0">
+          <a:scrgbClr r="0" g="0" b="0"/>
+        </a:fillRef>
+        <a:effectRef idx="0">
+          <a:scrgbClr r="0" g="0" b="0"/>
+        </a:effectRef>
         <a:fontRef idx="none"/>
       </a:style>
     </a:lnDef>
@@ -11092,7 +12499,7 @@
         <a:effectLst/>
         <a:sp3d/>
       </a:spPr>
-      <a:bodyPr rot="0" spcFirstLastPara="1" vertOverflow="overflow" horzOverflow="overflow" vert="horz" wrap="square" lIns="45719" tIns="45719" rIns="45719" bIns="45719" numCol="1" spcCol="38100" rtlCol="0" anchor="t" upright="0">
+      <a:bodyPr rot="0" spcFirstLastPara="1" vertOverflow="overflow" horzOverflow="overflow" vert="horz" wrap="square" lIns="45719" tIns="45719" rIns="45719" bIns="45719" numCol="1" spcCol="38100" rtlCol="0" anchor="t">
         <a:spAutoFit/>
       </a:bodyPr>
       <a:lstStyle>
@@ -11111,7 +12518,7 @@
           <a:buFontTx/>
           <a:buNone/>
           <a:tabLst/>
-          <a:defRPr b="0" baseline="0" cap="none" i="0" spc="0" strike="noStrike" sz="1800" u="none" kumimoji="0" normalizeH="0">
+          <a:defRPr kumimoji="0" sz="1800" b="0" i="0" u="none" strike="noStrike" cap="none" spc="0" normalizeH="0" baseline="0">
             <a:ln>
               <a:noFill/>
             </a:ln>
@@ -11141,7 +12548,7 @@
           <a:buFontTx/>
           <a:buNone/>
           <a:tabLst/>
-          <a:defRPr b="0" baseline="0" cap="none" i="0" spc="0" strike="noStrike" sz="1800" u="none" kumimoji="0" normalizeH="0">
+          <a:defRPr kumimoji="0" sz="1800" b="0" i="0" u="none" strike="noStrike" cap="none" spc="0" normalizeH="0" baseline="0">
             <a:ln>
               <a:noFill/>
             </a:ln>
@@ -11167,7 +12574,7 @@
           <a:buFontTx/>
           <a:buNone/>
           <a:tabLst/>
-          <a:defRPr b="0" baseline="0" cap="none" i="0" spc="0" strike="noStrike" sz="1800" u="none" kumimoji="0" normalizeH="0">
+          <a:defRPr kumimoji="0" sz="1800" b="0" i="0" u="none" strike="noStrike" cap="none" spc="0" normalizeH="0" baseline="0">
             <a:ln>
               <a:noFill/>
             </a:ln>
@@ -11193,7 +12600,7 @@
           <a:buFontTx/>
           <a:buNone/>
           <a:tabLst/>
-          <a:defRPr b="0" baseline="0" cap="none" i="0" spc="0" strike="noStrike" sz="1800" u="none" kumimoji="0" normalizeH="0">
+          <a:defRPr kumimoji="0" sz="1800" b="0" i="0" u="none" strike="noStrike" cap="none" spc="0" normalizeH="0" baseline="0">
             <a:ln>
               <a:noFill/>
             </a:ln>
@@ -11219,7 +12626,7 @@
           <a:buFontTx/>
           <a:buNone/>
           <a:tabLst/>
-          <a:defRPr b="0" baseline="0" cap="none" i="0" spc="0" strike="noStrike" sz="1800" u="none" kumimoji="0" normalizeH="0">
+          <a:defRPr kumimoji="0" sz="1800" b="0" i="0" u="none" strike="noStrike" cap="none" spc="0" normalizeH="0" baseline="0">
             <a:ln>
               <a:noFill/>
             </a:ln>
@@ -11245,7 +12652,7 @@
           <a:buFontTx/>
           <a:buNone/>
           <a:tabLst/>
-          <a:defRPr b="0" baseline="0" cap="none" i="0" spc="0" strike="noStrike" sz="1800" u="none" kumimoji="0" normalizeH="0">
+          <a:defRPr kumimoji="0" sz="1800" b="0" i="0" u="none" strike="noStrike" cap="none" spc="0" normalizeH="0" baseline="0">
             <a:ln>
               <a:noFill/>
             </a:ln>
@@ -11271,7 +12678,7 @@
           <a:buFontTx/>
           <a:buNone/>
           <a:tabLst/>
-          <a:defRPr b="0" baseline="0" cap="none" i="0" spc="0" strike="noStrike" sz="1800" u="none" kumimoji="0" normalizeH="0">
+          <a:defRPr kumimoji="0" sz="1800" b="0" i="0" u="none" strike="noStrike" cap="none" spc="0" normalizeH="0" baseline="0">
             <a:ln>
               <a:noFill/>
             </a:ln>
@@ -11297,7 +12704,7 @@
           <a:buFontTx/>
           <a:buNone/>
           <a:tabLst/>
-          <a:defRPr b="0" baseline="0" cap="none" i="0" spc="0" strike="noStrike" sz="1800" u="none" kumimoji="0" normalizeH="0">
+          <a:defRPr kumimoji="0" sz="1800" b="0" i="0" u="none" strike="noStrike" cap="none" spc="0" normalizeH="0" baseline="0">
             <a:ln>
               <a:noFill/>
             </a:ln>
@@ -11323,7 +12730,7 @@
           <a:buFontTx/>
           <a:buNone/>
           <a:tabLst/>
-          <a:defRPr b="0" baseline="0" cap="none" i="0" spc="0" strike="noStrike" sz="1800" u="none" kumimoji="0" normalizeH="0">
+          <a:defRPr kumimoji="0" sz="1800" b="0" i="0" u="none" strike="noStrike" cap="none" spc="0" normalizeH="0" baseline="0">
             <a:ln>
               <a:noFill/>
             </a:ln>
@@ -11349,7 +12756,7 @@
           <a:buFontTx/>
           <a:buNone/>
           <a:tabLst/>
-          <a:defRPr b="0" baseline="0" cap="none" i="0" spc="0" strike="noStrike" sz="1800" u="none" kumimoji="0" normalizeH="0">
+          <a:defRPr kumimoji="0" sz="1800" b="0" i="0" u="none" strike="noStrike" cap="none" spc="0" normalizeH="0" baseline="0">
             <a:ln>
               <a:noFill/>
             </a:ln>
@@ -11362,12 +12769,19 @@
         </a:lvl9pPr>
       </a:lstStyle>
       <a:style>
-        <a:lnRef idx="0"/>
-        <a:fillRef idx="0"/>
-        <a:effectRef idx="0"/>
+        <a:lnRef idx="0">
+          <a:scrgbClr r="0" g="0" b="0"/>
+        </a:lnRef>
+        <a:fillRef idx="0">
+          <a:scrgbClr r="0" g="0" b="0"/>
+        </a:fillRef>
+        <a:effectRef idx="0">
+          <a:scrgbClr r="0" g="0" b="0"/>
+        </a:effectRef>
         <a:fontRef idx="none"/>
       </a:style>
     </a:txDef>
   </a:objectDefaults>
+  <a:extraClrSchemeLst/>
 </a:theme>
 </file>
--- a/設定wifi ap_repeater.pptx
+++ b/設定wifi ap_repeater.pptx
@@ -5,7 +5,7 @@
     <p:sldMasterId id="2147483648" r:id="rId1"/>
   </p:sldMasterIdLst>
   <p:notesMasterIdLst>
-    <p:notesMasterId r:id="rId24"/>
+    <p:notesMasterId r:id="rId25"/>
   </p:notesMasterIdLst>
   <p:sldIdLst>
     <p:sldId id="256" r:id="rId2"/>
@@ -30,6 +30,7 @@
     <p:sldId id="275" r:id="rId21"/>
     <p:sldId id="277" r:id="rId22"/>
     <p:sldId id="278" r:id="rId23"/>
+    <p:sldId id="279" r:id="rId24"/>
   </p:sldIdLst>
   <p:sldSz cx="9144000" cy="6858000" type="screen4x3"/>
   <p:notesSz cx="6858000" cy="9144000"/>
@@ -3903,7 +3904,7 @@
           </a:ln>
           <a:extLst>
             <a:ext uri="{C572A759-6A51-4108-AA02-DFA0A04FC94B}">
-              <ma14:wrappingTextBoxFlag xmlns="" xmlns:ma14="http://schemas.microsoft.com/office/mac/drawingml/2011/main" val="1"/>
+              <ma14:wrappingTextBoxFlag xmlns:ma14="http://schemas.microsoft.com/office/mac/drawingml/2011/main" xmlns="" val="1"/>
             </a:ext>
           </a:extLst>
         </p:spPr>
@@ -3942,7 +3943,7 @@
           </a:ln>
           <a:extLst>
             <a:ext uri="{C572A759-6A51-4108-AA02-DFA0A04FC94B}">
-              <ma14:wrappingTextBoxFlag xmlns="" xmlns:ma14="http://schemas.microsoft.com/office/mac/drawingml/2011/main" val="1"/>
+              <ma14:wrappingTextBoxFlag xmlns:ma14="http://schemas.microsoft.com/office/mac/drawingml/2011/main" xmlns="" val="1"/>
             </a:ext>
           </a:extLst>
         </p:spPr>
@@ -4890,7 +4891,7 @@
           </a:ln>
           <a:extLst>
             <a:ext uri="{C572A759-6A51-4108-AA02-DFA0A04FC94B}">
-              <ma14:wrappingTextBoxFlag xmlns="" xmlns:ma14="http://schemas.microsoft.com/office/mac/drawingml/2011/main" val="1"/>
+              <ma14:wrappingTextBoxFlag xmlns:ma14="http://schemas.microsoft.com/office/mac/drawingml/2011/main" xmlns="" val="1"/>
             </a:ext>
           </a:extLst>
         </p:spPr>
@@ -4938,6 +4939,612 @@
               <a:t>Ap</a:t>
             </a:r>
             <a:endParaRPr dirty="0"/>
+          </a:p>
+        </p:txBody>
+      </p:sp>
+      <p:pic>
+        <p:nvPicPr>
+          <p:cNvPr id="1026" name="Picture 2"/>
+          <p:cNvPicPr>
+            <a:picLocks noChangeAspect="1" noChangeArrowheads="1"/>
+          </p:cNvPicPr>
+          <p:nvPr/>
+        </p:nvPicPr>
+        <p:blipFill>
+          <a:blip r:embed="rId2">
+            <a:extLst>
+              <a:ext uri="{BEBA8EAE-BF5A-486C-A8C5-ECC9F3942E4B}">
+                <a14:imgProps xmlns:a14="http://schemas.microsoft.com/office/drawing/2010/main">
+                  <a14:imgLayer r:embed="rId3">
+                    <a14:imgEffect>
+                      <a14:backgroundRemoval t="5233" b="94767" l="10239" r="89761"/>
+                    </a14:imgEffect>
+                  </a14:imgLayer>
+                </a14:imgProps>
+              </a:ext>
+              <a:ext uri="{28A0092B-C50C-407E-A947-70E740481C1C}">
+                <a14:useLocalDpi xmlns:a14="http://schemas.microsoft.com/office/drawing/2010/main" val="0"/>
+              </a:ext>
+            </a:extLst>
+          </a:blip>
+          <a:srcRect/>
+          <a:stretch>
+            <a:fillRect/>
+          </a:stretch>
+        </p:blipFill>
+        <p:spPr bwMode="auto">
+          <a:xfrm>
+            <a:off x="4139952" y="4498975"/>
+            <a:ext cx="2790825" cy="1638300"/>
+          </a:xfrm>
+          <a:prstGeom prst="rect">
+            <a:avLst/>
+          </a:prstGeom>
+          <a:noFill/>
+          <a:ln>
+            <a:noFill/>
+          </a:ln>
+          <a:effectLst/>
+          <a:extLst>
+            <a:ext uri="{909E8E84-426E-40DD-AFC4-6F175D3DCCD1}">
+              <a14:hiddenFill xmlns:a14="http://schemas.microsoft.com/office/drawing/2010/main">
+                <a:solidFill>
+                  <a:schemeClr val="accent1"/>
+                </a:solidFill>
+              </a14:hiddenFill>
+            </a:ext>
+            <a:ext uri="{91240B29-F687-4F45-9708-019B960494DF}">
+              <a14:hiddenLine xmlns:a14="http://schemas.microsoft.com/office/drawing/2010/main" w="9525">
+                <a:solidFill>
+                  <a:schemeClr val="tx1"/>
+                </a:solidFill>
+                <a:miter lim="800000"/>
+                <a:headEnd/>
+                <a:tailEnd/>
+              </a14:hiddenLine>
+            </a:ext>
+            <a:ext uri="{AF507438-7753-43E0-B8FC-AC1667EBCBE1}">
+              <a14:hiddenEffects xmlns:a14="http://schemas.microsoft.com/office/drawing/2010/main">
+                <a:effectLst>
+                  <a:outerShdw dist="35921" dir="2700000" algn="ctr" rotWithShape="0">
+                    <a:schemeClr val="bg2"/>
+                  </a:outerShdw>
+                </a:effectLst>
+              </a14:hiddenEffects>
+            </a:ext>
+          </a:extLst>
+        </p:spPr>
+      </p:pic>
+      <p:pic>
+        <p:nvPicPr>
+          <p:cNvPr id="1027" name="Picture 3"/>
+          <p:cNvPicPr>
+            <a:picLocks noChangeAspect="1" noChangeArrowheads="1"/>
+          </p:cNvPicPr>
+          <p:nvPr/>
+        </p:nvPicPr>
+        <p:blipFill rotWithShape="1">
+          <a:blip r:embed="rId4" cstate="print">
+            <a:extLst>
+              <a:ext uri="{BEBA8EAE-BF5A-486C-A8C5-ECC9F3942E4B}">
+                <a14:imgProps xmlns:a14="http://schemas.microsoft.com/office/drawing/2010/main">
+                  <a14:imgLayer r:embed="rId5">
+                    <a14:imgEffect>
+                      <a14:backgroundRemoval t="10000" b="90000" l="10000" r="99167">
+                        <a14:foregroundMark x1="86667" y1="50000" x2="99167" y2="45167"/>
+                      </a14:backgroundRemoval>
+                    </a14:imgEffect>
+                  </a14:imgLayer>
+                </a14:imgProps>
+              </a:ext>
+              <a:ext uri="{28A0092B-C50C-407E-A947-70E740481C1C}">
+                <a14:useLocalDpi xmlns:a14="http://schemas.microsoft.com/office/drawing/2010/main" val="0"/>
+              </a:ext>
+            </a:extLst>
+          </a:blip>
+          <a:srcRect l="25778" t="34477" b="12412"/>
+          <a:stretch/>
+        </p:blipFill>
+        <p:spPr bwMode="auto">
+          <a:xfrm rot="10800000">
+            <a:off x="3080448" y="5157192"/>
+            <a:ext cx="1625409" cy="1163092"/>
+          </a:xfrm>
+          <a:prstGeom prst="rect">
+            <a:avLst/>
+          </a:prstGeom>
+          <a:noFill/>
+          <a:ln>
+            <a:noFill/>
+          </a:ln>
+          <a:effectLst/>
+          <a:extLst>
+            <a:ext uri="{909E8E84-426E-40DD-AFC4-6F175D3DCCD1}">
+              <a14:hiddenFill xmlns:a14="http://schemas.microsoft.com/office/drawing/2010/main">
+                <a:solidFill>
+                  <a:schemeClr val="accent1"/>
+                </a:solidFill>
+              </a14:hiddenFill>
+            </a:ext>
+            <a:ext uri="{91240B29-F687-4F45-9708-019B960494DF}">
+              <a14:hiddenLine xmlns:a14="http://schemas.microsoft.com/office/drawing/2010/main" w="9525">
+                <a:solidFill>
+                  <a:schemeClr val="tx1"/>
+                </a:solidFill>
+                <a:miter lim="800000"/>
+                <a:headEnd/>
+                <a:tailEnd/>
+              </a14:hiddenLine>
+            </a:ext>
+            <a:ext uri="{AF507438-7753-43E0-B8FC-AC1667EBCBE1}">
+              <a14:hiddenEffects xmlns:a14="http://schemas.microsoft.com/office/drawing/2010/main">
+                <a:effectLst>
+                  <a:outerShdw dist="35921" dir="2700000" algn="ctr" rotWithShape="0">
+                    <a:schemeClr val="bg2"/>
+                  </a:outerShdw>
+                </a:effectLst>
+              </a14:hiddenEffects>
+            </a:ext>
+          </a:extLst>
+        </p:spPr>
+      </p:pic>
+      <p:sp>
+        <p:nvSpPr>
+          <p:cNvPr id="2" name="AutoShape 5" descr="ãwifi pngãçåçæå°çµæ"/>
+          <p:cNvSpPr>
+            <a:spLocks noChangeAspect="1" noChangeArrowheads="1"/>
+          </p:cNvSpPr>
+          <p:nvPr/>
+        </p:nvSpPr>
+        <p:spPr bwMode="auto">
+          <a:xfrm>
+            <a:off x="155575" y="-144463"/>
+            <a:ext cx="304800" cy="304801"/>
+          </a:xfrm>
+          <a:prstGeom prst="rect">
+            <a:avLst/>
+          </a:prstGeom>
+          <a:noFill/>
+          <a:extLst>
+            <a:ext uri="{909E8E84-426E-40DD-AFC4-6F175D3DCCD1}">
+              <a14:hiddenFill xmlns:a14="http://schemas.microsoft.com/office/drawing/2010/main">
+                <a:solidFill>
+                  <a:srgbClr val="FFFFFF"/>
+                </a:solidFill>
+              </a14:hiddenFill>
+            </a:ext>
+          </a:extLst>
+        </p:spPr>
+        <p:txBody>
+          <a:bodyPr vert="horz" wrap="square" lIns="91440" tIns="45720" rIns="91440" bIns="45720" numCol="1" anchor="t" anchorCtr="0" compatLnSpc="1">
+            <a:prstTxWarp prst="textNoShape">
+              <a:avLst/>
+            </a:prstTxWarp>
+          </a:bodyPr>
+          <a:lstStyle/>
+          <a:p>
+            <a:endParaRPr lang="zh-TW" altLang="en-US"/>
+          </a:p>
+        </p:txBody>
+      </p:sp>
+      <p:sp>
+        <p:nvSpPr>
+          <p:cNvPr id="3" name="AutoShape 7" descr="ãwifi pngãçåçæå°çµæ"/>
+          <p:cNvSpPr>
+            <a:spLocks noChangeAspect="1" noChangeArrowheads="1"/>
+          </p:cNvSpPr>
+          <p:nvPr/>
+        </p:nvSpPr>
+        <p:spPr bwMode="auto">
+          <a:xfrm>
+            <a:off x="307975" y="7937"/>
+            <a:ext cx="304800" cy="304801"/>
+          </a:xfrm>
+          <a:prstGeom prst="rect">
+            <a:avLst/>
+          </a:prstGeom>
+          <a:noFill/>
+          <a:extLst>
+            <a:ext uri="{909E8E84-426E-40DD-AFC4-6F175D3DCCD1}">
+              <a14:hiddenFill xmlns:a14="http://schemas.microsoft.com/office/drawing/2010/main">
+                <a:solidFill>
+                  <a:srgbClr val="FFFFFF"/>
+                </a:solidFill>
+              </a14:hiddenFill>
+            </a:ext>
+          </a:extLst>
+        </p:spPr>
+        <p:txBody>
+          <a:bodyPr vert="horz" wrap="square" lIns="91440" tIns="45720" rIns="91440" bIns="45720" numCol="1" anchor="t" anchorCtr="0" compatLnSpc="1">
+            <a:prstTxWarp prst="textNoShape">
+              <a:avLst/>
+            </a:prstTxWarp>
+          </a:bodyPr>
+          <a:lstStyle/>
+          <a:p>
+            <a:endParaRPr lang="zh-TW" altLang="en-US"/>
+          </a:p>
+        </p:txBody>
+      </p:sp>
+      <p:pic>
+        <p:nvPicPr>
+          <p:cNvPr id="1032" name="Picture 8"/>
+          <p:cNvPicPr>
+            <a:picLocks noChangeAspect="1" noChangeArrowheads="1"/>
+          </p:cNvPicPr>
+          <p:nvPr/>
+        </p:nvPicPr>
+        <p:blipFill>
+          <a:blip r:embed="rId6">
+            <a:extLst>
+              <a:ext uri="{BEBA8EAE-BF5A-486C-A8C5-ECC9F3942E4B}">
+                <a14:imgProps xmlns:a14="http://schemas.microsoft.com/office/drawing/2010/main">
+                  <a14:imgLayer r:embed="rId7">
+                    <a14:imgEffect>
+                      <a14:backgroundRemoval t="0" b="100000" l="9459" r="89865">
+                        <a14:foregroundMark x1="39865" y1="61988" x2="52027" y2="54971"/>
+                        <a14:foregroundMark x1="41216" y1="34503" x2="48311" y2="32164"/>
+                        <a14:foregroundMark x1="47973" y1="83626" x2="51689" y2="84795"/>
+                      </a14:backgroundRemoval>
+                    </a14:imgEffect>
+                  </a14:imgLayer>
+                </a14:imgProps>
+              </a:ext>
+              <a:ext uri="{28A0092B-C50C-407E-A947-70E740481C1C}">
+                <a14:useLocalDpi xmlns:a14="http://schemas.microsoft.com/office/drawing/2010/main" val="0"/>
+              </a:ext>
+            </a:extLst>
+          </a:blip>
+          <a:srcRect/>
+          <a:stretch>
+            <a:fillRect/>
+          </a:stretch>
+        </p:blipFill>
+        <p:spPr bwMode="auto">
+          <a:xfrm>
+            <a:off x="5364088" y="3645024"/>
+            <a:ext cx="1773993" cy="1024841"/>
+          </a:xfrm>
+          <a:prstGeom prst="rect">
+            <a:avLst/>
+          </a:prstGeom>
+          <a:noFill/>
+          <a:ln>
+            <a:noFill/>
+          </a:ln>
+          <a:effectLst/>
+          <a:extLst>
+            <a:ext uri="{909E8E84-426E-40DD-AFC4-6F175D3DCCD1}">
+              <a14:hiddenFill xmlns:a14="http://schemas.microsoft.com/office/drawing/2010/main">
+                <a:solidFill>
+                  <a:schemeClr val="accent1"/>
+                </a:solidFill>
+              </a14:hiddenFill>
+            </a:ext>
+            <a:ext uri="{91240B29-F687-4F45-9708-019B960494DF}">
+              <a14:hiddenLine xmlns:a14="http://schemas.microsoft.com/office/drawing/2010/main" w="9525">
+                <a:solidFill>
+                  <a:schemeClr val="tx1"/>
+                </a:solidFill>
+                <a:miter lim="800000"/>
+                <a:headEnd/>
+                <a:tailEnd/>
+              </a14:hiddenLine>
+            </a:ext>
+            <a:ext uri="{AF507438-7753-43E0-B8FC-AC1667EBCBE1}">
+              <a14:hiddenEffects xmlns:a14="http://schemas.microsoft.com/office/drawing/2010/main">
+                <a:effectLst>
+                  <a:outerShdw dist="35921" dir="2700000" algn="ctr" rotWithShape="0">
+                    <a:schemeClr val="bg2"/>
+                  </a:outerShdw>
+                </a:effectLst>
+              </a14:hiddenEffects>
+            </a:ext>
+          </a:extLst>
+        </p:spPr>
+      </p:pic>
+      <p:sp>
+        <p:nvSpPr>
+          <p:cNvPr id="4" name="文字方塊 3"/>
+          <p:cNvSpPr txBox="1"/>
+          <p:nvPr/>
+        </p:nvSpPr>
+        <p:spPr>
+          <a:xfrm>
+            <a:off x="4954940" y="3003334"/>
+            <a:ext cx="2592288" cy="369330"/>
+          </a:xfrm>
+          <a:prstGeom prst="rect">
+            <a:avLst/>
+          </a:prstGeom>
+          <a:noFill/>
+          <a:ln w="12700" cap="flat">
+            <a:noFill/>
+            <a:miter lim="400000"/>
+          </a:ln>
+          <a:effectLst/>
+          <a:sp3d/>
+        </p:spPr>
+        <p:style>
+          <a:lnRef idx="0">
+            <a:scrgbClr r="0" g="0" b="0"/>
+          </a:lnRef>
+          <a:fillRef idx="0">
+            <a:scrgbClr r="0" g="0" b="0"/>
+          </a:fillRef>
+          <a:effectRef idx="0">
+            <a:scrgbClr r="0" g="0" b="0"/>
+          </a:effectRef>
+          <a:fontRef idx="none"/>
+        </p:style>
+        <p:txBody>
+          <a:bodyPr rot="0" spcFirstLastPara="1" vertOverflow="overflow" horzOverflow="overflow" vert="horz" wrap="square" lIns="45719" tIns="45719" rIns="45719" bIns="45719" numCol="1" spcCol="38100" rtlCol="0" anchor="t">
+            <a:spAutoFit/>
+          </a:bodyPr>
+          <a:lstStyle/>
+          <a:p>
+            <a:pPr algn="ctr"/>
+            <a:r>
+              <a:rPr lang="zh-TW" altLang="en-US" b="1" dirty="0">
+                <a:latin typeface="微軟正黑體" pitchFamily="34" charset="-120"/>
+                <a:ea typeface="微軟正黑體" pitchFamily="34" charset="-120"/>
+              </a:rPr>
+              <a:t>熱點</a:t>
+            </a:r>
+            <a:r>
+              <a:rPr lang="en-US" altLang="zh-TW" b="1" dirty="0">
+                <a:latin typeface="微軟正黑體" pitchFamily="34" charset="-120"/>
+                <a:ea typeface="微軟正黑體" pitchFamily="34" charset="-120"/>
+              </a:rPr>
+              <a:t>AP</a:t>
+            </a:r>
+            <a:endParaRPr lang="zh-TW" altLang="en-US" b="1" dirty="0">
+              <a:latin typeface="微軟正黑體" pitchFamily="34" charset="-120"/>
+              <a:ea typeface="微軟正黑體" pitchFamily="34" charset="-120"/>
+            </a:endParaRPr>
+          </a:p>
+        </p:txBody>
+      </p:sp>
+      <p:sp>
+        <p:nvSpPr>
+          <p:cNvPr id="5" name="矩形 4"/>
+          <p:cNvSpPr/>
+          <p:nvPr/>
+        </p:nvSpPr>
+        <p:spPr>
+          <a:xfrm>
+            <a:off x="2195736" y="5318125"/>
+            <a:ext cx="1107997" cy="369332"/>
+          </a:xfrm>
+          <a:prstGeom prst="rect">
+            <a:avLst/>
+          </a:prstGeom>
+        </p:spPr>
+        <p:txBody>
+          <a:bodyPr wrap="none">
+            <a:spAutoFit/>
+          </a:bodyPr>
+          <a:lstStyle/>
+          <a:p>
+            <a:pPr algn="ctr"/>
+            <a:r>
+              <a:rPr lang="zh-TW" altLang="en-US" b="1" dirty="0" smtClean="0">
+                <a:latin typeface="微軟正黑體" pitchFamily="34" charset="-120"/>
+                <a:ea typeface="微軟正黑體" pitchFamily="34" charset="-120"/>
+              </a:rPr>
+              <a:t>接</a:t>
+            </a:r>
+            <a:r>
+              <a:rPr lang="zh-TW" altLang="en-US" b="1" dirty="0">
+                <a:latin typeface="微軟正黑體" pitchFamily="34" charset="-120"/>
+                <a:ea typeface="微軟正黑體" pitchFamily="34" charset="-120"/>
+              </a:rPr>
+              <a:t>分享器</a:t>
+            </a:r>
+            <a:endParaRPr lang="zh-TW" altLang="en-US" b="1" dirty="0">
+              <a:latin typeface="微軟正黑體" pitchFamily="34" charset="-120"/>
+              <a:ea typeface="微軟正黑體" pitchFamily="34" charset="-120"/>
+            </a:endParaRPr>
+          </a:p>
+        </p:txBody>
+      </p:sp>
+      <p:sp>
+        <p:nvSpPr>
+          <p:cNvPr id="6" name="文字方塊 5"/>
+          <p:cNvSpPr txBox="1"/>
+          <p:nvPr/>
+        </p:nvSpPr>
+        <p:spPr>
+          <a:xfrm>
+            <a:off x="460374" y="509874"/>
+            <a:ext cx="5551785" cy="369330"/>
+          </a:xfrm>
+          <a:prstGeom prst="rect">
+            <a:avLst/>
+          </a:prstGeom>
+          <a:noFill/>
+          <a:ln w="12700" cap="flat">
+            <a:noFill/>
+            <a:miter lim="400000"/>
+          </a:ln>
+          <a:effectLst/>
+          <a:sp3d/>
+        </p:spPr>
+        <p:style>
+          <a:lnRef idx="0">
+            <a:scrgbClr r="0" g="0" b="0"/>
+          </a:lnRef>
+          <a:fillRef idx="0">
+            <a:scrgbClr r="0" g="0" b="0"/>
+          </a:fillRef>
+          <a:effectRef idx="0">
+            <a:scrgbClr r="0" g="0" b="0"/>
+          </a:effectRef>
+          <a:fontRef idx="none"/>
+        </p:style>
+        <p:txBody>
+          <a:bodyPr rot="0" spcFirstLastPara="1" vertOverflow="overflow" horzOverflow="overflow" vert="horz" wrap="square" lIns="45719" tIns="45719" rIns="45719" bIns="45719" numCol="1" spcCol="38100" rtlCol="0" anchor="t">
+            <a:spAutoFit/>
+          </a:bodyPr>
+          <a:lstStyle/>
+          <a:p>
+            <a:pPr marL="0" marR="0" indent="0" algn="ctr" defTabSz="914400" rtl="0" fontAlgn="auto" latinLnBrk="0" hangingPunct="0">
+              <a:lnSpc>
+                <a:spcPct val="100000"/>
+              </a:lnSpc>
+              <a:spcBef>
+                <a:spcPts val="0"/>
+              </a:spcBef>
+              <a:spcAft>
+                <a:spcPts val="0"/>
+              </a:spcAft>
+              <a:buClrTx/>
+              <a:buSzTx/>
+              <a:buFontTx/>
+              <a:buNone/>
+              <a:tabLst/>
+            </a:pPr>
+            <a:r>
+              <a:rPr kumimoji="0" lang="zh-TW" altLang="en-US" sz="1800" b="1" i="0" u="none" strike="noStrike" cap="none" spc="0" normalizeH="0" baseline="0" dirty="0" smtClean="0">
+                <a:ln>
+                  <a:noFill/>
+                </a:ln>
+                <a:solidFill>
+                  <a:srgbClr val="FF0000"/>
+                </a:solidFill>
+                <a:effectLst/>
+                <a:uFillTx/>
+                <a:latin typeface="微軟正黑體" pitchFamily="34" charset="-120"/>
+                <a:ea typeface="微軟正黑體" pitchFamily="34" charset="-120"/>
+                <a:sym typeface="Arial"/>
+              </a:rPr>
+              <a:t>快速設定</a:t>
+            </a:r>
+            <a:r>
+              <a:rPr kumimoji="0" lang="en-US" altLang="zh-TW" sz="1800" b="1" i="0" u="none" strike="noStrike" cap="none" spc="0" normalizeH="0" baseline="0" dirty="0" smtClean="0">
+                <a:ln>
+                  <a:noFill/>
+                </a:ln>
+                <a:solidFill>
+                  <a:srgbClr val="FF0000"/>
+                </a:solidFill>
+                <a:effectLst/>
+                <a:uFillTx/>
+                <a:latin typeface="微軟正黑體" pitchFamily="34" charset="-120"/>
+                <a:ea typeface="微軟正黑體" pitchFamily="34" charset="-120"/>
+                <a:sym typeface="Arial"/>
+              </a:rPr>
+              <a:t>-</a:t>
+            </a:r>
+            <a:r>
+              <a:rPr kumimoji="0" lang="zh-TW" altLang="en-US" sz="1800" b="1" i="0" u="none" strike="noStrike" cap="none" spc="0" normalizeH="0" baseline="0" dirty="0" smtClean="0">
+                <a:ln>
+                  <a:noFill/>
+                </a:ln>
+                <a:solidFill>
+                  <a:srgbClr val="FF0000"/>
+                </a:solidFill>
+                <a:effectLst/>
+                <a:uFillTx/>
+                <a:latin typeface="微軟正黑體" pitchFamily="34" charset="-120"/>
+                <a:ea typeface="微軟正黑體" pitchFamily="34" charset="-120"/>
+                <a:sym typeface="Arial"/>
+              </a:rPr>
+              <a:t>可參考</a:t>
+            </a:r>
+            <a:r>
+              <a:rPr kumimoji="0" lang="en-US" altLang="zh-TW" sz="1800" b="1" i="0" u="none" strike="noStrike" cap="none" spc="0" normalizeH="0" baseline="0" dirty="0" err="1" smtClean="0">
+                <a:ln>
+                  <a:noFill/>
+                </a:ln>
+                <a:solidFill>
+                  <a:srgbClr val="FF0000"/>
+                </a:solidFill>
+                <a:effectLst/>
+                <a:uFillTx/>
+                <a:latin typeface="微軟正黑體" pitchFamily="34" charset="-120"/>
+                <a:ea typeface="微軟正黑體" pitchFamily="34" charset="-120"/>
+                <a:sym typeface="Arial"/>
+              </a:rPr>
+              <a:t>ppt</a:t>
+            </a:r>
+            <a:r>
+              <a:rPr kumimoji="0" lang="en-US" altLang="zh-TW" sz="1800" b="1" i="0" u="none" strike="noStrike" cap="none" spc="0" normalizeH="0" baseline="0" dirty="0" smtClean="0">
+                <a:ln>
+                  <a:noFill/>
+                </a:ln>
+                <a:solidFill>
+                  <a:srgbClr val="FF0000"/>
+                </a:solidFill>
+                <a:effectLst/>
+                <a:uFillTx/>
+                <a:latin typeface="微軟正黑體" pitchFamily="34" charset="-120"/>
+                <a:ea typeface="微軟正黑體" pitchFamily="34" charset="-120"/>
+                <a:sym typeface="Arial"/>
+              </a:rPr>
+              <a:t> </a:t>
+            </a:r>
+            <a:r>
+              <a:rPr kumimoji="0" lang="zh-TW" altLang="en-US" sz="1800" b="1" i="0" u="none" strike="noStrike" cap="none" spc="0" normalizeH="0" baseline="0" dirty="0" smtClean="0">
+                <a:ln>
+                  <a:noFill/>
+                </a:ln>
+                <a:solidFill>
+                  <a:srgbClr val="FF0000"/>
+                </a:solidFill>
+                <a:effectLst/>
+                <a:uFillTx/>
+                <a:latin typeface="微軟正黑體" pitchFamily="34" charset="-120"/>
+                <a:ea typeface="微軟正黑體" pitchFamily="34" charset="-120"/>
+                <a:sym typeface="Arial"/>
+              </a:rPr>
+              <a:t>最後</a:t>
+            </a:r>
+            <a:r>
+              <a:rPr kumimoji="0" lang="en-US" altLang="zh-TW" sz="1800" b="1" i="0" u="none" strike="noStrike" cap="none" spc="0" normalizeH="0" baseline="0" dirty="0" smtClean="0">
+                <a:ln>
+                  <a:noFill/>
+                </a:ln>
+                <a:solidFill>
+                  <a:srgbClr val="FF0000"/>
+                </a:solidFill>
+                <a:effectLst/>
+                <a:uFillTx/>
+                <a:latin typeface="微軟正黑體" pitchFamily="34" charset="-120"/>
+                <a:ea typeface="微軟正黑體" pitchFamily="34" charset="-120"/>
+                <a:sym typeface="Arial"/>
+              </a:rPr>
+              <a:t>2</a:t>
+            </a:r>
+            <a:r>
+              <a:rPr kumimoji="0" lang="zh-TW" altLang="en-US" sz="1800" b="1" i="0" u="none" strike="noStrike" cap="none" spc="0" normalizeH="0" baseline="0" dirty="0" smtClean="0">
+                <a:ln>
+                  <a:noFill/>
+                </a:ln>
+                <a:solidFill>
+                  <a:srgbClr val="FF0000"/>
+                </a:solidFill>
+                <a:effectLst/>
+                <a:uFillTx/>
+                <a:latin typeface="微軟正黑體" pitchFamily="34" charset="-120"/>
+                <a:ea typeface="微軟正黑體" pitchFamily="34" charset="-120"/>
+                <a:sym typeface="Arial"/>
+              </a:rPr>
+              <a:t>頁，不需要自己設定</a:t>
+            </a:r>
+            <a:endParaRPr kumimoji="0" lang="zh-TW" altLang="en-US" sz="1800" b="1" i="0" u="none" strike="noStrike" cap="none" spc="0" normalizeH="0" baseline="0" dirty="0">
+              <a:ln>
+                <a:noFill/>
+              </a:ln>
+              <a:solidFill>
+                <a:srgbClr val="FF0000"/>
+              </a:solidFill>
+              <a:effectLst/>
+              <a:uFillTx/>
+              <a:latin typeface="微軟正黑體" pitchFamily="34" charset="-120"/>
+              <a:ea typeface="微軟正黑體" pitchFamily="34" charset="-120"/>
+              <a:sym typeface="Arial"/>
+            </a:endParaRPr>
           </a:p>
         </p:txBody>
       </p:sp>
@@ -4982,8 +5589,8 @@
         </p:nvSpPr>
         <p:spPr>
           <a:xfrm>
-            <a:off x="457200" y="482917"/>
-            <a:ext cx="7620000" cy="726441"/>
+            <a:off x="457200" y="522972"/>
+            <a:ext cx="7620000" cy="646331"/>
           </a:xfrm>
           <a:prstGeom prst="rect">
             <a:avLst/>
@@ -4993,7 +5600,7 @@
           </a:ln>
           <a:extLst>
             <a:ext uri="{C572A759-6A51-4108-AA02-DFA0A04FC94B}">
-              <ma14:wrappingTextBoxFlag xmlns="" xmlns:ma14="http://schemas.microsoft.com/office/mac/drawingml/2011/main" val="1"/>
+              <ma14:wrappingTextBoxFlag xmlns:ma14="http://schemas.microsoft.com/office/mac/drawingml/2011/main" xmlns="" val="1"/>
             </a:ext>
           </a:extLst>
         </p:spPr>
@@ -5016,6 +5623,11 @@
           </a:lstStyle>
           <a:p>
             <a:r>
+              <a:rPr dirty="0">
+                <a:solidFill>
+                  <a:schemeClr val="tx1"/>
+                </a:solidFill>
+              </a:rPr>
               <a:t>Routing 將eth0 流量轉至wlan0</a:t>
             </a:r>
           </a:p>
@@ -5040,7 +5652,7 @@
           </a:ln>
           <a:extLst>
             <a:ext uri="{C572A759-6A51-4108-AA02-DFA0A04FC94B}">
-              <ma14:wrappingTextBoxFlag xmlns="" xmlns:ma14="http://schemas.microsoft.com/office/mac/drawingml/2011/main" val="1"/>
+              <ma14:wrappingTextBoxFlag xmlns:ma14="http://schemas.microsoft.com/office/mac/drawingml/2011/main" xmlns="" val="1"/>
             </a:ext>
           </a:extLst>
         </p:spPr>
@@ -5397,8 +6009,8 @@
         </p:nvSpPr>
         <p:spPr>
           <a:xfrm>
-            <a:off x="457200" y="451167"/>
-            <a:ext cx="7620000" cy="789941"/>
+            <a:off x="457200" y="446028"/>
+            <a:ext cx="7620000" cy="800219"/>
           </a:xfrm>
           <a:prstGeom prst="rect">
             <a:avLst/>
@@ -5408,7 +6020,7 @@
           </a:ln>
           <a:extLst>
             <a:ext uri="{C572A759-6A51-4108-AA02-DFA0A04FC94B}">
-              <ma14:wrappingTextBoxFlag xmlns="" xmlns:ma14="http://schemas.microsoft.com/office/mac/drawingml/2011/main" val="1"/>
+              <ma14:wrappingTextBoxFlag xmlns:ma14="http://schemas.microsoft.com/office/mac/drawingml/2011/main" xmlns="" val="1"/>
             </a:ext>
           </a:extLst>
         </p:spPr>
@@ -5431,8 +6043,50 @@
           </a:lstStyle>
           <a:p>
             <a:r>
-              <a:t>nano  /etc/rc.local</a:t>
-            </a:r>
+              <a:rPr dirty="0" err="1">
+                <a:solidFill>
+                  <a:schemeClr val="tx1"/>
+                </a:solidFill>
+              </a:rPr>
+              <a:t>nano</a:t>
+            </a:r>
+            <a:r>
+              <a:rPr dirty="0">
+                <a:solidFill>
+                  <a:schemeClr val="tx1"/>
+                </a:solidFill>
+              </a:rPr>
+              <a:t>  /</a:t>
+            </a:r>
+            <a:r>
+              <a:rPr dirty="0" err="1">
+                <a:solidFill>
+                  <a:schemeClr val="tx1"/>
+                </a:solidFill>
+              </a:rPr>
+              <a:t>etc</a:t>
+            </a:r>
+            <a:r>
+              <a:rPr dirty="0">
+                <a:solidFill>
+                  <a:schemeClr val="tx1"/>
+                </a:solidFill>
+              </a:rPr>
+              <a:t>/</a:t>
+            </a:r>
+            <a:r>
+              <a:rPr dirty="0" err="1">
+                <a:solidFill>
+                  <a:schemeClr val="tx1"/>
+                </a:solidFill>
+              </a:rPr>
+              <a:t>rc.local</a:t>
+            </a:r>
+            <a:endParaRPr dirty="0">
+              <a:solidFill>
+                <a:schemeClr val="tx1"/>
+              </a:solidFill>
+            </a:endParaRPr>
           </a:p>
         </p:txBody>
       </p:sp>
@@ -5455,7 +6109,7 @@
           </a:ln>
           <a:extLst>
             <a:ext uri="{C572A759-6A51-4108-AA02-DFA0A04FC94B}">
-              <ma14:wrappingTextBoxFlag xmlns="" xmlns:ma14="http://schemas.microsoft.com/office/mac/drawingml/2011/main" val="1"/>
+              <ma14:wrappingTextBoxFlag xmlns:ma14="http://schemas.microsoft.com/office/mac/drawingml/2011/main" xmlns="" val="1"/>
             </a:ext>
           </a:extLst>
         </p:spPr>
@@ -5627,7 +6281,7 @@
           </a:ln>
           <a:extLst>
             <a:ext uri="{C572A759-6A51-4108-AA02-DFA0A04FC94B}">
-              <ma14:wrappingTextBoxFlag xmlns="" xmlns:ma14="http://schemas.microsoft.com/office/mac/drawingml/2011/main" val="1"/>
+              <ma14:wrappingTextBoxFlag xmlns:ma14="http://schemas.microsoft.com/office/mac/drawingml/2011/main" xmlns="" val="1"/>
             </a:ext>
           </a:extLst>
         </p:spPr>
@@ -5658,9 +6312,41 @@
               </a:defRPr>
             </a:pPr>
             <a:r>
-              <a:t>sudo service hostapd start </a:t>
-            </a:r>
-            <a:endParaRPr>
+              <a:rPr dirty="0" err="1">
+                <a:solidFill>
+                  <a:schemeClr val="tx1"/>
+                </a:solidFill>
+              </a:rPr>
+              <a:t>sudo</a:t>
+            </a:r>
+            <a:r>
+              <a:rPr dirty="0">
+                <a:solidFill>
+                  <a:schemeClr val="tx1"/>
+                </a:solidFill>
+              </a:rPr>
+              <a:t> service </a:t>
+            </a:r>
+            <a:r>
+              <a:rPr dirty="0" err="1">
+                <a:solidFill>
+                  <a:schemeClr val="tx1"/>
+                </a:solidFill>
+              </a:rPr>
+              <a:t>hostapd</a:t>
+            </a:r>
+            <a:r>
+              <a:rPr dirty="0">
+                <a:solidFill>
+                  <a:schemeClr val="tx1"/>
+                </a:solidFill>
+              </a:rPr>
+              <a:t> start </a:t>
+            </a:r>
+            <a:endParaRPr dirty="0">
+              <a:solidFill>
+                <a:schemeClr val="tx1"/>
+              </a:solidFill>
               <a:latin typeface="Calibri"/>
               <a:ea typeface="Calibri"/>
               <a:cs typeface="Calibri"/>
@@ -5689,9 +6375,41 @@
               </a:defRPr>
             </a:pPr>
             <a:r>
-              <a:t>sudo service dnsmasq start </a:t>
-            </a:r>
-            <a:endParaRPr>
+              <a:rPr dirty="0" err="1">
+                <a:solidFill>
+                  <a:schemeClr val="tx1"/>
+                </a:solidFill>
+              </a:rPr>
+              <a:t>sudo</a:t>
+            </a:r>
+            <a:r>
+              <a:rPr dirty="0">
+                <a:solidFill>
+                  <a:schemeClr val="tx1"/>
+                </a:solidFill>
+              </a:rPr>
+              <a:t> service </a:t>
+            </a:r>
+            <a:r>
+              <a:rPr dirty="0" err="1">
+                <a:solidFill>
+                  <a:schemeClr val="tx1"/>
+                </a:solidFill>
+              </a:rPr>
+              <a:t>dnsmasq</a:t>
+            </a:r>
+            <a:r>
+              <a:rPr dirty="0">
+                <a:solidFill>
+                  <a:schemeClr val="tx1"/>
+                </a:solidFill>
+              </a:rPr>
+              <a:t> start </a:t>
+            </a:r>
+            <a:endParaRPr dirty="0">
+              <a:solidFill>
+                <a:schemeClr val="tx1"/>
+              </a:solidFill>
               <a:latin typeface="Calibri"/>
               <a:ea typeface="Calibri"/>
               <a:cs typeface="Calibri"/>
@@ -5720,9 +6438,25 @@
               </a:defRPr>
             </a:pPr>
             <a:r>
-              <a:t>sudo reboot</a:t>
-            </a:r>
-            <a:endParaRPr>
+              <a:rPr dirty="0" err="1">
+                <a:solidFill>
+                  <a:schemeClr val="tx1"/>
+                </a:solidFill>
+              </a:rPr>
+              <a:t>sudo</a:t>
+            </a:r>
+            <a:r>
+              <a:rPr dirty="0">
+                <a:solidFill>
+                  <a:schemeClr val="tx1"/>
+                </a:solidFill>
+              </a:rPr>
+              <a:t> reboot</a:t>
+            </a:r>
+            <a:endParaRPr dirty="0">
+              <a:solidFill>
+                <a:schemeClr val="tx1"/>
+              </a:solidFill>
               <a:latin typeface="Calibri"/>
               <a:ea typeface="Calibri"/>
               <a:cs typeface="Calibri"/>
@@ -5730,10 +6464,12 @@
             </a:endParaRPr>
           </a:p>
           <a:p>
-            <a:pPr marL="227012" indent="-111125">
+            <a:pPr marL="458787" indent="-342900">
               <a:spcBef>
                 <a:spcPts val="400"/>
               </a:spcBef>
+              <a:buFont typeface="Arial" pitchFamily="34" charset="0"/>
+              <a:buChar char="•"/>
               <a:defRPr sz="2200">
                 <a:solidFill>
                   <a:srgbClr val="2F2B20"/>
@@ -5744,7 +6480,10 @@
                 <a:sym typeface="Calibri"/>
               </a:defRPr>
             </a:pPr>
-            <a:endParaRPr>
+            <a:endParaRPr dirty="0">
+              <a:solidFill>
+                <a:schemeClr val="tx1"/>
+              </a:solidFill>
               <a:latin typeface="Calibri"/>
               <a:ea typeface="Calibri"/>
               <a:cs typeface="Calibri"/>
@@ -5773,8 +6512,18 @@
               </a:defRPr>
             </a:pPr>
             <a:r>
+              <a:rPr dirty="0" err="1">
+                <a:solidFill>
+                  <a:schemeClr val="tx1"/>
+                </a:solidFill>
+              </a:rPr>
               <a:t>重啟服務，重開機</a:t>
             </a:r>
+            <a:endParaRPr dirty="0">
+              <a:solidFill>
+                <a:schemeClr val="tx1"/>
+              </a:solidFill>
+            </a:endParaRPr>
           </a:p>
         </p:txBody>
       </p:sp>
@@ -5830,7 +6579,7 @@
           </a:ln>
           <a:extLst>
             <a:ext uri="{C572A759-6A51-4108-AA02-DFA0A04FC94B}">
-              <ma14:wrappingTextBoxFlag xmlns="" xmlns:ma14="http://schemas.microsoft.com/office/mac/drawingml/2011/main" val="1"/>
+              <ma14:wrappingTextBoxFlag xmlns:ma14="http://schemas.microsoft.com/office/mac/drawingml/2011/main" xmlns="" val="1"/>
             </a:ext>
           </a:extLst>
         </p:spPr>
@@ -6055,7 +6804,7 @@
         <p:spPr>
           <a:xfrm>
             <a:off x="457200" y="1600200"/>
-            <a:ext cx="7620000" cy="1691640"/>
+            <a:ext cx="7620000" cy="1723549"/>
           </a:xfrm>
           <a:prstGeom prst="rect">
             <a:avLst/>
@@ -6065,7 +6814,7 @@
           </a:ln>
           <a:extLst>
             <a:ext uri="{C572A759-6A51-4108-AA02-DFA0A04FC94B}">
-              <ma14:wrappingTextBoxFlag xmlns="" xmlns:ma14="http://schemas.microsoft.com/office/mac/drawingml/2011/main" val="1"/>
+              <ma14:wrappingTextBoxFlag xmlns:ma14="http://schemas.microsoft.com/office/mac/drawingml/2011/main" xmlns="" val="1"/>
             </a:ext>
           </a:extLst>
         </p:spPr>
@@ -6090,9 +6839,17 @@
               </a:defRPr>
             </a:pPr>
             <a:r>
+              <a:rPr dirty="0">
+                <a:solidFill>
+                  <a:schemeClr val="tx1"/>
+                </a:solidFill>
+              </a:rPr>
               <a:t>Mode:2</a:t>
             </a:r>
-            <a:endParaRPr>
+            <a:endParaRPr dirty="0">
+              <a:solidFill>
+                <a:schemeClr val="tx1"/>
+              </a:solidFill>
               <a:latin typeface="Calibri"/>
               <a:ea typeface="Calibri"/>
               <a:cs typeface="Calibri"/>
@@ -6115,9 +6872,25 @@
               </a:defRPr>
             </a:pPr>
             <a:r>
-              <a:t>Wifi -&gt;wan</a:t>
-            </a:r>
-            <a:endParaRPr>
+              <a:rPr dirty="0" err="1">
+                <a:solidFill>
+                  <a:schemeClr val="tx1"/>
+                </a:solidFill>
+              </a:rPr>
+              <a:t>Wifi</a:t>
+            </a:r>
+            <a:r>
+              <a:rPr dirty="0">
+                <a:solidFill>
+                  <a:schemeClr val="tx1"/>
+                </a:solidFill>
+              </a:rPr>
+              <a:t> -&gt;wan</a:t>
+            </a:r>
+            <a:endParaRPr dirty="0">
+              <a:solidFill>
+                <a:schemeClr val="tx1"/>
+              </a:solidFill>
               <a:latin typeface="Calibri"/>
               <a:ea typeface="Calibri"/>
               <a:cs typeface="Calibri"/>
@@ -6140,8 +6913,341 @@
               </a:defRPr>
             </a:pPr>
             <a:r>
+              <a:rPr dirty="0">
+                <a:solidFill>
+                  <a:schemeClr val="tx1"/>
+                </a:solidFill>
+              </a:rPr>
               <a:t>LAN-&gt;AP for eth0</a:t>
             </a:r>
+          </a:p>
+        </p:txBody>
+      </p:sp>
+      <p:pic>
+        <p:nvPicPr>
+          <p:cNvPr id="3" name="Picture 2"/>
+          <p:cNvPicPr>
+            <a:picLocks noChangeAspect="1" noChangeArrowheads="1"/>
+          </p:cNvPicPr>
+          <p:nvPr/>
+        </p:nvPicPr>
+        <p:blipFill>
+          <a:blip r:embed="rId2">
+            <a:extLst>
+              <a:ext uri="{BEBA8EAE-BF5A-486C-A8C5-ECC9F3942E4B}">
+                <a14:imgProps xmlns:a14="http://schemas.microsoft.com/office/drawing/2010/main">
+                  <a14:imgLayer r:embed="rId3">
+                    <a14:imgEffect>
+                      <a14:backgroundRemoval t="5233" b="94767" l="10239" r="89761"/>
+                    </a14:imgEffect>
+                  </a14:imgLayer>
+                </a14:imgProps>
+              </a:ext>
+              <a:ext uri="{28A0092B-C50C-407E-A947-70E740481C1C}">
+                <a14:useLocalDpi xmlns:a14="http://schemas.microsoft.com/office/drawing/2010/main" val="0"/>
+              </a:ext>
+            </a:extLst>
+          </a:blip>
+          <a:srcRect/>
+          <a:stretch>
+            <a:fillRect/>
+          </a:stretch>
+        </p:blipFill>
+        <p:spPr bwMode="auto">
+          <a:xfrm>
+            <a:off x="4139952" y="4498975"/>
+            <a:ext cx="2790825" cy="1638300"/>
+          </a:xfrm>
+          <a:prstGeom prst="rect">
+            <a:avLst/>
+          </a:prstGeom>
+          <a:noFill/>
+          <a:ln>
+            <a:noFill/>
+          </a:ln>
+          <a:effectLst/>
+          <a:extLst>
+            <a:ext uri="{909E8E84-426E-40DD-AFC4-6F175D3DCCD1}">
+              <a14:hiddenFill xmlns:a14="http://schemas.microsoft.com/office/drawing/2010/main">
+                <a:solidFill>
+                  <a:schemeClr val="accent1"/>
+                </a:solidFill>
+              </a14:hiddenFill>
+            </a:ext>
+            <a:ext uri="{91240B29-F687-4F45-9708-019B960494DF}">
+              <a14:hiddenLine xmlns:a14="http://schemas.microsoft.com/office/drawing/2010/main" w="9525">
+                <a:solidFill>
+                  <a:schemeClr val="tx1"/>
+                </a:solidFill>
+                <a:miter lim="800000"/>
+                <a:headEnd/>
+                <a:tailEnd/>
+              </a14:hiddenLine>
+            </a:ext>
+            <a:ext uri="{AF507438-7753-43E0-B8FC-AC1667EBCBE1}">
+              <a14:hiddenEffects xmlns:a14="http://schemas.microsoft.com/office/drawing/2010/main">
+                <a:effectLst>
+                  <a:outerShdw dist="35921" dir="2700000" algn="ctr" rotWithShape="0">
+                    <a:schemeClr val="bg2"/>
+                  </a:outerShdw>
+                </a:effectLst>
+              </a14:hiddenEffects>
+            </a:ext>
+          </a:extLst>
+        </p:spPr>
+      </p:pic>
+      <p:pic>
+        <p:nvPicPr>
+          <p:cNvPr id="4" name="Picture 3"/>
+          <p:cNvPicPr>
+            <a:picLocks noChangeAspect="1" noChangeArrowheads="1"/>
+          </p:cNvPicPr>
+          <p:nvPr/>
+        </p:nvPicPr>
+        <p:blipFill rotWithShape="1">
+          <a:blip r:embed="rId4" cstate="print">
+            <a:extLst>
+              <a:ext uri="{BEBA8EAE-BF5A-486C-A8C5-ECC9F3942E4B}">
+                <a14:imgProps xmlns:a14="http://schemas.microsoft.com/office/drawing/2010/main">
+                  <a14:imgLayer r:embed="rId5">
+                    <a14:imgEffect>
+                      <a14:backgroundRemoval t="10000" b="90000" l="10000" r="99167">
+                        <a14:foregroundMark x1="86667" y1="50000" x2="99167" y2="45167"/>
+                      </a14:backgroundRemoval>
+                    </a14:imgEffect>
+                  </a14:imgLayer>
+                </a14:imgProps>
+              </a:ext>
+              <a:ext uri="{28A0092B-C50C-407E-A947-70E740481C1C}">
+                <a14:useLocalDpi xmlns:a14="http://schemas.microsoft.com/office/drawing/2010/main" val="0"/>
+              </a:ext>
+            </a:extLst>
+          </a:blip>
+          <a:srcRect l="25778" t="34477" b="12412"/>
+          <a:stretch/>
+        </p:blipFill>
+        <p:spPr bwMode="auto">
+          <a:xfrm rot="900000">
+            <a:off x="2885136" y="5203704"/>
+            <a:ext cx="1625409" cy="1163092"/>
+          </a:xfrm>
+          <a:prstGeom prst="rect">
+            <a:avLst/>
+          </a:prstGeom>
+          <a:noFill/>
+          <a:ln>
+            <a:noFill/>
+          </a:ln>
+          <a:effectLst/>
+          <a:extLst>
+            <a:ext uri="{909E8E84-426E-40DD-AFC4-6F175D3DCCD1}">
+              <a14:hiddenFill xmlns:a14="http://schemas.microsoft.com/office/drawing/2010/main">
+                <a:solidFill>
+                  <a:schemeClr val="accent1"/>
+                </a:solidFill>
+              </a14:hiddenFill>
+            </a:ext>
+            <a:ext uri="{91240B29-F687-4F45-9708-019B960494DF}">
+              <a14:hiddenLine xmlns:a14="http://schemas.microsoft.com/office/drawing/2010/main" w="9525">
+                <a:solidFill>
+                  <a:schemeClr val="tx1"/>
+                </a:solidFill>
+                <a:miter lim="800000"/>
+                <a:headEnd/>
+                <a:tailEnd/>
+              </a14:hiddenLine>
+            </a:ext>
+            <a:ext uri="{AF507438-7753-43E0-B8FC-AC1667EBCBE1}">
+              <a14:hiddenEffects xmlns:a14="http://schemas.microsoft.com/office/drawing/2010/main">
+                <a:effectLst>
+                  <a:outerShdw dist="35921" dir="2700000" algn="ctr" rotWithShape="0">
+                    <a:schemeClr val="bg2"/>
+                  </a:outerShdw>
+                </a:effectLst>
+              </a14:hiddenEffects>
+            </a:ext>
+          </a:extLst>
+        </p:spPr>
+      </p:pic>
+      <p:pic>
+        <p:nvPicPr>
+          <p:cNvPr id="5" name="Picture 8"/>
+          <p:cNvPicPr>
+            <a:picLocks noChangeAspect="1" noChangeArrowheads="1"/>
+          </p:cNvPicPr>
+          <p:nvPr/>
+        </p:nvPicPr>
+        <p:blipFill>
+          <a:blip r:embed="rId6">
+            <a:extLst>
+              <a:ext uri="{BEBA8EAE-BF5A-486C-A8C5-ECC9F3942E4B}">
+                <a14:imgProps xmlns:a14="http://schemas.microsoft.com/office/drawing/2010/main">
+                  <a14:imgLayer r:embed="rId7">
+                    <a14:imgEffect>
+                      <a14:backgroundRemoval t="0" b="100000" l="9459" r="89865">
+                        <a14:foregroundMark x1="39865" y1="61988" x2="52027" y2="54971"/>
+                        <a14:foregroundMark x1="41216" y1="34503" x2="48311" y2="32164"/>
+                        <a14:foregroundMark x1="47973" y1="83626" x2="51689" y2="84795"/>
+                      </a14:backgroundRemoval>
+                    </a14:imgEffect>
+                  </a14:imgLayer>
+                </a14:imgProps>
+              </a:ext>
+              <a:ext uri="{28A0092B-C50C-407E-A947-70E740481C1C}">
+                <a14:useLocalDpi xmlns:a14="http://schemas.microsoft.com/office/drawing/2010/main" val="0"/>
+              </a:ext>
+            </a:extLst>
+          </a:blip>
+          <a:srcRect/>
+          <a:stretch>
+            <a:fillRect/>
+          </a:stretch>
+        </p:blipFill>
+        <p:spPr bwMode="auto">
+          <a:xfrm>
+            <a:off x="5364088" y="3645024"/>
+            <a:ext cx="1773993" cy="1024841"/>
+          </a:xfrm>
+          <a:prstGeom prst="rect">
+            <a:avLst/>
+          </a:prstGeom>
+          <a:noFill/>
+          <a:ln>
+            <a:noFill/>
+          </a:ln>
+          <a:effectLst/>
+          <a:extLst>
+            <a:ext uri="{909E8E84-426E-40DD-AFC4-6F175D3DCCD1}">
+              <a14:hiddenFill xmlns:a14="http://schemas.microsoft.com/office/drawing/2010/main">
+                <a:solidFill>
+                  <a:schemeClr val="accent1"/>
+                </a:solidFill>
+              </a14:hiddenFill>
+            </a:ext>
+            <a:ext uri="{91240B29-F687-4F45-9708-019B960494DF}">
+              <a14:hiddenLine xmlns:a14="http://schemas.microsoft.com/office/drawing/2010/main" w="9525">
+                <a:solidFill>
+                  <a:schemeClr val="tx1"/>
+                </a:solidFill>
+                <a:miter lim="800000"/>
+                <a:headEnd/>
+                <a:tailEnd/>
+              </a14:hiddenLine>
+            </a:ext>
+            <a:ext uri="{AF507438-7753-43E0-B8FC-AC1667EBCBE1}">
+              <a14:hiddenEffects xmlns:a14="http://schemas.microsoft.com/office/drawing/2010/main">
+                <a:effectLst>
+                  <a:outerShdw dist="35921" dir="2700000" algn="ctr" rotWithShape="0">
+                    <a:schemeClr val="bg2"/>
+                  </a:outerShdw>
+                </a:effectLst>
+              </a14:hiddenEffects>
+            </a:ext>
+          </a:extLst>
+        </p:spPr>
+      </p:pic>
+      <p:sp>
+        <p:nvSpPr>
+          <p:cNvPr id="6" name="文字方塊 5"/>
+          <p:cNvSpPr txBox="1"/>
+          <p:nvPr/>
+        </p:nvSpPr>
+        <p:spPr>
+          <a:xfrm>
+            <a:off x="4954940" y="3003334"/>
+            <a:ext cx="2592288" cy="369330"/>
+          </a:xfrm>
+          <a:prstGeom prst="rect">
+            <a:avLst/>
+          </a:prstGeom>
+          <a:noFill/>
+          <a:ln w="12700" cap="flat">
+            <a:noFill/>
+            <a:miter lim="400000"/>
+          </a:ln>
+          <a:effectLst/>
+          <a:sp3d/>
+        </p:spPr>
+        <p:style>
+          <a:lnRef idx="0">
+            <a:scrgbClr r="0" g="0" b="0"/>
+          </a:lnRef>
+          <a:fillRef idx="0">
+            <a:scrgbClr r="0" g="0" b="0"/>
+          </a:fillRef>
+          <a:effectRef idx="0">
+            <a:scrgbClr r="0" g="0" b="0"/>
+          </a:effectRef>
+          <a:fontRef idx="none"/>
+        </p:style>
+        <p:txBody>
+          <a:bodyPr rot="0" spcFirstLastPara="1" vertOverflow="overflow" horzOverflow="overflow" vert="horz" wrap="square" lIns="45719" tIns="45719" rIns="45719" bIns="45719" numCol="1" spcCol="38100" rtlCol="0" anchor="t">
+            <a:spAutoFit/>
+          </a:bodyPr>
+          <a:lstStyle/>
+          <a:p>
+            <a:pPr algn="ctr"/>
+            <a:r>
+              <a:rPr lang="zh-TW" altLang="en-US" b="1" dirty="0">
+                <a:latin typeface="微軟正黑體" pitchFamily="34" charset="-120"/>
+                <a:ea typeface="微軟正黑體" pitchFamily="34" charset="-120"/>
+              </a:rPr>
+              <a:t>先</a:t>
+            </a:r>
+            <a:r>
+              <a:rPr lang="zh-TW" altLang="en-US" b="1" dirty="0" smtClean="0">
+                <a:latin typeface="微軟正黑體" pitchFamily="34" charset="-120"/>
+                <a:ea typeface="微軟正黑體" pitchFamily="34" charset="-120"/>
+              </a:rPr>
+              <a:t>連好</a:t>
+            </a:r>
+            <a:r>
+              <a:rPr lang="en-US" altLang="zh-TW" b="1" dirty="0" err="1" smtClean="0">
+                <a:latin typeface="微軟正黑體" pitchFamily="34" charset="-120"/>
+                <a:ea typeface="微軟正黑體" pitchFamily="34" charset="-120"/>
+              </a:rPr>
+              <a:t>WiFi</a:t>
+            </a:r>
+            <a:endParaRPr lang="zh-TW" altLang="en-US" b="1" dirty="0">
+              <a:latin typeface="微軟正黑體" pitchFamily="34" charset="-120"/>
+              <a:ea typeface="微軟正黑體" pitchFamily="34" charset="-120"/>
+            </a:endParaRPr>
+          </a:p>
+        </p:txBody>
+      </p:sp>
+      <p:sp>
+        <p:nvSpPr>
+          <p:cNvPr id="7" name="矩形 6"/>
+          <p:cNvSpPr/>
+          <p:nvPr/>
+        </p:nvSpPr>
+        <p:spPr>
+          <a:xfrm>
+            <a:off x="1187624" y="5133459"/>
+            <a:ext cx="2262159" cy="369332"/>
+          </a:xfrm>
+          <a:prstGeom prst="rect">
+            <a:avLst/>
+          </a:prstGeom>
+        </p:spPr>
+        <p:txBody>
+          <a:bodyPr wrap="none">
+            <a:spAutoFit/>
+          </a:bodyPr>
+          <a:lstStyle/>
+          <a:p>
+            <a:pPr algn="ctr"/>
+            <a:r>
+              <a:rPr lang="zh-TW" altLang="en-US" b="1" dirty="0" smtClean="0">
+                <a:latin typeface="微軟正黑體" pitchFamily="34" charset="-120"/>
+                <a:ea typeface="微軟正黑體" pitchFamily="34" charset="-120"/>
+              </a:rPr>
+              <a:t>接給其他要上網設備</a:t>
+            </a:r>
+            <a:endParaRPr lang="zh-TW" altLang="en-US" b="1" dirty="0">
+              <a:latin typeface="微軟正黑體" pitchFamily="34" charset="-120"/>
+              <a:ea typeface="微軟正黑體" pitchFamily="34" charset="-120"/>
+            </a:endParaRPr>
           </a:p>
         </p:txBody>
       </p:sp>
@@ -6186,8 +7292,8 @@
         </p:nvSpPr>
         <p:spPr>
           <a:xfrm>
-            <a:off x="457200" y="387667"/>
-            <a:ext cx="7620000" cy="916941"/>
+            <a:off x="457200" y="446028"/>
+            <a:ext cx="7620000" cy="800219"/>
           </a:xfrm>
           <a:prstGeom prst="rect">
             <a:avLst/>
@@ -6197,7 +7303,7 @@
           </a:ln>
           <a:extLst>
             <a:ext uri="{C572A759-6A51-4108-AA02-DFA0A04FC94B}">
-              <ma14:wrappingTextBoxFlag xmlns="" xmlns:ma14="http://schemas.microsoft.com/office/mac/drawingml/2011/main" val="1"/>
+              <ma14:wrappingTextBoxFlag xmlns:ma14="http://schemas.microsoft.com/office/mac/drawingml/2011/main" xmlns="" val="1"/>
             </a:ext>
           </a:extLst>
         </p:spPr>
@@ -6219,8 +7325,34 @@
               </a:defRPr>
             </a:pPr>
             <a:r>
-              <a:t>安裝分配DHCP 的套件</a:t>
-            </a:r>
+              <a:rPr dirty="0" err="1">
+                <a:solidFill>
+                  <a:schemeClr val="tx1"/>
+                </a:solidFill>
+              </a:rPr>
+              <a:t>安裝分配DHCP</a:t>
+            </a:r>
+            <a:r>
+              <a:rPr dirty="0">
+                <a:solidFill>
+                  <a:schemeClr val="tx1"/>
+                </a:solidFill>
+              </a:rPr>
+              <a:t> </a:t>
+            </a:r>
+            <a:r>
+              <a:rPr dirty="0" err="1">
+                <a:solidFill>
+                  <a:schemeClr val="tx1"/>
+                </a:solidFill>
+              </a:rPr>
+              <a:t>的套件</a:t>
+            </a:r>
+            <a:endParaRPr dirty="0">
+              <a:solidFill>
+                <a:schemeClr val="tx1"/>
+              </a:solidFill>
+            </a:endParaRPr>
           </a:p>
         </p:txBody>
       </p:sp>
@@ -6233,7 +7365,7 @@
         <p:spPr>
           <a:xfrm>
             <a:off x="457200" y="1600200"/>
-            <a:ext cx="7620000" cy="1513840"/>
+            <a:ext cx="7620000" cy="1018227"/>
           </a:xfrm>
           <a:prstGeom prst="rect">
             <a:avLst/>
@@ -6243,7 +7375,7 @@
           </a:ln>
           <a:extLst>
             <a:ext uri="{C572A759-6A51-4108-AA02-DFA0A04FC94B}">
-              <ma14:wrappingTextBoxFlag xmlns="" xmlns:ma14="http://schemas.microsoft.com/office/mac/drawingml/2011/main" val="1"/>
+              <ma14:wrappingTextBoxFlag xmlns:ma14="http://schemas.microsoft.com/office/mac/drawingml/2011/main" xmlns="" val="1"/>
             </a:ext>
           </a:extLst>
         </p:spPr>
@@ -6268,9 +7400,17 @@
               </a:defRPr>
             </a:pPr>
             <a:r>
+              <a:rPr dirty="0">
+                <a:solidFill>
+                  <a:schemeClr val="tx1"/>
+                </a:solidFill>
+              </a:rPr>
               <a:t>apt-get update </a:t>
             </a:r>
-            <a:endParaRPr>
+            <a:endParaRPr dirty="0">
+              <a:solidFill>
+                <a:schemeClr val="tx1"/>
+              </a:solidFill>
               <a:latin typeface="Calibri"/>
               <a:ea typeface="Calibri"/>
               <a:cs typeface="Calibri"/>
@@ -6293,32 +7433,60 @@
               </a:defRPr>
             </a:pPr>
             <a:r>
-              <a:t>apt-get upgrade -y</a:t>
-            </a:r>
-            <a:endParaRPr>
-              <a:latin typeface="Calibri"/>
-              <a:ea typeface="Calibri"/>
-              <a:cs typeface="Calibri"/>
-              <a:sym typeface="Calibri"/>
-            </a:endParaRPr>
-          </a:p>
-          <a:p>
-            <a:pPr indent="114300">
-              <a:spcBef>
-                <a:spcPts val="500"/>
-              </a:spcBef>
-              <a:defRPr sz="2800">
-                <a:solidFill>
-                  <a:srgbClr val="2F2B20"/>
-                </a:solidFill>
-                <a:latin typeface="微軟正黑體"/>
-                <a:ea typeface="微軟正黑體"/>
-                <a:cs typeface="微軟正黑體"/>
-                <a:sym typeface="微軟正黑體"/>
-              </a:defRPr>
-            </a:pPr>
-            <a:r>
-              <a:t>sudo apt-get install isc-dhcp-server</a:t>
+              <a:rPr dirty="0" err="1" smtClean="0">
+                <a:solidFill>
+                  <a:schemeClr val="tx1"/>
+                </a:solidFill>
+              </a:rPr>
+              <a:t>sudo</a:t>
+            </a:r>
+            <a:r>
+              <a:rPr dirty="0" smtClean="0">
+                <a:solidFill>
+                  <a:schemeClr val="tx1"/>
+                </a:solidFill>
+              </a:rPr>
+              <a:t> </a:t>
+            </a:r>
+            <a:r>
+              <a:rPr dirty="0">
+                <a:solidFill>
+                  <a:schemeClr val="tx1"/>
+                </a:solidFill>
+              </a:rPr>
+              <a:t>apt-get install </a:t>
+            </a:r>
+            <a:r>
+              <a:rPr dirty="0" err="1">
+                <a:solidFill>
+                  <a:schemeClr val="tx1"/>
+                </a:solidFill>
+              </a:rPr>
+              <a:t>isc</a:t>
+            </a:r>
+            <a:r>
+              <a:rPr dirty="0">
+                <a:solidFill>
+                  <a:schemeClr val="tx1"/>
+                </a:solidFill>
+              </a:rPr>
+              <a:t>-</a:t>
+            </a:r>
+            <a:r>
+              <a:rPr dirty="0" err="1">
+                <a:solidFill>
+                  <a:schemeClr val="tx1"/>
+                </a:solidFill>
+              </a:rPr>
+              <a:t>dhcp</a:t>
+            </a:r>
+            <a:r>
+              <a:rPr dirty="0">
+                <a:solidFill>
+                  <a:schemeClr val="tx1"/>
+                </a:solidFill>
+              </a:rPr>
+              <a:t>-server</a:t>
             </a:r>
           </a:p>
         </p:txBody>
@@ -6364,8 +7532,8 @@
         </p:nvSpPr>
         <p:spPr>
           <a:xfrm>
-            <a:off x="468312" y="151129"/>
-            <a:ext cx="8228013" cy="3088641"/>
+            <a:off x="468312" y="-74265"/>
+            <a:ext cx="8228013" cy="3539430"/>
           </a:xfrm>
           <a:prstGeom prst="rect">
             <a:avLst/>
@@ -6375,7 +7543,7 @@
           </a:ln>
           <a:extLst>
             <a:ext uri="{C572A759-6A51-4108-AA02-DFA0A04FC94B}">
-              <ma14:wrappingTextBoxFlag xmlns="" xmlns:ma14="http://schemas.microsoft.com/office/mac/drawingml/2011/main" val="1"/>
+              <ma14:wrappingTextBoxFlag xmlns:ma14="http://schemas.microsoft.com/office/mac/drawingml/2011/main" xmlns="" val="1"/>
             </a:ext>
           </a:extLst>
         </p:spPr>
@@ -6394,99 +7562,191 @@
               </a:defRPr>
             </a:pPr>
             <a:r>
+              <a:rPr sz="2000" dirty="0">
+                <a:solidFill>
+                  <a:schemeClr val="tx1"/>
+                </a:solidFill>
+              </a:rPr>
               <a:t/>
             </a:r>
-            <a:br/>
-            <a:r>
+            <a:br>
+              <a:rPr sz="2000" dirty="0">
+                <a:solidFill>
+                  <a:schemeClr val="tx1"/>
+                </a:solidFill>
+              </a:rPr>
+            </a:br>
+            <a:r>
+              <a:rPr sz="2000" dirty="0">
+                <a:solidFill>
+                  <a:schemeClr val="tx1"/>
+                </a:solidFill>
+              </a:rPr>
               <a:t/>
             </a:r>
-            <a:br/>
-            <a:r>
+            <a:br>
+              <a:rPr sz="2000" dirty="0">
+                <a:solidFill>
+                  <a:schemeClr val="tx1"/>
+                </a:solidFill>
+              </a:rPr>
+            </a:br>
+            <a:r>
+              <a:rPr sz="2000" dirty="0">
+                <a:solidFill>
+                  <a:schemeClr val="tx1"/>
+                </a:solidFill>
+              </a:rPr>
               <a:t/>
             </a:r>
-            <a:br/>
-            <a:r>
+            <a:br>
+              <a:rPr sz="2000" dirty="0">
+                <a:solidFill>
+                  <a:schemeClr val="tx1"/>
+                </a:solidFill>
+              </a:rPr>
+            </a:br>
+            <a:r>
+              <a:rPr sz="2000" dirty="0">
+                <a:solidFill>
+                  <a:schemeClr val="tx1"/>
+                </a:solidFill>
+              </a:rPr>
               <a:t/>
             </a:r>
-            <a:br/>
-            <a:r>
-              <a:rPr sz="2000">
-                <a:solidFill>
-                  <a:srgbClr val="675E47"/>
-                </a:solidFill>
-              </a:rPr>
-              <a:t>nano /etc/dhcpcd.conf </a:t>
-            </a:r>
             <a:br>
-              <a:rPr sz="2000">
-                <a:solidFill>
-                  <a:srgbClr val="675E47"/>
+              <a:rPr sz="2000" dirty="0">
+                <a:solidFill>
+                  <a:schemeClr val="tx1"/>
                 </a:solidFill>
               </a:rPr>
             </a:br>
             <a:r>
-              <a:rPr sz="2000">
-                <a:solidFill>
-                  <a:srgbClr val="675E47"/>
+              <a:rPr sz="2400" dirty="0" err="1">
+                <a:solidFill>
+                  <a:schemeClr val="tx1"/>
+                </a:solidFill>
+              </a:rPr>
+              <a:t>nano</a:t>
+            </a:r>
+            <a:r>
+              <a:rPr sz="2400" dirty="0">
+                <a:solidFill>
+                  <a:schemeClr val="tx1"/>
+                </a:solidFill>
+              </a:rPr>
+              <a:t> /</a:t>
+            </a:r>
+            <a:r>
+              <a:rPr sz="2400" dirty="0" err="1">
+                <a:solidFill>
+                  <a:schemeClr val="tx1"/>
+                </a:solidFill>
+              </a:rPr>
+              <a:t>etc</a:t>
+            </a:r>
+            <a:r>
+              <a:rPr sz="2400" dirty="0">
+                <a:solidFill>
+                  <a:schemeClr val="tx1"/>
+                </a:solidFill>
+              </a:rPr>
+              <a:t>/</a:t>
+            </a:r>
+            <a:r>
+              <a:rPr sz="2400" dirty="0" err="1">
+                <a:solidFill>
+                  <a:schemeClr val="tx1"/>
+                </a:solidFill>
+              </a:rPr>
+              <a:t>dhcpcd.conf</a:t>
+            </a:r>
+            <a:r>
+              <a:rPr sz="2400" dirty="0">
+                <a:solidFill>
+                  <a:schemeClr val="tx1"/>
+                </a:solidFill>
+              </a:rPr>
+              <a:t> </a:t>
+            </a:r>
+            <a:br>
+              <a:rPr sz="2400" dirty="0">
+                <a:solidFill>
+                  <a:schemeClr val="tx1"/>
+                </a:solidFill>
+              </a:rPr>
+            </a:br>
+            <a:r>
+              <a:rPr sz="2400" dirty="0" err="1">
+                <a:solidFill>
+                  <a:schemeClr val="tx1"/>
                 </a:solidFill>
               </a:rPr>
               <a:t>設定乙太網卡固定IP</a:t>
             </a:r>
+            <a:r>
+              <a:rPr sz="2400" dirty="0">
+                <a:solidFill>
+                  <a:schemeClr val="tx1"/>
+                </a:solidFill>
+              </a:rPr>
+              <a:t/>
+            </a:r>
             <a:br>
-              <a:rPr sz="2000">
-                <a:solidFill>
-                  <a:srgbClr val="675E47"/>
+              <a:rPr sz="2400" dirty="0">
+                <a:solidFill>
+                  <a:schemeClr val="tx1"/>
                 </a:solidFill>
               </a:rPr>
             </a:br>
             <a:r>
-              <a:rPr sz="2000">
-                <a:solidFill>
-                  <a:srgbClr val="675E47"/>
+              <a:rPr sz="2400" dirty="0">
+                <a:solidFill>
+                  <a:schemeClr val="tx1"/>
                 </a:solidFill>
               </a:rPr>
               <a:t/>
             </a:r>
             <a:br>
-              <a:rPr sz="2000">
-                <a:solidFill>
-                  <a:srgbClr val="675E47"/>
+              <a:rPr sz="2400" dirty="0">
+                <a:solidFill>
+                  <a:schemeClr val="tx1"/>
                 </a:solidFill>
               </a:rPr>
             </a:br>
             <a:r>
-              <a:rPr sz="2000">
-                <a:solidFill>
-                  <a:srgbClr val="675E47"/>
+              <a:rPr sz="2400" dirty="0">
+                <a:solidFill>
+                  <a:schemeClr val="tx1"/>
                 </a:solidFill>
               </a:rPr>
               <a:t/>
             </a:r>
             <a:br>
-              <a:rPr sz="2000">
-                <a:solidFill>
-                  <a:srgbClr val="675E47"/>
+              <a:rPr sz="2400" dirty="0">
+                <a:solidFill>
+                  <a:schemeClr val="tx1"/>
                 </a:solidFill>
               </a:rPr>
             </a:br>
             <a:r>
-              <a:rPr sz="2000">
-                <a:solidFill>
-                  <a:srgbClr val="675E47"/>
+              <a:rPr sz="2400" dirty="0">
+                <a:solidFill>
+                  <a:schemeClr val="tx1"/>
                 </a:solidFill>
               </a:rPr>
               <a:t/>
             </a:r>
             <a:br>
-              <a:rPr sz="2000">
-                <a:solidFill>
-                  <a:srgbClr val="675E47"/>
+              <a:rPr sz="2400" dirty="0">
+                <a:solidFill>
+                  <a:schemeClr val="tx1"/>
                 </a:solidFill>
               </a:rPr>
             </a:br>
-            <a:endParaRPr sz="2000">
+            <a:endParaRPr sz="2400" dirty="0">
               <a:solidFill>
-                <a:srgbClr val="675E47"/>
+                <a:schemeClr val="tx1"/>
               </a:solidFill>
             </a:endParaRPr>
           </a:p>
@@ -6501,7 +7761,7 @@
         <p:spPr>
           <a:xfrm>
             <a:off x="468312" y="2420937"/>
-            <a:ext cx="8228013" cy="3977641"/>
+            <a:ext cx="8228013" cy="4431983"/>
           </a:xfrm>
           <a:prstGeom prst="rect">
             <a:avLst/>
@@ -6511,7 +7771,7 @@
           </a:ln>
           <a:extLst>
             <a:ext uri="{C572A759-6A51-4108-AA02-DFA0A04FC94B}">
-              <ma14:wrappingTextBoxFlag xmlns="" xmlns:ma14="http://schemas.microsoft.com/office/mac/drawingml/2011/main" val="1"/>
+              <ma14:wrappingTextBoxFlag xmlns:ma14="http://schemas.microsoft.com/office/mac/drawingml/2011/main" xmlns="" val="1"/>
             </a:ext>
           </a:extLst>
         </p:spPr>
@@ -6704,19 +7964,35 @@
               <a:t> </a:t>
             </a:r>
             <a:r>
-              <a:rPr sz="1600" dirty="0" err="1"/>
+              <a:rPr sz="2000" dirty="0" err="1">
+                <a:solidFill>
+                  <a:schemeClr val="tx1"/>
+                </a:solidFill>
+              </a:rPr>
               <a:t>ifconfig</a:t>
             </a:r>
             <a:r>
-              <a:rPr sz="1600" dirty="0"/>
+              <a:rPr sz="2000" dirty="0">
+                <a:solidFill>
+                  <a:schemeClr val="tx1"/>
+                </a:solidFill>
+              </a:rPr>
               <a:t>  eth0 192.168.4.1 </a:t>
             </a:r>
             <a:r>
-              <a:rPr sz="1600" dirty="0" err="1"/>
+              <a:rPr sz="2000" dirty="0" err="1">
+                <a:solidFill>
+                  <a:schemeClr val="tx1"/>
+                </a:solidFill>
+              </a:rPr>
               <a:t>netmask</a:t>
             </a:r>
             <a:r>
-              <a:rPr sz="1600" dirty="0"/>
+              <a:rPr sz="2000" dirty="0">
+                <a:solidFill>
+                  <a:schemeClr val="tx1"/>
+                </a:solidFill>
+              </a:rPr>
               <a:t> 255.255.255.0 broadcast 192.168.4.255</a:t>
             </a:r>
           </a:p>
@@ -6736,10 +8012,18 @@
               </a:defRPr>
             </a:pPr>
             <a:r>
-              <a:rPr dirty="0" err="1"/>
+              <a:rPr sz="2400" dirty="0" err="1">
+                <a:solidFill>
+                  <a:schemeClr val="tx1"/>
+                </a:solidFill>
+              </a:rPr>
               <a:t>指令方式設定網路</a:t>
             </a:r>
-            <a:endParaRPr dirty="0"/>
+            <a:endParaRPr sz="2400" dirty="0">
+              <a:solidFill>
+                <a:schemeClr val="tx1"/>
+              </a:solidFill>
+            </a:endParaRPr>
           </a:p>
         </p:txBody>
       </p:sp>
@@ -6813,8 +8097,8 @@
         </p:nvSpPr>
         <p:spPr>
           <a:xfrm>
-            <a:off x="457200" y="527367"/>
-            <a:ext cx="7620000" cy="637541"/>
+            <a:off x="457200" y="522972"/>
+            <a:ext cx="7620000" cy="646331"/>
           </a:xfrm>
           <a:prstGeom prst="rect">
             <a:avLst/>
@@ -6824,7 +8108,7 @@
           </a:ln>
           <a:extLst>
             <a:ext uri="{C572A759-6A51-4108-AA02-DFA0A04FC94B}">
-              <ma14:wrappingTextBoxFlag xmlns="" xmlns:ma14="http://schemas.microsoft.com/office/mac/drawingml/2011/main" val="1"/>
+              <ma14:wrappingTextBoxFlag xmlns:ma14="http://schemas.microsoft.com/office/mac/drawingml/2011/main" xmlns="" val="1"/>
             </a:ext>
           </a:extLst>
         </p:spPr>
@@ -6847,7 +8131,68 @@
           </a:lstStyle>
           <a:p>
             <a:r>
-              <a:t>nano /etc/default/isc-dhcp-server</a:t>
+              <a:rPr dirty="0" err="1">
+                <a:solidFill>
+                  <a:schemeClr val="tx1"/>
+                </a:solidFill>
+              </a:rPr>
+              <a:t>nano</a:t>
+            </a:r>
+            <a:r>
+              <a:rPr dirty="0">
+                <a:solidFill>
+                  <a:schemeClr val="tx1"/>
+                </a:solidFill>
+              </a:rPr>
+              <a:t> /</a:t>
+            </a:r>
+            <a:r>
+              <a:rPr dirty="0" err="1">
+                <a:solidFill>
+                  <a:schemeClr val="tx1"/>
+                </a:solidFill>
+              </a:rPr>
+              <a:t>etc</a:t>
+            </a:r>
+            <a:r>
+              <a:rPr dirty="0">
+                <a:solidFill>
+                  <a:schemeClr val="tx1"/>
+                </a:solidFill>
+              </a:rPr>
+              <a:t>/default/</a:t>
+            </a:r>
+            <a:r>
+              <a:rPr dirty="0" err="1">
+                <a:solidFill>
+                  <a:schemeClr val="tx1"/>
+                </a:solidFill>
+              </a:rPr>
+              <a:t>isc</a:t>
+            </a:r>
+            <a:r>
+              <a:rPr dirty="0">
+                <a:solidFill>
+                  <a:schemeClr val="tx1"/>
+                </a:solidFill>
+              </a:rPr>
+              <a:t>-</a:t>
+            </a:r>
+            <a:r>
+              <a:rPr dirty="0" err="1">
+                <a:solidFill>
+                  <a:schemeClr val="tx1"/>
+                </a:solidFill>
+              </a:rPr>
+              <a:t>dhcp</a:t>
+            </a:r>
+            <a:r>
+              <a:rPr dirty="0">
+                <a:solidFill>
+                  <a:schemeClr val="tx1"/>
+                </a:solidFill>
+              </a:rPr>
+              <a:t>-server</a:t>
             </a:r>
           </a:p>
         </p:txBody>
@@ -6871,7 +8216,7 @@
           </a:ln>
           <a:extLst>
             <a:ext uri="{C572A759-6A51-4108-AA02-DFA0A04FC94B}">
-              <ma14:wrappingTextBoxFlag xmlns="" xmlns:ma14="http://schemas.microsoft.com/office/mac/drawingml/2011/main" val="1"/>
+              <ma14:wrappingTextBoxFlag xmlns:ma14="http://schemas.microsoft.com/office/mac/drawingml/2011/main" xmlns="" val="1"/>
             </a:ext>
           </a:extLst>
         </p:spPr>
@@ -6896,6 +8241,7 @@
               </a:defRPr>
             </a:pPr>
             <a:r>
+              <a:rPr dirty="0"/>
               <a:t>INTERFACESv4=“eth0”</a:t>
             </a:r>
           </a:p>
@@ -6915,7 +8261,7 @@
               </a:defRPr>
             </a:pPr>
             <a:r>
-              <a:rPr>
+              <a:rPr dirty="0" err="1">
                 <a:latin typeface="DejaVu Sans"/>
                 <a:ea typeface="DejaVu Sans"/>
                 <a:cs typeface="DejaVu Sans"/>
@@ -6924,7 +8270,12 @@
               <a:t>將綁定的網卡設為發配</a:t>
             </a:r>
             <a:r>
-              <a:t>dhcp </a:t>
+              <a:rPr dirty="0" err="1"/>
+              <a:t>dhcp</a:t>
+            </a:r>
+            <a:r>
+              <a:rPr dirty="0"/>
+              <a:t> </a:t>
             </a:r>
           </a:p>
           <a:p>
@@ -6942,7 +8293,7 @@
                 <a:sym typeface="Calibri"/>
               </a:defRPr>
             </a:pPr>
-            <a:endParaRPr/>
+            <a:endParaRPr dirty="0"/>
           </a:p>
           <a:p>
             <a:pPr>
@@ -6959,7 +8310,7 @@
                 <a:sym typeface="Calibri"/>
               </a:defRPr>
             </a:pPr>
-            <a:endParaRPr/>
+            <a:endParaRPr dirty="0"/>
           </a:p>
           <a:p>
             <a:pPr>
@@ -6976,7 +8327,7 @@
                 <a:sym typeface="Calibri"/>
               </a:defRPr>
             </a:pPr>
-            <a:endParaRPr/>
+            <a:endParaRPr dirty="0"/>
           </a:p>
           <a:p>
             <a:pPr>
@@ -6993,7 +8344,7 @@
                 <a:sym typeface="Calibri"/>
               </a:defRPr>
             </a:pPr>
-            <a:endParaRPr/>
+            <a:endParaRPr dirty="0"/>
           </a:p>
         </p:txBody>
       </p:sp>
@@ -7078,7 +8429,7 @@
           </a:ln>
           <a:extLst>
             <a:ext uri="{C572A759-6A51-4108-AA02-DFA0A04FC94B}">
-              <ma14:wrappingTextBoxFlag xmlns="" xmlns:ma14="http://schemas.microsoft.com/office/mac/drawingml/2011/main" val="1"/>
+              <ma14:wrappingTextBoxFlag xmlns:ma14="http://schemas.microsoft.com/office/mac/drawingml/2011/main" xmlns="" val="1"/>
             </a:ext>
           </a:extLst>
         </p:spPr>
@@ -7101,8 +8452,66 @@
           </a:lstStyle>
           <a:p>
             <a:r>
-              <a:t>nano /etc/dhcp/dhcpd.conf</a:t>
-            </a:r>
+              <a:rPr dirty="0" err="1">
+                <a:solidFill>
+                  <a:schemeClr val="tx1"/>
+                </a:solidFill>
+              </a:rPr>
+              <a:t>nano</a:t>
+            </a:r>
+            <a:r>
+              <a:rPr dirty="0">
+                <a:solidFill>
+                  <a:schemeClr val="tx1"/>
+                </a:solidFill>
+              </a:rPr>
+              <a:t> /</a:t>
+            </a:r>
+            <a:r>
+              <a:rPr dirty="0" err="1">
+                <a:solidFill>
+                  <a:schemeClr val="tx1"/>
+                </a:solidFill>
+              </a:rPr>
+              <a:t>etc</a:t>
+            </a:r>
+            <a:r>
+              <a:rPr dirty="0">
+                <a:solidFill>
+                  <a:schemeClr val="tx1"/>
+                </a:solidFill>
+              </a:rPr>
+              <a:t>/</a:t>
+            </a:r>
+            <a:r>
+              <a:rPr dirty="0" err="1">
+                <a:solidFill>
+                  <a:schemeClr val="tx1"/>
+                </a:solidFill>
+              </a:rPr>
+              <a:t>dhcp</a:t>
+            </a:r>
+            <a:r>
+              <a:rPr dirty="0">
+                <a:solidFill>
+                  <a:schemeClr val="tx1"/>
+                </a:solidFill>
+              </a:rPr>
+              <a:t>/</a:t>
+            </a:r>
+            <a:r>
+              <a:rPr dirty="0" err="1">
+                <a:solidFill>
+                  <a:schemeClr val="tx1"/>
+                </a:solidFill>
+              </a:rPr>
+              <a:t>dhcpd.conf</a:t>
+            </a:r>
+            <a:endParaRPr dirty="0">
+              <a:solidFill>
+                <a:schemeClr val="tx1"/>
+              </a:solidFill>
+            </a:endParaRPr>
           </a:p>
         </p:txBody>
       </p:sp>
@@ -7115,7 +8524,7 @@
         <p:spPr>
           <a:xfrm>
             <a:off x="457200" y="1600200"/>
-            <a:ext cx="7620000" cy="4206240"/>
+            <a:ext cx="7620000" cy="3939540"/>
           </a:xfrm>
           <a:prstGeom prst="rect">
             <a:avLst/>
@@ -7125,7 +8534,7 @@
           </a:ln>
           <a:extLst>
             <a:ext uri="{C572A759-6A51-4108-AA02-DFA0A04FC94B}">
-              <ma14:wrappingTextBoxFlag xmlns="" xmlns:ma14="http://schemas.microsoft.com/office/mac/drawingml/2011/main" val="1"/>
+              <ma14:wrappingTextBoxFlag xmlns:ma14="http://schemas.microsoft.com/office/mac/drawingml/2011/main" xmlns="" val="1"/>
             </a:ext>
           </a:extLst>
         </p:spPr>
@@ -7150,7 +8559,34 @@
               </a:defRPr>
             </a:pPr>
             <a:r>
-              <a:t>subnet 192.168.4.0 netmask 255.255.255.0 {</a:t>
+              <a:rPr dirty="0">
+                <a:solidFill>
+                  <a:schemeClr val="tx1"/>
+                </a:solidFill>
+                <a:latin typeface="微軟正黑體" pitchFamily="34" charset="-120"/>
+                <a:ea typeface="微軟正黑體" pitchFamily="34" charset="-120"/>
+              </a:rPr>
+              <a:t>subnet 192.168.4.0 </a:t>
+            </a:r>
+            <a:r>
+              <a:rPr dirty="0" err="1">
+                <a:solidFill>
+                  <a:schemeClr val="tx1"/>
+                </a:solidFill>
+                <a:latin typeface="微軟正黑體" pitchFamily="34" charset="-120"/>
+                <a:ea typeface="微軟正黑體" pitchFamily="34" charset="-120"/>
+              </a:rPr>
+              <a:t>netmask</a:t>
+            </a:r>
+            <a:r>
+              <a:rPr dirty="0">
+                <a:solidFill>
+                  <a:schemeClr val="tx1"/>
+                </a:solidFill>
+                <a:latin typeface="微軟正黑體" pitchFamily="34" charset="-120"/>
+                <a:ea typeface="微軟正黑體" pitchFamily="34" charset="-120"/>
+              </a:rPr>
+              <a:t> 255.255.255.0 {</a:t>
             </a:r>
           </a:p>
           <a:p>
@@ -7169,29 +8605,70 @@
               </a:defRPr>
             </a:pPr>
             <a:r>
+              <a:rPr dirty="0">
+                <a:solidFill>
+                  <a:schemeClr val="tx1"/>
+                </a:solidFill>
+                <a:latin typeface="微軟正黑體" pitchFamily="34" charset="-120"/>
+                <a:ea typeface="微軟正黑體" pitchFamily="34" charset="-120"/>
+              </a:rPr>
               <a:t>  range 192.168.4.2 192.168.4.250;  # </a:t>
             </a:r>
             <a:r>
-              <a:rPr>
-                <a:latin typeface="DejaVu Sans"/>
-                <a:ea typeface="DejaVu Sans"/>
+              <a:rPr dirty="0" err="1">
+                <a:solidFill>
+                  <a:schemeClr val="tx1"/>
+                </a:solidFill>
+                <a:latin typeface="微軟正黑體" pitchFamily="34" charset="-120"/>
+                <a:ea typeface="微軟正黑體" pitchFamily="34" charset="-120"/>
                 <a:cs typeface="DejaVu Sans"/>
                 <a:sym typeface="DejaVu Sans"/>
               </a:rPr>
-              <a:t>開放配發的 </a:t>
-            </a:r>
-            <a:r>
-              <a:t>IP </a:t>
-            </a:r>
-            <a:r>
-              <a:rPr>
-                <a:latin typeface="DejaVu Sans"/>
-                <a:ea typeface="DejaVu Sans"/>
+              <a:t>開放配發的</a:t>
+            </a:r>
+            <a:r>
+              <a:rPr dirty="0">
+                <a:solidFill>
+                  <a:schemeClr val="tx1"/>
+                </a:solidFill>
+                <a:latin typeface="微軟正黑體" pitchFamily="34" charset="-120"/>
+                <a:ea typeface="微軟正黑體" pitchFamily="34" charset="-120"/>
                 <a:cs typeface="DejaVu Sans"/>
                 <a:sym typeface="DejaVu Sans"/>
               </a:rPr>
+              <a:t> </a:t>
+            </a:r>
+            <a:r>
+              <a:rPr dirty="0">
+                <a:solidFill>
+                  <a:schemeClr val="tx1"/>
+                </a:solidFill>
+                <a:latin typeface="微軟正黑體" pitchFamily="34" charset="-120"/>
+                <a:ea typeface="微軟正黑體" pitchFamily="34" charset="-120"/>
+              </a:rPr>
+              <a:t>IP </a:t>
+            </a:r>
+            <a:r>
+              <a:rPr dirty="0" err="1">
+                <a:solidFill>
+                  <a:schemeClr val="tx1"/>
+                </a:solidFill>
+                <a:latin typeface="微軟正黑體" pitchFamily="34" charset="-120"/>
+                <a:ea typeface="微軟正黑體" pitchFamily="34" charset="-120"/>
+                <a:cs typeface="DejaVu Sans"/>
+                <a:sym typeface="DejaVu Sans"/>
+              </a:rPr>
               <a:t>範圍</a:t>
             </a:r>
+            <a:endParaRPr dirty="0">
+              <a:solidFill>
+                <a:schemeClr val="tx1"/>
+              </a:solidFill>
+              <a:latin typeface="微軟正黑體" pitchFamily="34" charset="-120"/>
+              <a:ea typeface="微軟正黑體" pitchFamily="34" charset="-120"/>
+              <a:cs typeface="DejaVu Sans"/>
+              <a:sym typeface="DejaVu Sans"/>
+            </a:endParaRPr>
           </a:p>
           <a:p>
             <a:pPr>
@@ -7209,17 +8686,36 @@
               </a:defRPr>
             </a:pPr>
             <a:r>
+              <a:rPr dirty="0">
+                <a:solidFill>
+                  <a:schemeClr val="tx1"/>
+                </a:solidFill>
+                <a:latin typeface="微軟正黑體" pitchFamily="34" charset="-120"/>
+                <a:ea typeface="微軟正黑體" pitchFamily="34" charset="-120"/>
+              </a:rPr>
               <a:t>  option routers 192.168.4.1;  # </a:t>
             </a:r>
             <a:r>
-              <a:rPr>
-                <a:latin typeface="DejaVu Sans"/>
-                <a:ea typeface="DejaVu Sans"/>
+              <a:rPr dirty="0" err="1">
+                <a:solidFill>
+                  <a:schemeClr val="tx1"/>
+                </a:solidFill>
+                <a:latin typeface="微軟正黑體" pitchFamily="34" charset="-120"/>
+                <a:ea typeface="微軟正黑體" pitchFamily="34" charset="-120"/>
                 <a:cs typeface="DejaVu Sans"/>
                 <a:sym typeface="DejaVu Sans"/>
               </a:rPr>
               <a:t>預設通訊閘道</a:t>
             </a:r>
+            <a:endParaRPr dirty="0">
+              <a:solidFill>
+                <a:schemeClr val="tx1"/>
+              </a:solidFill>
+              <a:latin typeface="微軟正黑體" pitchFamily="34" charset="-120"/>
+              <a:ea typeface="微軟正黑體" pitchFamily="34" charset="-120"/>
+              <a:cs typeface="DejaVu Sans"/>
+              <a:sym typeface="DejaVu Sans"/>
+            </a:endParaRPr>
           </a:p>
           <a:p>
             <a:pPr>
@@ -7237,17 +8733,36 @@
               </a:defRPr>
             </a:pPr>
             <a:r>
+              <a:rPr dirty="0">
+                <a:solidFill>
+                  <a:schemeClr val="tx1"/>
+                </a:solidFill>
+                <a:latin typeface="微軟正黑體" pitchFamily="34" charset="-120"/>
+                <a:ea typeface="微軟正黑體" pitchFamily="34" charset="-120"/>
+              </a:rPr>
               <a:t>  option broadcast-address 192.168.4.255;  # </a:t>
             </a:r>
             <a:r>
-              <a:rPr>
-                <a:latin typeface="DejaVu Sans"/>
-                <a:ea typeface="DejaVu Sans"/>
+              <a:rPr dirty="0" err="1">
+                <a:solidFill>
+                  <a:schemeClr val="tx1"/>
+                </a:solidFill>
+                <a:latin typeface="微軟正黑體" pitchFamily="34" charset="-120"/>
+                <a:ea typeface="微軟正黑體" pitchFamily="34" charset="-120"/>
                 <a:cs typeface="DejaVu Sans"/>
                 <a:sym typeface="DejaVu Sans"/>
               </a:rPr>
               <a:t>廣播位址</a:t>
             </a:r>
+            <a:endParaRPr dirty="0">
+              <a:solidFill>
+                <a:schemeClr val="tx1"/>
+              </a:solidFill>
+              <a:latin typeface="微軟正黑體" pitchFamily="34" charset="-120"/>
+              <a:ea typeface="微軟正黑體" pitchFamily="34" charset="-120"/>
+              <a:cs typeface="DejaVu Sans"/>
+              <a:sym typeface="DejaVu Sans"/>
+            </a:endParaRPr>
           </a:p>
           <a:p>
             <a:pPr>
@@ -7265,17 +8780,36 @@
               </a:defRPr>
             </a:pPr>
             <a:r>
+              <a:rPr dirty="0">
+                <a:solidFill>
+                  <a:schemeClr val="tx1"/>
+                </a:solidFill>
+                <a:latin typeface="微軟正黑體" pitchFamily="34" charset="-120"/>
+                <a:ea typeface="微軟正黑體" pitchFamily="34" charset="-120"/>
+              </a:rPr>
               <a:t>  default-lease-time 600;  # </a:t>
             </a:r>
             <a:r>
-              <a:rPr>
-                <a:latin typeface="DejaVu Sans"/>
-                <a:ea typeface="DejaVu Sans"/>
+              <a:rPr dirty="0" err="1">
+                <a:solidFill>
+                  <a:schemeClr val="tx1"/>
+                </a:solidFill>
+                <a:latin typeface="微軟正黑體" pitchFamily="34" charset="-120"/>
+                <a:ea typeface="微軟正黑體" pitchFamily="34" charset="-120"/>
                 <a:cs typeface="DejaVu Sans"/>
                 <a:sym typeface="DejaVu Sans"/>
               </a:rPr>
               <a:t>預設租約時間，單位為秒</a:t>
             </a:r>
+            <a:endParaRPr dirty="0">
+              <a:solidFill>
+                <a:schemeClr val="tx1"/>
+              </a:solidFill>
+              <a:latin typeface="微軟正黑體" pitchFamily="34" charset="-120"/>
+              <a:ea typeface="微軟正黑體" pitchFamily="34" charset="-120"/>
+              <a:cs typeface="DejaVu Sans"/>
+              <a:sym typeface="DejaVu Sans"/>
+            </a:endParaRPr>
           </a:p>
           <a:p>
             <a:pPr>
@@ -7293,17 +8827,36 @@
               </a:defRPr>
             </a:pPr>
             <a:r>
+              <a:rPr dirty="0">
+                <a:solidFill>
+                  <a:schemeClr val="tx1"/>
+                </a:solidFill>
+                <a:latin typeface="微軟正黑體" pitchFamily="34" charset="-120"/>
+                <a:ea typeface="微軟正黑體" pitchFamily="34" charset="-120"/>
+              </a:rPr>
               <a:t>  max-lease-time 7200;  # </a:t>
             </a:r>
             <a:r>
-              <a:rPr>
-                <a:latin typeface="DejaVu Sans"/>
-                <a:ea typeface="DejaVu Sans"/>
+              <a:rPr dirty="0" err="1">
+                <a:solidFill>
+                  <a:schemeClr val="tx1"/>
+                </a:solidFill>
+                <a:latin typeface="微軟正黑體" pitchFamily="34" charset="-120"/>
+                <a:ea typeface="微軟正黑體" pitchFamily="34" charset="-120"/>
                 <a:cs typeface="DejaVu Sans"/>
                 <a:sym typeface="DejaVu Sans"/>
               </a:rPr>
               <a:t>最長租約時間，單位為秒</a:t>
             </a:r>
+            <a:endParaRPr dirty="0">
+              <a:solidFill>
+                <a:schemeClr val="tx1"/>
+              </a:solidFill>
+              <a:latin typeface="微軟正黑體" pitchFamily="34" charset="-120"/>
+              <a:ea typeface="微軟正黑體" pitchFamily="34" charset="-120"/>
+              <a:cs typeface="DejaVu Sans"/>
+              <a:sym typeface="DejaVu Sans"/>
+            </a:endParaRPr>
           </a:p>
           <a:p>
             <a:pPr>
@@ -7321,17 +8874,36 @@
               </a:defRPr>
             </a:pPr>
             <a:r>
+              <a:rPr dirty="0">
+                <a:solidFill>
+                  <a:schemeClr val="tx1"/>
+                </a:solidFill>
+                <a:latin typeface="微軟正黑體" pitchFamily="34" charset="-120"/>
+                <a:ea typeface="微軟正黑體" pitchFamily="34" charset="-120"/>
+              </a:rPr>
               <a:t>  option domain-name-servers 8.8.8.8;  # DNS </a:t>
             </a:r>
             <a:r>
-              <a:rPr>
-                <a:latin typeface="DejaVu Sans"/>
-                <a:ea typeface="DejaVu Sans"/>
+              <a:rPr dirty="0" err="1">
+                <a:solidFill>
+                  <a:schemeClr val="tx1"/>
+                </a:solidFill>
+                <a:latin typeface="微軟正黑體" pitchFamily="34" charset="-120"/>
+                <a:ea typeface="微軟正黑體" pitchFamily="34" charset="-120"/>
                 <a:cs typeface="DejaVu Sans"/>
                 <a:sym typeface="DejaVu Sans"/>
               </a:rPr>
               <a:t>伺服器</a:t>
             </a:r>
+            <a:endParaRPr dirty="0">
+              <a:solidFill>
+                <a:schemeClr val="tx1"/>
+              </a:solidFill>
+              <a:latin typeface="微軟正黑體" pitchFamily="34" charset="-120"/>
+              <a:ea typeface="微軟正黑體" pitchFamily="34" charset="-120"/>
+              <a:cs typeface="DejaVu Sans"/>
+              <a:sym typeface="DejaVu Sans"/>
+            </a:endParaRPr>
           </a:p>
           <a:p>
             <a:pPr>
@@ -7349,6 +8921,13 @@
               </a:defRPr>
             </a:pPr>
             <a:r>
+              <a:rPr dirty="0">
+                <a:solidFill>
+                  <a:schemeClr val="tx1"/>
+                </a:solidFill>
+                <a:latin typeface="微軟正黑體" pitchFamily="34" charset="-120"/>
+                <a:ea typeface="微軟正黑體" pitchFamily="34" charset="-120"/>
+              </a:rPr>
               <a:t>}</a:t>
             </a:r>
           </a:p>
@@ -7367,7 +8946,13 @@
                 <a:sym typeface="Calibri"/>
               </a:defRPr>
             </a:pPr>
-            <a:endParaRPr/>
+            <a:endParaRPr dirty="0">
+              <a:solidFill>
+                <a:schemeClr val="tx1"/>
+              </a:solidFill>
+              <a:latin typeface="微軟正黑體" pitchFamily="34" charset="-120"/>
+              <a:ea typeface="微軟正黑體" pitchFamily="34" charset="-120"/>
+            </a:endParaRPr>
           </a:p>
           <a:p>
             <a:pPr>
@@ -7385,38 +8970,80 @@
               </a:defRPr>
             </a:pPr>
             <a:r>
-              <a:rPr>
-                <a:latin typeface="DejaVu Sans"/>
-                <a:ea typeface="DejaVu Sans"/>
+              <a:rPr dirty="0" err="1">
+                <a:solidFill>
+                  <a:schemeClr val="tx1"/>
+                </a:solidFill>
+                <a:latin typeface="微軟正黑體" pitchFamily="34" charset="-120"/>
+                <a:ea typeface="微軟正黑體" pitchFamily="34" charset="-120"/>
                 <a:cs typeface="DejaVu Sans"/>
                 <a:sym typeface="DejaVu Sans"/>
               </a:rPr>
               <a:t>設定發配</a:t>
             </a:r>
             <a:r>
-              <a:t>dhcp </a:t>
-            </a:r>
-            <a:r>
-              <a:rPr>
-                <a:latin typeface="DejaVu Sans"/>
-                <a:ea typeface="DejaVu Sans"/>
+              <a:rPr dirty="0" err="1">
+                <a:solidFill>
+                  <a:schemeClr val="tx1"/>
+                </a:solidFill>
+                <a:latin typeface="微軟正黑體" pitchFamily="34" charset="-120"/>
+                <a:ea typeface="微軟正黑體" pitchFamily="34" charset="-120"/>
+              </a:rPr>
+              <a:t>dhcp</a:t>
+            </a:r>
+            <a:r>
+              <a:rPr dirty="0">
+                <a:solidFill>
+                  <a:schemeClr val="tx1"/>
+                </a:solidFill>
+                <a:latin typeface="微軟正黑體" pitchFamily="34" charset="-120"/>
+                <a:ea typeface="微軟正黑體" pitchFamily="34" charset="-120"/>
+              </a:rPr>
+              <a:t> </a:t>
+            </a:r>
+            <a:r>
+              <a:rPr dirty="0" err="1">
+                <a:solidFill>
+                  <a:schemeClr val="tx1"/>
+                </a:solidFill>
+                <a:latin typeface="微軟正黑體" pitchFamily="34" charset="-120"/>
+                <a:ea typeface="微軟正黑體" pitchFamily="34" charset="-120"/>
                 <a:cs typeface="DejaVu Sans"/>
                 <a:sym typeface="DejaVu Sans"/>
               </a:rPr>
               <a:t>的租約和</a:t>
             </a:r>
             <a:r>
+              <a:rPr dirty="0" err="1">
+                <a:solidFill>
+                  <a:schemeClr val="tx1"/>
+                </a:solidFill>
+                <a:latin typeface="微軟正黑體" pitchFamily="34" charset="-120"/>
+                <a:ea typeface="微軟正黑體" pitchFamily="34" charset="-120"/>
+              </a:rPr>
               <a:t>ip</a:t>
             </a:r>
             <a:r>
-              <a:rPr>
-                <a:latin typeface="DejaVu Sans"/>
-                <a:ea typeface="DejaVu Sans"/>
+              <a:rPr dirty="0" err="1">
+                <a:solidFill>
+                  <a:schemeClr val="tx1"/>
+                </a:solidFill>
+                <a:latin typeface="微軟正黑體" pitchFamily="34" charset="-120"/>
+                <a:ea typeface="微軟正黑體" pitchFamily="34" charset="-120"/>
                 <a:cs typeface="DejaVu Sans"/>
                 <a:sym typeface="DejaVu Sans"/>
               </a:rPr>
               <a:t>範圍</a:t>
             </a:r>
+            <a:endParaRPr dirty="0">
+              <a:solidFill>
+                <a:schemeClr val="tx1"/>
+              </a:solidFill>
+              <a:latin typeface="微軟正黑體" pitchFamily="34" charset="-120"/>
+              <a:ea typeface="微軟正黑體" pitchFamily="34" charset="-120"/>
+              <a:cs typeface="DejaVu Sans"/>
+              <a:sym typeface="DejaVu Sans"/>
+            </a:endParaRPr>
           </a:p>
         </p:txBody>
       </p:sp>
@@ -7462,7 +9089,7 @@
         <p:spPr>
           <a:xfrm>
             <a:off x="457200" y="1600200"/>
-            <a:ext cx="7620000" cy="2961640"/>
+            <a:ext cx="7620000" cy="3459922"/>
           </a:xfrm>
           <a:prstGeom prst="rect">
             <a:avLst/>
@@ -7472,7 +9099,7 @@
           </a:ln>
           <a:extLst>
             <a:ext uri="{C572A759-6A51-4108-AA02-DFA0A04FC94B}">
-              <ma14:wrappingTextBoxFlag xmlns="" xmlns:ma14="http://schemas.microsoft.com/office/mac/drawingml/2011/main" val="1"/>
+              <ma14:wrappingTextBoxFlag xmlns:ma14="http://schemas.microsoft.com/office/mac/drawingml/2011/main" xmlns="" val="1"/>
             </a:ext>
           </a:extLst>
         </p:spPr>
@@ -7497,11 +9124,85 @@
               </a:defRPr>
             </a:pPr>
             <a:r>
-              <a:t>/etc/init.d/isc-dhcp-server restart  (重啟dhcp服務)</a:t>
-            </a:r>
-            <a:endParaRPr>
-              <a:latin typeface="Calibri"/>
-              <a:ea typeface="Calibri"/>
+              <a:rPr sz="2000" b="1" dirty="0">
+                <a:latin typeface="微軟正黑體" pitchFamily="34" charset="-120"/>
+                <a:ea typeface="微軟正黑體" pitchFamily="34" charset="-120"/>
+              </a:rPr>
+              <a:t>/</a:t>
+            </a:r>
+            <a:r>
+              <a:rPr sz="2000" b="1" dirty="0" err="1">
+                <a:latin typeface="微軟正黑體" pitchFamily="34" charset="-120"/>
+                <a:ea typeface="微軟正黑體" pitchFamily="34" charset="-120"/>
+              </a:rPr>
+              <a:t>etc</a:t>
+            </a:r>
+            <a:r>
+              <a:rPr sz="2000" b="1" dirty="0">
+                <a:latin typeface="微軟正黑體" pitchFamily="34" charset="-120"/>
+                <a:ea typeface="微軟正黑體" pitchFamily="34" charset="-120"/>
+              </a:rPr>
+              <a:t>/</a:t>
+            </a:r>
+            <a:r>
+              <a:rPr sz="2000" b="1" dirty="0" err="1">
+                <a:latin typeface="微軟正黑體" pitchFamily="34" charset="-120"/>
+                <a:ea typeface="微軟正黑體" pitchFamily="34" charset="-120"/>
+              </a:rPr>
+              <a:t>init.d</a:t>
+            </a:r>
+            <a:r>
+              <a:rPr sz="2000" b="1" dirty="0">
+                <a:latin typeface="微軟正黑體" pitchFamily="34" charset="-120"/>
+                <a:ea typeface="微軟正黑體" pitchFamily="34" charset="-120"/>
+              </a:rPr>
+              <a:t>/</a:t>
+            </a:r>
+            <a:r>
+              <a:rPr sz="2000" b="1" dirty="0" err="1">
+                <a:latin typeface="微軟正黑體" pitchFamily="34" charset="-120"/>
+                <a:ea typeface="微軟正黑體" pitchFamily="34" charset="-120"/>
+              </a:rPr>
+              <a:t>isc</a:t>
+            </a:r>
+            <a:r>
+              <a:rPr sz="2000" b="1" dirty="0">
+                <a:latin typeface="微軟正黑體" pitchFamily="34" charset="-120"/>
+                <a:ea typeface="微軟正黑體" pitchFamily="34" charset="-120"/>
+              </a:rPr>
+              <a:t>-</a:t>
+            </a:r>
+            <a:r>
+              <a:rPr sz="2000" b="1" dirty="0" err="1">
+                <a:latin typeface="微軟正黑體" pitchFamily="34" charset="-120"/>
+                <a:ea typeface="微軟正黑體" pitchFamily="34" charset="-120"/>
+              </a:rPr>
+              <a:t>dhcp</a:t>
+            </a:r>
+            <a:r>
+              <a:rPr sz="2000" b="1" dirty="0">
+                <a:latin typeface="微軟正黑體" pitchFamily="34" charset="-120"/>
+                <a:ea typeface="微軟正黑體" pitchFamily="34" charset="-120"/>
+              </a:rPr>
+              <a:t>-server restart  (</a:t>
+            </a:r>
+            <a:r>
+              <a:rPr sz="2000" b="1" dirty="0" err="1">
+                <a:latin typeface="微軟正黑體" pitchFamily="34" charset="-120"/>
+                <a:ea typeface="微軟正黑體" pitchFamily="34" charset="-120"/>
+              </a:rPr>
+              <a:t>重啟dhcp服務</a:t>
+            </a:r>
+            <a:r>
+              <a:rPr sz="2000" b="1" dirty="0">
+                <a:latin typeface="微軟正黑體" pitchFamily="34" charset="-120"/>
+                <a:ea typeface="微軟正黑體" pitchFamily="34" charset="-120"/>
+              </a:rPr>
+              <a:t>)</a:t>
+            </a:r>
+            <a:endParaRPr sz="2000" b="1" dirty="0">
+              <a:latin typeface="微軟正黑體" pitchFamily="34" charset="-120"/>
+              <a:ea typeface="微軟正黑體" pitchFamily="34" charset="-120"/>
               <a:cs typeface="Calibri"/>
               <a:sym typeface="Calibri"/>
             </a:endParaRPr>
@@ -7521,9 +9222,9 @@
                 <a:sym typeface="Calibri"/>
               </a:defRPr>
             </a:pPr>
-            <a:endParaRPr>
-              <a:latin typeface="Calibri"/>
-              <a:ea typeface="Calibri"/>
+            <a:endParaRPr sz="2000" b="1" dirty="0">
+              <a:latin typeface="微軟正黑體" pitchFamily="34" charset="-120"/>
+              <a:ea typeface="微軟正黑體" pitchFamily="34" charset="-120"/>
               <a:cs typeface="Calibri"/>
               <a:sym typeface="Calibri"/>
             </a:endParaRPr>
@@ -7544,11 +9245,57 @@
               </a:defRPr>
             </a:pPr>
             <a:r>
-              <a:t>echo 1 &gt; /proc/sys/net/ipv4/ip_forward   (開啟封包轉送)</a:t>
-            </a:r>
-            <a:endParaRPr>
-              <a:latin typeface="Calibri"/>
-              <a:ea typeface="Calibri"/>
+              <a:rPr sz="2000" b="1" dirty="0">
+                <a:latin typeface="微軟正黑體" pitchFamily="34" charset="-120"/>
+                <a:ea typeface="微軟正黑體" pitchFamily="34" charset="-120"/>
+              </a:rPr>
+              <a:t>echo 1 &gt; /</a:t>
+            </a:r>
+            <a:r>
+              <a:rPr sz="2000" b="1" dirty="0" err="1">
+                <a:latin typeface="微軟正黑體" pitchFamily="34" charset="-120"/>
+                <a:ea typeface="微軟正黑體" pitchFamily="34" charset="-120"/>
+              </a:rPr>
+              <a:t>proc</a:t>
+            </a:r>
+            <a:r>
+              <a:rPr sz="2000" b="1" dirty="0">
+                <a:latin typeface="微軟正黑體" pitchFamily="34" charset="-120"/>
+                <a:ea typeface="微軟正黑體" pitchFamily="34" charset="-120"/>
+              </a:rPr>
+              <a:t>/sys/net/ipv4/</a:t>
+            </a:r>
+            <a:r>
+              <a:rPr sz="2000" b="1" dirty="0" err="1">
+                <a:latin typeface="微軟正黑體" pitchFamily="34" charset="-120"/>
+                <a:ea typeface="微軟正黑體" pitchFamily="34" charset="-120"/>
+              </a:rPr>
+              <a:t>ip_forward</a:t>
+            </a:r>
+            <a:r>
+              <a:rPr sz="2000" b="1" dirty="0">
+                <a:latin typeface="微軟正黑體" pitchFamily="34" charset="-120"/>
+                <a:ea typeface="微軟正黑體" pitchFamily="34" charset="-120"/>
+              </a:rPr>
+              <a:t>   (</a:t>
+            </a:r>
+            <a:r>
+              <a:rPr sz="2000" b="1" dirty="0" err="1">
+                <a:latin typeface="微軟正黑體" pitchFamily="34" charset="-120"/>
+                <a:ea typeface="微軟正黑體" pitchFamily="34" charset="-120"/>
+              </a:rPr>
+              <a:t>開啟封包轉送</a:t>
+            </a:r>
+            <a:r>
+              <a:rPr sz="2000" b="1" dirty="0">
+                <a:latin typeface="微軟正黑體" pitchFamily="34" charset="-120"/>
+                <a:ea typeface="微軟正黑體" pitchFamily="34" charset="-120"/>
+              </a:rPr>
+              <a:t>)</a:t>
+            </a:r>
+            <a:endParaRPr sz="2000" b="1" dirty="0">
+              <a:latin typeface="微軟正黑體" pitchFamily="34" charset="-120"/>
+              <a:ea typeface="微軟正黑體" pitchFamily="34" charset="-120"/>
               <a:cs typeface="Calibri"/>
               <a:sym typeface="Calibri"/>
             </a:endParaRPr>
@@ -7568,9 +9315,9 @@
                 <a:sym typeface="Calibri"/>
               </a:defRPr>
             </a:pPr>
-            <a:endParaRPr>
-              <a:latin typeface="Calibri"/>
-              <a:ea typeface="Calibri"/>
+            <a:endParaRPr sz="2000" b="1" dirty="0">
+              <a:latin typeface="微軟正黑體" pitchFamily="34" charset="-120"/>
+              <a:ea typeface="微軟正黑體" pitchFamily="34" charset="-120"/>
               <a:cs typeface="Calibri"/>
               <a:sym typeface="Calibri"/>
             </a:endParaRPr>
@@ -7591,11 +9338,22 @@
               </a:defRPr>
             </a:pPr>
             <a:r>
-              <a:t>iptables -A FORWARD -i eth0 -o wlan0 -j ACCEPT </a:t>
-            </a:r>
-            <a:endParaRPr>
-              <a:latin typeface="Calibri"/>
-              <a:ea typeface="Calibri"/>
+              <a:rPr sz="1400" b="1" dirty="0" err="1">
+                <a:latin typeface="微軟正黑體" pitchFamily="34" charset="-120"/>
+                <a:ea typeface="微軟正黑體" pitchFamily="34" charset="-120"/>
+              </a:rPr>
+              <a:t>iptables</a:t>
+            </a:r>
+            <a:r>
+              <a:rPr sz="1400" b="1" dirty="0">
+                <a:latin typeface="微軟正黑體" pitchFamily="34" charset="-120"/>
+                <a:ea typeface="微軟正黑體" pitchFamily="34" charset="-120"/>
+              </a:rPr>
+              <a:t> -A FORWARD -i eth0 -o wlan0 -j ACCEPT </a:t>
+            </a:r>
+            <a:endParaRPr sz="1400" b="1" dirty="0">
+              <a:latin typeface="微軟正黑體" pitchFamily="34" charset="-120"/>
+              <a:ea typeface="微軟正黑體" pitchFamily="34" charset="-120"/>
               <a:cs typeface="Calibri"/>
               <a:sym typeface="Calibri"/>
             </a:endParaRPr>
@@ -7615,9 +9373,9 @@
                 <a:sym typeface="Calibri"/>
               </a:defRPr>
             </a:pPr>
-            <a:endParaRPr>
-              <a:latin typeface="Calibri"/>
-              <a:ea typeface="Calibri"/>
+            <a:endParaRPr sz="1400" b="1" dirty="0">
+              <a:latin typeface="微軟正黑體" pitchFamily="34" charset="-120"/>
+              <a:ea typeface="微軟正黑體" pitchFamily="34" charset="-120"/>
               <a:cs typeface="Calibri"/>
               <a:sym typeface="Calibri"/>
             </a:endParaRPr>
@@ -7638,11 +9396,22 @@
               </a:defRPr>
             </a:pPr>
             <a:r>
-              <a:t>iptables -A FORWARD -i wlan0 -o eth0 -m state --state ESTABLISHED,RELATED  -j ACCEPT </a:t>
-            </a:r>
-            <a:endParaRPr>
-              <a:latin typeface="Calibri"/>
-              <a:ea typeface="Calibri"/>
+              <a:rPr sz="1400" b="1" dirty="0" err="1">
+                <a:latin typeface="微軟正黑體" pitchFamily="34" charset="-120"/>
+                <a:ea typeface="微軟正黑體" pitchFamily="34" charset="-120"/>
+              </a:rPr>
+              <a:t>iptables</a:t>
+            </a:r>
+            <a:r>
+              <a:rPr sz="1400" b="1" dirty="0">
+                <a:latin typeface="微軟正黑體" pitchFamily="34" charset="-120"/>
+                <a:ea typeface="微軟正黑體" pitchFamily="34" charset="-120"/>
+              </a:rPr>
+              <a:t> -A FORWARD -i wlan0 -o eth0 -m state --state ESTABLISHED,RELATED  -j ACCEPT </a:t>
+            </a:r>
+            <a:endParaRPr sz="1400" b="1" dirty="0">
+              <a:latin typeface="微軟正黑體" pitchFamily="34" charset="-120"/>
+              <a:ea typeface="微軟正黑體" pitchFamily="34" charset="-120"/>
               <a:cs typeface="Calibri"/>
               <a:sym typeface="Calibri"/>
             </a:endParaRPr>
@@ -7662,9 +9431,9 @@
                 <a:sym typeface="Calibri"/>
               </a:defRPr>
             </a:pPr>
-            <a:endParaRPr>
-              <a:latin typeface="Calibri"/>
-              <a:ea typeface="Calibri"/>
+            <a:endParaRPr sz="1400" b="1" dirty="0">
+              <a:latin typeface="微軟正黑體" pitchFamily="34" charset="-120"/>
+              <a:ea typeface="微軟正黑體" pitchFamily="34" charset="-120"/>
               <a:cs typeface="Calibri"/>
               <a:sym typeface="Calibri"/>
             </a:endParaRPr>
@@ -7685,11 +9454,36 @@
               </a:defRPr>
             </a:pPr>
             <a:r>
-              <a:t>iptables –t  nat  -A    POSTROUTING -o wlan0 -j MASQUERADE</a:t>
-            </a:r>
-            <a:endParaRPr>
-              <a:latin typeface="Calibri"/>
-              <a:ea typeface="Calibri"/>
+              <a:rPr sz="1400" b="1" dirty="0" err="1">
+                <a:latin typeface="微軟正黑體" pitchFamily="34" charset="-120"/>
+                <a:ea typeface="微軟正黑體" pitchFamily="34" charset="-120"/>
+              </a:rPr>
+              <a:t>iptables</a:t>
+            </a:r>
+            <a:r>
+              <a:rPr sz="1400" b="1" dirty="0">
+                <a:latin typeface="微軟正黑體" pitchFamily="34" charset="-120"/>
+                <a:ea typeface="微軟正黑體" pitchFamily="34" charset="-120"/>
+              </a:rPr>
+              <a:t> –t  </a:t>
+            </a:r>
+            <a:r>
+              <a:rPr sz="1400" b="1" dirty="0" err="1">
+                <a:latin typeface="微軟正黑體" pitchFamily="34" charset="-120"/>
+                <a:ea typeface="微軟正黑體" pitchFamily="34" charset="-120"/>
+              </a:rPr>
+              <a:t>nat</a:t>
+            </a:r>
+            <a:r>
+              <a:rPr sz="1400" b="1" dirty="0">
+                <a:latin typeface="微軟正黑體" pitchFamily="34" charset="-120"/>
+                <a:ea typeface="微軟正黑體" pitchFamily="34" charset="-120"/>
+              </a:rPr>
+              <a:t>  -A    POSTROUTING -o wlan0 -j MASQUERADE</a:t>
+            </a:r>
+            <a:endParaRPr sz="1400" b="1" dirty="0">
+              <a:latin typeface="微軟正黑體" pitchFamily="34" charset="-120"/>
+              <a:ea typeface="微軟正黑體" pitchFamily="34" charset="-120"/>
               <a:cs typeface="Calibri"/>
               <a:sym typeface="Calibri"/>
             </a:endParaRPr>
@@ -7709,9 +9503,9 @@
                 <a:sym typeface="Calibri"/>
               </a:defRPr>
             </a:pPr>
-            <a:endParaRPr>
-              <a:latin typeface="Calibri"/>
-              <a:ea typeface="Calibri"/>
+            <a:endParaRPr sz="1400" b="1" dirty="0">
+              <a:latin typeface="微軟正黑體" pitchFamily="34" charset="-120"/>
+              <a:ea typeface="微軟正黑體" pitchFamily="34" charset="-120"/>
               <a:cs typeface="Calibri"/>
               <a:sym typeface="Calibri"/>
             </a:endParaRPr>
@@ -7732,7 +9526,18 @@
               </a:defRPr>
             </a:pPr>
             <a:r>
-              <a:t>防火牆- 將wifi的流量轉送給eth0</a:t>
+              <a:rPr sz="2000" b="1" dirty="0" err="1">
+                <a:latin typeface="微軟正黑體" pitchFamily="34" charset="-120"/>
+                <a:ea typeface="微軟正黑體" pitchFamily="34" charset="-120"/>
+              </a:rPr>
+              <a:t>防火牆</a:t>
+            </a:r>
+            <a:r>
+              <a:rPr sz="2000" b="1" dirty="0">
+                <a:latin typeface="微軟正黑體" pitchFamily="34" charset="-120"/>
+                <a:ea typeface="微軟正黑體" pitchFamily="34" charset="-120"/>
+              </a:rPr>
+              <a:t>- 將wifi的流量轉送給eth0</a:t>
             </a:r>
           </a:p>
         </p:txBody>
@@ -7779,7 +9584,7 @@
         <p:spPr>
           <a:xfrm>
             <a:off x="457200" y="1600200"/>
-            <a:ext cx="7620000" cy="4142740"/>
+            <a:ext cx="7620000" cy="3860031"/>
           </a:xfrm>
           <a:prstGeom prst="rect">
             <a:avLst/>
@@ -7789,7 +9594,7 @@
           </a:ln>
           <a:extLst>
             <a:ext uri="{C572A759-6A51-4108-AA02-DFA0A04FC94B}">
-              <ma14:wrappingTextBoxFlag xmlns="" xmlns:ma14="http://schemas.microsoft.com/office/mac/drawingml/2011/main" val="1"/>
+              <ma14:wrappingTextBoxFlag xmlns:ma14="http://schemas.microsoft.com/office/mac/drawingml/2011/main" xmlns="" val="1"/>
             </a:ext>
           </a:extLst>
         </p:spPr>
@@ -7814,14 +9619,25 @@
               </a:defRPr>
             </a:pPr>
             <a:r>
-              <a:rPr dirty="0" err="1"/>
+              <a:rPr dirty="0" err="1">
+                <a:solidFill>
+                  <a:schemeClr val="tx1"/>
+                </a:solidFill>
+              </a:rPr>
               <a:t>sudo</a:t>
             </a:r>
             <a:r>
-              <a:rPr dirty="0"/>
+              <a:rPr dirty="0">
+                <a:solidFill>
+                  <a:schemeClr val="tx1"/>
+                </a:solidFill>
+              </a:rPr>
               <a:t> apt-get update </a:t>
             </a:r>
             <a:endParaRPr dirty="0">
+              <a:solidFill>
+                <a:schemeClr val="tx1"/>
+              </a:solidFill>
               <a:latin typeface="Calibri"/>
               <a:ea typeface="Calibri"/>
               <a:cs typeface="Calibri"/>
@@ -7844,10 +9660,17 @@
               </a:defRPr>
             </a:pPr>
             <a:r>
-              <a:rPr dirty="0"/>
+              <a:rPr dirty="0">
+                <a:solidFill>
+                  <a:schemeClr val="tx1"/>
+                </a:solidFill>
+              </a:rPr>
               <a:t>apt-get upgrade –y</a:t>
             </a:r>
             <a:endParaRPr dirty="0">
+              <a:solidFill>
+                <a:schemeClr val="tx1"/>
+              </a:solidFill>
               <a:latin typeface="Calibri"/>
               <a:ea typeface="Calibri"/>
               <a:cs typeface="Calibri"/>
@@ -7870,17 +9693,32 @@
               </a:defRPr>
             </a:pPr>
             <a:r>
-              <a:rPr dirty="0" err="1"/>
+              <a:rPr dirty="0" err="1">
+                <a:solidFill>
+                  <a:schemeClr val="tx1"/>
+                </a:solidFill>
+              </a:rPr>
               <a:t>更新套件</a:t>
             </a:r>
             <a:r>
-              <a:rPr dirty="0"/>
+              <a:rPr dirty="0">
+                <a:solidFill>
+                  <a:schemeClr val="tx1"/>
+                </a:solidFill>
+              </a:rPr>
               <a:t/>
             </a:r>
             <a:br>
-              <a:rPr dirty="0"/>
+              <a:rPr dirty="0">
+                <a:solidFill>
+                  <a:schemeClr val="tx1"/>
+                </a:solidFill>
+              </a:rPr>
             </a:br>
             <a:endParaRPr dirty="0">
+              <a:solidFill>
+                <a:schemeClr val="tx1"/>
+              </a:solidFill>
               <a:latin typeface="Calibri"/>
               <a:ea typeface="Calibri"/>
               <a:cs typeface="Calibri"/>
@@ -7903,26 +9741,49 @@
               </a:defRPr>
             </a:pPr>
             <a:r>
-              <a:rPr dirty="0" err="1"/>
+              <a:rPr dirty="0" err="1">
+                <a:solidFill>
+                  <a:schemeClr val="tx1"/>
+                </a:solidFill>
+              </a:rPr>
               <a:t>sudo</a:t>
             </a:r>
             <a:r>
-              <a:rPr dirty="0"/>
+              <a:rPr dirty="0">
+                <a:solidFill>
+                  <a:schemeClr val="tx1"/>
+                </a:solidFill>
+              </a:rPr>
               <a:t> apt-get install </a:t>
             </a:r>
             <a:r>
-              <a:rPr dirty="0" err="1"/>
+              <a:rPr dirty="0" err="1">
+                <a:solidFill>
+                  <a:schemeClr val="tx1"/>
+                </a:solidFill>
+              </a:rPr>
               <a:t>dnsmasq</a:t>
             </a:r>
             <a:r>
-              <a:rPr dirty="0"/>
+              <a:rPr dirty="0">
+                <a:solidFill>
+                  <a:schemeClr val="tx1"/>
+                </a:solidFill>
+              </a:rPr>
               <a:t> </a:t>
             </a:r>
             <a:r>
-              <a:rPr dirty="0" err="1"/>
+              <a:rPr dirty="0" err="1">
+                <a:solidFill>
+                  <a:schemeClr val="tx1"/>
+                </a:solidFill>
+              </a:rPr>
               <a:t>hostapd</a:t>
             </a:r>
             <a:endParaRPr dirty="0">
+              <a:solidFill>
+                <a:schemeClr val="tx1"/>
+              </a:solidFill>
               <a:latin typeface="Calibri"/>
               <a:ea typeface="Calibri"/>
               <a:cs typeface="Calibri"/>
@@ -7945,10 +9806,17 @@
               </a:defRPr>
             </a:pPr>
             <a:r>
-              <a:rPr dirty="0" err="1"/>
+              <a:rPr dirty="0" err="1">
+                <a:solidFill>
+                  <a:schemeClr val="tx1"/>
+                </a:solidFill>
+              </a:rPr>
               <a:t>安裝</a:t>
             </a:r>
             <a:endParaRPr dirty="0">
+              <a:solidFill>
+                <a:schemeClr val="tx1"/>
+              </a:solidFill>
               <a:latin typeface="Calibri"/>
               <a:ea typeface="Calibri"/>
               <a:cs typeface="Calibri"/>
@@ -7971,45 +9839,89 @@
               </a:defRPr>
             </a:pPr>
             <a:r>
-              <a:rPr dirty="0" err="1"/>
+              <a:rPr dirty="0" err="1">
+                <a:solidFill>
+                  <a:schemeClr val="tx1"/>
+                </a:solidFill>
+              </a:rPr>
               <a:t>dnsmasq</a:t>
             </a:r>
             <a:r>
-              <a:rPr dirty="0"/>
+              <a:rPr dirty="0">
+                <a:solidFill>
+                  <a:schemeClr val="tx1"/>
+                </a:solidFill>
+              </a:rPr>
               <a:t> </a:t>
             </a:r>
             <a:r>
-              <a:rPr dirty="0" err="1"/>
+              <a:rPr dirty="0" err="1">
+                <a:solidFill>
+                  <a:schemeClr val="tx1"/>
+                </a:solidFill>
+              </a:rPr>
               <a:t>dns</a:t>
             </a:r>
             <a:r>
-              <a:rPr dirty="0"/>
+              <a:rPr dirty="0">
+                <a:solidFill>
+                  <a:schemeClr val="tx1"/>
+                </a:solidFill>
+              </a:rPr>
               <a:t> </a:t>
             </a:r>
             <a:r>
-              <a:rPr dirty="0" err="1"/>
+              <a:rPr dirty="0" err="1">
+                <a:solidFill>
+                  <a:schemeClr val="tx1"/>
+                </a:solidFill>
+              </a:rPr>
               <a:t>dhcp服務</a:t>
             </a:r>
             <a:r>
-              <a:rPr dirty="0"/>
+              <a:rPr dirty="0">
+                <a:solidFill>
+                  <a:schemeClr val="tx1"/>
+                </a:solidFill>
+              </a:rPr>
               <a:t/>
             </a:r>
             <a:br>
-              <a:rPr dirty="0"/>
+              <a:rPr dirty="0">
+                <a:solidFill>
+                  <a:schemeClr val="tx1"/>
+                </a:solidFill>
+              </a:rPr>
             </a:br>
             <a:r>
-              <a:rPr dirty="0" err="1"/>
+              <a:rPr dirty="0" err="1">
+                <a:solidFill>
+                  <a:schemeClr val="tx1"/>
+                </a:solidFill>
+              </a:rPr>
               <a:t>hostapd</a:t>
             </a:r>
             <a:r>
-              <a:rPr dirty="0"/>
+              <a:rPr dirty="0">
+                <a:solidFill>
+                  <a:schemeClr val="tx1"/>
+                </a:solidFill>
+              </a:rPr>
               <a:t>  </a:t>
             </a:r>
             <a:r>
-              <a:rPr dirty="0" err="1"/>
+              <a:rPr dirty="0" err="1">
+                <a:solidFill>
+                  <a:schemeClr val="tx1"/>
+                </a:solidFill>
+              </a:rPr>
               <a:t>開啟AP服務</a:t>
             </a:r>
-            <a:endParaRPr dirty="0"/>
+            <a:endParaRPr dirty="0">
+              <a:solidFill>
+                <a:schemeClr val="tx1"/>
+              </a:solidFill>
+            </a:endParaRPr>
           </a:p>
         </p:txBody>
       </p:sp>
@@ -8106,7 +10018,7 @@
           </a:ln>
           <a:extLst>
             <a:ext uri="{C572A759-6A51-4108-AA02-DFA0A04FC94B}">
-              <ma14:wrappingTextBoxFlag xmlns="" xmlns:ma14="http://schemas.microsoft.com/office/mac/drawingml/2011/main" val="1"/>
+              <ma14:wrappingTextBoxFlag xmlns:ma14="http://schemas.microsoft.com/office/mac/drawingml/2011/main" xmlns="" val="1"/>
             </a:ext>
           </a:extLst>
         </p:spPr>
@@ -8514,6 +10426,9 @@
           </a:bodyPr>
           <a:lstStyle/>
           <a:p>
+            <a:pPr marL="0" indent="0">
+              <a:buNone/>
+            </a:pPr>
             <a:r>
               <a:rPr lang="zh-TW" altLang="en-US" sz="2400" dirty="0">
                 <a:latin typeface="微軟正黑體" pitchFamily="34" charset="-120"/>
@@ -8534,6 +10449,9 @@
             </a:endParaRPr>
           </a:p>
           <a:p>
+            <a:pPr marL="0" indent="0">
+              <a:buNone/>
+            </a:pPr>
             <a:r>
               <a:rPr lang="en-US" altLang="zh-TW" sz="2400" dirty="0" err="1" smtClean="0">
                 <a:latin typeface="微軟正黑體" pitchFamily="34" charset="-120"/>
@@ -8570,12 +10488,18 @@
             </a:endParaRPr>
           </a:p>
           <a:p>
+            <a:pPr marL="0" indent="0">
+              <a:buNone/>
+            </a:pPr>
             <a:endParaRPr lang="en-US" altLang="zh-TW" sz="2400" dirty="0">
               <a:latin typeface="微軟正黑體" pitchFamily="34" charset="-120"/>
               <a:ea typeface="微軟正黑體" pitchFamily="34" charset="-120"/>
             </a:endParaRPr>
           </a:p>
           <a:p>
+            <a:pPr marL="0" indent="0">
+              <a:buNone/>
+            </a:pPr>
             <a:r>
               <a:rPr lang="en-US" altLang="zh-TW" sz="2400" dirty="0" smtClean="0">
                 <a:latin typeface="微軟正黑體" pitchFamily="34" charset="-120"/>
@@ -8585,6 +10509,9 @@
             </a:r>
           </a:p>
           <a:p>
+            <a:pPr marL="0" indent="0">
+              <a:buNone/>
+            </a:pPr>
             <a:r>
               <a:rPr lang="en-US" altLang="zh-TW" sz="2400" dirty="0">
                 <a:latin typeface="微軟正黑體" pitchFamily="34" charset="-120"/>
@@ -8627,7 +10554,7 @@
         </p:blipFill>
         <p:spPr bwMode="auto">
           <a:xfrm>
-            <a:off x="3131840" y="3356992"/>
+            <a:off x="3118768" y="2924944"/>
             <a:ext cx="5715000" cy="2704294"/>
           </a:xfrm>
           <a:prstGeom prst="rect">
@@ -8672,6 +10599,293 @@
     <p:extLst>
       <p:ext uri="{BB962C8B-B14F-4D97-AF65-F5344CB8AC3E}">
         <p14:creationId xmlns:p14="http://schemas.microsoft.com/office/powerpoint/2010/main" val="4262083215"/>
+      </p:ext>
+    </p:extLst>
+  </p:cSld>
+  <p:clrMapOvr>
+    <a:masterClrMapping/>
+  </p:clrMapOvr>
+  <p:transition spd="med"/>
+</p:sld>
+</file>
+
+<file path=ppt/slides/slide23.xml><?xml version="1.0" encoding="utf-8"?>
+<p:sld xmlns:a="http://schemas.openxmlformats.org/drawingml/2006/main" xmlns:r="http://schemas.openxmlformats.org/officeDocument/2006/relationships" xmlns:p="http://schemas.openxmlformats.org/presentationml/2006/main">
+  <p:cSld>
+    <p:spTree>
+      <p:nvGrpSpPr>
+        <p:cNvPr id="1" name=""/>
+        <p:cNvGrpSpPr/>
+        <p:nvPr/>
+      </p:nvGrpSpPr>
+      <p:grpSpPr>
+        <a:xfrm>
+          <a:off x="0" y="0"/>
+          <a:ext cx="0" cy="0"/>
+          <a:chOff x="0" y="0"/>
+          <a:chExt cx="0" cy="0"/>
+        </a:xfrm>
+      </p:grpSpPr>
+      <p:sp>
+        <p:nvSpPr>
+          <p:cNvPr id="4" name="文字版面配置區 2"/>
+          <p:cNvSpPr>
+            <a:spLocks noGrp="1"/>
+          </p:cNvSpPr>
+          <p:nvPr>
+            <p:ph type="body" idx="1"/>
+          </p:nvPr>
+        </p:nvSpPr>
+        <p:spPr>
+          <a:xfrm>
+            <a:off x="323528" y="1700808"/>
+            <a:ext cx="8229600" cy="3976688"/>
+          </a:xfrm>
+        </p:spPr>
+        <p:txBody>
+          <a:bodyPr>
+            <a:normAutofit/>
+          </a:bodyPr>
+          <a:lstStyle/>
+          <a:p>
+            <a:r>
+              <a:rPr lang="zh-TW" altLang="en-US" sz="2000" b="1" dirty="0" smtClean="0">
+                <a:latin typeface="微軟正黑體" pitchFamily="34" charset="-120"/>
+                <a:ea typeface="微軟正黑體" pitchFamily="34" charset="-120"/>
+              </a:rPr>
+              <a:t>腳本操作，在</a:t>
+            </a:r>
+            <a:r>
+              <a:rPr lang="en-US" altLang="zh-TW" sz="2000" b="1" dirty="0" smtClean="0">
+                <a:latin typeface="微軟正黑體" pitchFamily="34" charset="-120"/>
+                <a:ea typeface="微軟正黑體" pitchFamily="34" charset="-120"/>
+              </a:rPr>
+              <a:t>source install.sh </a:t>
+            </a:r>
+            <a:r>
+              <a:rPr lang="zh-TW" altLang="en-US" sz="2000" b="1" dirty="0" smtClean="0">
+                <a:latin typeface="微軟正黑體" pitchFamily="34" charset="-120"/>
+                <a:ea typeface="微軟正黑體" pitchFamily="34" charset="-120"/>
+              </a:rPr>
+              <a:t>後</a:t>
+            </a:r>
+            <a:endParaRPr lang="en-US" altLang="zh-TW" sz="2000" b="1" dirty="0" smtClean="0">
+              <a:latin typeface="微軟正黑體" pitchFamily="34" charset="-120"/>
+              <a:ea typeface="微軟正黑體" pitchFamily="34" charset="-120"/>
+            </a:endParaRPr>
+          </a:p>
+          <a:p>
+            <a:r>
+              <a:rPr lang="zh-TW" altLang="en-US" sz="2000" b="1" dirty="0" smtClean="0">
+                <a:latin typeface="微軟正黑體" pitchFamily="34" charset="-120"/>
+                <a:ea typeface="微軟正黑體" pitchFamily="34" charset="-120"/>
+              </a:rPr>
+              <a:t>第一種模式 開熱點方式</a:t>
+            </a:r>
+            <a:r>
+              <a:rPr lang="en-US" altLang="zh-TW" sz="2000" b="1" dirty="0" smtClean="0">
+                <a:latin typeface="微軟正黑體" pitchFamily="34" charset="-120"/>
+                <a:ea typeface="微軟正黑體" pitchFamily="34" charset="-120"/>
+              </a:rPr>
+              <a:t>:</a:t>
+            </a:r>
+            <a:r>
+              <a:rPr lang="zh-TW" altLang="en-US" sz="2000" b="1" dirty="0" smtClean="0">
+                <a:latin typeface="微軟正黑體" pitchFamily="34" charset="-120"/>
+                <a:ea typeface="微軟正黑體" pitchFamily="34" charset="-120"/>
+              </a:rPr>
+              <a:t> </a:t>
+            </a:r>
+            <a:r>
+              <a:rPr lang="en-US" altLang="zh-TW" sz="2000" b="1" dirty="0" smtClean="0">
+                <a:latin typeface="微軟正黑體" pitchFamily="34" charset="-120"/>
+                <a:ea typeface="微軟正黑體" pitchFamily="34" charset="-120"/>
+              </a:rPr>
+              <a:t>source install.sh  </a:t>
+            </a:r>
+            <a:r>
+              <a:rPr lang="zh-TW" altLang="en-US" sz="2000" b="1" dirty="0" smtClean="0">
+                <a:latin typeface="微軟正黑體" pitchFamily="34" charset="-120"/>
+                <a:ea typeface="微軟正黑體" pitchFamily="34" charset="-120"/>
+              </a:rPr>
+              <a:t>選擇</a:t>
+            </a:r>
+            <a:r>
+              <a:rPr lang="en-US" altLang="zh-TW" sz="2000" b="1" dirty="0" smtClean="0">
+                <a:latin typeface="微軟正黑體" pitchFamily="34" charset="-120"/>
+                <a:ea typeface="微軟正黑體" pitchFamily="34" charset="-120"/>
+              </a:rPr>
+              <a:t>2 </a:t>
+            </a:r>
+            <a:r>
+              <a:rPr lang="zh-TW" altLang="en-US" sz="2000" b="1" dirty="0" smtClean="0">
+                <a:latin typeface="微軟正黑體" pitchFamily="34" charset="-120"/>
+                <a:ea typeface="微軟正黑體" pitchFamily="34" charset="-120"/>
+              </a:rPr>
+              <a:t>然後</a:t>
+            </a:r>
+            <a:r>
+              <a:rPr lang="en-US" altLang="zh-TW" sz="2000" b="1" dirty="0" smtClean="0">
+                <a:latin typeface="微軟正黑體" pitchFamily="34" charset="-120"/>
+                <a:ea typeface="微軟正黑體" pitchFamily="34" charset="-120"/>
+              </a:rPr>
+              <a:t>5</a:t>
+            </a:r>
+            <a:r>
+              <a:rPr lang="zh-TW" altLang="en-US" sz="2000" b="1" dirty="0" smtClean="0">
+                <a:latin typeface="微軟正黑體" pitchFamily="34" charset="-120"/>
+                <a:ea typeface="微軟正黑體" pitchFamily="34" charset="-120"/>
+              </a:rPr>
+              <a:t>關閉</a:t>
+            </a:r>
+            <a:endParaRPr lang="en-US" altLang="zh-TW" sz="2000" b="1" dirty="0" smtClean="0">
+              <a:latin typeface="微軟正黑體" pitchFamily="34" charset="-120"/>
+              <a:ea typeface="微軟正黑體" pitchFamily="34" charset="-120"/>
+            </a:endParaRPr>
+          </a:p>
+          <a:p>
+            <a:r>
+              <a:rPr lang="zh-TW" altLang="en-US" sz="2000" b="1" dirty="0" smtClean="0">
+                <a:latin typeface="微軟正黑體" pitchFamily="34" charset="-120"/>
+                <a:ea typeface="微軟正黑體" pitchFamily="34" charset="-120"/>
+              </a:rPr>
+              <a:t>第二種</a:t>
+            </a:r>
+            <a:r>
+              <a:rPr lang="zh-TW" altLang="en-US" sz="2000" b="1" dirty="0">
+                <a:latin typeface="微軟正黑體" pitchFamily="34" charset="-120"/>
+                <a:ea typeface="微軟正黑體" pitchFamily="34" charset="-120"/>
+              </a:rPr>
+              <a:t>模式 開熱點方式</a:t>
+            </a:r>
+            <a:r>
+              <a:rPr lang="en-US" altLang="zh-TW" sz="2000" b="1" dirty="0">
+                <a:latin typeface="微軟正黑體" pitchFamily="34" charset="-120"/>
+                <a:ea typeface="微軟正黑體" pitchFamily="34" charset="-120"/>
+              </a:rPr>
+              <a:t>:</a:t>
+            </a:r>
+            <a:r>
+              <a:rPr lang="zh-TW" altLang="en-US" sz="2000" b="1" dirty="0">
+                <a:latin typeface="微軟正黑體" pitchFamily="34" charset="-120"/>
+                <a:ea typeface="微軟正黑體" pitchFamily="34" charset="-120"/>
+              </a:rPr>
+              <a:t> </a:t>
+            </a:r>
+            <a:r>
+              <a:rPr lang="en-US" altLang="zh-TW" sz="2000" b="1" dirty="0">
+                <a:latin typeface="微軟正黑體" pitchFamily="34" charset="-120"/>
+                <a:ea typeface="微軟正黑體" pitchFamily="34" charset="-120"/>
+              </a:rPr>
+              <a:t>source install.sh  </a:t>
+            </a:r>
+            <a:r>
+              <a:rPr lang="zh-TW" altLang="en-US" sz="2000" b="1" dirty="0" smtClean="0">
+                <a:latin typeface="微軟正黑體" pitchFamily="34" charset="-120"/>
+                <a:ea typeface="微軟正黑體" pitchFamily="34" charset="-120"/>
+              </a:rPr>
+              <a:t>選擇</a:t>
+            </a:r>
+            <a:r>
+              <a:rPr lang="en-US" altLang="zh-TW" sz="2000" b="1" dirty="0" smtClean="0">
+                <a:latin typeface="微軟正黑體" pitchFamily="34" charset="-120"/>
+                <a:ea typeface="微軟正黑體" pitchFamily="34" charset="-120"/>
+              </a:rPr>
+              <a:t>3 </a:t>
+            </a:r>
+            <a:r>
+              <a:rPr lang="zh-TW" altLang="en-US" sz="2000" b="1" dirty="0">
+                <a:latin typeface="微軟正黑體" pitchFamily="34" charset="-120"/>
+                <a:ea typeface="微軟正黑體" pitchFamily="34" charset="-120"/>
+              </a:rPr>
+              <a:t>然後</a:t>
+            </a:r>
+            <a:r>
+              <a:rPr lang="en-US" altLang="zh-TW" sz="2000" b="1" dirty="0">
+                <a:latin typeface="微軟正黑體" pitchFamily="34" charset="-120"/>
+                <a:ea typeface="微軟正黑體" pitchFamily="34" charset="-120"/>
+              </a:rPr>
+              <a:t>5</a:t>
+            </a:r>
+            <a:r>
+              <a:rPr lang="zh-TW" altLang="en-US" sz="2000" b="1" dirty="0" smtClean="0">
+                <a:latin typeface="微軟正黑體" pitchFamily="34" charset="-120"/>
+                <a:ea typeface="微軟正黑體" pitchFamily="34" charset="-120"/>
+              </a:rPr>
+              <a:t>關閉</a:t>
+            </a:r>
+            <a:endParaRPr lang="en-US" altLang="zh-TW" sz="2000" b="1" dirty="0" smtClean="0">
+              <a:latin typeface="微軟正黑體" pitchFamily="34" charset="-120"/>
+              <a:ea typeface="微軟正黑體" pitchFamily="34" charset="-120"/>
+            </a:endParaRPr>
+          </a:p>
+          <a:p>
+            <a:r>
+              <a:rPr lang="zh-TW" altLang="en-US" sz="2000" b="1" dirty="0" smtClean="0">
+                <a:latin typeface="微軟正黑體" pitchFamily="34" charset="-120"/>
+                <a:ea typeface="微軟正黑體" pitchFamily="34" charset="-120"/>
+              </a:rPr>
+              <a:t>再切換模式之前，</a:t>
+            </a:r>
+            <a:r>
+              <a:rPr lang="en-US" altLang="zh-TW" sz="2000" b="1" dirty="0">
+                <a:latin typeface="微軟正黑體" pitchFamily="34" charset="-120"/>
+                <a:ea typeface="微軟正黑體" pitchFamily="34" charset="-120"/>
+              </a:rPr>
+              <a:t> source install.sh  </a:t>
+            </a:r>
+            <a:r>
+              <a:rPr lang="zh-TW" altLang="en-US" sz="2000" b="1" dirty="0" smtClean="0">
+                <a:latin typeface="微軟正黑體" pitchFamily="34" charset="-120"/>
+                <a:ea typeface="微軟正黑體" pitchFamily="34" charset="-120"/>
+              </a:rPr>
+              <a:t>選擇</a:t>
+            </a:r>
+            <a:r>
+              <a:rPr lang="en-US" altLang="zh-TW" sz="2000" b="1" dirty="0" smtClean="0">
+                <a:latin typeface="微軟正黑體" pitchFamily="34" charset="-120"/>
+                <a:ea typeface="微軟正黑體" pitchFamily="34" charset="-120"/>
+              </a:rPr>
+              <a:t>4 </a:t>
+            </a:r>
+            <a:r>
+              <a:rPr lang="zh-TW" altLang="en-US" sz="2000" b="1" dirty="0" smtClean="0">
+                <a:latin typeface="微軟正黑體" pitchFamily="34" charset="-120"/>
+                <a:ea typeface="微軟正黑體" pitchFamily="34" charset="-120"/>
+              </a:rPr>
+              <a:t>，</a:t>
+            </a:r>
+            <a:r>
+              <a:rPr lang="en-US" altLang="zh-TW" sz="2000" b="1" dirty="0" smtClean="0">
+                <a:latin typeface="微軟正黑體" pitchFamily="34" charset="-120"/>
+                <a:ea typeface="微軟正黑體" pitchFamily="34" charset="-120"/>
+              </a:rPr>
+              <a:t>5</a:t>
+            </a:r>
+            <a:r>
+              <a:rPr lang="zh-TW" altLang="en-US" sz="2000" b="1" dirty="0" smtClean="0">
+                <a:latin typeface="微軟正黑體" pitchFamily="34" charset="-120"/>
+                <a:ea typeface="微軟正黑體" pitchFamily="34" charset="-120"/>
+              </a:rPr>
+              <a:t>離開</a:t>
+            </a:r>
+            <a:endParaRPr lang="en-US" altLang="zh-TW" sz="2000" b="1" dirty="0">
+              <a:latin typeface="微軟正黑體" pitchFamily="34" charset="-120"/>
+              <a:ea typeface="微軟正黑體" pitchFamily="34" charset="-120"/>
+            </a:endParaRPr>
+          </a:p>
+          <a:p>
+            <a:endParaRPr lang="en-US" altLang="zh-TW" sz="2000" b="1" dirty="0">
+              <a:latin typeface="微軟正黑體" pitchFamily="34" charset="-120"/>
+              <a:ea typeface="微軟正黑體" pitchFamily="34" charset="-120"/>
+            </a:endParaRPr>
+          </a:p>
+        </p:txBody>
+      </p:sp>
+    </p:spTree>
+    <p:extLst>
+      <p:ext uri="{BB962C8B-B14F-4D97-AF65-F5344CB8AC3E}">
+        <p14:creationId xmlns:p14="http://schemas.microsoft.com/office/powerpoint/2010/main" val="326622701"/>
       </p:ext>
     </p:extLst>
   </p:cSld>
@@ -8718,7 +10932,7 @@
           </a:ln>
           <a:extLst>
             <a:ext uri="{C572A759-6A51-4108-AA02-DFA0A04FC94B}">
-              <ma14:wrappingTextBoxFlag xmlns="" xmlns:ma14="http://schemas.microsoft.com/office/mac/drawingml/2011/main" val="1"/>
+              <ma14:wrappingTextBoxFlag xmlns:ma14="http://schemas.microsoft.com/office/mac/drawingml/2011/main" xmlns="" val="1"/>
             </a:ext>
           </a:extLst>
         </p:spPr>
@@ -8755,7 +10969,7 @@
         <p:spPr>
           <a:xfrm>
             <a:off x="457200" y="1600200"/>
-            <a:ext cx="7620000" cy="2999740"/>
+            <a:ext cx="7620000" cy="2564805"/>
           </a:xfrm>
           <a:prstGeom prst="rect">
             <a:avLst/>
@@ -8765,7 +10979,7 @@
           </a:ln>
           <a:extLst>
             <a:ext uri="{C572A759-6A51-4108-AA02-DFA0A04FC94B}">
-              <ma14:wrappingTextBoxFlag xmlns="" xmlns:ma14="http://schemas.microsoft.com/office/mac/drawingml/2011/main" val="1"/>
+              <ma14:wrappingTextBoxFlag xmlns:ma14="http://schemas.microsoft.com/office/mac/drawingml/2011/main" xmlns="" val="1"/>
             </a:ext>
           </a:extLst>
         </p:spPr>
@@ -8790,9 +11004,17 @@
               </a:defRPr>
             </a:pPr>
             <a:r>
+              <a:rPr dirty="0">
+                <a:solidFill>
+                  <a:schemeClr val="tx1"/>
+                </a:solidFill>
+              </a:rPr>
               <a:t>interface wlan0</a:t>
             </a:r>
-            <a:endParaRPr>
+            <a:endParaRPr dirty="0">
+              <a:solidFill>
+                <a:schemeClr val="tx1"/>
+              </a:solidFill>
               <a:latin typeface="Calibri"/>
               <a:ea typeface="Calibri"/>
               <a:cs typeface="Calibri"/>
@@ -8815,9 +11037,33 @@
               </a:defRPr>
             </a:pPr>
             <a:r>
-              <a:t>static ip_address=192.168.4.1/24</a:t>
-            </a:r>
-            <a:endParaRPr>
+              <a:rPr dirty="0">
+                <a:solidFill>
+                  <a:schemeClr val="tx1"/>
+                </a:solidFill>
+              </a:rPr>
+              <a:t>static </a:t>
+            </a:r>
+            <a:r>
+              <a:rPr dirty="0" err="1">
+                <a:solidFill>
+                  <a:schemeClr val="tx1"/>
+                </a:solidFill>
+              </a:rPr>
+              <a:t>ip_address</a:t>
+            </a:r>
+            <a:r>
+              <a:rPr dirty="0">
+                <a:solidFill>
+                  <a:schemeClr val="tx1"/>
+                </a:solidFill>
+              </a:rPr>
+              <a:t>=192.168.4.1/24</a:t>
+            </a:r>
+            <a:endParaRPr dirty="0">
+              <a:solidFill>
+                <a:schemeClr val="tx1"/>
+              </a:solidFill>
               <a:latin typeface="Calibri"/>
               <a:ea typeface="Calibri"/>
               <a:cs typeface="Calibri"/>
@@ -8840,9 +11086,17 @@
               </a:defRPr>
             </a:pPr>
             <a:r>
+              <a:rPr dirty="0">
+                <a:solidFill>
+                  <a:schemeClr val="tx1"/>
+                </a:solidFill>
+              </a:rPr>
               <a:t>static routers=1921.68.4.1</a:t>
             </a:r>
-            <a:endParaRPr>
+            <a:endParaRPr dirty="0">
+              <a:solidFill>
+                <a:schemeClr val="tx1"/>
+              </a:solidFill>
               <a:latin typeface="Calibri"/>
               <a:ea typeface="Calibri"/>
               <a:cs typeface="Calibri"/>
@@ -8865,9 +11119,33 @@
               </a:defRPr>
             </a:pPr>
             <a:r>
-              <a:t>static domain_name_server=8.8.8.8</a:t>
-            </a:r>
-            <a:endParaRPr>
+              <a:rPr dirty="0">
+                <a:solidFill>
+                  <a:schemeClr val="tx1"/>
+                </a:solidFill>
+              </a:rPr>
+              <a:t>static </a:t>
+            </a:r>
+            <a:r>
+              <a:rPr dirty="0" err="1">
+                <a:solidFill>
+                  <a:schemeClr val="tx1"/>
+                </a:solidFill>
+              </a:rPr>
+              <a:t>domain_name_server</a:t>
+            </a:r>
+            <a:r>
+              <a:rPr dirty="0">
+                <a:solidFill>
+                  <a:schemeClr val="tx1"/>
+                </a:solidFill>
+              </a:rPr>
+              <a:t>=8.8.8.8</a:t>
+            </a:r>
+            <a:endParaRPr dirty="0">
+              <a:solidFill>
+                <a:schemeClr val="tx1"/>
+              </a:solidFill>
               <a:latin typeface="Calibri"/>
               <a:ea typeface="Calibri"/>
               <a:cs typeface="Calibri"/>
@@ -8889,7 +11167,10 @@
                 <a:sym typeface="Calibri"/>
               </a:defRPr>
             </a:pPr>
-            <a:endParaRPr>
+            <a:endParaRPr dirty="0">
+              <a:solidFill>
+                <a:schemeClr val="tx1"/>
+              </a:solidFill>
               <a:latin typeface="Calibri"/>
               <a:ea typeface="Calibri"/>
               <a:cs typeface="Calibri"/>
@@ -8912,9 +11193,25 @@
               </a:defRPr>
             </a:pPr>
             <a:r>
-              <a:t>設定無線網卡固定IP </a:t>
-            </a:r>
-            <a:endParaRPr>
+              <a:rPr dirty="0" err="1">
+                <a:solidFill>
+                  <a:schemeClr val="tx1"/>
+                </a:solidFill>
+              </a:rPr>
+              <a:t>設定無線網卡固定IP</a:t>
+            </a:r>
+            <a:r>
+              <a:rPr dirty="0">
+                <a:solidFill>
+                  <a:schemeClr val="tx1"/>
+                </a:solidFill>
+              </a:rPr>
+              <a:t> </a:t>
+            </a:r>
+            <a:endParaRPr dirty="0">
+              <a:solidFill>
+                <a:schemeClr val="tx1"/>
+              </a:solidFill>
               <a:latin typeface="Calibri"/>
               <a:ea typeface="Calibri"/>
               <a:cs typeface="Calibri"/>
@@ -8975,7 +11272,7 @@
           </a:ln>
           <a:extLst>
             <a:ext uri="{C572A759-6A51-4108-AA02-DFA0A04FC94B}">
-              <ma14:wrappingTextBoxFlag xmlns="" xmlns:ma14="http://schemas.microsoft.com/office/mac/drawingml/2011/main" val="1"/>
+              <ma14:wrappingTextBoxFlag xmlns:ma14="http://schemas.microsoft.com/office/mac/drawingml/2011/main" xmlns="" val="1"/>
             </a:ext>
           </a:extLst>
         </p:spPr>
@@ -8998,7 +11295,36 @@
           </a:lstStyle>
           <a:p>
             <a:r>
-              <a:t>nano /etc/network/interfaces</a:t>
+              <a:rPr dirty="0" err="1">
+                <a:solidFill>
+                  <a:schemeClr val="tx1"/>
+                </a:solidFill>
+              </a:rPr>
+              <a:t>nano</a:t>
+            </a:r>
+            <a:r>
+              <a:rPr dirty="0">
+                <a:solidFill>
+                  <a:schemeClr val="tx1"/>
+                </a:solidFill>
+              </a:rPr>
+              <a:t> /</a:t>
+            </a:r>
+            <a:r>
+              <a:rPr dirty="0" err="1">
+                <a:solidFill>
+                  <a:schemeClr val="tx1"/>
+                </a:solidFill>
+              </a:rPr>
+              <a:t>etc</a:t>
+            </a:r>
+            <a:r>
+              <a:rPr dirty="0">
+                <a:solidFill>
+                  <a:schemeClr val="tx1"/>
+                </a:solidFill>
+              </a:rPr>
+              <a:t>/network/interfaces</a:t>
             </a:r>
           </a:p>
         </p:txBody>
@@ -9022,7 +11348,7 @@
           </a:ln>
           <a:extLst>
             <a:ext uri="{C572A759-6A51-4108-AA02-DFA0A04FC94B}">
-              <ma14:wrappingTextBoxFlag xmlns="" xmlns:ma14="http://schemas.microsoft.com/office/mac/drawingml/2011/main" val="1"/>
+              <ma14:wrappingTextBoxFlag xmlns:ma14="http://schemas.microsoft.com/office/mac/drawingml/2011/main" xmlns="" val="1"/>
             </a:ext>
           </a:extLst>
         </p:spPr>
@@ -9047,9 +11373,18 @@
               </a:defRPr>
             </a:pPr>
             <a:r>
-              <a:t>allow-hotplug wlan0</a:t>
-            </a:r>
-            <a:endParaRPr>
+              <a:rPr dirty="0"/>
+              <a:t>allow-</a:t>
+            </a:r>
+            <a:r>
+              <a:rPr dirty="0" err="1"/>
+              <a:t>hotplug</a:t>
+            </a:r>
+            <a:r>
+              <a:rPr dirty="0"/>
+              <a:t> wlan0</a:t>
+            </a:r>
+            <a:endParaRPr dirty="0">
               <a:latin typeface="Calibri"/>
               <a:ea typeface="Calibri"/>
               <a:cs typeface="Calibri"/>
@@ -9072,9 +11407,22 @@
               </a:defRPr>
             </a:pPr>
             <a:r>
-              <a:t>iface wlan0 inet manual</a:t>
-            </a:r>
-            <a:endParaRPr>
+              <a:rPr dirty="0" err="1"/>
+              <a:t>iface</a:t>
+            </a:r>
+            <a:r>
+              <a:rPr dirty="0"/>
+              <a:t> wlan0 </a:t>
+            </a:r>
+            <a:r>
+              <a:rPr dirty="0" err="1"/>
+              <a:t>inet</a:t>
+            </a:r>
+            <a:r>
+              <a:rPr dirty="0"/>
+              <a:t> manual</a:t>
+            </a:r>
+            <a:endParaRPr dirty="0">
               <a:latin typeface="Calibri"/>
               <a:ea typeface="Calibri"/>
               <a:cs typeface="Calibri"/>
@@ -9096,7 +11444,7 @@
                 <a:sym typeface="Calibri"/>
               </a:defRPr>
             </a:pPr>
-            <a:endParaRPr>
+            <a:endParaRPr dirty="0">
               <a:latin typeface="Calibri"/>
               <a:ea typeface="Calibri"/>
               <a:cs typeface="Calibri"/>
@@ -9119,9 +11467,18 @@
               </a:defRPr>
             </a:pPr>
             <a:r>
-              <a:t>設定無線網卡 可成為AP使用</a:t>
-            </a:r>
-            <a:endParaRPr>
+              <a:rPr dirty="0" err="1"/>
+              <a:t>設定無線網卡</a:t>
+            </a:r>
+            <a:r>
+              <a:rPr dirty="0"/>
+              <a:t> </a:t>
+            </a:r>
+            <a:r>
+              <a:rPr dirty="0" err="1"/>
+              <a:t>可成為AP使用</a:t>
+            </a:r>
+            <a:endParaRPr dirty="0">
               <a:latin typeface="Calibri"/>
               <a:ea typeface="Calibri"/>
               <a:cs typeface="Calibri"/>
@@ -9144,8 +11501,10 @@
               </a:defRPr>
             </a:pPr>
             <a:r>
+              <a:rPr dirty="0" err="1"/>
               <a:t>並手動設定網卡IP</a:t>
             </a:r>
+            <a:endParaRPr dirty="0"/>
           </a:p>
         </p:txBody>
       </p:sp>
@@ -9201,7 +11560,7 @@
           </a:ln>
           <a:extLst>
             <a:ext uri="{C572A759-6A51-4108-AA02-DFA0A04FC94B}">
-              <ma14:wrappingTextBoxFlag xmlns="" xmlns:ma14="http://schemas.microsoft.com/office/mac/drawingml/2011/main" val="1"/>
+              <ma14:wrappingTextBoxFlag xmlns:ma14="http://schemas.microsoft.com/office/mac/drawingml/2011/main" xmlns="" val="1"/>
             </a:ext>
           </a:extLst>
         </p:spPr>
@@ -9309,8 +11668,8 @@
         </p:nvSpPr>
         <p:spPr>
           <a:xfrm>
-            <a:off x="457200" y="247967"/>
-            <a:ext cx="7620000" cy="1272541"/>
+            <a:off x="457200" y="284073"/>
+            <a:ext cx="7620000" cy="1200329"/>
           </a:xfrm>
           <a:prstGeom prst="rect">
             <a:avLst/>
@@ -9320,7 +11679,7 @@
           </a:ln>
           <a:extLst>
             <a:ext uri="{C572A759-6A51-4108-AA02-DFA0A04FC94B}">
-              <ma14:wrappingTextBoxFlag xmlns="" xmlns:ma14="http://schemas.microsoft.com/office/mac/drawingml/2011/main" val="1"/>
+              <ma14:wrappingTextBoxFlag xmlns:ma14="http://schemas.microsoft.com/office/mac/drawingml/2011/main" xmlns="" val="1"/>
             </a:ext>
           </a:extLst>
         </p:spPr>
@@ -9342,8 +11701,66 @@
               </a:defRPr>
             </a:pPr>
             <a:r>
-              <a:t>nano /etc/hostapd/hostapd.conf</a:t>
-            </a:r>
+              <a:rPr dirty="0" err="1">
+                <a:solidFill>
+                  <a:schemeClr val="tx1"/>
+                </a:solidFill>
+              </a:rPr>
+              <a:t>nano</a:t>
+            </a:r>
+            <a:r>
+              <a:rPr dirty="0">
+                <a:solidFill>
+                  <a:schemeClr val="tx1"/>
+                </a:solidFill>
+              </a:rPr>
+              <a:t> /</a:t>
+            </a:r>
+            <a:r>
+              <a:rPr dirty="0" err="1">
+                <a:solidFill>
+                  <a:schemeClr val="tx1"/>
+                </a:solidFill>
+              </a:rPr>
+              <a:t>etc</a:t>
+            </a:r>
+            <a:r>
+              <a:rPr dirty="0">
+                <a:solidFill>
+                  <a:schemeClr val="tx1"/>
+                </a:solidFill>
+              </a:rPr>
+              <a:t>/</a:t>
+            </a:r>
+            <a:r>
+              <a:rPr dirty="0" err="1">
+                <a:solidFill>
+                  <a:schemeClr val="tx1"/>
+                </a:solidFill>
+              </a:rPr>
+              <a:t>hostapd</a:t>
+            </a:r>
+            <a:r>
+              <a:rPr dirty="0">
+                <a:solidFill>
+                  <a:schemeClr val="tx1"/>
+                </a:solidFill>
+              </a:rPr>
+              <a:t>/</a:t>
+            </a:r>
+            <a:r>
+              <a:rPr dirty="0" err="1">
+                <a:solidFill>
+                  <a:schemeClr val="tx1"/>
+                </a:solidFill>
+              </a:rPr>
+              <a:t>hostapd.conf</a:t>
+            </a:r>
+            <a:endParaRPr dirty="0">
+              <a:solidFill>
+                <a:schemeClr val="tx1"/>
+              </a:solidFill>
+            </a:endParaRPr>
           </a:p>
           <a:p>
             <a:pPr>
@@ -9358,8 +11775,18 @@
               </a:defRPr>
             </a:pPr>
             <a:r>
+              <a:rPr dirty="0" err="1">
+                <a:solidFill>
+                  <a:schemeClr val="tx1"/>
+                </a:solidFill>
+              </a:rPr>
               <a:t>AP設定</a:t>
             </a:r>
+            <a:endParaRPr dirty="0">
+              <a:solidFill>
+                <a:schemeClr val="tx1"/>
+              </a:solidFill>
+            </a:endParaRPr>
           </a:p>
         </p:txBody>
       </p:sp>
@@ -9382,7 +11809,7 @@
           </a:ln>
           <a:extLst>
             <a:ext uri="{C572A759-6A51-4108-AA02-DFA0A04FC94B}">
-              <ma14:wrappingTextBoxFlag xmlns="" xmlns:ma14="http://schemas.microsoft.com/office/mac/drawingml/2011/main" val="1"/>
+              <ma14:wrappingTextBoxFlag xmlns:ma14="http://schemas.microsoft.com/office/mac/drawingml/2011/main" xmlns="" val="1"/>
             </a:ext>
           </a:extLst>
         </p:spPr>
@@ -9806,8 +12233,8 @@
         </p:nvSpPr>
         <p:spPr>
           <a:xfrm>
-            <a:off x="457200" y="476567"/>
-            <a:ext cx="7620000" cy="789941"/>
+            <a:off x="457200" y="471428"/>
+            <a:ext cx="7620000" cy="800219"/>
           </a:xfrm>
           <a:prstGeom prst="rect">
             <a:avLst/>
@@ -9817,7 +12244,7 @@
           </a:ln>
           <a:extLst>
             <a:ext uri="{C572A759-6A51-4108-AA02-DFA0A04FC94B}">
-              <ma14:wrappingTextBoxFlag xmlns="" xmlns:ma14="http://schemas.microsoft.com/office/mac/drawingml/2011/main" val="1"/>
+              <ma14:wrappingTextBoxFlag xmlns:ma14="http://schemas.microsoft.com/office/mac/drawingml/2011/main" xmlns="" val="1"/>
             </a:ext>
           </a:extLst>
         </p:spPr>
@@ -9840,8 +12267,50 @@
           </a:lstStyle>
           <a:p>
             <a:r>
-              <a:t>nano  /etc/default/hostapd</a:t>
-            </a:r>
+              <a:rPr dirty="0" err="1">
+                <a:solidFill>
+                  <a:schemeClr val="tx1"/>
+                </a:solidFill>
+              </a:rPr>
+              <a:t>nano</a:t>
+            </a:r>
+            <a:r>
+              <a:rPr dirty="0">
+                <a:solidFill>
+                  <a:schemeClr val="tx1"/>
+                </a:solidFill>
+              </a:rPr>
+              <a:t>  /</a:t>
+            </a:r>
+            <a:r>
+              <a:rPr dirty="0" err="1">
+                <a:solidFill>
+                  <a:schemeClr val="tx1"/>
+                </a:solidFill>
+              </a:rPr>
+              <a:t>etc</a:t>
+            </a:r>
+            <a:r>
+              <a:rPr dirty="0">
+                <a:solidFill>
+                  <a:schemeClr val="tx1"/>
+                </a:solidFill>
+              </a:rPr>
+              <a:t>/default/</a:t>
+            </a:r>
+            <a:r>
+              <a:rPr dirty="0" err="1">
+                <a:solidFill>
+                  <a:schemeClr val="tx1"/>
+                </a:solidFill>
+              </a:rPr>
+              <a:t>hostapd</a:t>
+            </a:r>
+            <a:endParaRPr dirty="0">
+              <a:solidFill>
+                <a:schemeClr val="tx1"/>
+              </a:solidFill>
+            </a:endParaRPr>
           </a:p>
         </p:txBody>
       </p:sp>
@@ -9864,7 +12333,7 @@
           </a:ln>
           <a:extLst>
             <a:ext uri="{C572A759-6A51-4108-AA02-DFA0A04FC94B}">
-              <ma14:wrappingTextBoxFlag xmlns="" xmlns:ma14="http://schemas.microsoft.com/office/mac/drawingml/2011/main" val="1"/>
+              <ma14:wrappingTextBoxFlag xmlns:ma14="http://schemas.microsoft.com/office/mac/drawingml/2011/main" xmlns="" val="1"/>
             </a:ext>
           </a:extLst>
         </p:spPr>
@@ -9889,9 +12358,34 @@
               </a:defRPr>
             </a:pPr>
             <a:r>
-              <a:t>DAEMON_CONF="/etc/hostapd/hostapd.conf“</a:t>
-            </a:r>
-            <a:endParaRPr>
+              <a:rPr dirty="0"/>
+              <a:t>DAEMON_CONF="/</a:t>
+            </a:r>
+            <a:r>
+              <a:rPr dirty="0" err="1"/>
+              <a:t>etc</a:t>
+            </a:r>
+            <a:r>
+              <a:rPr dirty="0"/>
+              <a:t>/</a:t>
+            </a:r>
+            <a:r>
+              <a:rPr dirty="0" err="1"/>
+              <a:t>hostapd</a:t>
+            </a:r>
+            <a:r>
+              <a:rPr dirty="0"/>
+              <a:t>/</a:t>
+            </a:r>
+            <a:r>
+              <a:rPr dirty="0" err="1"/>
+              <a:t>hostapd.conf</a:t>
+            </a:r>
+            <a:r>
+              <a:rPr dirty="0"/>
+              <a:t>“</a:t>
+            </a:r>
+            <a:endParaRPr dirty="0">
               <a:latin typeface="Calibri"/>
               <a:ea typeface="Calibri"/>
               <a:cs typeface="Calibri"/>
@@ -9913,7 +12407,7 @@
                 <a:sym typeface="Calibri"/>
               </a:defRPr>
             </a:pPr>
-            <a:endParaRPr>
+            <a:endParaRPr dirty="0">
               <a:latin typeface="Calibri"/>
               <a:ea typeface="Calibri"/>
               <a:cs typeface="Calibri"/>
@@ -9936,7 +12430,12 @@
               </a:defRPr>
             </a:pPr>
             <a:r>
-              <a:t>設為linux daemon</a:t>
+              <a:rPr dirty="0" err="1"/>
+              <a:t>設為linux</a:t>
+            </a:r>
+            <a:r>
+              <a:rPr dirty="0"/>
+              <a:t> daemon</a:t>
             </a:r>
           </a:p>
         </p:txBody>
@@ -9982,8 +12481,8 @@
         </p:nvSpPr>
         <p:spPr>
           <a:xfrm>
-            <a:off x="457200" y="775017"/>
-            <a:ext cx="7620000" cy="701041"/>
+            <a:off x="457200" y="463818"/>
+            <a:ext cx="7620000" cy="1323439"/>
           </a:xfrm>
           <a:prstGeom prst="rect">
             <a:avLst/>
@@ -9993,7 +12492,7 @@
           </a:ln>
           <a:extLst>
             <a:ext uri="{C572A759-6A51-4108-AA02-DFA0A04FC94B}">
-              <ma14:wrappingTextBoxFlag xmlns="" xmlns:ma14="http://schemas.microsoft.com/office/mac/drawingml/2011/main" val="1"/>
+              <ma14:wrappingTextBoxFlag xmlns:ma14="http://schemas.microsoft.com/office/mac/drawingml/2011/main" xmlns="" val="1"/>
             </a:ext>
           </a:extLst>
         </p:spPr>
@@ -10015,10 +12514,81 @@
               </a:defRPr>
             </a:pPr>
             <a:r>
-              <a:t>sudo nano /etc/dnsmasq.conf </a:t>
-            </a:r>
-            <a:br/>
-            <a:endParaRPr/>
+              <a:rPr sz="4000" b="1" dirty="0" err="1">
+                <a:solidFill>
+                  <a:schemeClr val="tx1"/>
+                </a:solidFill>
+              </a:rPr>
+              <a:t>sudo</a:t>
+            </a:r>
+            <a:r>
+              <a:rPr sz="4000" b="1" dirty="0">
+                <a:solidFill>
+                  <a:schemeClr val="tx1"/>
+                </a:solidFill>
+              </a:rPr>
+              <a:t> </a:t>
+            </a:r>
+            <a:r>
+              <a:rPr sz="4000" b="1" dirty="0" err="1">
+                <a:solidFill>
+                  <a:schemeClr val="tx1"/>
+                </a:solidFill>
+              </a:rPr>
+              <a:t>nano</a:t>
+            </a:r>
+            <a:r>
+              <a:rPr sz="4000" b="1" dirty="0">
+                <a:solidFill>
+                  <a:schemeClr val="tx1"/>
+                </a:solidFill>
+              </a:rPr>
+              <a:t> /</a:t>
+            </a:r>
+            <a:r>
+              <a:rPr sz="4000" b="1" dirty="0" err="1">
+                <a:solidFill>
+                  <a:schemeClr val="tx1"/>
+                </a:solidFill>
+              </a:rPr>
+              <a:t>etc</a:t>
+            </a:r>
+            <a:r>
+              <a:rPr sz="4000" b="1" dirty="0">
+                <a:solidFill>
+                  <a:schemeClr val="tx1"/>
+                </a:solidFill>
+              </a:rPr>
+              <a:t>/</a:t>
+            </a:r>
+            <a:r>
+              <a:rPr sz="4000" b="1" dirty="0" err="1">
+                <a:solidFill>
+                  <a:schemeClr val="tx1"/>
+                </a:solidFill>
+              </a:rPr>
+              <a:t>dnsmasq.conf</a:t>
+            </a:r>
+            <a:r>
+              <a:rPr sz="4000" b="1" dirty="0">
+                <a:solidFill>
+                  <a:schemeClr val="tx1"/>
+                </a:solidFill>
+              </a:rPr>
+              <a:t> </a:t>
+            </a:r>
+            <a:br>
+              <a:rPr sz="4000" b="1" dirty="0">
+                <a:solidFill>
+                  <a:schemeClr val="tx1"/>
+                </a:solidFill>
+              </a:rPr>
+            </a:br>
+            <a:endParaRPr sz="4000" b="1" dirty="0">
+              <a:solidFill>
+                <a:schemeClr val="tx1"/>
+              </a:solidFill>
+            </a:endParaRPr>
           </a:p>
         </p:txBody>
       </p:sp>
@@ -10041,7 +12611,7 @@
           </a:ln>
           <a:extLst>
             <a:ext uri="{C572A759-6A51-4108-AA02-DFA0A04FC94B}">
-              <ma14:wrappingTextBoxFlag xmlns="" xmlns:ma14="http://schemas.microsoft.com/office/mac/drawingml/2011/main" val="1"/>
+              <ma14:wrappingTextBoxFlag xmlns:ma14="http://schemas.microsoft.com/office/mac/drawingml/2011/main" xmlns="" val="1"/>
             </a:ext>
           </a:extLst>
         </p:spPr>
@@ -10066,9 +12636,10 @@
               </a:defRPr>
             </a:pPr>
             <a:r>
+              <a:rPr dirty="0"/>
               <a:t>interface=wlan0</a:t>
             </a:r>
-            <a:endParaRPr>
+            <a:endParaRPr dirty="0">
               <a:latin typeface="Calibri"/>
               <a:ea typeface="Calibri"/>
               <a:cs typeface="Calibri"/>
@@ -10091,9 +12662,10 @@
               </a:defRPr>
             </a:pPr>
             <a:r>
+              <a:rPr dirty="0"/>
               <a:t>bind-interfaces</a:t>
             </a:r>
-            <a:endParaRPr>
+            <a:endParaRPr dirty="0">
               <a:latin typeface="Calibri"/>
               <a:ea typeface="Calibri"/>
               <a:cs typeface="Calibri"/>
@@ -10116,9 +12688,10 @@
               </a:defRPr>
             </a:pPr>
             <a:r>
+              <a:rPr dirty="0"/>
               <a:t>server=8.8.8.8</a:t>
             </a:r>
-            <a:endParaRPr>
+            <a:endParaRPr dirty="0">
               <a:latin typeface="Calibri"/>
               <a:ea typeface="Calibri"/>
               <a:cs typeface="Calibri"/>
@@ -10141,9 +12714,10 @@
               </a:defRPr>
             </a:pPr>
             <a:r>
+              <a:rPr dirty="0"/>
               <a:t>domain-needed</a:t>
             </a:r>
-            <a:endParaRPr>
+            <a:endParaRPr dirty="0">
               <a:latin typeface="Calibri"/>
               <a:ea typeface="Calibri"/>
               <a:cs typeface="Calibri"/>
@@ -10166,9 +12740,14 @@
               </a:defRPr>
             </a:pPr>
             <a:r>
-              <a:t>bogus-priv</a:t>
-            </a:r>
-            <a:endParaRPr>
+              <a:rPr dirty="0"/>
+              <a:t>bogus-</a:t>
+            </a:r>
+            <a:r>
+              <a:rPr dirty="0" err="1"/>
+              <a:t>priv</a:t>
+            </a:r>
+            <a:endParaRPr dirty="0">
               <a:latin typeface="Calibri"/>
               <a:ea typeface="Calibri"/>
               <a:cs typeface="Calibri"/>
@@ -10191,9 +12770,14 @@
               </a:defRPr>
             </a:pPr>
             <a:r>
-              <a:t>dhcp-range=192.168.4.2,192.168.4.254,12h </a:t>
-            </a:r>
-            <a:endParaRPr>
+              <a:rPr dirty="0" err="1"/>
+              <a:t>dhcp</a:t>
+            </a:r>
+            <a:r>
+              <a:rPr dirty="0"/>
+              <a:t>-range=192.168.4.2,192.168.4.254,12h </a:t>
+            </a:r>
+            <a:endParaRPr dirty="0">
               <a:latin typeface="Calibri"/>
               <a:ea typeface="Calibri"/>
               <a:cs typeface="Calibri"/>
@@ -10215,7 +12799,7 @@
                 <a:sym typeface="Calibri"/>
               </a:defRPr>
             </a:pPr>
-            <a:endParaRPr>
+            <a:endParaRPr dirty="0">
               <a:latin typeface="Calibri"/>
               <a:ea typeface="Calibri"/>
               <a:cs typeface="Calibri"/>
@@ -10238,9 +12822,22 @@
               </a:defRPr>
             </a:pPr>
             <a:r>
-              <a:t>設定dhcp 發的範圍和設定domain name</a:t>
-            </a:r>
-            <a:endParaRPr>
+              <a:rPr dirty="0" err="1"/>
+              <a:t>設定dhcp</a:t>
+            </a:r>
+            <a:r>
+              <a:rPr dirty="0"/>
+              <a:t> </a:t>
+            </a:r>
+            <a:r>
+              <a:rPr dirty="0" err="1"/>
+              <a:t>發的範圍和設定domain</a:t>
+            </a:r>
+            <a:r>
+              <a:rPr dirty="0"/>
+              <a:t> name</a:t>
+            </a:r>
+            <a:endParaRPr dirty="0">
               <a:latin typeface="Calibri"/>
               <a:ea typeface="Calibri"/>
               <a:cs typeface="Calibri"/>
@@ -10301,7 +12898,7 @@
           </a:ln>
           <a:extLst>
             <a:ext uri="{C572A759-6A51-4108-AA02-DFA0A04FC94B}">
-              <ma14:wrappingTextBoxFlag xmlns="" xmlns:ma14="http://schemas.microsoft.com/office/mac/drawingml/2011/main" val="1"/>
+              <ma14:wrappingTextBoxFlag xmlns:ma14="http://schemas.microsoft.com/office/mac/drawingml/2011/main" xmlns="" val="1"/>
             </a:ext>
           </a:extLst>
         </p:spPr>
@@ -10324,8 +12921,66 @@
           </a:lstStyle>
           <a:p>
             <a:r>
-              <a:t>sudo nano /etc/sysctl.conf</a:t>
-            </a:r>
+              <a:rPr dirty="0" err="1">
+                <a:solidFill>
+                  <a:schemeClr val="tx1"/>
+                </a:solidFill>
+              </a:rPr>
+              <a:t>sudo</a:t>
+            </a:r>
+            <a:r>
+              <a:rPr dirty="0">
+                <a:solidFill>
+                  <a:schemeClr val="tx1"/>
+                </a:solidFill>
+              </a:rPr>
+              <a:t> </a:t>
+            </a:r>
+            <a:r>
+              <a:rPr dirty="0" err="1">
+                <a:solidFill>
+                  <a:schemeClr val="tx1"/>
+                </a:solidFill>
+              </a:rPr>
+              <a:t>nano</a:t>
+            </a:r>
+            <a:r>
+              <a:rPr dirty="0">
+                <a:solidFill>
+                  <a:schemeClr val="tx1"/>
+                </a:solidFill>
+              </a:rPr>
+              <a:t> /</a:t>
+            </a:r>
+            <a:r>
+              <a:rPr dirty="0" err="1">
+                <a:solidFill>
+                  <a:schemeClr val="tx1"/>
+                </a:solidFill>
+              </a:rPr>
+              <a:t>etc</a:t>
+            </a:r>
+            <a:r>
+              <a:rPr dirty="0">
+                <a:solidFill>
+                  <a:schemeClr val="tx1"/>
+                </a:solidFill>
+              </a:rPr>
+              <a:t>/</a:t>
+            </a:r>
+            <a:r>
+              <a:rPr dirty="0" err="1">
+                <a:solidFill>
+                  <a:schemeClr val="tx1"/>
+                </a:solidFill>
+              </a:rPr>
+              <a:t>sysctl.conf</a:t>
+            </a:r>
+            <a:endParaRPr dirty="0">
+              <a:solidFill>
+                <a:schemeClr val="tx1"/>
+              </a:solidFill>
+            </a:endParaRPr>
           </a:p>
         </p:txBody>
       </p:sp>
@@ -10348,7 +13003,7 @@
           </a:ln>
           <a:extLst>
             <a:ext uri="{C572A759-6A51-4108-AA02-DFA0A04FC94B}">
-              <ma14:wrappingTextBoxFlag xmlns="" xmlns:ma14="http://schemas.microsoft.com/office/mac/drawingml/2011/main" val="1"/>
+              <ma14:wrappingTextBoxFlag xmlns:ma14="http://schemas.microsoft.com/office/mac/drawingml/2011/main" xmlns="" val="1"/>
             </a:ext>
           </a:extLst>
         </p:spPr>

--- a/設定wifi ap_repeater.pptx
+++ b/設定wifi ap_repeater.pptx
@@ -3904,7 +3904,7 @@
           </a:ln>
           <a:extLst>
             <a:ext uri="{C572A759-6A51-4108-AA02-DFA0A04FC94B}">
-              <ma14:wrappingTextBoxFlag xmlns:ma14="http://schemas.microsoft.com/office/mac/drawingml/2011/main" xmlns="" val="1"/>
+              <ma14:wrappingTextBoxFlag xmlns="" xmlns:ma14="http://schemas.microsoft.com/office/mac/drawingml/2011/main" val="1"/>
             </a:ext>
           </a:extLst>
         </p:spPr>
@@ -3943,7 +3943,7 @@
           </a:ln>
           <a:extLst>
             <a:ext uri="{C572A759-6A51-4108-AA02-DFA0A04FC94B}">
-              <ma14:wrappingTextBoxFlag xmlns:ma14="http://schemas.microsoft.com/office/mac/drawingml/2011/main" xmlns="" val="1"/>
+              <ma14:wrappingTextBoxFlag xmlns="" xmlns:ma14="http://schemas.microsoft.com/office/mac/drawingml/2011/main" val="1"/>
             </a:ext>
           </a:extLst>
         </p:spPr>
@@ -4891,7 +4891,7 @@
           </a:ln>
           <a:extLst>
             <a:ext uri="{C572A759-6A51-4108-AA02-DFA0A04FC94B}">
-              <ma14:wrappingTextBoxFlag xmlns:ma14="http://schemas.microsoft.com/office/mac/drawingml/2011/main" xmlns="" val="1"/>
+              <ma14:wrappingTextBoxFlag xmlns="" xmlns:ma14="http://schemas.microsoft.com/office/mac/drawingml/2011/main" val="1"/>
             </a:ext>
           </a:extLst>
         </p:spPr>
@@ -5341,10 +5341,6 @@
               </a:rPr>
               <a:t>分享器</a:t>
             </a:r>
-            <a:endParaRPr lang="zh-TW" altLang="en-US" b="1" dirty="0">
-              <a:latin typeface="微軟正黑體" pitchFamily="34" charset="-120"/>
-              <a:ea typeface="微軟正黑體" pitchFamily="34" charset="-120"/>
-            </a:endParaRPr>
           </a:p>
         </p:txBody>
       </p:sp>
@@ -5600,7 +5596,7 @@
           </a:ln>
           <a:extLst>
             <a:ext uri="{C572A759-6A51-4108-AA02-DFA0A04FC94B}">
-              <ma14:wrappingTextBoxFlag xmlns:ma14="http://schemas.microsoft.com/office/mac/drawingml/2011/main" xmlns="" val="1"/>
+              <ma14:wrappingTextBoxFlag xmlns="" xmlns:ma14="http://schemas.microsoft.com/office/mac/drawingml/2011/main" val="1"/>
             </a:ext>
           </a:extLst>
         </p:spPr>
@@ -5652,7 +5648,7 @@
           </a:ln>
           <a:extLst>
             <a:ext uri="{C572A759-6A51-4108-AA02-DFA0A04FC94B}">
-              <ma14:wrappingTextBoxFlag xmlns:ma14="http://schemas.microsoft.com/office/mac/drawingml/2011/main" xmlns="" val="1"/>
+              <ma14:wrappingTextBoxFlag xmlns="" xmlns:ma14="http://schemas.microsoft.com/office/mac/drawingml/2011/main" val="1"/>
             </a:ext>
           </a:extLst>
         </p:spPr>
@@ -6020,7 +6016,7 @@
           </a:ln>
           <a:extLst>
             <a:ext uri="{C572A759-6A51-4108-AA02-DFA0A04FC94B}">
-              <ma14:wrappingTextBoxFlag xmlns:ma14="http://schemas.microsoft.com/office/mac/drawingml/2011/main" xmlns="" val="1"/>
+              <ma14:wrappingTextBoxFlag xmlns="" xmlns:ma14="http://schemas.microsoft.com/office/mac/drawingml/2011/main" val="1"/>
             </a:ext>
           </a:extLst>
         </p:spPr>
@@ -6109,7 +6105,7 @@
           </a:ln>
           <a:extLst>
             <a:ext uri="{C572A759-6A51-4108-AA02-DFA0A04FC94B}">
-              <ma14:wrappingTextBoxFlag xmlns:ma14="http://schemas.microsoft.com/office/mac/drawingml/2011/main" xmlns="" val="1"/>
+              <ma14:wrappingTextBoxFlag xmlns="" xmlns:ma14="http://schemas.microsoft.com/office/mac/drawingml/2011/main" val="1"/>
             </a:ext>
           </a:extLst>
         </p:spPr>
@@ -6281,7 +6277,7 @@
           </a:ln>
           <a:extLst>
             <a:ext uri="{C572A759-6A51-4108-AA02-DFA0A04FC94B}">
-              <ma14:wrappingTextBoxFlag xmlns:ma14="http://schemas.microsoft.com/office/mac/drawingml/2011/main" xmlns="" val="1"/>
+              <ma14:wrappingTextBoxFlag xmlns="" xmlns:ma14="http://schemas.microsoft.com/office/mac/drawingml/2011/main" val="1"/>
             </a:ext>
           </a:extLst>
         </p:spPr>
@@ -6579,7 +6575,7 @@
           </a:ln>
           <a:extLst>
             <a:ext uri="{C572A759-6A51-4108-AA02-DFA0A04FC94B}">
-              <ma14:wrappingTextBoxFlag xmlns:ma14="http://schemas.microsoft.com/office/mac/drawingml/2011/main" xmlns="" val="1"/>
+              <ma14:wrappingTextBoxFlag xmlns="" xmlns:ma14="http://schemas.microsoft.com/office/mac/drawingml/2011/main" val="1"/>
             </a:ext>
           </a:extLst>
         </p:spPr>
@@ -6814,7 +6810,7 @@
           </a:ln>
           <a:extLst>
             <a:ext uri="{C572A759-6A51-4108-AA02-DFA0A04FC94B}">
-              <ma14:wrappingTextBoxFlag xmlns:ma14="http://schemas.microsoft.com/office/mac/drawingml/2011/main" xmlns="" val="1"/>
+              <ma14:wrappingTextBoxFlag xmlns="" xmlns:ma14="http://schemas.microsoft.com/office/mac/drawingml/2011/main" val="1"/>
             </a:ext>
           </a:extLst>
         </p:spPr>
@@ -7303,7 +7299,7 @@
           </a:ln>
           <a:extLst>
             <a:ext uri="{C572A759-6A51-4108-AA02-DFA0A04FC94B}">
-              <ma14:wrappingTextBoxFlag xmlns:ma14="http://schemas.microsoft.com/office/mac/drawingml/2011/main" xmlns="" val="1"/>
+              <ma14:wrappingTextBoxFlag xmlns="" xmlns:ma14="http://schemas.microsoft.com/office/mac/drawingml/2011/main" val="1"/>
             </a:ext>
           </a:extLst>
         </p:spPr>
@@ -7375,7 +7371,7 @@
           </a:ln>
           <a:extLst>
             <a:ext uri="{C572A759-6A51-4108-AA02-DFA0A04FC94B}">
-              <ma14:wrappingTextBoxFlag xmlns:ma14="http://schemas.microsoft.com/office/mac/drawingml/2011/main" xmlns="" val="1"/>
+              <ma14:wrappingTextBoxFlag xmlns="" xmlns:ma14="http://schemas.microsoft.com/office/mac/drawingml/2011/main" val="1"/>
             </a:ext>
           </a:extLst>
         </p:spPr>
@@ -7543,7 +7539,7 @@
           </a:ln>
           <a:extLst>
             <a:ext uri="{C572A759-6A51-4108-AA02-DFA0A04FC94B}">
-              <ma14:wrappingTextBoxFlag xmlns:ma14="http://schemas.microsoft.com/office/mac/drawingml/2011/main" xmlns="" val="1"/>
+              <ma14:wrappingTextBoxFlag xmlns="" xmlns:ma14="http://schemas.microsoft.com/office/mac/drawingml/2011/main" val="1"/>
             </a:ext>
           </a:extLst>
         </p:spPr>
@@ -7771,7 +7767,7 @@
           </a:ln>
           <a:extLst>
             <a:ext uri="{C572A759-6A51-4108-AA02-DFA0A04FC94B}">
-              <ma14:wrappingTextBoxFlag xmlns:ma14="http://schemas.microsoft.com/office/mac/drawingml/2011/main" xmlns="" val="1"/>
+              <ma14:wrappingTextBoxFlag xmlns="" xmlns:ma14="http://schemas.microsoft.com/office/mac/drawingml/2011/main" val="1"/>
             </a:ext>
           </a:extLst>
         </p:spPr>
@@ -8108,7 +8104,7 @@
           </a:ln>
           <a:extLst>
             <a:ext uri="{C572A759-6A51-4108-AA02-DFA0A04FC94B}">
-              <ma14:wrappingTextBoxFlag xmlns:ma14="http://schemas.microsoft.com/office/mac/drawingml/2011/main" xmlns="" val="1"/>
+              <ma14:wrappingTextBoxFlag xmlns="" xmlns:ma14="http://schemas.microsoft.com/office/mac/drawingml/2011/main" val="1"/>
             </a:ext>
           </a:extLst>
         </p:spPr>
@@ -8216,7 +8212,7 @@
           </a:ln>
           <a:extLst>
             <a:ext uri="{C572A759-6A51-4108-AA02-DFA0A04FC94B}">
-              <ma14:wrappingTextBoxFlag xmlns:ma14="http://schemas.microsoft.com/office/mac/drawingml/2011/main" xmlns="" val="1"/>
+              <ma14:wrappingTextBoxFlag xmlns="" xmlns:ma14="http://schemas.microsoft.com/office/mac/drawingml/2011/main" val="1"/>
             </a:ext>
           </a:extLst>
         </p:spPr>
@@ -8429,7 +8425,7 @@
           </a:ln>
           <a:extLst>
             <a:ext uri="{C572A759-6A51-4108-AA02-DFA0A04FC94B}">
-              <ma14:wrappingTextBoxFlag xmlns:ma14="http://schemas.microsoft.com/office/mac/drawingml/2011/main" xmlns="" val="1"/>
+              <ma14:wrappingTextBoxFlag xmlns="" xmlns:ma14="http://schemas.microsoft.com/office/mac/drawingml/2011/main" val="1"/>
             </a:ext>
           </a:extLst>
         </p:spPr>
@@ -8534,7 +8530,7 @@
           </a:ln>
           <a:extLst>
             <a:ext uri="{C572A759-6A51-4108-AA02-DFA0A04FC94B}">
-              <ma14:wrappingTextBoxFlag xmlns:ma14="http://schemas.microsoft.com/office/mac/drawingml/2011/main" xmlns="" val="1"/>
+              <ma14:wrappingTextBoxFlag xmlns="" xmlns:ma14="http://schemas.microsoft.com/office/mac/drawingml/2011/main" val="1"/>
             </a:ext>
           </a:extLst>
         </p:spPr>
@@ -9099,7 +9095,7 @@
           </a:ln>
           <a:extLst>
             <a:ext uri="{C572A759-6A51-4108-AA02-DFA0A04FC94B}">
-              <ma14:wrappingTextBoxFlag xmlns:ma14="http://schemas.microsoft.com/office/mac/drawingml/2011/main" xmlns="" val="1"/>
+              <ma14:wrappingTextBoxFlag xmlns="" xmlns:ma14="http://schemas.microsoft.com/office/mac/drawingml/2011/main" val="1"/>
             </a:ext>
           </a:extLst>
         </p:spPr>
@@ -9594,7 +9590,7 @@
           </a:ln>
           <a:extLst>
             <a:ext uri="{C572A759-6A51-4108-AA02-DFA0A04FC94B}">
-              <ma14:wrappingTextBoxFlag xmlns:ma14="http://schemas.microsoft.com/office/mac/drawingml/2011/main" xmlns="" val="1"/>
+              <ma14:wrappingTextBoxFlag xmlns="" xmlns:ma14="http://schemas.microsoft.com/office/mac/drawingml/2011/main" val="1"/>
             </a:ext>
           </a:extLst>
         </p:spPr>
@@ -10018,7 +10014,7 @@
           </a:ln>
           <a:extLst>
             <a:ext uri="{C572A759-6A51-4108-AA02-DFA0A04FC94B}">
-              <ma14:wrappingTextBoxFlag xmlns:ma14="http://schemas.microsoft.com/office/mac/drawingml/2011/main" xmlns="" val="1"/>
+              <ma14:wrappingTextBoxFlag xmlns="" xmlns:ma14="http://schemas.microsoft.com/office/mac/drawingml/2011/main" val="1"/>
             </a:ext>
           </a:extLst>
         </p:spPr>
@@ -10752,21 +10748,28 @@
               <a:t>第二種</a:t>
             </a:r>
             <a:r>
-              <a:rPr lang="zh-TW" altLang="en-US" sz="2000" b="1" dirty="0">
+              <a:rPr lang="zh-TW" altLang="en-US" sz="2000" b="1">
                 <a:latin typeface="微軟正黑體" pitchFamily="34" charset="-120"/>
                 <a:ea typeface="微軟正黑體" pitchFamily="34" charset="-120"/>
               </a:rPr>
-              <a:t>模式 開熱點方式</a:t>
-            </a:r>
-            <a:r>
-              <a:rPr lang="en-US" altLang="zh-TW" sz="2000" b="1" dirty="0">
+              <a:t>模式 </a:t>
+            </a:r>
+            <a:r>
+              <a:rPr lang="zh-TW" altLang="en-US" sz="2000" b="1" smtClean="0">
                 <a:latin typeface="微軟正黑體" pitchFamily="34" charset="-120"/>
                 <a:ea typeface="微軟正黑體" pitchFamily="34" charset="-120"/>
               </a:rPr>
+              <a:t>分享網路透過網路線</a:t>
+            </a:r>
+            <a:r>
+              <a:rPr lang="en-US" altLang="zh-TW" sz="2000" b="1" smtClean="0">
+                <a:latin typeface="微軟正黑體" pitchFamily="34" charset="-120"/>
+                <a:ea typeface="微軟正黑體" pitchFamily="34" charset="-120"/>
+              </a:rPr>
               <a:t>:</a:t>
             </a:r>
             <a:r>
-              <a:rPr lang="zh-TW" altLang="en-US" sz="2000" b="1" dirty="0">
+              <a:rPr lang="zh-TW" altLang="en-US" sz="2000" b="1" dirty="0" smtClean="0">
                 <a:latin typeface="微軟正黑體" pitchFamily="34" charset="-120"/>
                 <a:ea typeface="微軟正黑體" pitchFamily="34" charset="-120"/>
               </a:rPr>
@@ -10932,7 +10935,7 @@
           </a:ln>
           <a:extLst>
             <a:ext uri="{C572A759-6A51-4108-AA02-DFA0A04FC94B}">
-              <ma14:wrappingTextBoxFlag xmlns:ma14="http://schemas.microsoft.com/office/mac/drawingml/2011/main" xmlns="" val="1"/>
+              <ma14:wrappingTextBoxFlag xmlns="" xmlns:ma14="http://schemas.microsoft.com/office/mac/drawingml/2011/main" val="1"/>
             </a:ext>
           </a:extLst>
         </p:spPr>
@@ -10979,7 +10982,7 @@
           </a:ln>
           <a:extLst>
             <a:ext uri="{C572A759-6A51-4108-AA02-DFA0A04FC94B}">
-              <ma14:wrappingTextBoxFlag xmlns:ma14="http://schemas.microsoft.com/office/mac/drawingml/2011/main" xmlns="" val="1"/>
+              <ma14:wrappingTextBoxFlag xmlns="" xmlns:ma14="http://schemas.microsoft.com/office/mac/drawingml/2011/main" val="1"/>
             </a:ext>
           </a:extLst>
         </p:spPr>
@@ -11272,7 +11275,7 @@
           </a:ln>
           <a:extLst>
             <a:ext uri="{C572A759-6A51-4108-AA02-DFA0A04FC94B}">
-              <ma14:wrappingTextBoxFlag xmlns:ma14="http://schemas.microsoft.com/office/mac/drawingml/2011/main" xmlns="" val="1"/>
+              <ma14:wrappingTextBoxFlag xmlns="" xmlns:ma14="http://schemas.microsoft.com/office/mac/drawingml/2011/main" val="1"/>
             </a:ext>
           </a:extLst>
         </p:spPr>
@@ -11348,7 +11351,7 @@
           </a:ln>
           <a:extLst>
             <a:ext uri="{C572A759-6A51-4108-AA02-DFA0A04FC94B}">
-              <ma14:wrappingTextBoxFlag xmlns:ma14="http://schemas.microsoft.com/office/mac/drawingml/2011/main" xmlns="" val="1"/>
+              <ma14:wrappingTextBoxFlag xmlns="" xmlns:ma14="http://schemas.microsoft.com/office/mac/drawingml/2011/main" val="1"/>
             </a:ext>
           </a:extLst>
         </p:spPr>
@@ -11560,7 +11563,7 @@
           </a:ln>
           <a:extLst>
             <a:ext uri="{C572A759-6A51-4108-AA02-DFA0A04FC94B}">
-              <ma14:wrappingTextBoxFlag xmlns:ma14="http://schemas.microsoft.com/office/mac/drawingml/2011/main" xmlns="" val="1"/>
+              <ma14:wrappingTextBoxFlag xmlns="" xmlns:ma14="http://schemas.microsoft.com/office/mac/drawingml/2011/main" val="1"/>
             </a:ext>
           </a:extLst>
         </p:spPr>
@@ -11679,7 +11682,7 @@
           </a:ln>
           <a:extLst>
             <a:ext uri="{C572A759-6A51-4108-AA02-DFA0A04FC94B}">
-              <ma14:wrappingTextBoxFlag xmlns:ma14="http://schemas.microsoft.com/office/mac/drawingml/2011/main" xmlns="" val="1"/>
+              <ma14:wrappingTextBoxFlag xmlns="" xmlns:ma14="http://schemas.microsoft.com/office/mac/drawingml/2011/main" val="1"/>
             </a:ext>
           </a:extLst>
         </p:spPr>
@@ -11809,7 +11812,7 @@
           </a:ln>
           <a:extLst>
             <a:ext uri="{C572A759-6A51-4108-AA02-DFA0A04FC94B}">
-              <ma14:wrappingTextBoxFlag xmlns:ma14="http://schemas.microsoft.com/office/mac/drawingml/2011/main" xmlns="" val="1"/>
+              <ma14:wrappingTextBoxFlag xmlns="" xmlns:ma14="http://schemas.microsoft.com/office/mac/drawingml/2011/main" val="1"/>
             </a:ext>
           </a:extLst>
         </p:spPr>
@@ -12244,7 +12247,7 @@
           </a:ln>
           <a:extLst>
             <a:ext uri="{C572A759-6A51-4108-AA02-DFA0A04FC94B}">
-              <ma14:wrappingTextBoxFlag xmlns:ma14="http://schemas.microsoft.com/office/mac/drawingml/2011/main" xmlns="" val="1"/>
+              <ma14:wrappingTextBoxFlag xmlns="" xmlns:ma14="http://schemas.microsoft.com/office/mac/drawingml/2011/main" val="1"/>
             </a:ext>
           </a:extLst>
         </p:spPr>
@@ -12333,7 +12336,7 @@
           </a:ln>
           <a:extLst>
             <a:ext uri="{C572A759-6A51-4108-AA02-DFA0A04FC94B}">
-              <ma14:wrappingTextBoxFlag xmlns:ma14="http://schemas.microsoft.com/office/mac/drawingml/2011/main" xmlns="" val="1"/>
+              <ma14:wrappingTextBoxFlag xmlns="" xmlns:ma14="http://schemas.microsoft.com/office/mac/drawingml/2011/main" val="1"/>
             </a:ext>
           </a:extLst>
         </p:spPr>
@@ -12492,7 +12495,7 @@
           </a:ln>
           <a:extLst>
             <a:ext uri="{C572A759-6A51-4108-AA02-DFA0A04FC94B}">
-              <ma14:wrappingTextBoxFlag xmlns:ma14="http://schemas.microsoft.com/office/mac/drawingml/2011/main" xmlns="" val="1"/>
+              <ma14:wrappingTextBoxFlag xmlns="" xmlns:ma14="http://schemas.microsoft.com/office/mac/drawingml/2011/main" val="1"/>
             </a:ext>
           </a:extLst>
         </p:spPr>
@@ -12611,7 +12614,7 @@
           </a:ln>
           <a:extLst>
             <a:ext uri="{C572A759-6A51-4108-AA02-DFA0A04FC94B}">
-              <ma14:wrappingTextBoxFlag xmlns:ma14="http://schemas.microsoft.com/office/mac/drawingml/2011/main" xmlns="" val="1"/>
+              <ma14:wrappingTextBoxFlag xmlns="" xmlns:ma14="http://schemas.microsoft.com/office/mac/drawingml/2011/main" val="1"/>
             </a:ext>
           </a:extLst>
         </p:spPr>
@@ -12898,7 +12901,7 @@
           </a:ln>
           <a:extLst>
             <a:ext uri="{C572A759-6A51-4108-AA02-DFA0A04FC94B}">
-              <ma14:wrappingTextBoxFlag xmlns:ma14="http://schemas.microsoft.com/office/mac/drawingml/2011/main" xmlns="" val="1"/>
+              <ma14:wrappingTextBoxFlag xmlns="" xmlns:ma14="http://schemas.microsoft.com/office/mac/drawingml/2011/main" val="1"/>
             </a:ext>
           </a:extLst>
         </p:spPr>
@@ -13003,7 +13006,7 @@
           </a:ln>
           <a:extLst>
             <a:ext uri="{C572A759-6A51-4108-AA02-DFA0A04FC94B}">
-              <ma14:wrappingTextBoxFlag xmlns:ma14="http://schemas.microsoft.com/office/mac/drawingml/2011/main" xmlns="" val="1"/>
+              <ma14:wrappingTextBoxFlag xmlns="" xmlns:ma14="http://schemas.microsoft.com/office/mac/drawingml/2011/main" val="1"/>
             </a:ext>
           </a:extLst>
         </p:spPr>
